--- a/Technical Analysis-comparison.pptx
+++ b/Technical Analysis-comparison.pptx
@@ -122,7 +122,18 @@
   </p:defaultTextStyle>
   <p:extLst>
     <p:ext uri="{EFAFB233-063F-42B5-8137-9DF3F51BA10A}">
-      <p15:sldGuideLst xmlns:p15="http://schemas.microsoft.com/office/powerpoint/2012/main" xmlns=""/>
+      <p15:sldGuideLst xmlns:p15="http://schemas.microsoft.com/office/powerpoint/2012/main">
+        <p15:guide id="1" orient="horz" pos="2160">
+          <p15:clr>
+            <a:srgbClr val="A4A3A4"/>
+          </p15:clr>
+        </p15:guide>
+        <p15:guide id="2" pos="3840">
+          <p15:clr>
+            <a:srgbClr val="A4A3A4"/>
+          </p15:clr>
+        </p15:guide>
+      </p15:sldGuideLst>
     </p:ext>
   </p:extLst>
 </p:presentation>
@@ -210,7 +221,7 @@
           <a:p>
             <a:fld id="{F4C5F61B-2629-4711-AA38-264E458EB4B6}" type="datetimeFigureOut">
               <a:rPr lang="en-US"/>
-              <a:t>17-02-05</a:t>
+              <a:t>2/7/2017</a:t>
             </a:fld>
             <a:endParaRPr lang="en-US" dirty="0"/>
           </a:p>
@@ -606,11 +617,11 @@
           <a:lstStyle/>
           <a:p>
             <a:r>
-              <a:rPr lang="en-US" dirty="0" smtClean="0"/>
+              <a:rPr lang="en-US" dirty="0"/>
               <a:t>Reference:</a:t>
             </a:r>
             <a:r>
-              <a:rPr lang="en-US" baseline="0" dirty="0" smtClean="0"/>
+              <a:rPr lang="en-US" baseline="0" dirty="0"/>
               <a:t> CFA Investments Chapter 12</a:t>
             </a:r>
             <a:endParaRPr lang="en-US" dirty="0"/>
@@ -696,33 +707,6 @@
         <p:txBody>
           <a:bodyPr/>
           <a:lstStyle/>
-          <a:p>
-            <a:r>
-              <a:rPr lang="en-US" dirty="0" smtClean="0"/>
-              <a:t>http://</a:t>
-            </a:r>
-            <a:r>
-              <a:rPr lang="en-US" dirty="0" err="1" smtClean="0"/>
-              <a:t>stockcharts.com</a:t>
-            </a:r>
-            <a:r>
-              <a:rPr lang="en-US" dirty="0" smtClean="0"/>
-              <a:t>/school/</a:t>
-            </a:r>
-            <a:r>
-              <a:rPr lang="en-US" dirty="0" err="1" smtClean="0"/>
-              <a:t>doku.php?id</a:t>
-            </a:r>
-            <a:r>
-              <a:rPr lang="en-US" dirty="0" smtClean="0"/>
-              <a:t>=</a:t>
-            </a:r>
-            <a:r>
-              <a:rPr lang="en-US" dirty="0" err="1" smtClean="0"/>
-              <a:t>chart_school:technical_indicators:relative_strength_index_rsi</a:t>
-            </a:r>
-            <a:endParaRPr lang="en-US" smtClean="0"/>
-          </a:p>
           <a:p>
             <a:endParaRPr lang="en-US" dirty="0"/>
           </a:p>
@@ -1821,7 +1805,7 @@
             <a:fld id="{B61BEF0D-F0BB-DE4B-95CE-6DB70DBA9567}" type="datetimeFigureOut">
               <a:rPr lang="en-US"/>
               <a:pPr/>
-              <a:t>17-02-05</a:t>
+              <a:t>2/7/2017</a:t>
             </a:fld>
             <a:endParaRPr lang="en-US" dirty="0"/>
           </a:p>
@@ -2068,7 +2052,7 @@
             <a:fld id="{B61BEF0D-F0BB-DE4B-95CE-6DB70DBA9567}" type="datetimeFigureOut">
               <a:rPr lang="en-US"/>
               <a:pPr/>
-              <a:t>17-02-05</a:t>
+              <a:t>2/7/2017</a:t>
             </a:fld>
             <a:endParaRPr lang="en-US" dirty="0"/>
           </a:p>
@@ -2378,7 +2362,7 @@
             <a:fld id="{B61BEF0D-F0BB-DE4B-95CE-6DB70DBA9567}" type="datetimeFigureOut">
               <a:rPr lang="en-US"/>
               <a:pPr/>
-              <a:t>17-02-05</a:t>
+              <a:t>2/7/2017</a:t>
             </a:fld>
             <a:endParaRPr lang="en-US" dirty="0"/>
           </a:p>
@@ -2715,7 +2699,7 @@
             <a:fld id="{B61BEF0D-F0BB-DE4B-95CE-6DB70DBA9567}" type="datetimeFigureOut">
               <a:rPr lang="en-US"/>
               <a:pPr/>
-              <a:t>17-02-05</a:t>
+              <a:t>2/7/2017</a:t>
             </a:fld>
             <a:endParaRPr lang="en-US" dirty="0"/>
           </a:p>
@@ -3025,7 +3009,7 @@
             <a:fld id="{B61BEF0D-F0BB-DE4B-95CE-6DB70DBA9567}" type="datetimeFigureOut">
               <a:rPr lang="en-US"/>
               <a:pPr/>
-              <a:t>17-02-05</a:t>
+              <a:t>2/7/2017</a:t>
             </a:fld>
             <a:endParaRPr lang="en-US" dirty="0"/>
           </a:p>
@@ -3414,7 +3398,7 @@
             <a:fld id="{B61BEF0D-F0BB-DE4B-95CE-6DB70DBA9567}" type="datetimeFigureOut">
               <a:rPr lang="en-US"/>
               <a:pPr/>
-              <a:t>17-02-05</a:t>
+              <a:t>2/7/2017</a:t>
             </a:fld>
             <a:endParaRPr lang="en-US" dirty="0"/>
           </a:p>
@@ -3578,7 +3562,7 @@
           <a:p>
             <a:fld id="{55C6B4A9-1611-4792-9094-5F34BCA07E0B}" type="datetimeFigureOut">
               <a:rPr lang="en-US"/>
-              <a:t>17-02-05</a:t>
+              <a:t>2/7/2017</a:t>
             </a:fld>
             <a:endParaRPr lang="en-US" dirty="0"/>
           </a:p>
@@ -3752,7 +3736,7 @@
             <a:fld id="{B61BEF0D-F0BB-DE4B-95CE-6DB70DBA9567}" type="datetimeFigureOut">
               <a:rPr lang="en-US"/>
               <a:pPr/>
-              <a:t>17-02-05</a:t>
+              <a:t>2/7/2017</a:t>
             </a:fld>
             <a:endParaRPr lang="en-US" dirty="0"/>
           </a:p>
@@ -3923,7 +3907,7 @@
             <a:fld id="{B61BEF0D-F0BB-DE4B-95CE-6DB70DBA9567}" type="datetimeFigureOut">
               <a:rPr lang="en-US"/>
               <a:pPr/>
-              <a:t>17-02-05</a:t>
+              <a:t>2/7/2017</a:t>
             </a:fld>
             <a:endParaRPr lang="en-US" dirty="0"/>
           </a:p>
@@ -4166,7 +4150,7 @@
             <a:fld id="{B61BEF0D-F0BB-DE4B-95CE-6DB70DBA9567}" type="datetimeFigureOut">
               <a:rPr lang="en-US"/>
               <a:pPr/>
-              <a:t>17-02-05</a:t>
+              <a:t>2/7/2017</a:t>
             </a:fld>
             <a:endParaRPr lang="en-US" dirty="0"/>
           </a:p>
@@ -4391,7 +4375,7 @@
           <a:p>
             <a:fld id="{EB712588-04B1-427B-82EE-E8DB90309F08}" type="datetimeFigureOut">
               <a:rPr lang="en-US"/>
-              <a:t>17-02-05</a:t>
+              <a:t>2/7/2017</a:t>
             </a:fld>
             <a:endParaRPr lang="en-US" dirty="0"/>
           </a:p>
@@ -4758,7 +4742,7 @@
             <a:fld id="{B61BEF0D-F0BB-DE4B-95CE-6DB70DBA9567}" type="datetimeFigureOut">
               <a:rPr lang="en-US"/>
               <a:pPr/>
-              <a:t>17-02-05</a:t>
+              <a:t>2/7/2017</a:t>
             </a:fld>
             <a:endParaRPr lang="en-US" dirty="0"/>
           </a:p>
@@ -4877,7 +4861,7 @@
             <a:fld id="{B61BEF0D-F0BB-DE4B-95CE-6DB70DBA9567}" type="datetimeFigureOut">
               <a:rPr lang="en-US"/>
               <a:pPr/>
-              <a:t>17-02-05</a:t>
+              <a:t>2/7/2017</a:t>
             </a:fld>
             <a:endParaRPr lang="en-US" dirty="0"/>
           </a:p>
@@ -4969,7 +4953,7 @@
             <a:fld id="{B61BEF0D-F0BB-DE4B-95CE-6DB70DBA9567}" type="datetimeFigureOut">
               <a:rPr lang="en-US"/>
               <a:pPr/>
-              <a:t>17-02-05</a:t>
+              <a:t>2/7/2017</a:t>
             </a:fld>
             <a:endParaRPr lang="en-US" dirty="0"/>
           </a:p>
@@ -5218,7 +5202,7 @@
           <a:p>
             <a:fld id="{42A54C80-263E-416B-A8E0-580EDEADCBDC}" type="datetimeFigureOut">
               <a:rPr lang="en-US"/>
-              <a:t>17-02-05</a:t>
+              <a:t>2/7/2017</a:t>
             </a:fld>
             <a:endParaRPr lang="en-US" dirty="0"/>
           </a:p>
@@ -5475,7 +5459,7 @@
             <a:fld id="{B61BEF0D-F0BB-DE4B-95CE-6DB70DBA9567}" type="datetimeFigureOut">
               <a:rPr lang="en-US"/>
               <a:pPr/>
-              <a:t>17-02-05</a:t>
+              <a:t>2/7/2017</a:t>
             </a:fld>
             <a:endParaRPr lang="en-US" dirty="0"/>
           </a:p>
@@ -6213,7 +6197,7 @@
             <a:fld id="{B61BEF0D-F0BB-DE4B-95CE-6DB70DBA9567}" type="datetimeFigureOut">
               <a:rPr lang="en-US"/>
               <a:pPr/>
-              <a:t>17-02-05</a:t>
+              <a:t>2/7/2017</a:t>
             </a:fld>
             <a:endParaRPr lang="en-US" dirty="0"/>
           </a:p>
@@ -6771,10 +6755,9 @@
           <a:lstStyle/>
           <a:p>
             <a:r>
-              <a:rPr lang="en-US" dirty="0" smtClean="0"/>
+              <a:rPr lang="en-US" dirty="0"/>
               <a:t>Feb. 07, 2017</a:t>
             </a:r>
-            <a:endParaRPr lang="en-US" dirty="0"/>
           </a:p>
         </p:txBody>
       </p:sp>
@@ -6847,7 +6830,7 @@
         </p:nvGraphicFramePr>
         <p:xfrm>
           <a:off x="723549" y="1563688"/>
-          <a:ext cx="8504238" cy="5034279"/>
+          <a:ext cx="8504238" cy="5034280"/>
         </p:xfrm>
         <a:graphic>
           <a:graphicData uri="http://schemas.openxmlformats.org/drawingml/2006/table">
@@ -6856,9 +6839,27 @@
                 <a:tableStyleId>{5C22544A-7EE6-4342-B048-85BDC9FD1C3A}</a:tableStyleId>
               </a:tblPr>
               <a:tblGrid>
-                <a:gridCol w="1473551"/>
-                <a:gridCol w="3614386"/>
-                <a:gridCol w="3416301"/>
+                <a:gridCol w="1473551">
+                  <a:extLst>
+                    <a:ext uri="{9D8B030D-6E8A-4147-A177-3AD203B41FA5}">
+                      <a16:colId xmlns:a16="http://schemas.microsoft.com/office/drawing/2014/main" val="20000"/>
+                    </a:ext>
+                  </a:extLst>
+                </a:gridCol>
+                <a:gridCol w="3614386">
+                  <a:extLst>
+                    <a:ext uri="{9D8B030D-6E8A-4147-A177-3AD203B41FA5}">
+                      <a16:colId xmlns:a16="http://schemas.microsoft.com/office/drawing/2014/main" val="20001"/>
+                    </a:ext>
+                  </a:extLst>
+                </a:gridCol>
+                <a:gridCol w="3416301">
+                  <a:extLst>
+                    <a:ext uri="{9D8B030D-6E8A-4147-A177-3AD203B41FA5}">
+                      <a16:colId xmlns:a16="http://schemas.microsoft.com/office/drawing/2014/main" val="20002"/>
+                    </a:ext>
+                  </a:extLst>
+                </a:gridCol>
               </a:tblGrid>
               <a:tr h="370840">
                 <a:tc>
@@ -6877,10 +6878,9 @@
                     <a:lstStyle/>
                     <a:p>
                       <a:r>
-                        <a:rPr lang="en-US" dirty="0" smtClean="0"/>
+                        <a:rPr lang="en-US" dirty="0"/>
                         <a:t>Fundamental Analysis</a:t>
                       </a:r>
-                      <a:endParaRPr lang="en-US" dirty="0"/>
                     </a:p>
                   </a:txBody>
                   <a:tcPr/>
@@ -6891,14 +6891,18 @@
                     <a:lstStyle/>
                     <a:p>
                       <a:r>
-                        <a:rPr lang="en-US" dirty="0" smtClean="0"/>
+                        <a:rPr lang="en-US" dirty="0"/>
                         <a:t>Technical Analysis</a:t>
                       </a:r>
-                      <a:endParaRPr lang="en-US" dirty="0"/>
                     </a:p>
                   </a:txBody>
                   <a:tcPr/>
                 </a:tc>
+                <a:extLst>
+                  <a:ext uri="{0D108BD9-81ED-4DB2-BD59-A6C34878D82A}">
+                    <a16:rowId xmlns:a16="http://schemas.microsoft.com/office/drawing/2014/main" val="10000"/>
+                  </a:ext>
+                </a:extLst>
               </a:tr>
               <a:tr h="370840">
                 <a:tc>
@@ -6907,10 +6911,9 @@
                     <a:lstStyle/>
                     <a:p>
                       <a:r>
-                        <a:rPr lang="en-US" dirty="0" smtClean="0"/>
+                        <a:rPr lang="en-US" dirty="0"/>
                         <a:t>Definition</a:t>
                       </a:r>
-                      <a:endParaRPr lang="en-US" dirty="0"/>
                     </a:p>
                   </a:txBody>
                   <a:tcPr/>
@@ -6921,11 +6924,11 @@
                     <a:lstStyle/>
                     <a:p>
                       <a:r>
-                        <a:rPr lang="en-US" dirty="0" smtClean="0"/>
+                        <a:rPr lang="en-US" dirty="0"/>
                         <a:t>Intrinsic</a:t>
                       </a:r>
                       <a:r>
-                        <a:rPr lang="en-US" baseline="0" dirty="0" smtClean="0"/>
+                        <a:rPr lang="en-US" baseline="0" dirty="0"/>
                         <a:t> value of an asset</a:t>
                       </a:r>
                       <a:endParaRPr lang="en-US" dirty="0"/>
@@ -6939,11 +6942,11 @@
                     <a:lstStyle/>
                     <a:p>
                       <a:r>
-                        <a:rPr lang="en-US" dirty="0" smtClean="0"/>
+                        <a:rPr lang="en-US" dirty="0"/>
                         <a:t>Price movement and patterns to predict future price</a:t>
                       </a:r>
                       <a:r>
-                        <a:rPr lang="en-US" baseline="0" dirty="0" smtClean="0"/>
+                        <a:rPr lang="en-US" baseline="0" dirty="0"/>
                         <a:t> movement</a:t>
                       </a:r>
                       <a:endParaRPr lang="en-US" dirty="0"/>
@@ -6951,6 +6954,11 @@
                   </a:txBody>
                   <a:tcPr/>
                 </a:tc>
+                <a:extLst>
+                  <a:ext uri="{0D108BD9-81ED-4DB2-BD59-A6C34878D82A}">
+                    <a16:rowId xmlns:a16="http://schemas.microsoft.com/office/drawing/2014/main" val="10001"/>
+                  </a:ext>
+                </a:extLst>
               </a:tr>
               <a:tr h="370840">
                 <a:tc>
@@ -6959,10 +6967,9 @@
                     <a:lstStyle/>
                     <a:p>
                       <a:r>
-                        <a:rPr lang="en-US" dirty="0" smtClean="0"/>
+                        <a:rPr lang="en-US" dirty="0"/>
                         <a:t>Data</a:t>
                       </a:r>
-                      <a:endParaRPr lang="en-US" dirty="0"/>
                     </a:p>
                   </a:txBody>
                   <a:tcPr/>
@@ -6973,11 +6980,11 @@
                     <a:lstStyle/>
                     <a:p>
                       <a:r>
-                        <a:rPr lang="en-US" dirty="0" smtClean="0"/>
+                        <a:rPr lang="en-US" dirty="0"/>
                         <a:t>Economic reports,</a:t>
                       </a:r>
                       <a:r>
-                        <a:rPr lang="en-US" baseline="0" dirty="0" smtClean="0"/>
+                        <a:rPr lang="en-US" baseline="0" dirty="0"/>
                         <a:t> news, industry statics</a:t>
                       </a:r>
                       <a:endParaRPr lang="en-US" dirty="0"/>
@@ -6991,31 +6998,31 @@
                     <a:lstStyle/>
                     <a:p>
                       <a:r>
-                        <a:rPr lang="en-US" altLang="zh-CN" dirty="0" smtClean="0"/>
+                        <a:rPr lang="en-US" altLang="zh-CN" dirty="0"/>
                         <a:t>Share</a:t>
                       </a:r>
                       <a:r>
-                        <a:rPr lang="zh-CN" altLang="en-US" dirty="0" smtClean="0"/>
+                        <a:rPr lang="zh-CN" altLang="en-US" dirty="0"/>
                         <a:t> </a:t>
                       </a:r>
                       <a:r>
-                        <a:rPr lang="en-US" altLang="zh-CN" dirty="0" smtClean="0"/>
+                        <a:rPr lang="en-US" altLang="zh-CN" dirty="0"/>
                         <a:t>price</a:t>
                       </a:r>
                       <a:r>
-                        <a:rPr lang="zh-CN" altLang="en-US" dirty="0" smtClean="0"/>
+                        <a:rPr lang="zh-CN" altLang="en-US" dirty="0"/>
                         <a:t>, </a:t>
                       </a:r>
                       <a:r>
-                        <a:rPr lang="en-US" altLang="zh-CN" dirty="0" smtClean="0"/>
+                        <a:rPr lang="en-US" altLang="zh-CN" dirty="0"/>
                         <a:t>trading</a:t>
                       </a:r>
                       <a:r>
-                        <a:rPr lang="zh-CN" altLang="en-US" dirty="0" smtClean="0"/>
+                        <a:rPr lang="zh-CN" altLang="en-US" dirty="0"/>
                         <a:t> </a:t>
                       </a:r>
                       <a:r>
-                        <a:rPr lang="en-US" altLang="zh-CN" dirty="0" smtClean="0"/>
+                        <a:rPr lang="en-US" altLang="zh-CN" dirty="0"/>
                         <a:t>volume</a:t>
                       </a:r>
                       <a:endParaRPr lang="en-US" dirty="0"/>
@@ -7023,6 +7030,11 @@
                   </a:txBody>
                   <a:tcPr/>
                 </a:tc>
+                <a:extLst>
+                  <a:ext uri="{0D108BD9-81ED-4DB2-BD59-A6C34878D82A}">
+                    <a16:rowId xmlns:a16="http://schemas.microsoft.com/office/drawing/2014/main" val="10002"/>
+                  </a:ext>
+                </a:extLst>
               </a:tr>
               <a:tr h="370840">
                 <a:tc>
@@ -7031,10 +7043,9 @@
                     <a:lstStyle/>
                     <a:p>
                       <a:r>
-                        <a:rPr lang="en-US" dirty="0" smtClean="0"/>
+                        <a:rPr lang="en-US" dirty="0"/>
                         <a:t>Decision Making</a:t>
                       </a:r>
-                      <a:endParaRPr lang="en-US" dirty="0"/>
                     </a:p>
                   </a:txBody>
                   <a:tcPr/>
@@ -7045,25 +7056,25 @@
                     <a:lstStyle/>
                     <a:p>
                       <a:r>
-                        <a:rPr lang="en-US" dirty="0" smtClean="0"/>
+                        <a:rPr lang="en-US" dirty="0"/>
                         <a:t>Buy:</a:t>
                       </a:r>
                       <a:r>
-                        <a:rPr lang="en-US" baseline="0" dirty="0" smtClean="0"/>
+                        <a:rPr lang="en-US" baseline="0" dirty="0"/>
                         <a:t> p</a:t>
                       </a:r>
                       <a:r>
-                        <a:rPr lang="en-US" dirty="0" smtClean="0"/>
+                        <a:rPr lang="en-US" dirty="0"/>
                         <a:t>rice &lt;</a:t>
                       </a:r>
                       <a:r>
-                        <a:rPr lang="en-US" baseline="0" dirty="0" smtClean="0"/>
+                        <a:rPr lang="en-US" baseline="0" dirty="0"/>
                         <a:t> intrinsic value </a:t>
                       </a:r>
                     </a:p>
                     <a:p>
                       <a:r>
-                        <a:rPr lang="en-US" baseline="0" dirty="0" smtClean="0"/>
+                        <a:rPr lang="en-US" baseline="0" dirty="0"/>
                         <a:t>Sell: price &gt; intrinsic value</a:t>
                       </a:r>
                       <a:endParaRPr lang="en-US" dirty="0"/>
@@ -7077,11 +7088,11 @@
                     <a:lstStyle/>
                     <a:p>
                       <a:r>
-                        <a:rPr lang="en-US" dirty="0" smtClean="0"/>
+                        <a:rPr lang="en-US" dirty="0"/>
                         <a:t>Buy:</a:t>
                       </a:r>
                       <a:r>
-                        <a:rPr lang="en-US" baseline="0" dirty="0" smtClean="0"/>
+                        <a:rPr lang="en-US" baseline="0" dirty="0"/>
                         <a:t> predict a price has a high probability moving to profit</a:t>
                       </a:r>
                       <a:endParaRPr lang="en-US" dirty="0"/>
@@ -7089,6 +7100,11 @@
                   </a:txBody>
                   <a:tcPr/>
                 </a:tc>
+                <a:extLst>
+                  <a:ext uri="{0D108BD9-81ED-4DB2-BD59-A6C34878D82A}">
+                    <a16:rowId xmlns:a16="http://schemas.microsoft.com/office/drawing/2014/main" val="10003"/>
+                  </a:ext>
+                </a:extLst>
               </a:tr>
               <a:tr h="370840">
                 <a:tc>
@@ -7097,10 +7113,9 @@
                     <a:lstStyle/>
                     <a:p>
                       <a:r>
-                        <a:rPr lang="en-US" dirty="0" smtClean="0"/>
+                        <a:rPr lang="en-US" dirty="0"/>
                         <a:t>Trader</a:t>
                       </a:r>
-                      <a:endParaRPr lang="en-US" dirty="0"/>
                     </a:p>
                   </a:txBody>
                   <a:tcPr/>
@@ -7111,10 +7126,9 @@
                     <a:lstStyle/>
                     <a:p>
                       <a:r>
-                        <a:rPr lang="en-US" dirty="0" smtClean="0"/>
+                        <a:rPr lang="en-US" dirty="0"/>
                         <a:t>Long term trading</a:t>
                       </a:r>
-                      <a:endParaRPr lang="en-US" dirty="0"/>
                     </a:p>
                   </a:txBody>
                   <a:tcPr/>
@@ -7125,14 +7139,18 @@
                     <a:lstStyle/>
                     <a:p>
                       <a:r>
-                        <a:rPr lang="en-US" dirty="0" smtClean="0"/>
+                        <a:rPr lang="en-US" dirty="0"/>
                         <a:t>Swing trader and short term day traders</a:t>
                       </a:r>
-                      <a:endParaRPr lang="en-US" dirty="0"/>
                     </a:p>
                   </a:txBody>
                   <a:tcPr/>
                 </a:tc>
+                <a:extLst>
+                  <a:ext uri="{0D108BD9-81ED-4DB2-BD59-A6C34878D82A}">
+                    <a16:rowId xmlns:a16="http://schemas.microsoft.com/office/drawing/2014/main" val="10004"/>
+                  </a:ext>
+                </a:extLst>
               </a:tr>
               <a:tr h="370840">
                 <a:tc>
@@ -7141,10 +7159,9 @@
                     <a:lstStyle/>
                     <a:p>
                       <a:r>
-                        <a:rPr lang="en-US" dirty="0" smtClean="0"/>
+                        <a:rPr lang="en-US" dirty="0"/>
                         <a:t>Time Horizon</a:t>
                       </a:r>
-                      <a:endParaRPr lang="en-US" dirty="0"/>
                     </a:p>
                   </a:txBody>
                   <a:tcPr/>
@@ -7155,11 +7172,11 @@
                     <a:lstStyle/>
                     <a:p>
                       <a:r>
-                        <a:rPr lang="en-US" dirty="0" smtClean="0"/>
+                        <a:rPr lang="en-US" dirty="0"/>
                         <a:t>Days,</a:t>
                       </a:r>
                       <a:r>
-                        <a:rPr lang="en-US" baseline="0" dirty="0" smtClean="0"/>
+                        <a:rPr lang="en-US" baseline="0" dirty="0"/>
                         <a:t> weeks or even months</a:t>
                       </a:r>
                       <a:endParaRPr lang="en-US" dirty="0"/>
@@ -7173,11 +7190,11 @@
                     <a:lstStyle/>
                     <a:p>
                       <a:r>
-                        <a:rPr lang="en-US" dirty="0" smtClean="0"/>
+                        <a:rPr lang="en-US" dirty="0"/>
                         <a:t>Days,</a:t>
                       </a:r>
                       <a:r>
-                        <a:rPr lang="en-US" baseline="0" dirty="0" smtClean="0"/>
+                        <a:rPr lang="en-US" baseline="0" dirty="0"/>
                         <a:t> minutes. Can be long term</a:t>
                       </a:r>
                       <a:endParaRPr lang="en-US" dirty="0"/>
@@ -7185,6 +7202,11 @@
                   </a:txBody>
                   <a:tcPr/>
                 </a:tc>
+                <a:extLst>
+                  <a:ext uri="{0D108BD9-81ED-4DB2-BD59-A6C34878D82A}">
+                    <a16:rowId xmlns:a16="http://schemas.microsoft.com/office/drawing/2014/main" val="10005"/>
+                  </a:ext>
+                </a:extLst>
               </a:tr>
               <a:tr h="370840">
                 <a:tc>
@@ -7193,10 +7215,9 @@
                     <a:lstStyle/>
                     <a:p>
                       <a:r>
-                        <a:rPr lang="en-US" dirty="0" smtClean="0"/>
+                        <a:rPr lang="en-US" dirty="0"/>
                         <a:t>Concepts</a:t>
                       </a:r>
-                      <a:endParaRPr lang="en-US" dirty="0"/>
                     </a:p>
                   </a:txBody>
                   <a:tcPr/>
@@ -7207,17 +7228,17 @@
                     <a:lstStyle/>
                     <a:p>
                       <a:r>
-                        <a:rPr lang="en-US" dirty="0" smtClean="0"/>
+                        <a:rPr lang="en-US" dirty="0"/>
                         <a:t>Report expectation</a:t>
                       </a:r>
                       <a:r>
-                        <a:rPr lang="en-US" baseline="0" dirty="0" smtClean="0"/>
+                        <a:rPr lang="en-US" baseline="0" dirty="0"/>
                         <a:t> vs. actual outcome</a:t>
                       </a:r>
                     </a:p>
                     <a:p>
                       <a:r>
-                        <a:rPr lang="en-US" baseline="0" dirty="0" smtClean="0"/>
+                        <a:rPr lang="en-US" baseline="0" dirty="0"/>
                         <a:t>Current news event vs. historical events</a:t>
                       </a:r>
                       <a:endParaRPr lang="en-US" dirty="0"/>
@@ -7231,11 +7252,11 @@
                     <a:lstStyle/>
                     <a:p>
                       <a:r>
-                        <a:rPr lang="en-US" dirty="0" smtClean="0"/>
+                        <a:rPr lang="en-US" dirty="0"/>
                         <a:t>Trend lines, support &amp; resistance, Dow</a:t>
                       </a:r>
                       <a:r>
-                        <a:rPr lang="en-US" baseline="0" dirty="0" smtClean="0"/>
+                        <a:rPr lang="en-US" baseline="0" dirty="0"/>
                         <a:t> Theory, price pattern</a:t>
                       </a:r>
                       <a:endParaRPr lang="en-US" dirty="0"/>
@@ -7243,6 +7264,11 @@
                   </a:txBody>
                   <a:tcPr/>
                 </a:tc>
+                <a:extLst>
+                  <a:ext uri="{0D108BD9-81ED-4DB2-BD59-A6C34878D82A}">
+                    <a16:rowId xmlns:a16="http://schemas.microsoft.com/office/drawing/2014/main" val="10006"/>
+                  </a:ext>
+                </a:extLst>
               </a:tr>
             </a:tbl>
           </a:graphicData>
@@ -7328,78 +7354,65 @@
               </a:lnSpc>
             </a:pPr>
             <a:r>
-              <a:rPr lang="en-US" dirty="0" smtClean="0"/>
+              <a:rPr lang="en-US" dirty="0"/>
               <a:t>Technical</a:t>
             </a:r>
             <a:r>
-              <a:rPr lang="zh-CN" altLang="en-US" dirty="0" smtClean="0"/>
+              <a:rPr lang="zh-CN" altLang="en-US" dirty="0"/>
               <a:t> </a:t>
             </a:r>
             <a:r>
-              <a:rPr lang="en-US" altLang="zh-CN" dirty="0" smtClean="0"/>
+              <a:rPr lang="en-US" altLang="zh-CN" dirty="0"/>
               <a:t>Analysis</a:t>
             </a:r>
             <a:r>
-              <a:rPr lang="zh-CN" altLang="en-US" dirty="0" smtClean="0"/>
+              <a:rPr lang="zh-CN" altLang="en-US" dirty="0"/>
               <a:t> </a:t>
             </a:r>
             <a:r>
-              <a:rPr lang="en-US" altLang="zh-CN" dirty="0" smtClean="0"/>
+              <a:rPr lang="en-US" altLang="zh-CN" dirty="0"/>
               <a:t>only</a:t>
             </a:r>
             <a:r>
-              <a:rPr lang="zh-CN" altLang="en-US" dirty="0" smtClean="0"/>
+              <a:rPr lang="zh-CN" altLang="en-US" dirty="0"/>
               <a:t> </a:t>
             </a:r>
             <a:r>
-              <a:rPr lang="en-US" altLang="zh-CN" dirty="0" smtClean="0"/>
+              <a:rPr lang="en-US" altLang="zh-CN" dirty="0"/>
               <a:t>u</a:t>
             </a:r>
             <a:r>
-              <a:rPr lang="en-US" dirty="0" smtClean="0"/>
+              <a:rPr lang="en-US" dirty="0"/>
               <a:t>se</a:t>
             </a:r>
             <a:r>
-              <a:rPr lang="en-US" altLang="zh-CN" dirty="0" smtClean="0"/>
+              <a:rPr lang="en-US" altLang="zh-CN" dirty="0"/>
               <a:t>s</a:t>
             </a:r>
             <a:r>
-              <a:rPr lang="en-US" dirty="0" smtClean="0"/>
+              <a:rPr lang="en-US" dirty="0"/>
+              <a:t> trading volume and share prices to project a target price</a:t>
+            </a:r>
+            <a:r>
+              <a:rPr lang="zh-CN" altLang="zh-CN" dirty="0"/>
+              <a:t>,</a:t>
+            </a:r>
+            <a:r>
+              <a:rPr lang="zh-CN" altLang="en-US" dirty="0"/>
               <a:t> </a:t>
             </a:r>
             <a:r>
+              <a:rPr lang="en-US" altLang="zh-CN" dirty="0"/>
+              <a:t>not</a:t>
+            </a:r>
+            <a:r>
+              <a:rPr lang="zh-CN" altLang="en-US" dirty="0"/>
+              <a:t> </a:t>
+            </a:r>
+            <a:r>
               <a:rPr lang="en-US" dirty="0"/>
-              <a:t>trading volume and share prices to project a target </a:t>
-            </a:r>
-            <a:r>
-              <a:rPr lang="en-US" dirty="0" smtClean="0"/>
-              <a:t>price</a:t>
-            </a:r>
-            <a:r>
-              <a:rPr lang="zh-CN" altLang="zh-CN" dirty="0" smtClean="0"/>
-              <a:t>,</a:t>
-            </a:r>
-            <a:r>
-              <a:rPr lang="zh-CN" altLang="en-US" dirty="0" smtClean="0"/>
-              <a:t> </a:t>
-            </a:r>
-            <a:r>
-              <a:rPr lang="en-US" altLang="zh-CN" dirty="0" smtClean="0"/>
-              <a:t>not</a:t>
-            </a:r>
-            <a:r>
-              <a:rPr lang="zh-CN" altLang="en-US" dirty="0" smtClean="0"/>
-              <a:t> </a:t>
-            </a:r>
-            <a:r>
-              <a:rPr lang="en-US" dirty="0" smtClean="0"/>
-              <a:t>concerned </a:t>
-            </a:r>
-            <a:r>
-              <a:rPr lang="en-US" dirty="0"/>
-              <a:t>with trader's reason for trading, but only that the trades have occurred. </a:t>
-            </a:r>
-            <a:endParaRPr lang="en-US" dirty="0" smtClean="0"/>
+              <a:t>concerned with trader's reason for trading, but only that the trades have occurred. </a:t>
+            </a:r>
           </a:p>
           <a:p>
             <a:pPr>
@@ -7431,22 +7444,9 @@
               <a:t>A</a:t>
             </a:r>
             <a:r>
-              <a:rPr lang="en-US" dirty="0" smtClean="0"/>
-              <a:t>ctual </a:t>
-            </a:r>
-            <a:r>
               <a:rPr lang="en-US" dirty="0"/>
-              <a:t>price and volume data is observable whereas fundamental is subject to assumptions or restatements, and may not be available for all assets </a:t>
-            </a:r>
-            <a:r>
-              <a:rPr lang="en-US" dirty="0" smtClean="0"/>
-              <a:t>(i.e.. </a:t>
-            </a:r>
-            <a:r>
-              <a:rPr lang="en-US" dirty="0"/>
-              <a:t>currency &amp; commodities)- </a:t>
-            </a:r>
-            <a:endParaRPr lang="en-US" dirty="0" smtClean="0"/>
+              <a:t>ctual price and volume data is observable whereas fundamental is subject to assumptions or restatements, and may not be available for all assets (i.e.. currency &amp; commodities)- </a:t>
+            </a:r>
           </a:p>
           <a:p>
             <a:pPr lvl="1">
@@ -7459,20 +7459,8 @@
               <a:t>A</a:t>
             </a:r>
             <a:r>
-              <a:rPr lang="en-US" dirty="0" smtClean="0"/>
-              <a:t>pplied </a:t>
-            </a:r>
-            <a:r>
               <a:rPr lang="en-US" dirty="0"/>
-              <a:t>to asset prices w/o future cash flows </a:t>
-            </a:r>
-            <a:r>
-              <a:rPr lang="en-US" dirty="0" smtClean="0"/>
-              <a:t>(dividend </a:t>
-            </a:r>
-            <a:r>
-              <a:rPr lang="en-US" dirty="0"/>
-              <a:t>and interest)</a:t>
+              <a:t>pplied to asset prices w/o future cash flows (dividend and interest)</a:t>
             </a:r>
           </a:p>
           <a:p>
@@ -7486,36 +7474,20 @@
               <a:t>F</a:t>
             </a:r>
             <a:r>
-              <a:rPr lang="en-US" dirty="0" smtClean="0"/>
-              <a:t>inancial </a:t>
-            </a:r>
-            <a:r>
               <a:rPr lang="en-US" dirty="0"/>
-              <a:t>statement </a:t>
-            </a:r>
-            <a:r>
-              <a:rPr lang="en-US" dirty="0" smtClean="0"/>
-              <a:t>fraud</a:t>
-            </a:r>
-            <a:r>
-              <a:rPr lang="en-US" altLang="zh-CN" dirty="0" smtClean="0"/>
+              <a:t>inancial statement fraud</a:t>
+            </a:r>
+            <a:r>
+              <a:rPr lang="en-US" altLang="zh-CN" dirty="0"/>
               <a:t>:</a:t>
             </a:r>
             <a:r>
-              <a:rPr lang="zh-CN" altLang="en-US" dirty="0" smtClean="0"/>
+              <a:rPr lang="zh-CN" altLang="en-US" dirty="0"/>
               <a:t> </a:t>
             </a:r>
             <a:r>
-              <a:rPr lang="en-US" dirty="0" smtClean="0"/>
-              <a:t>price </a:t>
-            </a:r>
-            <a:r>
               <a:rPr lang="en-US" dirty="0"/>
-              <a:t>&amp; volume reflect the true value of the </a:t>
-            </a:r>
-            <a:r>
-              <a:rPr lang="en-US" dirty="0" smtClean="0"/>
-              <a:t>company</a:t>
+              <a:t>price &amp; volume reflect the true value of the company</a:t>
             </a:r>
           </a:p>
           <a:p>
@@ -7524,7 +7496,7 @@
                 <a:spcPct val="90000"/>
               </a:lnSpc>
             </a:pPr>
-            <a:endParaRPr lang="en-US" dirty="0" smtClean="0"/>
+            <a:endParaRPr lang="en-US" dirty="0"/>
           </a:p>
           <a:p>
             <a:pPr>
@@ -7533,10 +7505,9 @@
               </a:lnSpc>
             </a:pPr>
             <a:r>
-              <a:rPr lang="en-US" dirty="0" smtClean="0"/>
+              <a:rPr lang="en-US" dirty="0"/>
               <a:t>Disadvantage</a:t>
             </a:r>
-            <a:endParaRPr lang="en-US" dirty="0"/>
           </a:p>
           <a:p>
             <a:pPr lvl="1">
@@ -7549,44 +7520,28 @@
               <a:t>P</a:t>
             </a:r>
             <a:r>
-              <a:rPr lang="en-US" dirty="0" smtClean="0"/>
-              <a:t>rice </a:t>
-            </a:r>
-            <a:r>
               <a:rPr lang="en-US" dirty="0"/>
-              <a:t>&amp; volume </a:t>
-            </a:r>
-            <a:r>
-              <a:rPr lang="en-US" altLang="zh-CN" dirty="0" smtClean="0"/>
+              <a:t>rice &amp; volume </a:t>
+            </a:r>
+            <a:r>
+              <a:rPr lang="en-US" altLang="zh-CN" dirty="0"/>
               <a:t>probably</a:t>
             </a:r>
             <a:r>
-              <a:rPr lang="zh-CN" altLang="en-US" dirty="0" smtClean="0"/>
+              <a:rPr lang="zh-CN" altLang="en-US" dirty="0"/>
               <a:t> </a:t>
             </a:r>
             <a:r>
-              <a:rPr lang="en-US" altLang="zh-CN" dirty="0" smtClean="0"/>
+              <a:rPr lang="en-US" altLang="zh-CN" dirty="0"/>
               <a:t>doesn’t</a:t>
             </a:r>
             <a:r>
-              <a:rPr lang="zh-CN" altLang="en-US" dirty="0" smtClean="0"/>
+              <a:rPr lang="zh-CN" altLang="en-US" dirty="0"/>
               <a:t> </a:t>
             </a:r>
             <a:r>
-              <a:rPr lang="en-US" dirty="0" smtClean="0"/>
-              <a:t>reflect </a:t>
-            </a:r>
-            <a:r>
               <a:rPr lang="en-US" dirty="0"/>
-              <a:t>the true supply &amp; demand </a:t>
-            </a:r>
-            <a:r>
-              <a:rPr lang="en-US" dirty="0" smtClean="0"/>
-              <a:t>(</a:t>
-            </a:r>
-            <a:r>
-              <a:rPr lang="en-US" dirty="0"/>
-              <a:t>i.e. illiquid markets and markets subject to outside manipulation)</a:t>
+              <a:t>reflect the true supply &amp; demand (i.e. illiquid markets and markets subject to outside manipulation)</a:t>
             </a:r>
           </a:p>
           <a:p>
@@ -7645,10 +7600,9 @@
           <a:lstStyle/>
           <a:p>
             <a:r>
-              <a:rPr lang="en-US" dirty="0" smtClean="0"/>
+              <a:rPr lang="en-US" dirty="0"/>
               <a:t>Conclusion</a:t>
             </a:r>
-            <a:endParaRPr lang="en-US" dirty="0"/>
           </a:p>
         </p:txBody>
       </p:sp>
@@ -7668,43 +7622,43 @@
           <a:lstStyle/>
           <a:p>
             <a:r>
-              <a:rPr lang="en-US" dirty="0" smtClean="0"/>
+              <a:rPr lang="en-US" dirty="0"/>
               <a:t>We discussed technical analysis:</a:t>
             </a:r>
           </a:p>
           <a:p>
             <a:pPr lvl="1"/>
             <a:r>
-              <a:rPr lang="en-US" dirty="0" smtClean="0"/>
+              <a:rPr lang="en-US" dirty="0"/>
               <a:t>Simple Moving Average</a:t>
             </a:r>
           </a:p>
           <a:p>
             <a:pPr lvl="1"/>
             <a:r>
-              <a:rPr lang="en-US" dirty="0" smtClean="0"/>
+              <a:rPr lang="en-US" dirty="0"/>
               <a:t>Relative Strength Indicator</a:t>
             </a:r>
           </a:p>
           <a:p>
             <a:r>
-              <a:rPr lang="en-US" dirty="0" smtClean="0"/>
+              <a:rPr lang="en-US" dirty="0"/>
               <a:t>In depth look at RSI and portfolio optimization</a:t>
             </a:r>
           </a:p>
           <a:p>
             <a:r>
-              <a:rPr lang="en-US" dirty="0" smtClean="0"/>
+              <a:rPr lang="en-US" dirty="0"/>
               <a:t>Performance comparison between RSI balanced portfolio, equal weighted portfolio and SP500</a:t>
             </a:r>
           </a:p>
           <a:p>
             <a:r>
-              <a:rPr lang="en-US" dirty="0" smtClean="0"/>
+              <a:rPr lang="en-US" dirty="0"/>
               <a:t>Comparison of technical analysis and </a:t>
             </a:r>
             <a:r>
-              <a:rPr lang="en-US" smtClean="0"/>
+              <a:rPr lang="en-US"/>
               <a:t>fundamental analysis</a:t>
             </a:r>
             <a:endParaRPr lang="en-US" dirty="0"/>
@@ -7899,10 +7853,9 @@
           <a:lstStyle/>
           <a:p>
             <a:r>
-              <a:rPr lang="en-US" dirty="0" smtClean="0"/>
+              <a:rPr lang="en-US" dirty="0"/>
               <a:t>Problem Statement</a:t>
             </a:r>
-            <a:endParaRPr lang="en-US" dirty="0"/>
           </a:p>
         </p:txBody>
       </p:sp>
@@ -7923,37 +7876,32 @@
           <a:p>
             <a:r>
               <a:rPr lang="en-US" dirty="0"/>
-              <a:t>T</a:t>
-            </a:r>
-            <a:r>
-              <a:rPr lang="en-US" dirty="0" smtClean="0"/>
-              <a:t>echnical analysis definition</a:t>
-            </a:r>
-          </a:p>
-          <a:p>
-            <a:r>
-              <a:rPr lang="en-US" dirty="0" smtClean="0"/>
+              <a:t>Technical analysis definition</a:t>
+            </a:r>
+          </a:p>
+          <a:p>
+            <a:r>
+              <a:rPr lang="en-US" dirty="0"/>
               <a:t>Indicators</a:t>
             </a:r>
           </a:p>
           <a:p>
             <a:r>
-              <a:rPr lang="en-US" dirty="0" smtClean="0"/>
+              <a:rPr lang="en-US" dirty="0"/>
               <a:t>Portfolio Composition</a:t>
             </a:r>
           </a:p>
           <a:p>
             <a:r>
-              <a:rPr lang="en-US" dirty="0" smtClean="0"/>
+              <a:rPr lang="en-US" dirty="0"/>
               <a:t>Portfolio performance comparison</a:t>
             </a:r>
           </a:p>
           <a:p>
             <a:r>
-              <a:rPr lang="en-US" dirty="0" smtClean="0"/>
+              <a:rPr lang="en-US" dirty="0"/>
               <a:t>Technical analysis vs. Fundamental analysis</a:t>
             </a:r>
-            <a:endParaRPr lang="en-US" dirty="0"/>
           </a:p>
         </p:txBody>
       </p:sp>
@@ -8025,35 +7973,14 @@
           <a:lstStyle/>
           <a:p>
             <a:r>
-              <a:rPr lang="en-US" dirty="0" smtClean="0"/>
-              <a:t>Equity </a:t>
-            </a:r>
-            <a:r>
               <a:rPr lang="en-US" dirty="0"/>
-              <a:t>analysis methodology for forecasting the direction of prices </a:t>
-            </a:r>
-            <a:r>
-              <a:rPr lang="en-US" dirty="0" smtClean="0"/>
-              <a:t>using historic data, mostly based on price and volume</a:t>
-            </a:r>
-            <a:endParaRPr lang="en-US" dirty="0"/>
-          </a:p>
-          <a:p>
-            <a:r>
-              <a:rPr lang="en-US" dirty="0" smtClean="0"/>
-              <a:t>Price </a:t>
-            </a:r>
+              <a:t>Equity analysis methodology for forecasting the direction of prices using historic data, mostly based on price and volume</a:t>
+            </a:r>
+          </a:p>
+          <a:p>
             <a:r>
               <a:rPr lang="en-US" dirty="0"/>
-              <a:t>and </a:t>
-            </a:r>
-            <a:r>
-              <a:rPr lang="en-US" dirty="0" smtClean="0"/>
-              <a:t>volume </a:t>
-            </a:r>
-            <a:r>
-              <a:rPr lang="en-US" dirty="0"/>
-              <a:t>reflects the collective </a:t>
+              <a:t>Price and volume reflects the collective </a:t>
             </a:r>
             <a:r>
               <a:rPr lang="en-US" dirty="0" err="1"/>
@@ -8061,28 +7988,20 @@
             </a:r>
             <a:r>
               <a:rPr lang="en-US" dirty="0"/>
-              <a:t> of buyers and </a:t>
-            </a:r>
-            <a:r>
-              <a:rPr lang="en-US" dirty="0" smtClean="0"/>
-              <a:t>sellers</a:t>
-            </a:r>
-          </a:p>
-          <a:p>
-            <a:r>
-              <a:rPr lang="en-US" dirty="0" smtClean="0"/>
+              <a:t> of buyers and sellers</a:t>
+            </a:r>
+          </a:p>
+          <a:p>
+            <a:r>
+              <a:rPr lang="en-US" dirty="0"/>
               <a:t>Assumptions:</a:t>
             </a:r>
           </a:p>
           <a:p>
             <a:pPr lvl="1"/>
             <a:r>
-              <a:rPr lang="en-US" dirty="0" smtClean="0"/>
-              <a:t>market </a:t>
-            </a:r>
-            <a:r>
               <a:rPr lang="en-US" dirty="0"/>
-              <a:t>prices reflect both rational/irrational investor </a:t>
+              <a:t>market prices reflect both rational/irrational investor </a:t>
             </a:r>
             <a:r>
               <a:rPr lang="en-US" dirty="0" err="1"/>
@@ -8090,17 +8009,13 @@
             </a:r>
             <a:r>
               <a:rPr lang="en-US" dirty="0"/>
-              <a:t> (efficient market hypothesis does not hold</a:t>
-            </a:r>
-            <a:r>
-              <a:rPr lang="en-US" dirty="0" smtClean="0"/>
-              <a:t>)</a:t>
+              <a:t> (efficient market hypothesis does not hold)</a:t>
             </a:r>
           </a:p>
           <a:p>
             <a:pPr lvl="1"/>
             <a:r>
-              <a:rPr lang="en-US" dirty="0" smtClean="0"/>
+              <a:rPr lang="en-US" dirty="0"/>
               <a:t>investor </a:t>
             </a:r>
             <a:r>
@@ -8111,7 +8026,6 @@
               <a:rPr lang="en-US" dirty="0"/>
               <a:t> is reflected in trends and patterns will repeat and can be used to forecast prices</a:t>
             </a:r>
-            <a:endParaRPr lang="en-US" dirty="0" smtClean="0"/>
           </a:p>
           <a:p>
             <a:endParaRPr lang="en-US" dirty="0"/>
@@ -8164,18 +8078,17 @@
           <a:lstStyle/>
           <a:p>
             <a:r>
-              <a:rPr lang="en-US" smtClean="0"/>
+              <a:rPr lang="en-US"/>
               <a:t>Price Indicators </a:t>
             </a:r>
             <a:r>
-              <a:rPr lang="mr-IN" smtClean="0"/>
+              <a:rPr lang="mr-IN"/>
               <a:t>–</a:t>
             </a:r>
             <a:r>
-              <a:rPr lang="en-US" smtClean="0"/>
+              <a:rPr lang="en-US"/>
               <a:t> Moving Average</a:t>
             </a:r>
-            <a:endParaRPr lang="en-US"/>
           </a:p>
         </p:txBody>
       </p:sp>
@@ -8196,31 +8109,21 @@
           <a:p>
             <a:r>
               <a:rPr lang="en-US" dirty="0"/>
-              <a:t>Average of closing price over a specified </a:t>
-            </a:r>
-            <a:r>
-              <a:rPr lang="en-US" dirty="0" smtClean="0"/>
-              <a:t>period (long term &amp; short term trend lines)  </a:t>
-            </a:r>
-            <a:endParaRPr lang="en-US" dirty="0"/>
+              <a:t>Average of closing price over a specified period (long term &amp; short term trend lines)  </a:t>
+            </a:r>
           </a:p>
           <a:p>
             <a:r>
               <a:rPr lang="en-US" dirty="0"/>
-              <a:t>Smooth out fluctuation &amp; provide market </a:t>
-            </a:r>
-            <a:r>
-              <a:rPr lang="en-US" dirty="0" smtClean="0"/>
-              <a:t>trend</a:t>
+              <a:t>Smooth out fluctuation &amp; provide market trend</a:t>
             </a:r>
           </a:p>
           <a:p>
             <a:pPr lvl="1"/>
             <a:r>
-              <a:rPr lang="en-US" dirty="0" smtClean="0"/>
+              <a:rPr lang="en-US" dirty="0"/>
               <a:t>Long time period will have a smoother curve </a:t>
             </a:r>
-            <a:endParaRPr lang="en-US" dirty="0"/>
           </a:p>
           <a:p>
             <a:endParaRPr lang="en-US" dirty="0"/>
@@ -8273,18 +8176,17 @@
           <a:lstStyle/>
           <a:p>
             <a:r>
-              <a:rPr lang="en-US" dirty="0" smtClean="0"/>
+              <a:rPr lang="en-US" dirty="0"/>
               <a:t>Price Indicator </a:t>
             </a:r>
             <a:r>
-              <a:rPr lang="mr-IN" dirty="0" smtClean="0"/>
+              <a:rPr lang="mr-IN" dirty="0"/>
               <a:t>–</a:t>
             </a:r>
             <a:r>
-              <a:rPr lang="en-US" dirty="0" smtClean="0"/>
+              <a:rPr lang="en-US" dirty="0"/>
               <a:t> Moving Average</a:t>
             </a:r>
-            <a:endParaRPr lang="en-US" dirty="0"/>
           </a:p>
         </p:txBody>
       </p:sp>
@@ -8367,55 +8269,8 @@
           <a:lstStyle/>
           <a:p>
             <a:r>
-              <a:rPr lang="en-US" dirty="0" smtClean="0"/>
+              <a:rPr lang="en-US" dirty="0"/>
               <a:t>Momentum Oscillators </a:t>
-            </a:r>
-            <a:r>
-              <a:rPr lang="mr-IN" dirty="0" smtClean="0"/>
-              <a:t>–</a:t>
-            </a:r>
-            <a:r>
-              <a:rPr lang="en-US" dirty="0" smtClean="0"/>
-              <a:t> Relative Strength Index </a:t>
-            </a:r>
-            <a:endParaRPr lang="en-US" dirty="0"/>
-          </a:p>
-        </p:txBody>
-      </p:sp>
-      <p:sp>
-        <p:nvSpPr>
-          <p:cNvPr id="3" name="Content Placeholder 2"/>
-          <p:cNvSpPr>
-            <a:spLocks noGrp="1"/>
-          </p:cNvSpPr>
-          <p:nvPr>
-            <p:ph idx="1"/>
-          </p:nvPr>
-        </p:nvSpPr>
-        <p:spPr/>
-        <p:txBody>
-          <a:bodyPr/>
-          <a:lstStyle/>
-          <a:p>
-            <a:r>
-              <a:rPr lang="en-US" dirty="0" smtClean="0"/>
-              <a:t>Ratio of total price increase to total price decrease over a selected number of periods</a:t>
-            </a:r>
-          </a:p>
-          <a:p>
-            <a:r>
-              <a:rPr lang="en-US" dirty="0" smtClean="0"/>
-              <a:t>Oscillate from 0 ~ 100</a:t>
-            </a:r>
-          </a:p>
-          <a:p>
-            <a:r>
-              <a:rPr lang="en-US" dirty="0" smtClean="0"/>
-              <a:t>&gt;70 : </a:t>
-            </a:r>
-            <a:r>
-              <a:rPr lang="en-US" dirty="0"/>
-              <a:t>Overbought </a:t>
             </a:r>
             <a:r>
               <a:rPr lang="mr-IN" dirty="0"/>
@@ -8423,18 +8278,41 @@
             </a:r>
             <a:r>
               <a:rPr lang="en-US" dirty="0"/>
-              <a:t> price is too high, and it is likely to decrease </a:t>
-            </a:r>
-            <a:endParaRPr lang="en-US" dirty="0" smtClean="0"/>
-          </a:p>
-          <a:p>
-            <a:r>
-              <a:rPr lang="en-US" dirty="0" smtClean="0"/>
-              <a:t>&lt;30: </a:t>
-            </a:r>
+              <a:t> Relative Strength Index </a:t>
+            </a:r>
+          </a:p>
+        </p:txBody>
+      </p:sp>
+      <p:sp>
+        <p:nvSpPr>
+          <p:cNvPr id="3" name="Content Placeholder 2"/>
+          <p:cNvSpPr>
+            <a:spLocks noGrp="1"/>
+          </p:cNvSpPr>
+          <p:nvPr>
+            <p:ph idx="1"/>
+          </p:nvPr>
+        </p:nvSpPr>
+        <p:spPr/>
+        <p:txBody>
+          <a:bodyPr/>
+          <a:lstStyle/>
+          <a:p>
             <a:r>
               <a:rPr lang="en-US" dirty="0"/>
-              <a:t>Oversold </a:t>
+              <a:t>Ratio of total price increase to total price decrease over a selected number of periods</a:t>
+            </a:r>
+          </a:p>
+          <a:p>
+            <a:r>
+              <a:rPr lang="en-US" dirty="0"/>
+              <a:t>Oscillate from 0 ~ 100</a:t>
+            </a:r>
+          </a:p>
+          <a:p>
+            <a:r>
+              <a:rPr lang="en-US" dirty="0"/>
+              <a:t>&gt;70 : Overbought </a:t>
             </a:r>
             <a:r>
               <a:rPr lang="mr-IN" dirty="0"/>
@@ -8442,15 +8320,25 @@
             </a:r>
             <a:r>
               <a:rPr lang="en-US" dirty="0"/>
-              <a:t> price is too low, and it is likely to </a:t>
-            </a:r>
-            <a:r>
-              <a:rPr lang="en-US" dirty="0" smtClean="0"/>
-              <a:t>increase</a:t>
-            </a:r>
-          </a:p>
-          <a:p>
-            <a:endParaRPr lang="en-US" dirty="0" smtClean="0"/>
+              <a:t> price is too high, and it is likely to decrease </a:t>
+            </a:r>
+          </a:p>
+          <a:p>
+            <a:r>
+              <a:rPr lang="en-US" dirty="0"/>
+              <a:t>&lt;30: Oversold </a:t>
+            </a:r>
+            <a:r>
+              <a:rPr lang="mr-IN" dirty="0"/>
+              <a:t>–</a:t>
+            </a:r>
+            <a:r>
+              <a:rPr lang="en-US" dirty="0"/>
+              <a:t> price is too low, and it is likely to increase</a:t>
+            </a:r>
+          </a:p>
+          <a:p>
+            <a:endParaRPr lang="en-US" dirty="0"/>
           </a:p>
           <a:p>
             <a:endParaRPr lang="en-US" dirty="0"/>
@@ -8479,7 +8367,7 @@
           <a:graphicData uri="http://schemas.openxmlformats.org/presentationml/2006/ole">
             <mc:AlternateContent xmlns:mc="http://schemas.openxmlformats.org/markup-compatibility/2006">
               <mc:Choice xmlns:v="urn:schemas-microsoft-com:vml" Requires="v">
-                <p:oleObj spid="_x0000_s1045" name="Equation" r:id="rId4" imgW="3708360" imgH="914400" progId="">
+                <p:oleObj spid="_x0000_s1047" name="Equation" r:id="rId4" imgW="3708360" imgH="914400" progId="">
                   <p:embed/>
                 </p:oleObj>
               </mc:Choice>
@@ -8518,7 +8406,7 @@
                       <a:noFill/>
                       <a:extLst>
                         <a:ext uri="{909E8E84-426E-40dd-AFC4-6F175D3DCCD1}">
-                          <a14:hiddenFill xmlns:a14="http://schemas.microsoft.com/office/drawing/2010/main">
+                          <a14:hiddenFill xmlns:a14="http://schemas.microsoft.com/office/drawing/2010/main" xmlns="">
                             <a:solidFill>
                               <a:srgbClr val="FFFFFF"/>
                             </a:solidFill>
@@ -8595,7 +8483,7 @@
       </p:sp>
       <p:pic>
         <p:nvPicPr>
-          <p:cNvPr id="10" name="Content Placeholder 3"/>
+          <p:cNvPr id="8" name="Content Placeholder 7"/>
           <p:cNvPicPr>
             <a:picLocks noGrp="1" noChangeAspect="1"/>
           </p:cNvPicPr>
@@ -8611,8 +8499,8 @@
         </p:blipFill>
         <p:spPr>
           <a:xfrm>
-            <a:off x="2623632" y="2160588"/>
-            <a:ext cx="5301167" cy="4373463"/>
+            <a:off x="2108110" y="1930400"/>
+            <a:ext cx="7165892" cy="4818445"/>
           </a:xfrm>
         </p:spPr>
       </p:pic>
@@ -8662,7 +8550,7 @@
           <a:lstStyle/>
           <a:p>
             <a:r>
-              <a:rPr lang="en-US" dirty="0" smtClean="0"/>
+              <a:rPr lang="en-US" dirty="0"/>
               <a:t>Single Stock Technical Analysis</a:t>
             </a:r>
             <a:endParaRPr lang="en-US" dirty="0">
@@ -8674,25 +8562,29 @@
           </a:p>
         </p:txBody>
       </p:sp>
-      <p:sp>
-        <p:nvSpPr>
-          <p:cNvPr id="3" name="Content Placeholder 2"/>
-          <p:cNvSpPr>
-            <a:spLocks noGrp="1"/>
-          </p:cNvSpPr>
+      <p:pic>
+        <p:nvPicPr>
+          <p:cNvPr id="7" name="Content Placeholder 6"/>
+          <p:cNvPicPr>
+            <a:picLocks noGrp="1" noChangeAspect="1"/>
+          </p:cNvPicPr>
           <p:nvPr>
             <p:ph idx="1"/>
           </p:nvPr>
-        </p:nvSpPr>
-        <p:spPr/>
-        <p:txBody>
-          <a:bodyPr/>
-          <a:lstStyle/>
-          <a:p>
-            <a:endParaRPr lang="en-US" dirty="0"/>
-          </a:p>
-        </p:txBody>
-      </p:sp>
+        </p:nvPicPr>
+        <p:blipFill>
+          <a:blip r:embed="rId3"/>
+          <a:stretch>
+            <a:fillRect/>
+          </a:stretch>
+        </p:blipFill>
+        <p:spPr>
+          <a:xfrm>
+            <a:off x="1806503" y="1270000"/>
+            <a:ext cx="7038239" cy="5278680"/>
+          </a:xfrm>
+        </p:spPr>
+      </p:pic>
     </p:spTree>
     <p:extLst>
       <p:ext uri="{BB962C8B-B14F-4D97-AF65-F5344CB8AC3E}">
@@ -8740,30 +8632,256 @@
           <a:p>
             <a:r>
               <a:rPr lang="en-US" dirty="0"/>
-              <a:t>DEMO</a:t>
-            </a:r>
-          </a:p>
-        </p:txBody>
-      </p:sp>
-      <p:sp>
-        <p:nvSpPr>
-          <p:cNvPr id="3" name="Content Placeholder 2"/>
-          <p:cNvSpPr>
-            <a:spLocks noGrp="1"/>
-          </p:cNvSpPr>
-          <p:nvPr>
-            <p:ph idx="1"/>
-          </p:nvPr>
-        </p:nvSpPr>
-        <p:spPr/>
-        <p:txBody>
-          <a:bodyPr/>
-          <a:lstStyle/>
-          <a:p>
-            <a:endParaRPr lang="en-US" dirty="0"/>
-          </a:p>
-        </p:txBody>
-      </p:sp>
+              <a:t>RSI Weighting</a:t>
+            </a:r>
+          </a:p>
+        </p:txBody>
+      </p:sp>
+      <mc:AlternateContent xmlns:mc="http://schemas.openxmlformats.org/markup-compatibility/2006">
+        <mc:Choice xmlns:a14="http://schemas.microsoft.com/office/drawing/2010/main" Requires="a14">
+          <p:sp>
+            <p:nvSpPr>
+              <p:cNvPr id="3" name="Content Placeholder 2"/>
+              <p:cNvSpPr>
+                <a:spLocks noGrp="1"/>
+              </p:cNvSpPr>
+              <p:nvPr>
+                <p:ph idx="1"/>
+              </p:nvPr>
+            </p:nvSpPr>
+            <p:spPr/>
+            <p:txBody>
+              <a:bodyPr>
+                <a:normAutofit/>
+              </a:bodyPr>
+              <a:lstStyle/>
+              <a:p>
+                <a:pPr marL="0" indent="0" algn="ctr">
+                  <a:buNone/>
+                </a:pPr>
+                <a14:m>
+                  <m:oMathPara xmlns:m="http://schemas.openxmlformats.org/officeDocument/2006/math">
+                    <m:oMathParaPr>
+                      <m:jc m:val="centerGroup"/>
+                    </m:oMathParaPr>
+                    <m:oMath xmlns:m="http://schemas.openxmlformats.org/officeDocument/2006/math">
+                      <m:r>
+                        <a:rPr lang="en-CA" sz="3600" b="0" i="1" smtClean="0">
+                          <a:latin typeface="Cambria Math" panose="02040503050406030204" pitchFamily="18" charset="0"/>
+                        </a:rPr>
+                        <m:t>𝑚𝑖𝑛𝑖𝑚𝑖𝑧𝑒</m:t>
+                      </m:r>
+                      <m:r>
+                        <a:rPr lang="en-CA" sz="3600" b="0" i="1" smtClean="0">
+                          <a:latin typeface="Cambria Math" panose="02040503050406030204" pitchFamily="18" charset="0"/>
+                        </a:rPr>
+                        <m:t> </m:t>
+                      </m:r>
+                      <m:sSup>
+                        <m:sSupPr>
+                          <m:ctrlPr>
+                            <a:rPr lang="en-CA" sz="3600" b="0" i="1" smtClean="0">
+                              <a:latin typeface="Cambria Math" panose="02040503050406030204" pitchFamily="18" charset="0"/>
+                            </a:rPr>
+                          </m:ctrlPr>
+                        </m:sSupPr>
+                        <m:e>
+                          <m:r>
+                            <a:rPr lang="en-CA" sz="3600" b="0" i="1" smtClean="0">
+                              <a:latin typeface="Cambria Math" panose="02040503050406030204" pitchFamily="18" charset="0"/>
+                            </a:rPr>
+                            <m:t>𝑊</m:t>
+                          </m:r>
+                        </m:e>
+                        <m:sup>
+                          <m:r>
+                            <a:rPr lang="en-CA" sz="3600" b="0" i="1" smtClean="0">
+                              <a:latin typeface="Cambria Math" panose="02040503050406030204" pitchFamily="18" charset="0"/>
+                            </a:rPr>
+                            <m:t>𝑇</m:t>
+                          </m:r>
+                        </m:sup>
+                      </m:sSup>
+                      <m:r>
+                        <a:rPr lang="en-CA" sz="3600" b="0" i="1" smtClean="0">
+                          <a:latin typeface="Cambria Math" panose="02040503050406030204" pitchFamily="18" charset="0"/>
+                        </a:rPr>
+                        <m:t>𝑅</m:t>
+                      </m:r>
+                    </m:oMath>
+                  </m:oMathPara>
+                </a14:m>
+                <a:endParaRPr lang="en-CA" sz="3600" b="0" dirty="0"/>
+              </a:p>
+              <a:p>
+                <a:pPr marL="0" indent="0" algn="ctr">
+                  <a:buNone/>
+                </a:pPr>
+                <a:r>
+                  <a:rPr lang="en-US" sz="3600" dirty="0" err="1"/>
+                  <a:t>s.t.</a:t>
+                </a:r>
+                <a:r>
+                  <a:rPr lang="en-US" sz="3600" dirty="0"/>
+                  <a:t> 	</a:t>
+                </a:r>
+                <a14:m>
+                  <m:oMath xmlns:m="http://schemas.openxmlformats.org/officeDocument/2006/math">
+                    <m:sSup>
+                      <m:sSupPr>
+                        <m:ctrlPr>
+                          <a:rPr lang="en-CA" sz="3600" b="0" i="1" smtClean="0">
+                            <a:latin typeface="Cambria Math" panose="02040503050406030204" pitchFamily="18" charset="0"/>
+                          </a:rPr>
+                        </m:ctrlPr>
+                      </m:sSupPr>
+                      <m:e>
+                        <m:r>
+                          <a:rPr lang="en-CA" sz="3600" b="0" i="1" smtClean="0">
+                            <a:latin typeface="Cambria Math" panose="02040503050406030204" pitchFamily="18" charset="0"/>
+                          </a:rPr>
+                          <m:t>1</m:t>
+                        </m:r>
+                      </m:e>
+                      <m:sup>
+                        <m:r>
+                          <a:rPr lang="en-CA" sz="3600" b="0" i="1" smtClean="0">
+                            <a:latin typeface="Cambria Math" panose="02040503050406030204" pitchFamily="18" charset="0"/>
+                          </a:rPr>
+                          <m:t>𝑇</m:t>
+                        </m:r>
+                      </m:sup>
+                    </m:sSup>
+                    <m:r>
+                      <a:rPr lang="en-CA" sz="3600" b="0" i="1" smtClean="0">
+                        <a:latin typeface="Cambria Math" panose="02040503050406030204" pitchFamily="18" charset="0"/>
+                      </a:rPr>
+                      <m:t>𝑤</m:t>
+                    </m:r>
+                    <m:r>
+                      <a:rPr lang="en-CA" sz="3600" b="0" i="1" smtClean="0">
+                        <a:latin typeface="Cambria Math" panose="02040503050406030204" pitchFamily="18" charset="0"/>
+                      </a:rPr>
+                      <m:t>=1,</m:t>
+                    </m:r>
+                  </m:oMath>
+                </a14:m>
+                <a:endParaRPr lang="en-CA" sz="3600" b="0" dirty="0"/>
+              </a:p>
+              <a:p>
+                <a:pPr marL="0" indent="0" algn="ctr">
+                  <a:buNone/>
+                </a:pPr>
+                <a:r>
+                  <a:rPr lang="en-CA" sz="3600" b="0" dirty="0"/>
+                  <a:t>	</a:t>
+                </a:r>
+                <a14:m>
+                  <m:oMath xmlns:m="http://schemas.openxmlformats.org/officeDocument/2006/math">
+                    <m:r>
+                      <a:rPr lang="en-CA" sz="3600" b="0" i="1" smtClean="0">
+                        <a:latin typeface="Cambria Math" panose="02040503050406030204" pitchFamily="18" charset="0"/>
+                      </a:rPr>
+                      <m:t>𝑤</m:t>
+                    </m:r>
+                    <m:r>
+                      <a:rPr lang="en-CA" sz="3600" b="0" i="1" smtClean="0">
+                        <a:latin typeface="Cambria Math" panose="02040503050406030204" pitchFamily="18" charset="0"/>
+                        <a:ea typeface="Cambria Math" panose="02040503050406030204" pitchFamily="18" charset="0"/>
+                      </a:rPr>
+                      <m:t>≥0</m:t>
+                    </m:r>
+                  </m:oMath>
+                </a14:m>
+                <a:r>
+                  <a:rPr lang="en-US" sz="3600" dirty="0"/>
+                  <a:t>	</a:t>
+                </a:r>
+              </a:p>
+              <a:p>
+                <a:pPr marL="0" indent="0">
+                  <a:buNone/>
+                </a:pPr>
+                <a:r>
+                  <a:rPr lang="en-CA" dirty="0"/>
+                  <a:t>where w is the portfolio weights, R the vector of RSI values for all stocks </a:t>
+                </a:r>
+              </a:p>
+              <a:p>
+                <a:pPr marL="0" indent="0">
+                  <a:buNone/>
+                </a:pPr>
+                <a:endParaRPr lang="en-CA" dirty="0"/>
+              </a:p>
+              <a:p>
+                <a:pPr marL="0" indent="0">
+                  <a:buNone/>
+                </a:pPr>
+                <a:endParaRPr lang="en-CA" dirty="0"/>
+              </a:p>
+              <a:p>
+                <a:pPr marL="0" indent="0">
+                  <a:buNone/>
+                </a:pPr>
+                <a:r>
+                  <a:rPr lang="en-CA" sz="1600" b="1" dirty="0"/>
+                  <a:t>Source: </a:t>
+                </a:r>
+                <a:r>
+                  <a:rPr lang="en-CA" sz="1600" b="1" dirty="0" err="1"/>
+                  <a:t>Finnerman</a:t>
+                </a:r>
+                <a:r>
+                  <a:rPr lang="en-CA" sz="1600" b="1" dirty="0"/>
+                  <a:t> &amp; </a:t>
+                </a:r>
+                <a:r>
+                  <a:rPr lang="en-CA" sz="1600" b="1" dirty="0" err="1"/>
+                  <a:t>Kirchmann</a:t>
+                </a:r>
+                <a:r>
+                  <a:rPr lang="en-CA" sz="1600" b="1" dirty="0"/>
+                  <a:t>, Evaluation of Alternative Weighting Techniques on the Swedish Stock Market, Royal Institute of Technology, 2015</a:t>
+                </a:r>
+                <a:endParaRPr lang="en-US" sz="1600" b="1" dirty="0"/>
+              </a:p>
+            </p:txBody>
+          </p:sp>
+        </mc:Choice>
+        <mc:Fallback>
+          <p:sp>
+            <p:nvSpPr>
+              <p:cNvPr id="3" name="Content Placeholder 2"/>
+              <p:cNvSpPr>
+                <a:spLocks noGrp="1" noRot="1" noChangeAspect="1" noMove="1" noResize="1" noEditPoints="1" noAdjustHandles="1" noChangeArrowheads="1" noChangeShapeType="1" noTextEdit="1"/>
+              </p:cNvSpPr>
+              <p:nvPr>
+                <p:ph idx="1"/>
+              </p:nvPr>
+            </p:nvSpPr>
+            <p:spPr>
+              <a:blipFill>
+                <a:blip r:embed="rId3"/>
+                <a:stretch>
+                  <a:fillRect l="-567"/>
+                </a:stretch>
+              </a:blipFill>
+            </p:spPr>
+            <p:txBody>
+              <a:bodyPr/>
+              <a:lstStyle/>
+              <a:p>
+                <a:r>
+                  <a:rPr lang="en-CA">
+                    <a:noFill/>
+                  </a:rPr>
+                  <a:t> </a:t>
+                </a:r>
+              </a:p>
+            </p:txBody>
+          </p:sp>
+        </mc:Fallback>
+      </mc:AlternateContent>
     </p:spTree>
     <p:extLst>
       <p:ext uri="{BB962C8B-B14F-4D97-AF65-F5344CB8AC3E}">
@@ -9028,7 +9146,7 @@
   <a:extraClrSchemeLst/>
   <a:extLst>
     <a:ext uri="{05A4C25C-085E-4340-85A3-A5531E510DB2}">
-      <thm15:themeFamily xmlns:thm15="http://schemas.microsoft.com/office/thememl/2012/main" xmlns="" name="Facet" id="{C0C680CD-088A-49FC-A102-D699147F32B2}" vid="{CFBC31BA-B70F-4F30-BCAA-4F3011E16C4D}"/>
+      <thm15:themeFamily xmlns:thm15="http://schemas.microsoft.com/office/thememl/2012/main" name="Facet" id="{C0C680CD-088A-49FC-A102-D699147F32B2}" vid="{CFBC31BA-B70F-4F30-BCAA-4F3011E16C4D}"/>
     </a:ext>
   </a:extLst>
 </a:theme>
@@ -9323,7 +9441,7 @@
   <a:extraClrSchemeLst/>
   <a:extLst>
     <a:ext uri="{05A4C25C-085E-4340-85A3-A5531E510DB2}">
-      <thm15:themeFamily xmlns:thm15="http://schemas.microsoft.com/office/thememl/2012/main" xmlns="" name="Office Theme" id="{62F939B6-93AF-4DB8-9C6B-D6C7DFDC589F}" vid="{4A3C46E8-61CC-4603-A589-7422A47A8E4A}"/>
+      <thm15:themeFamily xmlns:thm15="http://schemas.microsoft.com/office/thememl/2012/main" name="Office Theme" id="{62F939B6-93AF-4DB8-9C6B-D6C7DFDC589F}" vid="{4A3C46E8-61CC-4603-A589-7422A47A8E4A}"/>
     </a:ext>
   </a:extLst>
 </a:theme>

--- a/Technical Analysis-comparison.pptx
+++ b/Technical Analysis-comparison.pptx
@@ -616,15 +616,7 @@
           <a:bodyPr/>
           <a:lstStyle/>
           <a:p>
-            <a:r>
-              <a:rPr lang="en-US" dirty="0"/>
-              <a:t>Reference:</a:t>
-            </a:r>
-            <a:r>
-              <a:rPr lang="en-US" baseline="0" dirty="0"/>
-              <a:t> CFA Investments Chapter 12</a:t>
-            </a:r>
-            <a:endParaRPr lang="en-US" dirty="0"/>
+            <a:endParaRPr lang="en-CA" dirty="0"/>
           </a:p>
         </p:txBody>
       </p:sp>
@@ -645,7 +637,7 @@
           <a:p>
             <a:fld id="{E10A885E-95FB-48AA-A3B2-ABB309CE7A18}" type="slidenum">
               <a:rPr lang="en-US" smtClean="0"/>
-              <a:t>6</a:t>
+              <a:t>4</a:t>
             </a:fld>
             <a:endParaRPr lang="en-US" dirty="0"/>
           </a:p>
@@ -654,7 +646,7 @@
     </p:spTree>
     <p:extLst>
       <p:ext uri="{BB962C8B-B14F-4D97-AF65-F5344CB8AC3E}">
-        <p14:creationId xmlns:p14="http://schemas.microsoft.com/office/powerpoint/2010/main" val="215704038"/>
+        <p14:creationId xmlns:p14="http://schemas.microsoft.com/office/powerpoint/2010/main" val="691384047"/>
       </p:ext>
     </p:extLst>
   </p:cSld>
@@ -708,7 +700,30 @@
           <a:bodyPr/>
           <a:lstStyle/>
           <a:p>
-            <a:endParaRPr lang="en-US" dirty="0"/>
+            <a:r>
+              <a:rPr lang="en-CA" sz="1200" b="0" i="0" kern="1200" dirty="0" smtClean="0">
+                <a:solidFill>
+                  <a:schemeClr val="tx1"/>
+                </a:solidFill>
+                <a:effectLst/>
+                <a:latin typeface="+mn-lt"/>
+                <a:ea typeface="+mn-ea"/>
+                <a:cs typeface="+mn-cs"/>
+              </a:rPr>
+              <a:t>Indicators are used in two main ways: to confirm price movement and the quality of chart patterns, and to form buy and sell signals. </a:t>
+            </a:r>
+            <a:br>
+              <a:rPr lang="en-CA" sz="1200" b="0" i="0" kern="1200" dirty="0" smtClean="0">
+                <a:solidFill>
+                  <a:schemeClr val="tx1"/>
+                </a:solidFill>
+                <a:effectLst/>
+                <a:latin typeface="+mn-lt"/>
+                <a:ea typeface="+mn-ea"/>
+                <a:cs typeface="+mn-cs"/>
+              </a:rPr>
+            </a:br>
+            <a:endParaRPr lang="en-CA" dirty="0"/>
           </a:p>
         </p:txBody>
       </p:sp>
@@ -728,8 +743,8 @@
           <a:lstStyle/>
           <a:p>
             <a:fld id="{E10A885E-95FB-48AA-A3B2-ABB309CE7A18}" type="slidenum">
-              <a:rPr lang="en-US"/>
-              <a:t>8</a:t>
+              <a:rPr lang="en-US" smtClean="0"/>
+              <a:t>5</a:t>
             </a:fld>
             <a:endParaRPr lang="en-US" dirty="0"/>
           </a:p>
@@ -738,7 +753,7 @@
     </p:spTree>
     <p:extLst>
       <p:ext uri="{BB962C8B-B14F-4D97-AF65-F5344CB8AC3E}">
-        <p14:creationId xmlns:p14="http://schemas.microsoft.com/office/powerpoint/2010/main" val="4004456771"/>
+        <p14:creationId xmlns:p14="http://schemas.microsoft.com/office/powerpoint/2010/main" val="547312416"/>
       </p:ext>
     </p:extLst>
   </p:cSld>
@@ -792,7 +807,27 @@
           <a:bodyPr/>
           <a:lstStyle/>
           <a:p>
-            <a:endParaRPr lang="en-US" dirty="0"/>
+            <a:r>
+              <a:rPr lang="en-US" dirty="0"/>
+              <a:t>Reference:</a:t>
+            </a:r>
+            <a:r>
+              <a:rPr lang="en-US" baseline="0" dirty="0"/>
+              <a:t> CFA Investments Chapter </a:t>
+            </a:r>
+            <a:r>
+              <a:rPr lang="en-US" baseline="0" dirty="0" smtClean="0"/>
+              <a:t>12</a:t>
+            </a:r>
+          </a:p>
+          <a:p>
+            <a:r>
+              <a:rPr lang="en-CA" dirty="0" smtClean="0"/>
+              <a:t>Oscillator indicators have a range, for example between zero and 100, and signal periods where the security is overbought (near 100) or oversold (near zero).</a:t>
+            </a:r>
+          </a:p>
+          <a:p>
+            <a:endParaRPr lang="en-CA" dirty="0" smtClean="0"/>
           </a:p>
         </p:txBody>
       </p:sp>
@@ -812,8 +847,8 @@
           <a:lstStyle/>
           <a:p>
             <a:fld id="{E10A885E-95FB-48AA-A3B2-ABB309CE7A18}" type="slidenum">
-              <a:rPr lang="en-US"/>
-              <a:t>9</a:t>
+              <a:rPr lang="en-US" smtClean="0"/>
+              <a:t>6</a:t>
             </a:fld>
             <a:endParaRPr lang="en-US" dirty="0"/>
           </a:p>
@@ -822,7 +857,7 @@
     </p:spTree>
     <p:extLst>
       <p:ext uri="{BB962C8B-B14F-4D97-AF65-F5344CB8AC3E}">
-        <p14:creationId xmlns:p14="http://schemas.microsoft.com/office/powerpoint/2010/main" val="309706012"/>
+        <p14:creationId xmlns:p14="http://schemas.microsoft.com/office/powerpoint/2010/main" val="215704038"/>
       </p:ext>
     </p:extLst>
   </p:cSld>
@@ -851,7 +886,7 @@
       </p:grpSpPr>
       <p:sp>
         <p:nvSpPr>
-          <p:cNvPr id="2" name="幻灯片图像占位符 1"/>
+          <p:cNvPr id="2" name="Slide Image Placeholder 1"/>
           <p:cNvSpPr>
             <a:spLocks noGrp="1" noRot="1" noChangeAspect="1"/>
           </p:cNvSpPr>
@@ -863,7 +898,7 @@
       </p:sp>
       <p:sp>
         <p:nvSpPr>
-          <p:cNvPr id="3" name="备注占位符 2"/>
+          <p:cNvPr id="3" name="Notes Placeholder 2"/>
           <p:cNvSpPr>
             <a:spLocks noGrp="1"/>
           </p:cNvSpPr>
@@ -876,13 +911,13 @@
           <a:bodyPr/>
           <a:lstStyle/>
           <a:p>
-            <a:endParaRPr kumimoji="1" lang="zh-CN" altLang="en-US" dirty="0"/>
-          </a:p>
-        </p:txBody>
-      </p:sp>
-      <p:sp>
-        <p:nvSpPr>
-          <p:cNvPr id="4" name="幻灯片编号占位符 3"/>
+            <a:endParaRPr lang="en-US" dirty="0"/>
+          </a:p>
+        </p:txBody>
+      </p:sp>
+      <p:sp>
+        <p:nvSpPr>
+          <p:cNvPr id="4" name="Slide Number Placeholder 3"/>
           <p:cNvSpPr>
             <a:spLocks noGrp="1"/>
           </p:cNvSpPr>
@@ -896,8 +931,8 @@
           <a:lstStyle/>
           <a:p>
             <a:fld id="{E10A885E-95FB-48AA-A3B2-ABB309CE7A18}" type="slidenum">
-              <a:rPr lang="en-US" smtClean="0"/>
-              <a:t>11</a:t>
+              <a:rPr lang="en-US"/>
+              <a:t>8</a:t>
             </a:fld>
             <a:endParaRPr lang="en-US" dirty="0"/>
           </a:p>
@@ -906,7 +941,7 @@
     </p:spTree>
     <p:extLst>
       <p:ext uri="{BB962C8B-B14F-4D97-AF65-F5344CB8AC3E}">
-        <p14:creationId xmlns:p14="http://schemas.microsoft.com/office/powerpoint/2010/main" val="2599208867"/>
+        <p14:creationId xmlns:p14="http://schemas.microsoft.com/office/powerpoint/2010/main" val="4004456771"/>
       </p:ext>
     </p:extLst>
   </p:cSld>
@@ -981,6 +1016,174 @@
           <a:p>
             <a:fld id="{E10A885E-95FB-48AA-A3B2-ABB309CE7A18}" type="slidenum">
               <a:rPr lang="en-US"/>
+              <a:t>9</a:t>
+            </a:fld>
+            <a:endParaRPr lang="en-US" dirty="0"/>
+          </a:p>
+        </p:txBody>
+      </p:sp>
+    </p:spTree>
+    <p:extLst>
+      <p:ext uri="{BB962C8B-B14F-4D97-AF65-F5344CB8AC3E}">
+        <p14:creationId xmlns:p14="http://schemas.microsoft.com/office/powerpoint/2010/main" val="309706012"/>
+      </p:ext>
+    </p:extLst>
+  </p:cSld>
+  <p:clrMapOvr>
+    <a:masterClrMapping/>
+  </p:clrMapOvr>
+</p:notes>
+</file>
+
+<file path=ppt/notesSlides/notesSlide7.xml><?xml version="1.0" encoding="utf-8"?>
+<p:notes xmlns:a="http://schemas.openxmlformats.org/drawingml/2006/main" xmlns:r="http://schemas.openxmlformats.org/officeDocument/2006/relationships" xmlns:p="http://schemas.openxmlformats.org/presentationml/2006/main">
+  <p:cSld>
+    <p:spTree>
+      <p:nvGrpSpPr>
+        <p:cNvPr id="1" name=""/>
+        <p:cNvGrpSpPr/>
+        <p:nvPr/>
+      </p:nvGrpSpPr>
+      <p:grpSpPr>
+        <a:xfrm>
+          <a:off x="0" y="0"/>
+          <a:ext cx="0" cy="0"/>
+          <a:chOff x="0" y="0"/>
+          <a:chExt cx="0" cy="0"/>
+        </a:xfrm>
+      </p:grpSpPr>
+      <p:sp>
+        <p:nvSpPr>
+          <p:cNvPr id="2" name="幻灯片图像占位符 1"/>
+          <p:cNvSpPr>
+            <a:spLocks noGrp="1" noRot="1" noChangeAspect="1"/>
+          </p:cNvSpPr>
+          <p:nvPr>
+            <p:ph type="sldImg"/>
+          </p:nvPr>
+        </p:nvSpPr>
+        <p:spPr/>
+      </p:sp>
+      <p:sp>
+        <p:nvSpPr>
+          <p:cNvPr id="3" name="备注占位符 2"/>
+          <p:cNvSpPr>
+            <a:spLocks noGrp="1"/>
+          </p:cNvSpPr>
+          <p:nvPr>
+            <p:ph type="body" idx="1"/>
+          </p:nvPr>
+        </p:nvSpPr>
+        <p:spPr/>
+        <p:txBody>
+          <a:bodyPr/>
+          <a:lstStyle/>
+          <a:p>
+            <a:endParaRPr kumimoji="1" lang="zh-CN" altLang="en-US" dirty="0"/>
+          </a:p>
+        </p:txBody>
+      </p:sp>
+      <p:sp>
+        <p:nvSpPr>
+          <p:cNvPr id="4" name="幻灯片编号占位符 3"/>
+          <p:cNvSpPr>
+            <a:spLocks noGrp="1"/>
+          </p:cNvSpPr>
+          <p:nvPr>
+            <p:ph type="sldNum" sz="quarter" idx="10"/>
+          </p:nvPr>
+        </p:nvSpPr>
+        <p:spPr/>
+        <p:txBody>
+          <a:bodyPr/>
+          <a:lstStyle/>
+          <a:p>
+            <a:fld id="{E10A885E-95FB-48AA-A3B2-ABB309CE7A18}" type="slidenum">
+              <a:rPr lang="en-US" smtClean="0"/>
+              <a:t>11</a:t>
+            </a:fld>
+            <a:endParaRPr lang="en-US" dirty="0"/>
+          </a:p>
+        </p:txBody>
+      </p:sp>
+    </p:spTree>
+    <p:extLst>
+      <p:ext uri="{BB962C8B-B14F-4D97-AF65-F5344CB8AC3E}">
+        <p14:creationId xmlns:p14="http://schemas.microsoft.com/office/powerpoint/2010/main" val="2599208867"/>
+      </p:ext>
+    </p:extLst>
+  </p:cSld>
+  <p:clrMapOvr>
+    <a:masterClrMapping/>
+  </p:clrMapOvr>
+</p:notes>
+</file>
+
+<file path=ppt/notesSlides/notesSlide8.xml><?xml version="1.0" encoding="utf-8"?>
+<p:notes xmlns:a="http://schemas.openxmlformats.org/drawingml/2006/main" xmlns:r="http://schemas.openxmlformats.org/officeDocument/2006/relationships" xmlns:p="http://schemas.openxmlformats.org/presentationml/2006/main">
+  <p:cSld>
+    <p:spTree>
+      <p:nvGrpSpPr>
+        <p:cNvPr id="1" name=""/>
+        <p:cNvGrpSpPr/>
+        <p:nvPr/>
+      </p:nvGrpSpPr>
+      <p:grpSpPr>
+        <a:xfrm>
+          <a:off x="0" y="0"/>
+          <a:ext cx="0" cy="0"/>
+          <a:chOff x="0" y="0"/>
+          <a:chExt cx="0" cy="0"/>
+        </a:xfrm>
+      </p:grpSpPr>
+      <p:sp>
+        <p:nvSpPr>
+          <p:cNvPr id="2" name="Slide Image Placeholder 1"/>
+          <p:cNvSpPr>
+            <a:spLocks noGrp="1" noRot="1" noChangeAspect="1"/>
+          </p:cNvSpPr>
+          <p:nvPr>
+            <p:ph type="sldImg"/>
+          </p:nvPr>
+        </p:nvSpPr>
+        <p:spPr/>
+      </p:sp>
+      <p:sp>
+        <p:nvSpPr>
+          <p:cNvPr id="3" name="Notes Placeholder 2"/>
+          <p:cNvSpPr>
+            <a:spLocks noGrp="1"/>
+          </p:cNvSpPr>
+          <p:nvPr>
+            <p:ph type="body" idx="1"/>
+          </p:nvPr>
+        </p:nvSpPr>
+        <p:spPr/>
+        <p:txBody>
+          <a:bodyPr/>
+          <a:lstStyle/>
+          <a:p>
+            <a:endParaRPr lang="en-US" dirty="0"/>
+          </a:p>
+        </p:txBody>
+      </p:sp>
+      <p:sp>
+        <p:nvSpPr>
+          <p:cNvPr id="4" name="Slide Number Placeholder 3"/>
+          <p:cNvSpPr>
+            <a:spLocks noGrp="1"/>
+          </p:cNvSpPr>
+          <p:nvPr>
+            <p:ph type="sldNum" sz="quarter" idx="10"/>
+          </p:nvPr>
+        </p:nvSpPr>
+        <p:spPr/>
+        <p:txBody>
+          <a:bodyPr/>
+          <a:lstStyle/>
+          <a:p>
+            <a:fld id="{E10A885E-95FB-48AA-A3B2-ABB309CE7A18}" type="slidenum">
+              <a:rPr lang="en-US"/>
               <a:t>13</a:t>
             </a:fld>
             <a:endParaRPr lang="en-US" dirty="0"/>
@@ -1000,7 +1203,7 @@
 </p:notes>
 </file>
 
-<file path=ppt/notesSlides/notesSlide7.xml><?xml version="1.0" encoding="utf-8"?>
+<file path=ppt/notesSlides/notesSlide9.xml><?xml version="1.0" encoding="utf-8"?>
 <p:notes xmlns:a="http://schemas.openxmlformats.org/drawingml/2006/main" xmlns:r="http://schemas.openxmlformats.org/officeDocument/2006/relationships" xmlns:p="http://schemas.openxmlformats.org/presentationml/2006/main">
   <p:cSld>
     <p:spTree>
@@ -6756,8 +6959,43 @@
           <a:p>
             <a:r>
               <a:rPr lang="en-US" dirty="0"/>
-              <a:t>Feb. 07, 2017</a:t>
-            </a:r>
+              <a:t>Feb. 07, </a:t>
+            </a:r>
+            <a:r>
+              <a:rPr lang="en-US" dirty="0" smtClean="0"/>
+              <a:t>2017</a:t>
+            </a:r>
+          </a:p>
+          <a:p>
+            <a:r>
+              <a:rPr lang="en-US" dirty="0" smtClean="0"/>
+              <a:t>Tian Run Yang, Cheng Zhou, </a:t>
+            </a:r>
+            <a:r>
+              <a:rPr lang="en-US" dirty="0" err="1" smtClean="0"/>
+              <a:t>Shiyuan</a:t>
+            </a:r>
+            <a:r>
+              <a:rPr lang="en-US" dirty="0" smtClean="0"/>
+              <a:t> Wu, </a:t>
+            </a:r>
+            <a:r>
+              <a:rPr lang="en-US" dirty="0" err="1" smtClean="0"/>
+              <a:t>Yida</a:t>
+            </a:r>
+            <a:r>
+              <a:rPr lang="en-US" dirty="0" smtClean="0"/>
+              <a:t> Wang, and </a:t>
+            </a:r>
+            <a:r>
+              <a:rPr lang="en-US" dirty="0" err="1" smtClean="0"/>
+              <a:t>Mengtian</a:t>
+            </a:r>
+            <a:r>
+              <a:rPr lang="en-US" dirty="0" smtClean="0"/>
+              <a:t> Ni</a:t>
+            </a:r>
+            <a:endParaRPr lang="en-US" dirty="0"/>
           </a:p>
         </p:txBody>
       </p:sp>
@@ -6842,21 +7080,21 @@
                 <a:gridCol w="1473551">
                   <a:extLst>
                     <a:ext uri="{9D8B030D-6E8A-4147-A177-3AD203B41FA5}">
-                      <a16:colId xmlns:a16="http://schemas.microsoft.com/office/drawing/2014/main" val="20000"/>
+                      <a16:colId xmlns:a16="http://schemas.microsoft.com/office/drawing/2014/main" xmlns="" val="20000"/>
                     </a:ext>
                   </a:extLst>
                 </a:gridCol>
                 <a:gridCol w="3614386">
                   <a:extLst>
                     <a:ext uri="{9D8B030D-6E8A-4147-A177-3AD203B41FA5}">
-                      <a16:colId xmlns:a16="http://schemas.microsoft.com/office/drawing/2014/main" val="20001"/>
+                      <a16:colId xmlns:a16="http://schemas.microsoft.com/office/drawing/2014/main" xmlns="" val="20001"/>
                     </a:ext>
                   </a:extLst>
                 </a:gridCol>
                 <a:gridCol w="3416301">
                   <a:extLst>
                     <a:ext uri="{9D8B030D-6E8A-4147-A177-3AD203B41FA5}">
-                      <a16:colId xmlns:a16="http://schemas.microsoft.com/office/drawing/2014/main" val="20002"/>
+                      <a16:colId xmlns:a16="http://schemas.microsoft.com/office/drawing/2014/main" xmlns="" val="20002"/>
                     </a:ext>
                   </a:extLst>
                 </a:gridCol>
@@ -6900,7 +7138,7 @@
                 </a:tc>
                 <a:extLst>
                   <a:ext uri="{0D108BD9-81ED-4DB2-BD59-A6C34878D82A}">
-                    <a16:rowId xmlns:a16="http://schemas.microsoft.com/office/drawing/2014/main" val="10000"/>
+                    <a16:rowId xmlns:a16="http://schemas.microsoft.com/office/drawing/2014/main" xmlns="" val="10000"/>
                   </a:ext>
                 </a:extLst>
               </a:tr>
@@ -6956,7 +7194,7 @@
                 </a:tc>
                 <a:extLst>
                   <a:ext uri="{0D108BD9-81ED-4DB2-BD59-A6C34878D82A}">
-                    <a16:rowId xmlns:a16="http://schemas.microsoft.com/office/drawing/2014/main" val="10001"/>
+                    <a16:rowId xmlns:a16="http://schemas.microsoft.com/office/drawing/2014/main" xmlns="" val="10001"/>
                   </a:ext>
                 </a:extLst>
               </a:tr>
@@ -7032,7 +7270,7 @@
                 </a:tc>
                 <a:extLst>
                   <a:ext uri="{0D108BD9-81ED-4DB2-BD59-A6C34878D82A}">
-                    <a16:rowId xmlns:a16="http://schemas.microsoft.com/office/drawing/2014/main" val="10002"/>
+                    <a16:rowId xmlns:a16="http://schemas.microsoft.com/office/drawing/2014/main" xmlns="" val="10002"/>
                   </a:ext>
                 </a:extLst>
               </a:tr>
@@ -7102,7 +7340,7 @@
                 </a:tc>
                 <a:extLst>
                   <a:ext uri="{0D108BD9-81ED-4DB2-BD59-A6C34878D82A}">
-                    <a16:rowId xmlns:a16="http://schemas.microsoft.com/office/drawing/2014/main" val="10003"/>
+                    <a16:rowId xmlns:a16="http://schemas.microsoft.com/office/drawing/2014/main" xmlns="" val="10003"/>
                   </a:ext>
                 </a:extLst>
               </a:tr>
@@ -7148,7 +7386,7 @@
                 </a:tc>
                 <a:extLst>
                   <a:ext uri="{0D108BD9-81ED-4DB2-BD59-A6C34878D82A}">
-                    <a16:rowId xmlns:a16="http://schemas.microsoft.com/office/drawing/2014/main" val="10004"/>
+                    <a16:rowId xmlns:a16="http://schemas.microsoft.com/office/drawing/2014/main" xmlns="" val="10004"/>
                   </a:ext>
                 </a:extLst>
               </a:tr>
@@ -7204,7 +7442,7 @@
                 </a:tc>
                 <a:extLst>
                   <a:ext uri="{0D108BD9-81ED-4DB2-BD59-A6C34878D82A}">
-                    <a16:rowId xmlns:a16="http://schemas.microsoft.com/office/drawing/2014/main" val="10005"/>
+                    <a16:rowId xmlns:a16="http://schemas.microsoft.com/office/drawing/2014/main" xmlns="" val="10005"/>
                   </a:ext>
                 </a:extLst>
               </a:tr>
@@ -7266,7 +7504,7 @@
                 </a:tc>
                 <a:extLst>
                   <a:ext uri="{0D108BD9-81ED-4DB2-BD59-A6C34878D82A}">
-                    <a16:rowId xmlns:a16="http://schemas.microsoft.com/office/drawing/2014/main" val="10006"/>
+                    <a16:rowId xmlns:a16="http://schemas.microsoft.com/office/drawing/2014/main" xmlns="" val="10006"/>
                   </a:ext>
                 </a:extLst>
               </a:tr>
@@ -7655,13 +7893,8 @@
           <a:p>
             <a:r>
               <a:rPr lang="en-US" dirty="0"/>
-              <a:t>Comparison of technical analysis and </a:t>
-            </a:r>
-            <a:r>
-              <a:rPr lang="en-US"/>
-              <a:t>fundamental analysis</a:t>
-            </a:r>
-            <a:endParaRPr lang="en-US" dirty="0"/>
+              <a:t>Comparison of technical analysis and fundamental analysis</a:t>
+            </a:r>
           </a:p>
         </p:txBody>
       </p:sp>
@@ -7717,25 +7950,49 @@
           </a:p>
         </p:txBody>
       </p:sp>
-      <p:sp>
-        <p:nvSpPr>
-          <p:cNvPr id="3" name="Content Placeholder 2"/>
-          <p:cNvSpPr>
-            <a:spLocks noGrp="1"/>
-          </p:cNvSpPr>
+      <p:pic>
+        <p:nvPicPr>
+          <p:cNvPr id="2050" name="Picture 2" descr="Image result for questions and answers"/>
+          <p:cNvPicPr>
+            <a:picLocks noGrp="1" noChangeAspect="1" noChangeArrowheads="1"/>
+          </p:cNvPicPr>
           <p:nvPr>
             <p:ph idx="1"/>
           </p:nvPr>
-        </p:nvSpPr>
-        <p:spPr/>
-        <p:txBody>
-          <a:bodyPr/>
-          <a:lstStyle/>
-          <a:p>
-            <a:endParaRPr lang="en-US" dirty="0"/>
-          </a:p>
-        </p:txBody>
-      </p:sp>
+        </p:nvPicPr>
+        <p:blipFill>
+          <a:blip r:embed="rId3">
+            <a:extLst>
+              <a:ext uri="{28A0092B-C50C-407E-A947-70E740481C1C}">
+                <a14:useLocalDpi xmlns:a14="http://schemas.microsoft.com/office/drawing/2010/main" val="0"/>
+              </a:ext>
+            </a:extLst>
+          </a:blip>
+          <a:srcRect/>
+          <a:stretch>
+            <a:fillRect/>
+          </a:stretch>
+        </p:blipFill>
+        <p:spPr bwMode="auto">
+          <a:xfrm>
+            <a:off x="1454325" y="2016474"/>
+            <a:ext cx="7042685" cy="3250470"/>
+          </a:xfrm>
+          <a:prstGeom prst="rect">
+            <a:avLst/>
+          </a:prstGeom>
+          <a:noFill/>
+          <a:extLst>
+            <a:ext uri="{909E8E84-426E-40DD-AFC4-6F175D3DCCD1}">
+              <a14:hiddenFill xmlns:a14="http://schemas.microsoft.com/office/drawing/2010/main">
+                <a:solidFill>
+                  <a:srgbClr val="FFFFFF"/>
+                </a:solidFill>
+              </a14:hiddenFill>
+            </a:ext>
+          </a:extLst>
+        </p:spPr>
+      </p:pic>
     </p:spTree>
     <p:extLst>
       <p:ext uri="{BB962C8B-B14F-4D97-AF65-F5344CB8AC3E}">
@@ -7788,25 +8045,49 @@
           </a:p>
         </p:txBody>
       </p:sp>
-      <p:sp>
-        <p:nvSpPr>
-          <p:cNvPr id="3" name="Content Placeholder 2"/>
-          <p:cNvSpPr>
-            <a:spLocks noGrp="1"/>
-          </p:cNvSpPr>
+      <p:pic>
+        <p:nvPicPr>
+          <p:cNvPr id="3074" name="Picture 2" descr="Image result for thank you presentation"/>
+          <p:cNvPicPr>
+            <a:picLocks noGrp="1" noChangeAspect="1" noChangeArrowheads="1"/>
+          </p:cNvPicPr>
           <p:nvPr>
             <p:ph idx="1"/>
           </p:nvPr>
-        </p:nvSpPr>
-        <p:spPr/>
-        <p:txBody>
-          <a:bodyPr/>
-          <a:lstStyle/>
-          <a:p>
-            <a:endParaRPr lang="en-US" dirty="0"/>
-          </a:p>
-        </p:txBody>
-      </p:sp>
+        </p:nvPicPr>
+        <p:blipFill>
+          <a:blip r:embed="rId3">
+            <a:extLst>
+              <a:ext uri="{28A0092B-C50C-407E-A947-70E740481C1C}">
+                <a14:useLocalDpi xmlns:a14="http://schemas.microsoft.com/office/drawing/2010/main" val="0"/>
+              </a:ext>
+            </a:extLst>
+          </a:blip>
+          <a:srcRect/>
+          <a:stretch>
+            <a:fillRect/>
+          </a:stretch>
+        </p:blipFill>
+        <p:spPr bwMode="auto">
+          <a:xfrm>
+            <a:off x="677863" y="3287434"/>
+            <a:ext cx="8596312" cy="1627744"/>
+          </a:xfrm>
+          <a:prstGeom prst="rect">
+            <a:avLst/>
+          </a:prstGeom>
+          <a:noFill/>
+          <a:extLst>
+            <a:ext uri="{909E8E84-426E-40DD-AFC4-6F175D3DCCD1}">
+              <a14:hiddenFill xmlns:a14="http://schemas.microsoft.com/office/drawing/2010/main">
+                <a:solidFill>
+                  <a:srgbClr val="FFFFFF"/>
+                </a:solidFill>
+              </a14:hiddenFill>
+            </a:ext>
+          </a:extLst>
+        </p:spPr>
+      </p:pic>
     </p:spTree>
     <p:extLst>
       <p:ext uri="{BB962C8B-B14F-4D97-AF65-F5344CB8AC3E}">
@@ -7853,37 +8134,47 @@
           <a:lstStyle/>
           <a:p>
             <a:r>
+              <a:rPr lang="en-US" dirty="0" smtClean="0"/>
+              <a:t>Presentation Outline</a:t>
+            </a:r>
+            <a:endParaRPr lang="en-US" dirty="0"/>
+          </a:p>
+        </p:txBody>
+      </p:sp>
+      <p:sp>
+        <p:nvSpPr>
+          <p:cNvPr id="3" name="Content Placeholder 2"/>
+          <p:cNvSpPr>
+            <a:spLocks noGrp="1"/>
+          </p:cNvSpPr>
+          <p:nvPr>
+            <p:ph idx="1"/>
+          </p:nvPr>
+        </p:nvSpPr>
+        <p:spPr/>
+        <p:txBody>
+          <a:bodyPr/>
+          <a:lstStyle/>
+          <a:p>
+            <a:r>
               <a:rPr lang="en-US" dirty="0"/>
-              <a:t>Problem Statement</a:t>
-            </a:r>
-          </a:p>
-        </p:txBody>
-      </p:sp>
-      <p:sp>
-        <p:nvSpPr>
-          <p:cNvPr id="3" name="Content Placeholder 2"/>
-          <p:cNvSpPr>
-            <a:spLocks noGrp="1"/>
-          </p:cNvSpPr>
-          <p:nvPr>
-            <p:ph idx="1"/>
-          </p:nvPr>
-        </p:nvSpPr>
-        <p:spPr/>
-        <p:txBody>
-          <a:bodyPr/>
-          <a:lstStyle/>
-          <a:p>
+              <a:t>Technical </a:t>
+            </a:r>
+            <a:r>
+              <a:rPr lang="en-US" dirty="0" smtClean="0"/>
+              <a:t>Analysis </a:t>
+            </a:r>
             <a:r>
               <a:rPr lang="en-US" dirty="0"/>
-              <a:t>Technical analysis definition</a:t>
-            </a:r>
-          </a:p>
-          <a:p>
-            <a:r>
-              <a:rPr lang="en-US" dirty="0"/>
-              <a:t>Indicators</a:t>
-            </a:r>
+              <a:t>definition</a:t>
+            </a:r>
+          </a:p>
+          <a:p>
+            <a:r>
+              <a:rPr lang="en-US" dirty="0" smtClean="0"/>
+              <a:t>Indicators &amp; Oscillators</a:t>
+            </a:r>
+            <a:endParaRPr lang="en-US" dirty="0"/>
           </a:p>
           <a:p>
             <a:r>
@@ -7974,7 +8265,19 @@
           <a:p>
             <a:r>
               <a:rPr lang="en-US" dirty="0"/>
-              <a:t>Equity analysis methodology for forecasting the direction of prices using historic data, mostly based on price and volume</a:t>
+              <a:t>Equity analysis methodology for forecasting the direction of prices using historic data, mostly based on </a:t>
+            </a:r>
+            <a:r>
+              <a:rPr lang="en-US" b="1" dirty="0"/>
+              <a:t>price</a:t>
+            </a:r>
+            <a:r>
+              <a:rPr lang="en-US" dirty="0"/>
+              <a:t> and </a:t>
+            </a:r>
+            <a:r>
+              <a:rPr lang="en-US" b="1" dirty="0"/>
+              <a:t>volume</a:t>
             </a:r>
           </a:p>
           <a:p>
@@ -8199,7 +8502,7 @@
           <p:nvPr/>
         </p:nvPicPr>
         <p:blipFill>
-          <a:blip r:embed="rId2" cstate="print"/>
+          <a:blip r:embed="rId3" cstate="print"/>
           <a:srcRect/>
           <a:stretch>
             <a:fillRect/>
@@ -8367,7 +8670,7 @@
           <a:graphicData uri="http://schemas.openxmlformats.org/presentationml/2006/ole">
             <mc:AlternateContent xmlns:mc="http://schemas.openxmlformats.org/markup-compatibility/2006">
               <mc:Choice xmlns:v="urn:schemas-microsoft-com:vml" Requires="v">
-                <p:oleObj spid="_x0000_s1047" name="Equation" r:id="rId4" imgW="3708360" imgH="914400" progId="">
+                <p:oleObj spid="_x0000_s1058" name="Equation" r:id="rId4" imgW="3708360" imgH="914400" progId="">
                   <p:embed/>
                 </p:oleObj>
               </mc:Choice>
@@ -8406,7 +8709,7 @@
                       <a:noFill/>
                       <a:extLst>
                         <a:ext uri="{909E8E84-426E-40dd-AFC4-6F175D3DCCD1}">
-                          <a14:hiddenFill xmlns:a14="http://schemas.microsoft.com/office/drawing/2010/main" xmlns="">
+                          <a14:hiddenFill xmlns="" xmlns:a14="http://schemas.microsoft.com/office/drawing/2010/main">
                             <a:solidFill>
                               <a:srgbClr val="FFFFFF"/>
                             </a:solidFill>
@@ -8637,8 +8940,8 @@
           </a:p>
         </p:txBody>
       </p:sp>
-      <mc:AlternateContent xmlns:mc="http://schemas.openxmlformats.org/markup-compatibility/2006">
-        <mc:Choice xmlns:a14="http://schemas.microsoft.com/office/drawing/2010/main" Requires="a14">
+      <mc:AlternateContent xmlns:mc="http://schemas.openxmlformats.org/markup-compatibility/2006" xmlns:a14="http://schemas.microsoft.com/office/drawing/2010/main">
+        <mc:Choice Requires="a14">
           <p:sp>
             <p:nvSpPr>
               <p:cNvPr id="3" name="Content Placeholder 2"/>
@@ -8848,7 +9151,7 @@
             </p:txBody>
           </p:sp>
         </mc:Choice>
-        <mc:Fallback>
+        <mc:Fallback xmlns="">
           <p:sp>
             <p:nvSpPr>
               <p:cNvPr id="3" name="Content Placeholder 2"/>

--- a/Technical Analysis-comparison.pptx
+++ b/Technical Analysis-comparison.pptx
@@ -5,23 +5,24 @@
     <p:sldMasterId id="2147483648" r:id="rId1"/>
   </p:sldMasterIdLst>
   <p:notesMasterIdLst>
-    <p:notesMasterId r:id="rId16"/>
+    <p:notesMasterId r:id="rId17"/>
   </p:notesMasterIdLst>
   <p:sldIdLst>
     <p:sldId id="256" r:id="rId2"/>
     <p:sldId id="265" r:id="rId3"/>
     <p:sldId id="257" r:id="rId4"/>
-    <p:sldId id="268" r:id="rId5"/>
-    <p:sldId id="270" r:id="rId6"/>
-    <p:sldId id="269" r:id="rId7"/>
-    <p:sldId id="271" r:id="rId8"/>
-    <p:sldId id="260" r:id="rId9"/>
-    <p:sldId id="258" r:id="rId10"/>
-    <p:sldId id="267" r:id="rId11"/>
-    <p:sldId id="266" r:id="rId12"/>
-    <p:sldId id="264" r:id="rId13"/>
-    <p:sldId id="262" r:id="rId14"/>
-    <p:sldId id="263" r:id="rId15"/>
+    <p:sldId id="272" r:id="rId5"/>
+    <p:sldId id="273" r:id="rId6"/>
+    <p:sldId id="274" r:id="rId7"/>
+    <p:sldId id="269" r:id="rId8"/>
+    <p:sldId id="271" r:id="rId9"/>
+    <p:sldId id="260" r:id="rId10"/>
+    <p:sldId id="258" r:id="rId11"/>
+    <p:sldId id="267" r:id="rId12"/>
+    <p:sldId id="266" r:id="rId13"/>
+    <p:sldId id="264" r:id="rId14"/>
+    <p:sldId id="262" r:id="rId15"/>
+    <p:sldId id="263" r:id="rId16"/>
   </p:sldIdLst>
   <p:sldSz cx="12192000" cy="6858000"/>
   <p:notesSz cx="6858000" cy="9144000"/>
@@ -572,6 +573,90 @@
 </p:notes>
 </file>
 
+<file path=ppt/notesSlides/notesSlide10.xml><?xml version="1.0" encoding="utf-8"?>
+<p:notes xmlns:a="http://schemas.openxmlformats.org/drawingml/2006/main" xmlns:r="http://schemas.openxmlformats.org/officeDocument/2006/relationships" xmlns:p="http://schemas.openxmlformats.org/presentationml/2006/main">
+  <p:cSld>
+    <p:spTree>
+      <p:nvGrpSpPr>
+        <p:cNvPr id="1" name=""/>
+        <p:cNvGrpSpPr/>
+        <p:nvPr/>
+      </p:nvGrpSpPr>
+      <p:grpSpPr>
+        <a:xfrm>
+          <a:off x="0" y="0"/>
+          <a:ext cx="0" cy="0"/>
+          <a:chOff x="0" y="0"/>
+          <a:chExt cx="0" cy="0"/>
+        </a:xfrm>
+      </p:grpSpPr>
+      <p:sp>
+        <p:nvSpPr>
+          <p:cNvPr id="2" name="Slide Image Placeholder 1"/>
+          <p:cNvSpPr>
+            <a:spLocks noGrp="1" noRot="1" noChangeAspect="1"/>
+          </p:cNvSpPr>
+          <p:nvPr>
+            <p:ph type="sldImg"/>
+          </p:nvPr>
+        </p:nvSpPr>
+        <p:spPr/>
+      </p:sp>
+      <p:sp>
+        <p:nvSpPr>
+          <p:cNvPr id="3" name="Notes Placeholder 2"/>
+          <p:cNvSpPr>
+            <a:spLocks noGrp="1"/>
+          </p:cNvSpPr>
+          <p:nvPr>
+            <p:ph type="body" idx="1"/>
+          </p:nvPr>
+        </p:nvSpPr>
+        <p:spPr/>
+        <p:txBody>
+          <a:bodyPr/>
+          <a:lstStyle/>
+          <a:p>
+            <a:endParaRPr lang="en-US" dirty="0"/>
+          </a:p>
+        </p:txBody>
+      </p:sp>
+      <p:sp>
+        <p:nvSpPr>
+          <p:cNvPr id="4" name="Slide Number Placeholder 3"/>
+          <p:cNvSpPr>
+            <a:spLocks noGrp="1"/>
+          </p:cNvSpPr>
+          <p:nvPr>
+            <p:ph type="sldNum" sz="quarter" idx="10"/>
+          </p:nvPr>
+        </p:nvSpPr>
+        <p:spPr/>
+        <p:txBody>
+          <a:bodyPr/>
+          <a:lstStyle/>
+          <a:p>
+            <a:fld id="{E10A885E-95FB-48AA-A3B2-ABB309CE7A18}" type="slidenum">
+              <a:rPr lang="en-US"/>
+              <a:t>15</a:t>
+            </a:fld>
+            <a:endParaRPr lang="en-US" dirty="0"/>
+          </a:p>
+        </p:txBody>
+      </p:sp>
+    </p:spTree>
+    <p:extLst>
+      <p:ext uri="{BB962C8B-B14F-4D97-AF65-F5344CB8AC3E}">
+        <p14:creationId xmlns:p14="http://schemas.microsoft.com/office/powerpoint/2010/main" val="771992192"/>
+      </p:ext>
+    </p:extLst>
+  </p:cSld>
+  <p:clrMapOvr>
+    <a:masterClrMapping/>
+  </p:clrMapOvr>
+</p:notes>
+</file>
+
 <file path=ppt/notesSlides/notesSlide2.xml><?xml version="1.0" encoding="utf-8"?>
 <p:notes xmlns:a="http://schemas.openxmlformats.org/drawingml/2006/main" xmlns:r="http://schemas.openxmlformats.org/officeDocument/2006/relationships" xmlns:p="http://schemas.openxmlformats.org/presentationml/2006/main">
   <p:cSld>
@@ -596,19 +681,19 @@
             <a:spLocks noGrp="1" noRot="1" noChangeAspect="1"/>
           </p:cNvSpPr>
           <p:nvPr>
-            <p:ph type="sldImg"/>
+            <p:ph type="sldImg" idx="2"/>
           </p:nvPr>
         </p:nvSpPr>
         <p:spPr/>
       </p:sp>
       <p:sp>
         <p:nvSpPr>
-          <p:cNvPr id="3" name="Notes Placeholder 2"/>
-          <p:cNvSpPr>
-            <a:spLocks noGrp="1"/>
-          </p:cNvSpPr>
-          <p:nvPr>
-            <p:ph type="body" idx="1"/>
+          <p:cNvPr id="3" name="Text Placeholder 2"/>
+          <p:cNvSpPr>
+            <a:spLocks noGrp="1"/>
+          </p:cNvSpPr>
+          <p:nvPr>
+            <p:ph type="body" idx="3"/>
           </p:nvPr>
         </p:nvSpPr>
         <p:spPr/>
@@ -616,37 +701,43 @@
           <a:bodyPr/>
           <a:lstStyle/>
           <a:p>
-            <a:endParaRPr lang="en-CA" dirty="0"/>
-          </a:p>
-        </p:txBody>
-      </p:sp>
-      <p:sp>
-        <p:nvSpPr>
-          <p:cNvPr id="4" name="Slide Number Placeholder 3"/>
-          <p:cNvSpPr>
-            <a:spLocks noGrp="1"/>
-          </p:cNvSpPr>
-          <p:nvPr>
-            <p:ph type="sldNum" sz="quarter" idx="10"/>
-          </p:nvPr>
-        </p:nvSpPr>
-        <p:spPr/>
-        <p:txBody>
-          <a:bodyPr/>
-          <a:lstStyle/>
-          <a:p>
-            <a:fld id="{E10A885E-95FB-48AA-A3B2-ABB309CE7A18}" type="slidenum">
-              <a:rPr lang="en-US" smtClean="0"/>
-              <a:t>4</a:t>
-            </a:fld>
-            <a:endParaRPr lang="en-US" dirty="0"/>
+            <a:r>
+              <a:rPr lang="en-US" dirty="0" smtClean="0"/>
+              <a:t>References: Simple Moving Average - SMA Definition | Investopedia http://www.investopedia.com/terms/s/sma.asp </a:t>
+            </a:r>
+          </a:p>
+          <a:p>
+            <a:r>
+              <a:rPr lang="en-CA" dirty="0" smtClean="0"/>
+              <a:t>By Casey Murphy, Senior Analyst ChartAdvisor.com </a:t>
+            </a:r>
+          </a:p>
+          <a:p>
+            <a:endParaRPr lang="en-US" dirty="0" smtClean="0"/>
+          </a:p>
+          <a:p>
+            <a:r>
+              <a:rPr lang="en-CA" dirty="0" smtClean="0"/>
+              <a:t>A simple moving average is customizable in that it can be calculated for a different number of time periods, simply by adding the closing price of the security for a number of time periods and then dividing this total by the number of time periods, which gives the average price of the security over the time period. A simple moving average </a:t>
+            </a:r>
+            <a:r>
+              <a:rPr lang="en-CA" dirty="0" err="1" smtClean="0"/>
+              <a:t>smoothes</a:t>
+            </a:r>
+            <a:r>
+              <a:rPr lang="en-CA" dirty="0" smtClean="0"/>
+              <a:t> out volatility, and makes it easier to view the price trend of a security.</a:t>
+            </a:r>
+          </a:p>
+          <a:p>
+            <a:endParaRPr lang="en-CA" dirty="0" smtClean="0"/>
           </a:p>
         </p:txBody>
       </p:sp>
     </p:spTree>
     <p:extLst>
       <p:ext uri="{BB962C8B-B14F-4D97-AF65-F5344CB8AC3E}">
-        <p14:creationId xmlns:p14="http://schemas.microsoft.com/office/powerpoint/2010/main" val="691384047"/>
+        <p14:creationId xmlns:p14="http://schemas.microsoft.com/office/powerpoint/2010/main" val="1721003050"/>
       </p:ext>
     </p:extLst>
   </p:cSld>
@@ -680,19 +771,19 @@
             <a:spLocks noGrp="1" noRot="1" noChangeAspect="1"/>
           </p:cNvSpPr>
           <p:nvPr>
-            <p:ph type="sldImg"/>
+            <p:ph type="sldImg" idx="2"/>
           </p:nvPr>
         </p:nvSpPr>
         <p:spPr/>
       </p:sp>
       <p:sp>
         <p:nvSpPr>
-          <p:cNvPr id="3" name="Notes Placeholder 2"/>
-          <p:cNvSpPr>
-            <a:spLocks noGrp="1"/>
-          </p:cNvSpPr>
-          <p:nvPr>
-            <p:ph type="body" idx="1"/>
+          <p:cNvPr id="3" name="Text Placeholder 2"/>
+          <p:cNvSpPr>
+            <a:spLocks noGrp="1"/>
+          </p:cNvSpPr>
+          <p:nvPr>
+            <p:ph type="body" idx="3"/>
           </p:nvPr>
         </p:nvSpPr>
         <p:spPr/>
@@ -700,60 +791,14 @@
           <a:bodyPr/>
           <a:lstStyle/>
           <a:p>
-            <a:r>
-              <a:rPr lang="en-CA" sz="1200" b="0" i="0" kern="1200" dirty="0" smtClean="0">
-                <a:solidFill>
-                  <a:schemeClr val="tx1"/>
-                </a:solidFill>
-                <a:effectLst/>
-                <a:latin typeface="+mn-lt"/>
-                <a:ea typeface="+mn-ea"/>
-                <a:cs typeface="+mn-cs"/>
-              </a:rPr>
-              <a:t>Indicators are used in two main ways: to confirm price movement and the quality of chart patterns, and to form buy and sell signals. </a:t>
-            </a:r>
-            <a:br>
-              <a:rPr lang="en-CA" sz="1200" b="0" i="0" kern="1200" dirty="0" smtClean="0">
-                <a:solidFill>
-                  <a:schemeClr val="tx1"/>
-                </a:solidFill>
-                <a:effectLst/>
-                <a:latin typeface="+mn-lt"/>
-                <a:ea typeface="+mn-ea"/>
-                <a:cs typeface="+mn-cs"/>
-              </a:rPr>
-            </a:br>
-            <a:endParaRPr lang="en-CA" dirty="0"/>
-          </a:p>
-        </p:txBody>
-      </p:sp>
-      <p:sp>
-        <p:nvSpPr>
-          <p:cNvPr id="4" name="Slide Number Placeholder 3"/>
-          <p:cNvSpPr>
-            <a:spLocks noGrp="1"/>
-          </p:cNvSpPr>
-          <p:nvPr>
-            <p:ph type="sldNum" sz="quarter" idx="10"/>
-          </p:nvPr>
-        </p:nvSpPr>
-        <p:spPr/>
-        <p:txBody>
-          <a:bodyPr/>
-          <a:lstStyle/>
-          <a:p>
-            <a:fld id="{E10A885E-95FB-48AA-A3B2-ABB309CE7A18}" type="slidenum">
-              <a:rPr lang="en-US" smtClean="0"/>
-              <a:t>5</a:t>
-            </a:fld>
-            <a:endParaRPr lang="en-US" dirty="0"/>
+            <a:endParaRPr lang="en-US"/>
           </a:p>
         </p:txBody>
       </p:sp>
     </p:spTree>
     <p:extLst>
       <p:ext uri="{BB962C8B-B14F-4D97-AF65-F5344CB8AC3E}">
-        <p14:creationId xmlns:p14="http://schemas.microsoft.com/office/powerpoint/2010/main" val="547312416"/>
+        <p14:creationId xmlns:p14="http://schemas.microsoft.com/office/powerpoint/2010/main" val="929695955"/>
       </p:ext>
     </p:extLst>
   </p:cSld>
@@ -808,26 +853,16 @@
           <a:lstStyle/>
           <a:p>
             <a:r>
-              <a:rPr lang="en-US" dirty="0"/>
-              <a:t>Reference:</a:t>
-            </a:r>
-            <a:r>
-              <a:rPr lang="en-US" baseline="0" dirty="0"/>
-              <a:t> CFA Investments Chapter </a:t>
-            </a:r>
-            <a:r>
-              <a:rPr lang="en-US" baseline="0" dirty="0" smtClean="0"/>
-              <a:t>12</a:t>
-            </a:r>
-          </a:p>
-          <a:p>
-            <a:r>
               <a:rPr lang="en-CA" dirty="0" smtClean="0"/>
-              <a:t>Oscillator indicators have a range, for example between zero and 100, and signal periods where the security is overbought (near 100) or oversold (near zero).</a:t>
-            </a:r>
-          </a:p>
-          <a:p>
-            <a:endParaRPr lang="en-CA" dirty="0" smtClean="0"/>
+              <a:t>http://finance.yahoo.com/quote/ibm/history?ltr=1</a:t>
+            </a:r>
+          </a:p>
+          <a:p>
+            <a:r>
+              <a:rPr lang="en-CA" dirty="0" smtClean="0"/>
+              <a:t>http://stockcharts.com/school/doku.php?id=chart_school:technical_indicators:moving_averages</a:t>
+            </a:r>
+            <a:endParaRPr lang="en-CA" dirty="0"/>
           </a:p>
         </p:txBody>
       </p:sp>
@@ -857,7 +892,7 @@
     </p:spTree>
     <p:extLst>
       <p:ext uri="{BB962C8B-B14F-4D97-AF65-F5344CB8AC3E}">
-        <p14:creationId xmlns:p14="http://schemas.microsoft.com/office/powerpoint/2010/main" val="215704038"/>
+        <p14:creationId xmlns:p14="http://schemas.microsoft.com/office/powerpoint/2010/main" val="3444491044"/>
       </p:ext>
     </p:extLst>
   </p:cSld>
@@ -911,6 +946,14 @@
           <a:bodyPr/>
           <a:lstStyle/>
           <a:p>
+            <a:r>
+              <a:rPr lang="en-US" dirty="0"/>
+              <a:t>Reference:</a:t>
+            </a:r>
+            <a:r>
+              <a:rPr lang="en-US" baseline="0" dirty="0"/>
+              <a:t> CFA Investments Chapter 12</a:t>
+            </a:r>
             <a:endParaRPr lang="en-US" dirty="0"/>
           </a:p>
         </p:txBody>
@@ -931,8 +974,8 @@
           <a:lstStyle/>
           <a:p>
             <a:fld id="{E10A885E-95FB-48AA-A3B2-ABB309CE7A18}" type="slidenum">
-              <a:rPr lang="en-US"/>
-              <a:t>8</a:t>
+              <a:rPr lang="en-US" smtClean="0"/>
+              <a:t>7</a:t>
             </a:fld>
             <a:endParaRPr lang="en-US" dirty="0"/>
           </a:p>
@@ -941,7 +984,7 @@
     </p:spTree>
     <p:extLst>
       <p:ext uri="{BB962C8B-B14F-4D97-AF65-F5344CB8AC3E}">
-        <p14:creationId xmlns:p14="http://schemas.microsoft.com/office/powerpoint/2010/main" val="4004456771"/>
+        <p14:creationId xmlns:p14="http://schemas.microsoft.com/office/powerpoint/2010/main" val="215704038"/>
       </p:ext>
     </p:extLst>
   </p:cSld>
@@ -1025,7 +1068,7 @@
     </p:spTree>
     <p:extLst>
       <p:ext uri="{BB962C8B-B14F-4D97-AF65-F5344CB8AC3E}">
-        <p14:creationId xmlns:p14="http://schemas.microsoft.com/office/powerpoint/2010/main" val="309706012"/>
+        <p14:creationId xmlns:p14="http://schemas.microsoft.com/office/powerpoint/2010/main" val="4004456771"/>
       </p:ext>
     </p:extLst>
   </p:cSld>
@@ -1054,7 +1097,7 @@
       </p:grpSpPr>
       <p:sp>
         <p:nvSpPr>
-          <p:cNvPr id="2" name="幻灯片图像占位符 1"/>
+          <p:cNvPr id="2" name="Slide Image Placeholder 1"/>
           <p:cNvSpPr>
             <a:spLocks noGrp="1" noRot="1" noChangeAspect="1"/>
           </p:cNvSpPr>
@@ -1066,7 +1109,7 @@
       </p:sp>
       <p:sp>
         <p:nvSpPr>
-          <p:cNvPr id="3" name="备注占位符 2"/>
+          <p:cNvPr id="3" name="Notes Placeholder 2"/>
           <p:cNvSpPr>
             <a:spLocks noGrp="1"/>
           </p:cNvSpPr>
@@ -1079,13 +1122,13 @@
           <a:bodyPr/>
           <a:lstStyle/>
           <a:p>
-            <a:endParaRPr kumimoji="1" lang="zh-CN" altLang="en-US" dirty="0"/>
-          </a:p>
-        </p:txBody>
-      </p:sp>
-      <p:sp>
-        <p:nvSpPr>
-          <p:cNvPr id="4" name="幻灯片编号占位符 3"/>
+            <a:endParaRPr lang="en-US" dirty="0"/>
+          </a:p>
+        </p:txBody>
+      </p:sp>
+      <p:sp>
+        <p:nvSpPr>
+          <p:cNvPr id="4" name="Slide Number Placeholder 3"/>
           <p:cNvSpPr>
             <a:spLocks noGrp="1"/>
           </p:cNvSpPr>
@@ -1099,8 +1142,8 @@
           <a:lstStyle/>
           <a:p>
             <a:fld id="{E10A885E-95FB-48AA-A3B2-ABB309CE7A18}" type="slidenum">
-              <a:rPr lang="en-US" smtClean="0"/>
-              <a:t>11</a:t>
+              <a:rPr lang="en-US"/>
+              <a:t>10</a:t>
             </a:fld>
             <a:endParaRPr lang="en-US" dirty="0"/>
           </a:p>
@@ -1109,7 +1152,7 @@
     </p:spTree>
     <p:extLst>
       <p:ext uri="{BB962C8B-B14F-4D97-AF65-F5344CB8AC3E}">
-        <p14:creationId xmlns:p14="http://schemas.microsoft.com/office/powerpoint/2010/main" val="2599208867"/>
+        <p14:creationId xmlns:p14="http://schemas.microsoft.com/office/powerpoint/2010/main" val="309706012"/>
       </p:ext>
     </p:extLst>
   </p:cSld>
@@ -1138,7 +1181,7 @@
       </p:grpSpPr>
       <p:sp>
         <p:nvSpPr>
-          <p:cNvPr id="2" name="Slide Image Placeholder 1"/>
+          <p:cNvPr id="2" name="幻灯片图像占位符 1"/>
           <p:cNvSpPr>
             <a:spLocks noGrp="1" noRot="1" noChangeAspect="1"/>
           </p:cNvSpPr>
@@ -1150,7 +1193,7 @@
       </p:sp>
       <p:sp>
         <p:nvSpPr>
-          <p:cNvPr id="3" name="Notes Placeholder 2"/>
+          <p:cNvPr id="3" name="备注占位符 2"/>
           <p:cNvSpPr>
             <a:spLocks noGrp="1"/>
           </p:cNvSpPr>
@@ -1163,13 +1206,13 @@
           <a:bodyPr/>
           <a:lstStyle/>
           <a:p>
-            <a:endParaRPr lang="en-US" dirty="0"/>
-          </a:p>
-        </p:txBody>
-      </p:sp>
-      <p:sp>
-        <p:nvSpPr>
-          <p:cNvPr id="4" name="Slide Number Placeholder 3"/>
+            <a:endParaRPr kumimoji="1" lang="zh-CN" altLang="en-US" dirty="0"/>
+          </a:p>
+        </p:txBody>
+      </p:sp>
+      <p:sp>
+        <p:nvSpPr>
+          <p:cNvPr id="4" name="幻灯片编号占位符 3"/>
           <p:cNvSpPr>
             <a:spLocks noGrp="1"/>
           </p:cNvSpPr>
@@ -1183,8 +1226,8 @@
           <a:lstStyle/>
           <a:p>
             <a:fld id="{E10A885E-95FB-48AA-A3B2-ABB309CE7A18}" type="slidenum">
-              <a:rPr lang="en-US"/>
-              <a:t>13</a:t>
+              <a:rPr lang="en-US" smtClean="0"/>
+              <a:t>12</a:t>
             </a:fld>
             <a:endParaRPr lang="en-US" dirty="0"/>
           </a:p>
@@ -1193,7 +1236,7 @@
     </p:spTree>
     <p:extLst>
       <p:ext uri="{BB962C8B-B14F-4D97-AF65-F5344CB8AC3E}">
-        <p14:creationId xmlns:p14="http://schemas.microsoft.com/office/powerpoint/2010/main" val="200270339"/>
+        <p14:creationId xmlns:p14="http://schemas.microsoft.com/office/powerpoint/2010/main" val="2599208867"/>
       </p:ext>
     </p:extLst>
   </p:cSld>
@@ -1277,7 +1320,7 @@
     </p:spTree>
     <p:extLst>
       <p:ext uri="{BB962C8B-B14F-4D97-AF65-F5344CB8AC3E}">
-        <p14:creationId xmlns:p14="http://schemas.microsoft.com/office/powerpoint/2010/main" val="771992192"/>
+        <p14:creationId xmlns:p14="http://schemas.microsoft.com/office/powerpoint/2010/main" val="200270339"/>
       </p:ext>
     </p:extLst>
   </p:cSld>
@@ -6959,43 +7002,8 @@
           <a:p>
             <a:r>
               <a:rPr lang="en-US" dirty="0"/>
-              <a:t>Feb. 07, </a:t>
-            </a:r>
-            <a:r>
-              <a:rPr lang="en-US" dirty="0" smtClean="0"/>
-              <a:t>2017</a:t>
-            </a:r>
-          </a:p>
-          <a:p>
-            <a:r>
-              <a:rPr lang="en-US" dirty="0" smtClean="0"/>
-              <a:t>Tian Run Yang, Cheng Zhou, </a:t>
-            </a:r>
-            <a:r>
-              <a:rPr lang="en-US" dirty="0" err="1" smtClean="0"/>
-              <a:t>Shiyuan</a:t>
-            </a:r>
-            <a:r>
-              <a:rPr lang="en-US" dirty="0" smtClean="0"/>
-              <a:t> Wu, </a:t>
-            </a:r>
-            <a:r>
-              <a:rPr lang="en-US" dirty="0" err="1" smtClean="0"/>
-              <a:t>Yida</a:t>
-            </a:r>
-            <a:r>
-              <a:rPr lang="en-US" dirty="0" smtClean="0"/>
-              <a:t> Wang, and </a:t>
-            </a:r>
-            <a:r>
-              <a:rPr lang="en-US" dirty="0" err="1" smtClean="0"/>
-              <a:t>Mengtian</a:t>
-            </a:r>
-            <a:r>
-              <a:rPr lang="en-US" dirty="0" smtClean="0"/>
-              <a:t> Ni</a:t>
-            </a:r>
-            <a:endParaRPr lang="en-US" dirty="0"/>
+              <a:t>Feb. 07, 2017</a:t>
+            </a:r>
           </a:p>
         </p:txBody>
       </p:sp>
@@ -7013,1895 +7021,6 @@
 </file>
 
 <file path=ppt/slides/slide10.xml><?xml version="1.0" encoding="utf-8"?>
-<p:sld xmlns:a="http://schemas.openxmlformats.org/drawingml/2006/main" xmlns:r="http://schemas.openxmlformats.org/officeDocument/2006/relationships" xmlns:p="http://schemas.openxmlformats.org/presentationml/2006/main">
-  <p:cSld>
-    <p:spTree>
-      <p:nvGrpSpPr>
-        <p:cNvPr id="1" name=""/>
-        <p:cNvGrpSpPr/>
-        <p:nvPr/>
-      </p:nvGrpSpPr>
-      <p:grpSpPr>
-        <a:xfrm>
-          <a:off x="0" y="0"/>
-          <a:ext cx="0" cy="0"/>
-          <a:chOff x="0" y="0"/>
-          <a:chExt cx="0" cy="0"/>
-        </a:xfrm>
-      </p:grpSpPr>
-      <p:sp>
-        <p:nvSpPr>
-          <p:cNvPr id="2" name="Title 1"/>
-          <p:cNvSpPr>
-            <a:spLocks noGrp="1"/>
-          </p:cNvSpPr>
-          <p:nvPr>
-            <p:ph type="title"/>
-          </p:nvPr>
-        </p:nvSpPr>
-        <p:spPr/>
-        <p:txBody>
-          <a:bodyPr/>
-          <a:lstStyle/>
-          <a:p>
-            <a:r>
-              <a:rPr lang="en-US" dirty="0"/>
-              <a:t>Comparison with Fundamental Analysis </a:t>
-            </a:r>
-          </a:p>
-        </p:txBody>
-      </p:sp>
-      <p:graphicFrame>
-        <p:nvGraphicFramePr>
-          <p:cNvPr id="4" name="Content Placeholder 3"/>
-          <p:cNvGraphicFramePr>
-            <a:graphicFrameLocks noGrp="1"/>
-          </p:cNvGraphicFramePr>
-          <p:nvPr>
-            <p:ph idx="1"/>
-            <p:extLst>
-              <p:ext uri="{D42A27DB-BD31-4B8C-83A1-F6EECF244321}">
-                <p14:modId xmlns:p14="http://schemas.microsoft.com/office/powerpoint/2010/main" val="280881277"/>
-              </p:ext>
-            </p:extLst>
-          </p:nvPr>
-        </p:nvGraphicFramePr>
-        <p:xfrm>
-          <a:off x="723549" y="1563688"/>
-          <a:ext cx="8504238" cy="5034280"/>
-        </p:xfrm>
-        <a:graphic>
-          <a:graphicData uri="http://schemas.openxmlformats.org/drawingml/2006/table">
-            <a:tbl>
-              <a:tblPr firstRow="1" bandRow="1">
-                <a:tableStyleId>{5C22544A-7EE6-4342-B048-85BDC9FD1C3A}</a:tableStyleId>
-              </a:tblPr>
-              <a:tblGrid>
-                <a:gridCol w="1473551">
-                  <a:extLst>
-                    <a:ext uri="{9D8B030D-6E8A-4147-A177-3AD203B41FA5}">
-                      <a16:colId xmlns:a16="http://schemas.microsoft.com/office/drawing/2014/main" xmlns="" val="20000"/>
-                    </a:ext>
-                  </a:extLst>
-                </a:gridCol>
-                <a:gridCol w="3614386">
-                  <a:extLst>
-                    <a:ext uri="{9D8B030D-6E8A-4147-A177-3AD203B41FA5}">
-                      <a16:colId xmlns:a16="http://schemas.microsoft.com/office/drawing/2014/main" xmlns="" val="20001"/>
-                    </a:ext>
-                  </a:extLst>
-                </a:gridCol>
-                <a:gridCol w="3416301">
-                  <a:extLst>
-                    <a:ext uri="{9D8B030D-6E8A-4147-A177-3AD203B41FA5}">
-                      <a16:colId xmlns:a16="http://schemas.microsoft.com/office/drawing/2014/main" xmlns="" val="20002"/>
-                    </a:ext>
-                  </a:extLst>
-                </a:gridCol>
-              </a:tblGrid>
-              <a:tr h="370840">
-                <a:tc>
-                  <a:txBody>
-                    <a:bodyPr/>
-                    <a:lstStyle/>
-                    <a:p>
-                      <a:endParaRPr lang="en-US" dirty="0"/>
-                    </a:p>
-                  </a:txBody>
-                  <a:tcPr/>
-                </a:tc>
-                <a:tc>
-                  <a:txBody>
-                    <a:bodyPr/>
-                    <a:lstStyle/>
-                    <a:p>
-                      <a:r>
-                        <a:rPr lang="en-US" dirty="0"/>
-                        <a:t>Fundamental Analysis</a:t>
-                      </a:r>
-                    </a:p>
-                  </a:txBody>
-                  <a:tcPr/>
-                </a:tc>
-                <a:tc>
-                  <a:txBody>
-                    <a:bodyPr/>
-                    <a:lstStyle/>
-                    <a:p>
-                      <a:r>
-                        <a:rPr lang="en-US" dirty="0"/>
-                        <a:t>Technical Analysis</a:t>
-                      </a:r>
-                    </a:p>
-                  </a:txBody>
-                  <a:tcPr/>
-                </a:tc>
-                <a:extLst>
-                  <a:ext uri="{0D108BD9-81ED-4DB2-BD59-A6C34878D82A}">
-                    <a16:rowId xmlns:a16="http://schemas.microsoft.com/office/drawing/2014/main" xmlns="" val="10000"/>
-                  </a:ext>
-                </a:extLst>
-              </a:tr>
-              <a:tr h="370840">
-                <a:tc>
-                  <a:txBody>
-                    <a:bodyPr/>
-                    <a:lstStyle/>
-                    <a:p>
-                      <a:r>
-                        <a:rPr lang="en-US" dirty="0"/>
-                        <a:t>Definition</a:t>
-                      </a:r>
-                    </a:p>
-                  </a:txBody>
-                  <a:tcPr/>
-                </a:tc>
-                <a:tc>
-                  <a:txBody>
-                    <a:bodyPr/>
-                    <a:lstStyle/>
-                    <a:p>
-                      <a:r>
-                        <a:rPr lang="en-US" dirty="0"/>
-                        <a:t>Intrinsic</a:t>
-                      </a:r>
-                      <a:r>
-                        <a:rPr lang="en-US" baseline="0" dirty="0"/>
-                        <a:t> value of an asset</a:t>
-                      </a:r>
-                      <a:endParaRPr lang="en-US" dirty="0"/>
-                    </a:p>
-                  </a:txBody>
-                  <a:tcPr/>
-                </a:tc>
-                <a:tc>
-                  <a:txBody>
-                    <a:bodyPr/>
-                    <a:lstStyle/>
-                    <a:p>
-                      <a:r>
-                        <a:rPr lang="en-US" dirty="0"/>
-                        <a:t>Price movement and patterns to predict future price</a:t>
-                      </a:r>
-                      <a:r>
-                        <a:rPr lang="en-US" baseline="0" dirty="0"/>
-                        <a:t> movement</a:t>
-                      </a:r>
-                      <a:endParaRPr lang="en-US" dirty="0"/>
-                    </a:p>
-                  </a:txBody>
-                  <a:tcPr/>
-                </a:tc>
-                <a:extLst>
-                  <a:ext uri="{0D108BD9-81ED-4DB2-BD59-A6C34878D82A}">
-                    <a16:rowId xmlns:a16="http://schemas.microsoft.com/office/drawing/2014/main" xmlns="" val="10001"/>
-                  </a:ext>
-                </a:extLst>
-              </a:tr>
-              <a:tr h="370840">
-                <a:tc>
-                  <a:txBody>
-                    <a:bodyPr/>
-                    <a:lstStyle/>
-                    <a:p>
-                      <a:r>
-                        <a:rPr lang="en-US" dirty="0"/>
-                        <a:t>Data</a:t>
-                      </a:r>
-                    </a:p>
-                  </a:txBody>
-                  <a:tcPr/>
-                </a:tc>
-                <a:tc>
-                  <a:txBody>
-                    <a:bodyPr/>
-                    <a:lstStyle/>
-                    <a:p>
-                      <a:r>
-                        <a:rPr lang="en-US" dirty="0"/>
-                        <a:t>Economic reports,</a:t>
-                      </a:r>
-                      <a:r>
-                        <a:rPr lang="en-US" baseline="0" dirty="0"/>
-                        <a:t> news, industry statics</a:t>
-                      </a:r>
-                      <a:endParaRPr lang="en-US" dirty="0"/>
-                    </a:p>
-                  </a:txBody>
-                  <a:tcPr/>
-                </a:tc>
-                <a:tc>
-                  <a:txBody>
-                    <a:bodyPr/>
-                    <a:lstStyle/>
-                    <a:p>
-                      <a:r>
-                        <a:rPr lang="en-US" altLang="zh-CN" dirty="0"/>
-                        <a:t>Share</a:t>
-                      </a:r>
-                      <a:r>
-                        <a:rPr lang="zh-CN" altLang="en-US" dirty="0"/>
-                        <a:t> </a:t>
-                      </a:r>
-                      <a:r>
-                        <a:rPr lang="en-US" altLang="zh-CN" dirty="0"/>
-                        <a:t>price</a:t>
-                      </a:r>
-                      <a:r>
-                        <a:rPr lang="zh-CN" altLang="en-US" dirty="0"/>
-                        <a:t>, </a:t>
-                      </a:r>
-                      <a:r>
-                        <a:rPr lang="en-US" altLang="zh-CN" dirty="0"/>
-                        <a:t>trading</a:t>
-                      </a:r>
-                      <a:r>
-                        <a:rPr lang="zh-CN" altLang="en-US" dirty="0"/>
-                        <a:t> </a:t>
-                      </a:r>
-                      <a:r>
-                        <a:rPr lang="en-US" altLang="zh-CN" dirty="0"/>
-                        <a:t>volume</a:t>
-                      </a:r>
-                      <a:endParaRPr lang="en-US" dirty="0"/>
-                    </a:p>
-                  </a:txBody>
-                  <a:tcPr/>
-                </a:tc>
-                <a:extLst>
-                  <a:ext uri="{0D108BD9-81ED-4DB2-BD59-A6C34878D82A}">
-                    <a16:rowId xmlns:a16="http://schemas.microsoft.com/office/drawing/2014/main" xmlns="" val="10002"/>
-                  </a:ext>
-                </a:extLst>
-              </a:tr>
-              <a:tr h="370840">
-                <a:tc>
-                  <a:txBody>
-                    <a:bodyPr/>
-                    <a:lstStyle/>
-                    <a:p>
-                      <a:r>
-                        <a:rPr lang="en-US" dirty="0"/>
-                        <a:t>Decision Making</a:t>
-                      </a:r>
-                    </a:p>
-                  </a:txBody>
-                  <a:tcPr/>
-                </a:tc>
-                <a:tc>
-                  <a:txBody>
-                    <a:bodyPr/>
-                    <a:lstStyle/>
-                    <a:p>
-                      <a:r>
-                        <a:rPr lang="en-US" dirty="0"/>
-                        <a:t>Buy:</a:t>
-                      </a:r>
-                      <a:r>
-                        <a:rPr lang="en-US" baseline="0" dirty="0"/>
-                        <a:t> p</a:t>
-                      </a:r>
-                      <a:r>
-                        <a:rPr lang="en-US" dirty="0"/>
-                        <a:t>rice &lt;</a:t>
-                      </a:r>
-                      <a:r>
-                        <a:rPr lang="en-US" baseline="0" dirty="0"/>
-                        <a:t> intrinsic value </a:t>
-                      </a:r>
-                    </a:p>
-                    <a:p>
-                      <a:r>
-                        <a:rPr lang="en-US" baseline="0" dirty="0"/>
-                        <a:t>Sell: price &gt; intrinsic value</a:t>
-                      </a:r>
-                      <a:endParaRPr lang="en-US" dirty="0"/>
-                    </a:p>
-                  </a:txBody>
-                  <a:tcPr/>
-                </a:tc>
-                <a:tc>
-                  <a:txBody>
-                    <a:bodyPr/>
-                    <a:lstStyle/>
-                    <a:p>
-                      <a:r>
-                        <a:rPr lang="en-US" dirty="0"/>
-                        <a:t>Buy:</a:t>
-                      </a:r>
-                      <a:r>
-                        <a:rPr lang="en-US" baseline="0" dirty="0"/>
-                        <a:t> predict a price has a high probability moving to profit</a:t>
-                      </a:r>
-                      <a:endParaRPr lang="en-US" dirty="0"/>
-                    </a:p>
-                  </a:txBody>
-                  <a:tcPr/>
-                </a:tc>
-                <a:extLst>
-                  <a:ext uri="{0D108BD9-81ED-4DB2-BD59-A6C34878D82A}">
-                    <a16:rowId xmlns:a16="http://schemas.microsoft.com/office/drawing/2014/main" xmlns="" val="10003"/>
-                  </a:ext>
-                </a:extLst>
-              </a:tr>
-              <a:tr h="370840">
-                <a:tc>
-                  <a:txBody>
-                    <a:bodyPr/>
-                    <a:lstStyle/>
-                    <a:p>
-                      <a:r>
-                        <a:rPr lang="en-US" dirty="0"/>
-                        <a:t>Trader</a:t>
-                      </a:r>
-                    </a:p>
-                  </a:txBody>
-                  <a:tcPr/>
-                </a:tc>
-                <a:tc>
-                  <a:txBody>
-                    <a:bodyPr/>
-                    <a:lstStyle/>
-                    <a:p>
-                      <a:r>
-                        <a:rPr lang="en-US" dirty="0"/>
-                        <a:t>Long term trading</a:t>
-                      </a:r>
-                    </a:p>
-                  </a:txBody>
-                  <a:tcPr/>
-                </a:tc>
-                <a:tc>
-                  <a:txBody>
-                    <a:bodyPr/>
-                    <a:lstStyle/>
-                    <a:p>
-                      <a:r>
-                        <a:rPr lang="en-US" dirty="0"/>
-                        <a:t>Swing trader and short term day traders</a:t>
-                      </a:r>
-                    </a:p>
-                  </a:txBody>
-                  <a:tcPr/>
-                </a:tc>
-                <a:extLst>
-                  <a:ext uri="{0D108BD9-81ED-4DB2-BD59-A6C34878D82A}">
-                    <a16:rowId xmlns:a16="http://schemas.microsoft.com/office/drawing/2014/main" xmlns="" val="10004"/>
-                  </a:ext>
-                </a:extLst>
-              </a:tr>
-              <a:tr h="370840">
-                <a:tc>
-                  <a:txBody>
-                    <a:bodyPr/>
-                    <a:lstStyle/>
-                    <a:p>
-                      <a:r>
-                        <a:rPr lang="en-US" dirty="0"/>
-                        <a:t>Time Horizon</a:t>
-                      </a:r>
-                    </a:p>
-                  </a:txBody>
-                  <a:tcPr/>
-                </a:tc>
-                <a:tc>
-                  <a:txBody>
-                    <a:bodyPr/>
-                    <a:lstStyle/>
-                    <a:p>
-                      <a:r>
-                        <a:rPr lang="en-US" dirty="0"/>
-                        <a:t>Days,</a:t>
-                      </a:r>
-                      <a:r>
-                        <a:rPr lang="en-US" baseline="0" dirty="0"/>
-                        <a:t> weeks or even months</a:t>
-                      </a:r>
-                      <a:endParaRPr lang="en-US" dirty="0"/>
-                    </a:p>
-                  </a:txBody>
-                  <a:tcPr/>
-                </a:tc>
-                <a:tc>
-                  <a:txBody>
-                    <a:bodyPr/>
-                    <a:lstStyle/>
-                    <a:p>
-                      <a:r>
-                        <a:rPr lang="en-US" dirty="0"/>
-                        <a:t>Days,</a:t>
-                      </a:r>
-                      <a:r>
-                        <a:rPr lang="en-US" baseline="0" dirty="0"/>
-                        <a:t> minutes. Can be long term</a:t>
-                      </a:r>
-                      <a:endParaRPr lang="en-US" dirty="0"/>
-                    </a:p>
-                  </a:txBody>
-                  <a:tcPr/>
-                </a:tc>
-                <a:extLst>
-                  <a:ext uri="{0D108BD9-81ED-4DB2-BD59-A6C34878D82A}">
-                    <a16:rowId xmlns:a16="http://schemas.microsoft.com/office/drawing/2014/main" xmlns="" val="10005"/>
-                  </a:ext>
-                </a:extLst>
-              </a:tr>
-              <a:tr h="370840">
-                <a:tc>
-                  <a:txBody>
-                    <a:bodyPr/>
-                    <a:lstStyle/>
-                    <a:p>
-                      <a:r>
-                        <a:rPr lang="en-US" dirty="0"/>
-                        <a:t>Concepts</a:t>
-                      </a:r>
-                    </a:p>
-                  </a:txBody>
-                  <a:tcPr/>
-                </a:tc>
-                <a:tc>
-                  <a:txBody>
-                    <a:bodyPr/>
-                    <a:lstStyle/>
-                    <a:p>
-                      <a:r>
-                        <a:rPr lang="en-US" dirty="0"/>
-                        <a:t>Report expectation</a:t>
-                      </a:r>
-                      <a:r>
-                        <a:rPr lang="en-US" baseline="0" dirty="0"/>
-                        <a:t> vs. actual outcome</a:t>
-                      </a:r>
-                    </a:p>
-                    <a:p>
-                      <a:r>
-                        <a:rPr lang="en-US" baseline="0" dirty="0"/>
-                        <a:t>Current news event vs. historical events</a:t>
-                      </a:r>
-                      <a:endParaRPr lang="en-US" dirty="0"/>
-                    </a:p>
-                  </a:txBody>
-                  <a:tcPr/>
-                </a:tc>
-                <a:tc>
-                  <a:txBody>
-                    <a:bodyPr/>
-                    <a:lstStyle/>
-                    <a:p>
-                      <a:r>
-                        <a:rPr lang="en-US" dirty="0"/>
-                        <a:t>Trend lines, support &amp; resistance, Dow</a:t>
-                      </a:r>
-                      <a:r>
-                        <a:rPr lang="en-US" baseline="0" dirty="0"/>
-                        <a:t> Theory, price pattern</a:t>
-                      </a:r>
-                      <a:endParaRPr lang="en-US" dirty="0"/>
-                    </a:p>
-                  </a:txBody>
-                  <a:tcPr/>
-                </a:tc>
-                <a:extLst>
-                  <a:ext uri="{0D108BD9-81ED-4DB2-BD59-A6C34878D82A}">
-                    <a16:rowId xmlns:a16="http://schemas.microsoft.com/office/drawing/2014/main" xmlns="" val="10006"/>
-                  </a:ext>
-                </a:extLst>
-              </a:tr>
-            </a:tbl>
-          </a:graphicData>
-        </a:graphic>
-      </p:graphicFrame>
-    </p:spTree>
-    <p:extLst>
-      <p:ext uri="{BB962C8B-B14F-4D97-AF65-F5344CB8AC3E}">
-        <p14:creationId xmlns:p14="http://schemas.microsoft.com/office/powerpoint/2010/main" val="1121040943"/>
-      </p:ext>
-    </p:extLst>
-  </p:cSld>
-  <p:clrMapOvr>
-    <a:masterClrMapping/>
-  </p:clrMapOvr>
-</p:sld>
-</file>
-
-<file path=ppt/slides/slide11.xml><?xml version="1.0" encoding="utf-8"?>
-<p:sld xmlns:a="http://schemas.openxmlformats.org/drawingml/2006/main" xmlns:r="http://schemas.openxmlformats.org/officeDocument/2006/relationships" xmlns:p="http://schemas.openxmlformats.org/presentationml/2006/main">
-  <p:cSld>
-    <p:spTree>
-      <p:nvGrpSpPr>
-        <p:cNvPr id="1" name=""/>
-        <p:cNvGrpSpPr/>
-        <p:nvPr/>
-      </p:nvGrpSpPr>
-      <p:grpSpPr>
-        <a:xfrm>
-          <a:off x="0" y="0"/>
-          <a:ext cx="0" cy="0"/>
-          <a:chOff x="0" y="0"/>
-          <a:chExt cx="0" cy="0"/>
-        </a:xfrm>
-      </p:grpSpPr>
-      <p:sp>
-        <p:nvSpPr>
-          <p:cNvPr id="2" name="Title 1"/>
-          <p:cNvSpPr>
-            <a:spLocks noGrp="1"/>
-          </p:cNvSpPr>
-          <p:nvPr>
-            <p:ph type="title"/>
-          </p:nvPr>
-        </p:nvSpPr>
-        <p:spPr/>
-        <p:txBody>
-          <a:bodyPr/>
-          <a:lstStyle/>
-          <a:p>
-            <a:r>
-              <a:rPr lang="en-US" dirty="0"/>
-              <a:t>Comparison with Fundamental Analysis </a:t>
-            </a:r>
-          </a:p>
-        </p:txBody>
-      </p:sp>
-      <p:sp>
-        <p:nvSpPr>
-          <p:cNvPr id="3" name="Content Placeholder 2"/>
-          <p:cNvSpPr>
-            <a:spLocks noGrp="1"/>
-          </p:cNvSpPr>
-          <p:nvPr>
-            <p:ph idx="1"/>
-          </p:nvPr>
-        </p:nvSpPr>
-        <p:spPr>
-          <a:xfrm>
-            <a:off x="728131" y="1872720"/>
-            <a:ext cx="8805336" cy="3880773"/>
-          </a:xfrm>
-        </p:spPr>
-        <p:txBody>
-          <a:bodyPr>
-            <a:noAutofit/>
-          </a:bodyPr>
-          <a:lstStyle/>
-          <a:p>
-            <a:pPr>
-              <a:lnSpc>
-                <a:spcPct val="90000"/>
-              </a:lnSpc>
-            </a:pPr>
-            <a:r>
-              <a:rPr lang="en-US" dirty="0"/>
-              <a:t>Technical</a:t>
-            </a:r>
-            <a:r>
-              <a:rPr lang="zh-CN" altLang="en-US" dirty="0"/>
-              <a:t> </a:t>
-            </a:r>
-            <a:r>
-              <a:rPr lang="en-US" altLang="zh-CN" dirty="0"/>
-              <a:t>Analysis</a:t>
-            </a:r>
-            <a:r>
-              <a:rPr lang="zh-CN" altLang="en-US" dirty="0"/>
-              <a:t> </a:t>
-            </a:r>
-            <a:r>
-              <a:rPr lang="en-US" altLang="zh-CN" dirty="0"/>
-              <a:t>only</a:t>
-            </a:r>
-            <a:r>
-              <a:rPr lang="zh-CN" altLang="en-US" dirty="0"/>
-              <a:t> </a:t>
-            </a:r>
-            <a:r>
-              <a:rPr lang="en-US" altLang="zh-CN" dirty="0"/>
-              <a:t>u</a:t>
-            </a:r>
-            <a:r>
-              <a:rPr lang="en-US" dirty="0"/>
-              <a:t>se</a:t>
-            </a:r>
-            <a:r>
-              <a:rPr lang="en-US" altLang="zh-CN" dirty="0"/>
-              <a:t>s</a:t>
-            </a:r>
-            <a:r>
-              <a:rPr lang="en-US" dirty="0"/>
-              <a:t> trading volume and share prices to project a target price</a:t>
-            </a:r>
-            <a:r>
-              <a:rPr lang="zh-CN" altLang="zh-CN" dirty="0"/>
-              <a:t>,</a:t>
-            </a:r>
-            <a:r>
-              <a:rPr lang="zh-CN" altLang="en-US" dirty="0"/>
-              <a:t> </a:t>
-            </a:r>
-            <a:r>
-              <a:rPr lang="en-US" altLang="zh-CN" dirty="0"/>
-              <a:t>not</a:t>
-            </a:r>
-            <a:r>
-              <a:rPr lang="zh-CN" altLang="en-US" dirty="0"/>
-              <a:t> </a:t>
-            </a:r>
-            <a:r>
-              <a:rPr lang="en-US" dirty="0"/>
-              <a:t>concerned with trader's reason for trading, but only that the trades have occurred. </a:t>
-            </a:r>
-          </a:p>
-          <a:p>
-            <a:pPr>
-              <a:lnSpc>
-                <a:spcPct val="90000"/>
-              </a:lnSpc>
-            </a:pPr>
-            <a:endParaRPr lang="en-US" dirty="0"/>
-          </a:p>
-          <a:p>
-            <a:pPr>
-              <a:lnSpc>
-                <a:spcPct val="90000"/>
-              </a:lnSpc>
-            </a:pPr>
-            <a:r>
-              <a:rPr lang="en-US" dirty="0"/>
-              <a:t>Advantage of technical:</a:t>
-            </a:r>
-          </a:p>
-          <a:p>
-            <a:pPr lvl="1">
-              <a:lnSpc>
-                <a:spcPct val="90000"/>
-              </a:lnSpc>
-            </a:pPr>
-            <a:r>
-              <a:rPr lang="en-US" altLang="zh-CN" dirty="0"/>
-              <a:t>A</a:t>
-            </a:r>
-            <a:r>
-              <a:rPr lang="en-US" dirty="0"/>
-              <a:t>ctual price and volume data is observable whereas fundamental is subject to assumptions or restatements, and may not be available for all assets (i.e.. currency &amp; commodities)- </a:t>
-            </a:r>
-          </a:p>
-          <a:p>
-            <a:pPr lvl="1">
-              <a:lnSpc>
-                <a:spcPct val="90000"/>
-              </a:lnSpc>
-            </a:pPr>
-            <a:r>
-              <a:rPr lang="en-US" altLang="zh-CN" dirty="0"/>
-              <a:t>A</a:t>
-            </a:r>
-            <a:r>
-              <a:rPr lang="en-US" dirty="0"/>
-              <a:t>pplied to asset prices w/o future cash flows (dividend and interest)</a:t>
-            </a:r>
-          </a:p>
-          <a:p>
-            <a:pPr lvl="1">
-              <a:lnSpc>
-                <a:spcPct val="90000"/>
-              </a:lnSpc>
-            </a:pPr>
-            <a:r>
-              <a:rPr lang="en-US" altLang="zh-CN" dirty="0"/>
-              <a:t>F</a:t>
-            </a:r>
-            <a:r>
-              <a:rPr lang="en-US" dirty="0"/>
-              <a:t>inancial statement fraud</a:t>
-            </a:r>
-            <a:r>
-              <a:rPr lang="en-US" altLang="zh-CN" dirty="0"/>
-              <a:t>:</a:t>
-            </a:r>
-            <a:r>
-              <a:rPr lang="zh-CN" altLang="en-US" dirty="0"/>
-              <a:t> </a:t>
-            </a:r>
-            <a:r>
-              <a:rPr lang="en-US" dirty="0"/>
-              <a:t>price &amp; volume reflect the true value of the company</a:t>
-            </a:r>
-          </a:p>
-          <a:p>
-            <a:pPr lvl="1">
-              <a:lnSpc>
-                <a:spcPct val="90000"/>
-              </a:lnSpc>
-            </a:pPr>
-            <a:endParaRPr lang="en-US" dirty="0"/>
-          </a:p>
-          <a:p>
-            <a:pPr>
-              <a:lnSpc>
-                <a:spcPct val="90000"/>
-              </a:lnSpc>
-            </a:pPr>
-            <a:r>
-              <a:rPr lang="en-US" dirty="0"/>
-              <a:t>Disadvantage</a:t>
-            </a:r>
-          </a:p>
-          <a:p>
-            <a:pPr lvl="1">
-              <a:lnSpc>
-                <a:spcPct val="90000"/>
-              </a:lnSpc>
-            </a:pPr>
-            <a:r>
-              <a:rPr lang="en-US" altLang="zh-CN" dirty="0"/>
-              <a:t>P</a:t>
-            </a:r>
-            <a:r>
-              <a:rPr lang="en-US" dirty="0"/>
-              <a:t>rice &amp; volume </a:t>
-            </a:r>
-            <a:r>
-              <a:rPr lang="en-US" altLang="zh-CN" dirty="0"/>
-              <a:t>probably</a:t>
-            </a:r>
-            <a:r>
-              <a:rPr lang="zh-CN" altLang="en-US" dirty="0"/>
-              <a:t> </a:t>
-            </a:r>
-            <a:r>
-              <a:rPr lang="en-US" altLang="zh-CN" dirty="0"/>
-              <a:t>doesn’t</a:t>
-            </a:r>
-            <a:r>
-              <a:rPr lang="zh-CN" altLang="en-US" dirty="0"/>
-              <a:t> </a:t>
-            </a:r>
-            <a:r>
-              <a:rPr lang="en-US" dirty="0"/>
-              <a:t>reflect the true supply &amp; demand (i.e. illiquid markets and markets subject to outside manipulation)</a:t>
-            </a:r>
-          </a:p>
-          <a:p>
-            <a:pPr>
-              <a:lnSpc>
-                <a:spcPct val="90000"/>
-              </a:lnSpc>
-            </a:pPr>
-            <a:endParaRPr lang="en-US" dirty="0"/>
-          </a:p>
-        </p:txBody>
-      </p:sp>
-    </p:spTree>
-    <p:extLst>
-      <p:ext uri="{BB962C8B-B14F-4D97-AF65-F5344CB8AC3E}">
-        <p14:creationId xmlns:p14="http://schemas.microsoft.com/office/powerpoint/2010/main" val="449396195"/>
-      </p:ext>
-    </p:extLst>
-  </p:cSld>
-  <p:clrMapOvr>
-    <a:masterClrMapping/>
-  </p:clrMapOvr>
-</p:sld>
-</file>
-
-<file path=ppt/slides/slide12.xml><?xml version="1.0" encoding="utf-8"?>
-<p:sld xmlns:a="http://schemas.openxmlformats.org/drawingml/2006/main" xmlns:r="http://schemas.openxmlformats.org/officeDocument/2006/relationships" xmlns:p="http://schemas.openxmlformats.org/presentationml/2006/main">
-  <p:cSld>
-    <p:spTree>
-      <p:nvGrpSpPr>
-        <p:cNvPr id="1" name=""/>
-        <p:cNvGrpSpPr/>
-        <p:nvPr/>
-      </p:nvGrpSpPr>
-      <p:grpSpPr>
-        <a:xfrm>
-          <a:off x="0" y="0"/>
-          <a:ext cx="0" cy="0"/>
-          <a:chOff x="0" y="0"/>
-          <a:chExt cx="0" cy="0"/>
-        </a:xfrm>
-      </p:grpSpPr>
-      <p:sp>
-        <p:nvSpPr>
-          <p:cNvPr id="2" name="Title 1"/>
-          <p:cNvSpPr>
-            <a:spLocks noGrp="1"/>
-          </p:cNvSpPr>
-          <p:nvPr>
-            <p:ph type="title"/>
-          </p:nvPr>
-        </p:nvSpPr>
-        <p:spPr/>
-        <p:txBody>
-          <a:bodyPr/>
-          <a:lstStyle/>
-          <a:p>
-            <a:r>
-              <a:rPr lang="en-US" dirty="0"/>
-              <a:t>Conclusion</a:t>
-            </a:r>
-          </a:p>
-        </p:txBody>
-      </p:sp>
-      <p:sp>
-        <p:nvSpPr>
-          <p:cNvPr id="5" name="Content Placeholder 4"/>
-          <p:cNvSpPr>
-            <a:spLocks noGrp="1"/>
-          </p:cNvSpPr>
-          <p:nvPr>
-            <p:ph idx="1"/>
-          </p:nvPr>
-        </p:nvSpPr>
-        <p:spPr/>
-        <p:txBody>
-          <a:bodyPr/>
-          <a:lstStyle/>
-          <a:p>
-            <a:r>
-              <a:rPr lang="en-US" dirty="0"/>
-              <a:t>We discussed technical analysis:</a:t>
-            </a:r>
-          </a:p>
-          <a:p>
-            <a:pPr lvl="1"/>
-            <a:r>
-              <a:rPr lang="en-US" dirty="0"/>
-              <a:t>Simple Moving Average</a:t>
-            </a:r>
-          </a:p>
-          <a:p>
-            <a:pPr lvl="1"/>
-            <a:r>
-              <a:rPr lang="en-US" dirty="0"/>
-              <a:t>Relative Strength Indicator</a:t>
-            </a:r>
-          </a:p>
-          <a:p>
-            <a:r>
-              <a:rPr lang="en-US" dirty="0"/>
-              <a:t>In depth look at RSI and portfolio optimization</a:t>
-            </a:r>
-          </a:p>
-          <a:p>
-            <a:r>
-              <a:rPr lang="en-US" dirty="0"/>
-              <a:t>Performance comparison between RSI balanced portfolio, equal weighted portfolio and SP500</a:t>
-            </a:r>
-          </a:p>
-          <a:p>
-            <a:r>
-              <a:rPr lang="en-US" dirty="0"/>
-              <a:t>Comparison of technical analysis and fundamental analysis</a:t>
-            </a:r>
-          </a:p>
-        </p:txBody>
-      </p:sp>
-    </p:spTree>
-    <p:extLst>
-      <p:ext uri="{BB962C8B-B14F-4D97-AF65-F5344CB8AC3E}">
-        <p14:creationId xmlns:p14="http://schemas.microsoft.com/office/powerpoint/2010/main" val="2067586806"/>
-      </p:ext>
-    </p:extLst>
-  </p:cSld>
-  <p:clrMapOvr>
-    <a:masterClrMapping/>
-  </p:clrMapOvr>
-</p:sld>
-</file>
-
-<file path=ppt/slides/slide13.xml><?xml version="1.0" encoding="utf-8"?>
-<p:sld xmlns:a="http://schemas.openxmlformats.org/drawingml/2006/main" xmlns:r="http://schemas.openxmlformats.org/officeDocument/2006/relationships" xmlns:p="http://schemas.openxmlformats.org/presentationml/2006/main">
-  <p:cSld>
-    <p:spTree>
-      <p:nvGrpSpPr>
-        <p:cNvPr id="1" name=""/>
-        <p:cNvGrpSpPr/>
-        <p:nvPr/>
-      </p:nvGrpSpPr>
-      <p:grpSpPr>
-        <a:xfrm>
-          <a:off x="0" y="0"/>
-          <a:ext cx="0" cy="0"/>
-          <a:chOff x="0" y="0"/>
-          <a:chExt cx="0" cy="0"/>
-        </a:xfrm>
-      </p:grpSpPr>
-      <p:sp>
-        <p:nvSpPr>
-          <p:cNvPr id="2" name="Title 1"/>
-          <p:cNvSpPr>
-            <a:spLocks noGrp="1"/>
-          </p:cNvSpPr>
-          <p:nvPr>
-            <p:ph type="title"/>
-          </p:nvPr>
-        </p:nvSpPr>
-        <p:spPr/>
-        <p:txBody>
-          <a:bodyPr/>
-          <a:lstStyle/>
-          <a:p>
-            <a:r>
-              <a:rPr lang="en-US" dirty="0"/>
-              <a:t>Q &amp; A </a:t>
-            </a:r>
-          </a:p>
-        </p:txBody>
-      </p:sp>
-      <p:pic>
-        <p:nvPicPr>
-          <p:cNvPr id="2050" name="Picture 2" descr="Image result for questions and answers"/>
-          <p:cNvPicPr>
-            <a:picLocks noGrp="1" noChangeAspect="1" noChangeArrowheads="1"/>
-          </p:cNvPicPr>
-          <p:nvPr>
-            <p:ph idx="1"/>
-          </p:nvPr>
-        </p:nvPicPr>
-        <p:blipFill>
-          <a:blip r:embed="rId3">
-            <a:extLst>
-              <a:ext uri="{28A0092B-C50C-407E-A947-70E740481C1C}">
-                <a14:useLocalDpi xmlns:a14="http://schemas.microsoft.com/office/drawing/2010/main" val="0"/>
-              </a:ext>
-            </a:extLst>
-          </a:blip>
-          <a:srcRect/>
-          <a:stretch>
-            <a:fillRect/>
-          </a:stretch>
-        </p:blipFill>
-        <p:spPr bwMode="auto">
-          <a:xfrm>
-            <a:off x="1454325" y="2016474"/>
-            <a:ext cx="7042685" cy="3250470"/>
-          </a:xfrm>
-          <a:prstGeom prst="rect">
-            <a:avLst/>
-          </a:prstGeom>
-          <a:noFill/>
-          <a:extLst>
-            <a:ext uri="{909E8E84-426E-40DD-AFC4-6F175D3DCCD1}">
-              <a14:hiddenFill xmlns:a14="http://schemas.microsoft.com/office/drawing/2010/main">
-                <a:solidFill>
-                  <a:srgbClr val="FFFFFF"/>
-                </a:solidFill>
-              </a14:hiddenFill>
-            </a:ext>
-          </a:extLst>
-        </p:spPr>
-      </p:pic>
-    </p:spTree>
-    <p:extLst>
-      <p:ext uri="{BB962C8B-B14F-4D97-AF65-F5344CB8AC3E}">
-        <p14:creationId xmlns:p14="http://schemas.microsoft.com/office/powerpoint/2010/main" val="847501702"/>
-      </p:ext>
-    </p:extLst>
-  </p:cSld>
-  <p:clrMapOvr>
-    <a:masterClrMapping/>
-  </p:clrMapOvr>
-</p:sld>
-</file>
-
-<file path=ppt/slides/slide14.xml><?xml version="1.0" encoding="utf-8"?>
-<p:sld xmlns:a="http://schemas.openxmlformats.org/drawingml/2006/main" xmlns:r="http://schemas.openxmlformats.org/officeDocument/2006/relationships" xmlns:p="http://schemas.openxmlformats.org/presentationml/2006/main">
-  <p:cSld>
-    <p:spTree>
-      <p:nvGrpSpPr>
-        <p:cNvPr id="1" name=""/>
-        <p:cNvGrpSpPr/>
-        <p:nvPr/>
-      </p:nvGrpSpPr>
-      <p:grpSpPr>
-        <a:xfrm>
-          <a:off x="0" y="0"/>
-          <a:ext cx="0" cy="0"/>
-          <a:chOff x="0" y="0"/>
-          <a:chExt cx="0" cy="0"/>
-        </a:xfrm>
-      </p:grpSpPr>
-      <p:sp>
-        <p:nvSpPr>
-          <p:cNvPr id="2" name="Title 1"/>
-          <p:cNvSpPr>
-            <a:spLocks noGrp="1"/>
-          </p:cNvSpPr>
-          <p:nvPr>
-            <p:ph type="title"/>
-          </p:nvPr>
-        </p:nvSpPr>
-        <p:spPr/>
-        <p:txBody>
-          <a:bodyPr/>
-          <a:lstStyle/>
-          <a:p>
-            <a:r>
-              <a:rPr lang="en-US" dirty="0"/>
-              <a:t>Thank you!</a:t>
-            </a:r>
-          </a:p>
-        </p:txBody>
-      </p:sp>
-      <p:pic>
-        <p:nvPicPr>
-          <p:cNvPr id="3074" name="Picture 2" descr="Image result for thank you presentation"/>
-          <p:cNvPicPr>
-            <a:picLocks noGrp="1" noChangeAspect="1" noChangeArrowheads="1"/>
-          </p:cNvPicPr>
-          <p:nvPr>
-            <p:ph idx="1"/>
-          </p:nvPr>
-        </p:nvPicPr>
-        <p:blipFill>
-          <a:blip r:embed="rId3">
-            <a:extLst>
-              <a:ext uri="{28A0092B-C50C-407E-A947-70E740481C1C}">
-                <a14:useLocalDpi xmlns:a14="http://schemas.microsoft.com/office/drawing/2010/main" val="0"/>
-              </a:ext>
-            </a:extLst>
-          </a:blip>
-          <a:srcRect/>
-          <a:stretch>
-            <a:fillRect/>
-          </a:stretch>
-        </p:blipFill>
-        <p:spPr bwMode="auto">
-          <a:xfrm>
-            <a:off x="677863" y="3287434"/>
-            <a:ext cx="8596312" cy="1627744"/>
-          </a:xfrm>
-          <a:prstGeom prst="rect">
-            <a:avLst/>
-          </a:prstGeom>
-          <a:noFill/>
-          <a:extLst>
-            <a:ext uri="{909E8E84-426E-40DD-AFC4-6F175D3DCCD1}">
-              <a14:hiddenFill xmlns:a14="http://schemas.microsoft.com/office/drawing/2010/main">
-                <a:solidFill>
-                  <a:srgbClr val="FFFFFF"/>
-                </a:solidFill>
-              </a14:hiddenFill>
-            </a:ext>
-          </a:extLst>
-        </p:spPr>
-      </p:pic>
-    </p:spTree>
-    <p:extLst>
-      <p:ext uri="{BB962C8B-B14F-4D97-AF65-F5344CB8AC3E}">
-        <p14:creationId xmlns:p14="http://schemas.microsoft.com/office/powerpoint/2010/main" val="2300661210"/>
-      </p:ext>
-    </p:extLst>
-  </p:cSld>
-  <p:clrMapOvr>
-    <a:masterClrMapping/>
-  </p:clrMapOvr>
-</p:sld>
-</file>
-
-<file path=ppt/slides/slide2.xml><?xml version="1.0" encoding="utf-8"?>
-<p:sld xmlns:a="http://schemas.openxmlformats.org/drawingml/2006/main" xmlns:r="http://schemas.openxmlformats.org/officeDocument/2006/relationships" xmlns:p="http://schemas.openxmlformats.org/presentationml/2006/main">
-  <p:cSld>
-    <p:spTree>
-      <p:nvGrpSpPr>
-        <p:cNvPr id="1" name=""/>
-        <p:cNvGrpSpPr/>
-        <p:nvPr/>
-      </p:nvGrpSpPr>
-      <p:grpSpPr>
-        <a:xfrm>
-          <a:off x="0" y="0"/>
-          <a:ext cx="0" cy="0"/>
-          <a:chOff x="0" y="0"/>
-          <a:chExt cx="0" cy="0"/>
-        </a:xfrm>
-      </p:grpSpPr>
-      <p:sp>
-        <p:nvSpPr>
-          <p:cNvPr id="2" name="Title 1"/>
-          <p:cNvSpPr>
-            <a:spLocks noGrp="1"/>
-          </p:cNvSpPr>
-          <p:nvPr>
-            <p:ph type="title"/>
-          </p:nvPr>
-        </p:nvSpPr>
-        <p:spPr/>
-        <p:txBody>
-          <a:bodyPr/>
-          <a:lstStyle/>
-          <a:p>
-            <a:r>
-              <a:rPr lang="en-US" dirty="0" smtClean="0"/>
-              <a:t>Presentation Outline</a:t>
-            </a:r>
-            <a:endParaRPr lang="en-US" dirty="0"/>
-          </a:p>
-        </p:txBody>
-      </p:sp>
-      <p:sp>
-        <p:nvSpPr>
-          <p:cNvPr id="3" name="Content Placeholder 2"/>
-          <p:cNvSpPr>
-            <a:spLocks noGrp="1"/>
-          </p:cNvSpPr>
-          <p:nvPr>
-            <p:ph idx="1"/>
-          </p:nvPr>
-        </p:nvSpPr>
-        <p:spPr/>
-        <p:txBody>
-          <a:bodyPr/>
-          <a:lstStyle/>
-          <a:p>
-            <a:r>
-              <a:rPr lang="en-US" dirty="0"/>
-              <a:t>Technical </a:t>
-            </a:r>
-            <a:r>
-              <a:rPr lang="en-US" dirty="0" smtClean="0"/>
-              <a:t>Analysis </a:t>
-            </a:r>
-            <a:r>
-              <a:rPr lang="en-US" dirty="0"/>
-              <a:t>definition</a:t>
-            </a:r>
-          </a:p>
-          <a:p>
-            <a:r>
-              <a:rPr lang="en-US" dirty="0" smtClean="0"/>
-              <a:t>Indicators &amp; Oscillators</a:t>
-            </a:r>
-            <a:endParaRPr lang="en-US" dirty="0"/>
-          </a:p>
-          <a:p>
-            <a:r>
-              <a:rPr lang="en-US" dirty="0"/>
-              <a:t>Portfolio Composition</a:t>
-            </a:r>
-          </a:p>
-          <a:p>
-            <a:r>
-              <a:rPr lang="en-US" dirty="0"/>
-              <a:t>Portfolio performance comparison</a:t>
-            </a:r>
-          </a:p>
-          <a:p>
-            <a:r>
-              <a:rPr lang="en-US" dirty="0"/>
-              <a:t>Technical analysis vs. Fundamental analysis</a:t>
-            </a:r>
-          </a:p>
-        </p:txBody>
-      </p:sp>
-    </p:spTree>
-    <p:extLst>
-      <p:ext uri="{BB962C8B-B14F-4D97-AF65-F5344CB8AC3E}">
-        <p14:creationId xmlns:p14="http://schemas.microsoft.com/office/powerpoint/2010/main" val="1629263917"/>
-      </p:ext>
-    </p:extLst>
-  </p:cSld>
-  <p:clrMapOvr>
-    <a:masterClrMapping/>
-  </p:clrMapOvr>
-</p:sld>
-</file>
-
-<file path=ppt/slides/slide3.xml><?xml version="1.0" encoding="utf-8"?>
-<p:sld xmlns:a="http://schemas.openxmlformats.org/drawingml/2006/main" xmlns:r="http://schemas.openxmlformats.org/officeDocument/2006/relationships" xmlns:p="http://schemas.openxmlformats.org/presentationml/2006/main">
-  <p:cSld>
-    <p:spTree>
-      <p:nvGrpSpPr>
-        <p:cNvPr id="1" name=""/>
-        <p:cNvGrpSpPr/>
-        <p:nvPr/>
-      </p:nvGrpSpPr>
-      <p:grpSpPr>
-        <a:xfrm>
-          <a:off x="0" y="0"/>
-          <a:ext cx="0" cy="0"/>
-          <a:chOff x="0" y="0"/>
-          <a:chExt cx="0" cy="0"/>
-        </a:xfrm>
-      </p:grpSpPr>
-      <p:sp>
-        <p:nvSpPr>
-          <p:cNvPr id="2" name="Title 1"/>
-          <p:cNvSpPr>
-            <a:spLocks noGrp="1"/>
-          </p:cNvSpPr>
-          <p:nvPr>
-            <p:ph type="title"/>
-          </p:nvPr>
-        </p:nvSpPr>
-        <p:spPr/>
-        <p:txBody>
-          <a:bodyPr/>
-          <a:lstStyle/>
-          <a:p>
-            <a:r>
-              <a:rPr lang="en-US" dirty="0"/>
-              <a:t>What is Technical Analysis</a:t>
-            </a:r>
-          </a:p>
-        </p:txBody>
-      </p:sp>
-      <p:sp>
-        <p:nvSpPr>
-          <p:cNvPr id="3" name="Content Placeholder 2"/>
-          <p:cNvSpPr>
-            <a:spLocks noGrp="1"/>
-          </p:cNvSpPr>
-          <p:nvPr>
-            <p:ph idx="1"/>
-          </p:nvPr>
-        </p:nvSpPr>
-        <p:spPr/>
-        <p:txBody>
-          <a:bodyPr/>
-          <a:lstStyle/>
-          <a:p>
-            <a:r>
-              <a:rPr lang="en-US" dirty="0"/>
-              <a:t>Equity analysis methodology for forecasting the direction of prices using historic data, mostly based on </a:t>
-            </a:r>
-            <a:r>
-              <a:rPr lang="en-US" b="1" dirty="0"/>
-              <a:t>price</a:t>
-            </a:r>
-            <a:r>
-              <a:rPr lang="en-US" dirty="0"/>
-              <a:t> and </a:t>
-            </a:r>
-            <a:r>
-              <a:rPr lang="en-US" b="1" dirty="0"/>
-              <a:t>volume</a:t>
-            </a:r>
-          </a:p>
-          <a:p>
-            <a:r>
-              <a:rPr lang="en-US" dirty="0"/>
-              <a:t>Price and volume reflects the collective </a:t>
-            </a:r>
-            <a:r>
-              <a:rPr lang="en-US" dirty="0" err="1"/>
-              <a:t>behaviour</a:t>
-            </a:r>
-            <a:r>
-              <a:rPr lang="en-US" dirty="0"/>
-              <a:t> of buyers and sellers</a:t>
-            </a:r>
-          </a:p>
-          <a:p>
-            <a:r>
-              <a:rPr lang="en-US" dirty="0"/>
-              <a:t>Assumptions:</a:t>
-            </a:r>
-          </a:p>
-          <a:p>
-            <a:pPr lvl="1"/>
-            <a:r>
-              <a:rPr lang="en-US" dirty="0"/>
-              <a:t>market prices reflect both rational/irrational investor </a:t>
-            </a:r>
-            <a:r>
-              <a:rPr lang="en-US" dirty="0" err="1"/>
-              <a:t>behaviour</a:t>
-            </a:r>
-            <a:r>
-              <a:rPr lang="en-US" dirty="0"/>
-              <a:t> (efficient market hypothesis does not hold)</a:t>
-            </a:r>
-          </a:p>
-          <a:p>
-            <a:pPr lvl="1"/>
-            <a:r>
-              <a:rPr lang="en-US" dirty="0"/>
-              <a:t>investor </a:t>
-            </a:r>
-            <a:r>
-              <a:rPr lang="en-US" dirty="0" err="1"/>
-              <a:t>behaviour</a:t>
-            </a:r>
-            <a:r>
-              <a:rPr lang="en-US" dirty="0"/>
-              <a:t> is reflected in trends and patterns will repeat and can be used to forecast prices</a:t>
-            </a:r>
-          </a:p>
-          <a:p>
-            <a:endParaRPr lang="en-US" dirty="0"/>
-          </a:p>
-        </p:txBody>
-      </p:sp>
-    </p:spTree>
-    <p:extLst>
-      <p:ext uri="{BB962C8B-B14F-4D97-AF65-F5344CB8AC3E}">
-        <p14:creationId xmlns:p14="http://schemas.microsoft.com/office/powerpoint/2010/main" val="3483631097"/>
-      </p:ext>
-    </p:extLst>
-  </p:cSld>
-  <p:clrMapOvr>
-    <a:masterClrMapping/>
-  </p:clrMapOvr>
-</p:sld>
-</file>
-
-<file path=ppt/slides/slide4.xml><?xml version="1.0" encoding="utf-8"?>
-<p:sld xmlns:a="http://schemas.openxmlformats.org/drawingml/2006/main" xmlns:r="http://schemas.openxmlformats.org/officeDocument/2006/relationships" xmlns:p="http://schemas.openxmlformats.org/presentationml/2006/main">
-  <p:cSld>
-    <p:spTree>
-      <p:nvGrpSpPr>
-        <p:cNvPr id="1" name=""/>
-        <p:cNvGrpSpPr/>
-        <p:nvPr/>
-      </p:nvGrpSpPr>
-      <p:grpSpPr>
-        <a:xfrm>
-          <a:off x="0" y="0"/>
-          <a:ext cx="0" cy="0"/>
-          <a:chOff x="0" y="0"/>
-          <a:chExt cx="0" cy="0"/>
-        </a:xfrm>
-      </p:grpSpPr>
-      <p:sp>
-        <p:nvSpPr>
-          <p:cNvPr id="2" name="Title 1"/>
-          <p:cNvSpPr>
-            <a:spLocks noGrp="1"/>
-          </p:cNvSpPr>
-          <p:nvPr>
-            <p:ph type="title"/>
-          </p:nvPr>
-        </p:nvSpPr>
-        <p:spPr/>
-        <p:txBody>
-          <a:bodyPr/>
-          <a:lstStyle/>
-          <a:p>
-            <a:r>
-              <a:rPr lang="en-US"/>
-              <a:t>Price Indicators </a:t>
-            </a:r>
-            <a:r>
-              <a:rPr lang="mr-IN"/>
-              <a:t>–</a:t>
-            </a:r>
-            <a:r>
-              <a:rPr lang="en-US"/>
-              <a:t> Moving Average</a:t>
-            </a:r>
-          </a:p>
-        </p:txBody>
-      </p:sp>
-      <p:sp>
-        <p:nvSpPr>
-          <p:cNvPr id="3" name="Content Placeholder 2"/>
-          <p:cNvSpPr>
-            <a:spLocks noGrp="1"/>
-          </p:cNvSpPr>
-          <p:nvPr>
-            <p:ph idx="1"/>
-          </p:nvPr>
-        </p:nvSpPr>
-        <p:spPr/>
-        <p:txBody>
-          <a:bodyPr/>
-          <a:lstStyle/>
-          <a:p>
-            <a:r>
-              <a:rPr lang="en-US" dirty="0"/>
-              <a:t>Average of closing price over a specified period (long term &amp; short term trend lines)  </a:t>
-            </a:r>
-          </a:p>
-          <a:p>
-            <a:r>
-              <a:rPr lang="en-US" dirty="0"/>
-              <a:t>Smooth out fluctuation &amp; provide market trend</a:t>
-            </a:r>
-          </a:p>
-          <a:p>
-            <a:pPr lvl="1"/>
-            <a:r>
-              <a:rPr lang="en-US" dirty="0"/>
-              <a:t>Long time period will have a smoother curve </a:t>
-            </a:r>
-          </a:p>
-          <a:p>
-            <a:endParaRPr lang="en-US" dirty="0"/>
-          </a:p>
-        </p:txBody>
-      </p:sp>
-    </p:spTree>
-    <p:extLst>
-      <p:ext uri="{BB962C8B-B14F-4D97-AF65-F5344CB8AC3E}">
-        <p14:creationId xmlns:p14="http://schemas.microsoft.com/office/powerpoint/2010/main" val="939784965"/>
-      </p:ext>
-    </p:extLst>
-  </p:cSld>
-  <p:clrMapOvr>
-    <a:masterClrMapping/>
-  </p:clrMapOvr>
-</p:sld>
-</file>
-
-<file path=ppt/slides/slide5.xml><?xml version="1.0" encoding="utf-8"?>
-<p:sld xmlns:a="http://schemas.openxmlformats.org/drawingml/2006/main" xmlns:r="http://schemas.openxmlformats.org/officeDocument/2006/relationships" xmlns:p="http://schemas.openxmlformats.org/presentationml/2006/main">
-  <p:cSld>
-    <p:spTree>
-      <p:nvGrpSpPr>
-        <p:cNvPr id="1" name=""/>
-        <p:cNvGrpSpPr/>
-        <p:nvPr/>
-      </p:nvGrpSpPr>
-      <p:grpSpPr>
-        <a:xfrm>
-          <a:off x="0" y="0"/>
-          <a:ext cx="0" cy="0"/>
-          <a:chOff x="0" y="0"/>
-          <a:chExt cx="0" cy="0"/>
-        </a:xfrm>
-      </p:grpSpPr>
-      <p:sp>
-        <p:nvSpPr>
-          <p:cNvPr id="2" name="Title 1"/>
-          <p:cNvSpPr>
-            <a:spLocks noGrp="1"/>
-          </p:cNvSpPr>
-          <p:nvPr>
-            <p:ph type="title"/>
-          </p:nvPr>
-        </p:nvSpPr>
-        <p:spPr/>
-        <p:txBody>
-          <a:bodyPr/>
-          <a:lstStyle/>
-          <a:p>
-            <a:r>
-              <a:rPr lang="en-US" dirty="0"/>
-              <a:t>Price Indicator </a:t>
-            </a:r>
-            <a:r>
-              <a:rPr lang="mr-IN" dirty="0"/>
-              <a:t>–</a:t>
-            </a:r>
-            <a:r>
-              <a:rPr lang="en-US" dirty="0"/>
-              <a:t> Moving Average</a:t>
-            </a:r>
-          </a:p>
-        </p:txBody>
-      </p:sp>
-      <p:pic>
-        <p:nvPicPr>
-          <p:cNvPr id="4" name="Picture 3"/>
-          <p:cNvPicPr>
-            <a:picLocks noChangeAspect="1" noChangeArrowheads="1"/>
-          </p:cNvPicPr>
-          <p:nvPr/>
-        </p:nvPicPr>
-        <p:blipFill>
-          <a:blip r:embed="rId3" cstate="print"/>
-          <a:srcRect/>
-          <a:stretch>
-            <a:fillRect/>
-          </a:stretch>
-        </p:blipFill>
-        <p:spPr bwMode="auto">
-          <a:xfrm>
-            <a:off x="1274056" y="1562100"/>
-            <a:ext cx="7403224" cy="4381500"/>
-          </a:xfrm>
-          <a:prstGeom prst="rect">
-            <a:avLst/>
-          </a:prstGeom>
-          <a:noFill/>
-          <a:ln w="9525">
-            <a:noFill/>
-            <a:miter lim="800000"/>
-            <a:headEnd/>
-            <a:tailEnd/>
-          </a:ln>
-          <a:effectLst/>
-        </p:spPr>
-      </p:pic>
-    </p:spTree>
-    <p:extLst>
-      <p:ext uri="{BB962C8B-B14F-4D97-AF65-F5344CB8AC3E}">
-        <p14:creationId xmlns:p14="http://schemas.microsoft.com/office/powerpoint/2010/main" val="1468073361"/>
-      </p:ext>
-    </p:extLst>
-  </p:cSld>
-  <p:clrMapOvr>
-    <a:masterClrMapping/>
-  </p:clrMapOvr>
-</p:sld>
-</file>
-
-<file path=ppt/slides/slide6.xml><?xml version="1.0" encoding="utf-8"?>
-<p:sld xmlns:a="http://schemas.openxmlformats.org/drawingml/2006/main" xmlns:r="http://schemas.openxmlformats.org/officeDocument/2006/relationships" xmlns:p="http://schemas.openxmlformats.org/presentationml/2006/main">
-  <p:cSld>
-    <p:spTree>
-      <p:nvGrpSpPr>
-        <p:cNvPr id="1" name=""/>
-        <p:cNvGrpSpPr/>
-        <p:nvPr/>
-      </p:nvGrpSpPr>
-      <p:grpSpPr>
-        <a:xfrm>
-          <a:off x="0" y="0"/>
-          <a:ext cx="0" cy="0"/>
-          <a:chOff x="0" y="0"/>
-          <a:chExt cx="0" cy="0"/>
-        </a:xfrm>
-      </p:grpSpPr>
-      <p:sp>
-        <p:nvSpPr>
-          <p:cNvPr id="2" name="Title 1"/>
-          <p:cNvSpPr>
-            <a:spLocks noGrp="1"/>
-          </p:cNvSpPr>
-          <p:nvPr>
-            <p:ph type="title"/>
-          </p:nvPr>
-        </p:nvSpPr>
-        <p:spPr/>
-        <p:txBody>
-          <a:bodyPr/>
-          <a:lstStyle/>
-          <a:p>
-            <a:r>
-              <a:rPr lang="en-US" dirty="0"/>
-              <a:t>Momentum Oscillators </a:t>
-            </a:r>
-            <a:r>
-              <a:rPr lang="mr-IN" dirty="0"/>
-              <a:t>–</a:t>
-            </a:r>
-            <a:r>
-              <a:rPr lang="en-US" dirty="0"/>
-              <a:t> Relative Strength Index </a:t>
-            </a:r>
-          </a:p>
-        </p:txBody>
-      </p:sp>
-      <p:sp>
-        <p:nvSpPr>
-          <p:cNvPr id="3" name="Content Placeholder 2"/>
-          <p:cNvSpPr>
-            <a:spLocks noGrp="1"/>
-          </p:cNvSpPr>
-          <p:nvPr>
-            <p:ph idx="1"/>
-          </p:nvPr>
-        </p:nvSpPr>
-        <p:spPr/>
-        <p:txBody>
-          <a:bodyPr/>
-          <a:lstStyle/>
-          <a:p>
-            <a:r>
-              <a:rPr lang="en-US" dirty="0"/>
-              <a:t>Ratio of total price increase to total price decrease over a selected number of periods</a:t>
-            </a:r>
-          </a:p>
-          <a:p>
-            <a:r>
-              <a:rPr lang="en-US" dirty="0"/>
-              <a:t>Oscillate from 0 ~ 100</a:t>
-            </a:r>
-          </a:p>
-          <a:p>
-            <a:r>
-              <a:rPr lang="en-US" dirty="0"/>
-              <a:t>&gt;70 : Overbought </a:t>
-            </a:r>
-            <a:r>
-              <a:rPr lang="mr-IN" dirty="0"/>
-              <a:t>–</a:t>
-            </a:r>
-            <a:r>
-              <a:rPr lang="en-US" dirty="0"/>
-              <a:t> price is too high, and it is likely to decrease </a:t>
-            </a:r>
-          </a:p>
-          <a:p>
-            <a:r>
-              <a:rPr lang="en-US" dirty="0"/>
-              <a:t>&lt;30: Oversold </a:t>
-            </a:r>
-            <a:r>
-              <a:rPr lang="mr-IN" dirty="0"/>
-              <a:t>–</a:t>
-            </a:r>
-            <a:r>
-              <a:rPr lang="en-US" dirty="0"/>
-              <a:t> price is too low, and it is likely to increase</a:t>
-            </a:r>
-          </a:p>
-          <a:p>
-            <a:endParaRPr lang="en-US" dirty="0"/>
-          </a:p>
-          <a:p>
-            <a:endParaRPr lang="en-US" dirty="0"/>
-          </a:p>
-        </p:txBody>
-      </p:sp>
-      <p:graphicFrame>
-        <p:nvGraphicFramePr>
-          <p:cNvPr id="4" name="Object 3"/>
-          <p:cNvGraphicFramePr>
-            <a:graphicFrameLocks noChangeAspect="1"/>
-          </p:cNvGraphicFramePr>
-          <p:nvPr>
-            <p:extLst>
-              <p:ext uri="{D42A27DB-BD31-4B8C-83A1-F6EECF244321}">
-                <p14:modId xmlns:p14="http://schemas.microsoft.com/office/powerpoint/2010/main" val="1078162832"/>
-              </p:ext>
-            </p:extLst>
-          </p:nvPr>
-        </p:nvGraphicFramePr>
-        <p:xfrm>
-          <a:off x="2174524" y="4222442"/>
-          <a:ext cx="5602288" cy="1411288"/>
-        </p:xfrm>
-        <a:graphic>
-          <a:graphicData uri="http://schemas.openxmlformats.org/presentationml/2006/ole">
-            <mc:AlternateContent xmlns:mc="http://schemas.openxmlformats.org/markup-compatibility/2006">
-              <mc:Choice xmlns:v="urn:schemas-microsoft-com:vml" Requires="v">
-                <p:oleObj spid="_x0000_s1058" name="Equation" r:id="rId4" imgW="3708360" imgH="914400" progId="">
-                  <p:embed/>
-                </p:oleObj>
-              </mc:Choice>
-              <mc:Fallback>
-                <p:oleObj name="Equation" r:id="rId4" imgW="3708360" imgH="914400" progId="">
-                  <p:embed/>
-                  <p:pic>
-                    <p:nvPicPr>
-                      <p:cNvPr id="0" name=""/>
-                      <p:cNvPicPr>
-                        <a:picLocks noChangeAspect="1" noChangeArrowheads="1"/>
-                      </p:cNvPicPr>
-                      <p:nvPr/>
-                    </p:nvPicPr>
-                    <p:blipFill>
-                      <a:blip r:embed="rId5">
-                        <a:extLst>
-                          <a:ext uri="{28A0092B-C50C-407E-A947-70E740481C1C}">
-                            <a14:useLocalDpi xmlns:a14="http://schemas.microsoft.com/office/drawing/2010/main" val="0"/>
-                          </a:ext>
-                        </a:extLst>
-                      </a:blip>
-                      <a:srcRect/>
-                      <a:stretch>
-                        <a:fillRect/>
-                      </a:stretch>
-                    </p:blipFill>
-                    <p:spPr bwMode="auto">
-                      <a:xfrm>
-                        <a:off x="2174524" y="4222442"/>
-                        <a:ext cx="5602288" cy="1411288"/>
-                      </a:xfrm>
-                      <a:prstGeom prst="rect">
-                        <a:avLst/>
-                      </a:prstGeom>
-                      <a:noFill/>
-                      <a:extLst>
-                        <a:ext uri="{909E8E84-426E-40dd-AFC4-6F175D3DCCD1}">
-                          <a14:hiddenFill xmlns="" xmlns:a14="http://schemas.microsoft.com/office/drawing/2010/main">
-                            <a:solidFill>
-                              <a:srgbClr val="FFFFFF"/>
-                            </a:solidFill>
-                          </a14:hiddenFill>
-                        </a:ext>
-                      </a:extLst>
-                    </p:spPr>
-                  </p:pic>
-                </p:oleObj>
-              </mc:Fallback>
-            </mc:AlternateContent>
-          </a:graphicData>
-        </a:graphic>
-      </p:graphicFrame>
-    </p:spTree>
-    <p:extLst>
-      <p:ext uri="{BB962C8B-B14F-4D97-AF65-F5344CB8AC3E}">
-        <p14:creationId xmlns:p14="http://schemas.microsoft.com/office/powerpoint/2010/main" val="1247168513"/>
-      </p:ext>
-    </p:extLst>
-  </p:cSld>
-  <p:clrMapOvr>
-    <a:masterClrMapping/>
-  </p:clrMapOvr>
-</p:sld>
-</file>
-
-<file path=ppt/slides/slide7.xml><?xml version="1.0" encoding="utf-8"?>
-<p:sld xmlns:a="http://schemas.openxmlformats.org/drawingml/2006/main" xmlns:r="http://schemas.openxmlformats.org/officeDocument/2006/relationships" xmlns:p="http://schemas.openxmlformats.org/presentationml/2006/main">
-  <p:cSld>
-    <p:spTree>
-      <p:nvGrpSpPr>
-        <p:cNvPr id="1" name=""/>
-        <p:cNvGrpSpPr/>
-        <p:nvPr/>
-      </p:nvGrpSpPr>
-      <p:grpSpPr>
-        <a:xfrm>
-          <a:off x="0" y="0"/>
-          <a:ext cx="0" cy="0"/>
-          <a:chOff x="0" y="0"/>
-          <a:chExt cx="0" cy="0"/>
-        </a:xfrm>
-      </p:grpSpPr>
-      <p:sp>
-        <p:nvSpPr>
-          <p:cNvPr id="2" name="Title 1"/>
-          <p:cNvSpPr>
-            <a:spLocks noGrp="1"/>
-          </p:cNvSpPr>
-          <p:nvPr>
-            <p:ph type="title"/>
-          </p:nvPr>
-        </p:nvSpPr>
-        <p:spPr/>
-        <p:txBody>
-          <a:bodyPr/>
-          <a:lstStyle/>
-          <a:p>
-            <a:r>
-              <a:rPr lang="en-US" dirty="0"/>
-              <a:t>Momentum Oscillators </a:t>
-            </a:r>
-            <a:r>
-              <a:rPr lang="mr-IN" dirty="0"/>
-              <a:t>–</a:t>
-            </a:r>
-            <a:r>
-              <a:rPr lang="en-US" dirty="0"/>
-              <a:t> Relative Strength Index </a:t>
-            </a:r>
-          </a:p>
-        </p:txBody>
-      </p:sp>
-      <p:pic>
-        <p:nvPicPr>
-          <p:cNvPr id="8" name="Content Placeholder 7"/>
-          <p:cNvPicPr>
-            <a:picLocks noGrp="1" noChangeAspect="1"/>
-          </p:cNvPicPr>
-          <p:nvPr>
-            <p:ph idx="1"/>
-          </p:nvPr>
-        </p:nvPicPr>
-        <p:blipFill>
-          <a:blip r:embed="rId2"/>
-          <a:stretch>
-            <a:fillRect/>
-          </a:stretch>
-        </p:blipFill>
-        <p:spPr>
-          <a:xfrm>
-            <a:off x="2108110" y="1930400"/>
-            <a:ext cx="7165892" cy="4818445"/>
-          </a:xfrm>
-        </p:spPr>
-      </p:pic>
-    </p:spTree>
-    <p:extLst>
-      <p:ext uri="{BB962C8B-B14F-4D97-AF65-F5344CB8AC3E}">
-        <p14:creationId xmlns:p14="http://schemas.microsoft.com/office/powerpoint/2010/main" val="631143382"/>
-      </p:ext>
-    </p:extLst>
-  </p:cSld>
-  <p:clrMapOvr>
-    <a:masterClrMapping/>
-  </p:clrMapOvr>
-</p:sld>
-</file>
-
-<file path=ppt/slides/slide8.xml><?xml version="1.0" encoding="utf-8"?>
-<p:sld xmlns:a="http://schemas.openxmlformats.org/drawingml/2006/main" xmlns:r="http://schemas.openxmlformats.org/officeDocument/2006/relationships" xmlns:p="http://schemas.openxmlformats.org/presentationml/2006/main">
-  <p:cSld>
-    <p:spTree>
-      <p:nvGrpSpPr>
-        <p:cNvPr id="1" name=""/>
-        <p:cNvGrpSpPr/>
-        <p:nvPr/>
-      </p:nvGrpSpPr>
-      <p:grpSpPr>
-        <a:xfrm>
-          <a:off x="0" y="0"/>
-          <a:ext cx="0" cy="0"/>
-          <a:chOff x="0" y="0"/>
-          <a:chExt cx="0" cy="0"/>
-        </a:xfrm>
-      </p:grpSpPr>
-      <p:sp>
-        <p:nvSpPr>
-          <p:cNvPr id="2" name="Title 1"/>
-          <p:cNvSpPr>
-            <a:spLocks noGrp="1"/>
-          </p:cNvSpPr>
-          <p:nvPr>
-            <p:ph type="title"/>
-          </p:nvPr>
-        </p:nvSpPr>
-        <p:spPr/>
-        <p:txBody>
-          <a:bodyPr/>
-          <a:lstStyle/>
-          <a:p>
-            <a:r>
-              <a:rPr lang="en-US" dirty="0"/>
-              <a:t>Single Stock Technical Analysis</a:t>
-            </a:r>
-            <a:endParaRPr lang="en-US" dirty="0">
-              <a:solidFill>
-                <a:srgbClr val="90C226"/>
-              </a:solidFill>
-              <a:latin typeface="Trebuchet MS"/>
-            </a:endParaRPr>
-          </a:p>
-        </p:txBody>
-      </p:sp>
-      <p:pic>
-        <p:nvPicPr>
-          <p:cNvPr id="7" name="Content Placeholder 6"/>
-          <p:cNvPicPr>
-            <a:picLocks noGrp="1" noChangeAspect="1"/>
-          </p:cNvPicPr>
-          <p:nvPr>
-            <p:ph idx="1"/>
-          </p:nvPr>
-        </p:nvPicPr>
-        <p:blipFill>
-          <a:blip r:embed="rId3"/>
-          <a:stretch>
-            <a:fillRect/>
-          </a:stretch>
-        </p:blipFill>
-        <p:spPr>
-          <a:xfrm>
-            <a:off x="1806503" y="1270000"/>
-            <a:ext cx="7038239" cy="5278680"/>
-          </a:xfrm>
-        </p:spPr>
-      </p:pic>
-    </p:spTree>
-    <p:extLst>
-      <p:ext uri="{BB962C8B-B14F-4D97-AF65-F5344CB8AC3E}">
-        <p14:creationId xmlns:p14="http://schemas.microsoft.com/office/powerpoint/2010/main" val="2414492735"/>
-      </p:ext>
-    </p:extLst>
-  </p:cSld>
-  <p:clrMapOvr>
-    <a:masterClrMapping/>
-  </p:clrMapOvr>
-</p:sld>
-</file>
-
-<file path=ppt/slides/slide9.xml><?xml version="1.0" encoding="utf-8"?>
 <p:sld xmlns:a="http://schemas.openxmlformats.org/drawingml/2006/main" xmlns:r="http://schemas.openxmlformats.org/officeDocument/2006/relationships" xmlns:p="http://schemas.openxmlformats.org/presentationml/2006/main">
   <p:cSld>
     <p:spTree>
@@ -9189,6 +7308,3983 @@
     <p:extLst>
       <p:ext uri="{BB962C8B-B14F-4D97-AF65-F5344CB8AC3E}">
         <p14:creationId xmlns:p14="http://schemas.microsoft.com/office/powerpoint/2010/main" val="4164392477"/>
+      </p:ext>
+    </p:extLst>
+  </p:cSld>
+  <p:clrMapOvr>
+    <a:masterClrMapping/>
+  </p:clrMapOvr>
+</p:sld>
+</file>
+
+<file path=ppt/slides/slide11.xml><?xml version="1.0" encoding="utf-8"?>
+<p:sld xmlns:a="http://schemas.openxmlformats.org/drawingml/2006/main" xmlns:r="http://schemas.openxmlformats.org/officeDocument/2006/relationships" xmlns:p="http://schemas.openxmlformats.org/presentationml/2006/main">
+  <p:cSld>
+    <p:spTree>
+      <p:nvGrpSpPr>
+        <p:cNvPr id="1" name=""/>
+        <p:cNvGrpSpPr/>
+        <p:nvPr/>
+      </p:nvGrpSpPr>
+      <p:grpSpPr>
+        <a:xfrm>
+          <a:off x="0" y="0"/>
+          <a:ext cx="0" cy="0"/>
+          <a:chOff x="0" y="0"/>
+          <a:chExt cx="0" cy="0"/>
+        </a:xfrm>
+      </p:grpSpPr>
+      <p:sp>
+        <p:nvSpPr>
+          <p:cNvPr id="2" name="Title 1"/>
+          <p:cNvSpPr>
+            <a:spLocks noGrp="1"/>
+          </p:cNvSpPr>
+          <p:nvPr>
+            <p:ph type="title"/>
+          </p:nvPr>
+        </p:nvSpPr>
+        <p:spPr/>
+        <p:txBody>
+          <a:bodyPr/>
+          <a:lstStyle/>
+          <a:p>
+            <a:r>
+              <a:rPr lang="en-US" dirty="0"/>
+              <a:t>Comparison with Fundamental Analysis </a:t>
+            </a:r>
+          </a:p>
+        </p:txBody>
+      </p:sp>
+      <p:graphicFrame>
+        <p:nvGraphicFramePr>
+          <p:cNvPr id="4" name="Content Placeholder 3"/>
+          <p:cNvGraphicFramePr>
+            <a:graphicFrameLocks noGrp="1"/>
+          </p:cNvGraphicFramePr>
+          <p:nvPr>
+            <p:ph idx="1"/>
+            <p:extLst>
+              <p:ext uri="{D42A27DB-BD31-4B8C-83A1-F6EECF244321}">
+                <p14:modId xmlns:p14="http://schemas.microsoft.com/office/powerpoint/2010/main" val="280881277"/>
+              </p:ext>
+            </p:extLst>
+          </p:nvPr>
+        </p:nvGraphicFramePr>
+        <p:xfrm>
+          <a:off x="723549" y="1563688"/>
+          <a:ext cx="8504238" cy="5034280"/>
+        </p:xfrm>
+        <a:graphic>
+          <a:graphicData uri="http://schemas.openxmlformats.org/drawingml/2006/table">
+            <a:tbl>
+              <a:tblPr firstRow="1" bandRow="1">
+                <a:tableStyleId>{5C22544A-7EE6-4342-B048-85BDC9FD1C3A}</a:tableStyleId>
+              </a:tblPr>
+              <a:tblGrid>
+                <a:gridCol w="1473551">
+                  <a:extLst>
+                    <a:ext uri="{9D8B030D-6E8A-4147-A177-3AD203B41FA5}">
+                      <a16:colId xmlns:a16="http://schemas.microsoft.com/office/drawing/2014/main" val="20000"/>
+                    </a:ext>
+                  </a:extLst>
+                </a:gridCol>
+                <a:gridCol w="3614386">
+                  <a:extLst>
+                    <a:ext uri="{9D8B030D-6E8A-4147-A177-3AD203B41FA5}">
+                      <a16:colId xmlns:a16="http://schemas.microsoft.com/office/drawing/2014/main" val="20001"/>
+                    </a:ext>
+                  </a:extLst>
+                </a:gridCol>
+                <a:gridCol w="3416301">
+                  <a:extLst>
+                    <a:ext uri="{9D8B030D-6E8A-4147-A177-3AD203B41FA5}">
+                      <a16:colId xmlns:a16="http://schemas.microsoft.com/office/drawing/2014/main" val="20002"/>
+                    </a:ext>
+                  </a:extLst>
+                </a:gridCol>
+              </a:tblGrid>
+              <a:tr h="370840">
+                <a:tc>
+                  <a:txBody>
+                    <a:bodyPr/>
+                    <a:lstStyle/>
+                    <a:p>
+                      <a:endParaRPr lang="en-US" dirty="0"/>
+                    </a:p>
+                  </a:txBody>
+                  <a:tcPr/>
+                </a:tc>
+                <a:tc>
+                  <a:txBody>
+                    <a:bodyPr/>
+                    <a:lstStyle/>
+                    <a:p>
+                      <a:r>
+                        <a:rPr lang="en-US" dirty="0"/>
+                        <a:t>Fundamental Analysis</a:t>
+                      </a:r>
+                    </a:p>
+                  </a:txBody>
+                  <a:tcPr/>
+                </a:tc>
+                <a:tc>
+                  <a:txBody>
+                    <a:bodyPr/>
+                    <a:lstStyle/>
+                    <a:p>
+                      <a:r>
+                        <a:rPr lang="en-US" dirty="0"/>
+                        <a:t>Technical Analysis</a:t>
+                      </a:r>
+                    </a:p>
+                  </a:txBody>
+                  <a:tcPr/>
+                </a:tc>
+                <a:extLst>
+                  <a:ext uri="{0D108BD9-81ED-4DB2-BD59-A6C34878D82A}">
+                    <a16:rowId xmlns:a16="http://schemas.microsoft.com/office/drawing/2014/main" val="10000"/>
+                  </a:ext>
+                </a:extLst>
+              </a:tr>
+              <a:tr h="370840">
+                <a:tc>
+                  <a:txBody>
+                    <a:bodyPr/>
+                    <a:lstStyle/>
+                    <a:p>
+                      <a:r>
+                        <a:rPr lang="en-US" dirty="0"/>
+                        <a:t>Definition</a:t>
+                      </a:r>
+                    </a:p>
+                  </a:txBody>
+                  <a:tcPr/>
+                </a:tc>
+                <a:tc>
+                  <a:txBody>
+                    <a:bodyPr/>
+                    <a:lstStyle/>
+                    <a:p>
+                      <a:r>
+                        <a:rPr lang="en-US" dirty="0"/>
+                        <a:t>Intrinsic</a:t>
+                      </a:r>
+                      <a:r>
+                        <a:rPr lang="en-US" baseline="0" dirty="0"/>
+                        <a:t> value of an asset</a:t>
+                      </a:r>
+                      <a:endParaRPr lang="en-US" dirty="0"/>
+                    </a:p>
+                  </a:txBody>
+                  <a:tcPr/>
+                </a:tc>
+                <a:tc>
+                  <a:txBody>
+                    <a:bodyPr/>
+                    <a:lstStyle/>
+                    <a:p>
+                      <a:r>
+                        <a:rPr lang="en-US" dirty="0"/>
+                        <a:t>Price movement and patterns to predict future price</a:t>
+                      </a:r>
+                      <a:r>
+                        <a:rPr lang="en-US" baseline="0" dirty="0"/>
+                        <a:t> movement</a:t>
+                      </a:r>
+                      <a:endParaRPr lang="en-US" dirty="0"/>
+                    </a:p>
+                  </a:txBody>
+                  <a:tcPr/>
+                </a:tc>
+                <a:extLst>
+                  <a:ext uri="{0D108BD9-81ED-4DB2-BD59-A6C34878D82A}">
+                    <a16:rowId xmlns:a16="http://schemas.microsoft.com/office/drawing/2014/main" val="10001"/>
+                  </a:ext>
+                </a:extLst>
+              </a:tr>
+              <a:tr h="370840">
+                <a:tc>
+                  <a:txBody>
+                    <a:bodyPr/>
+                    <a:lstStyle/>
+                    <a:p>
+                      <a:r>
+                        <a:rPr lang="en-US" dirty="0"/>
+                        <a:t>Data</a:t>
+                      </a:r>
+                    </a:p>
+                  </a:txBody>
+                  <a:tcPr/>
+                </a:tc>
+                <a:tc>
+                  <a:txBody>
+                    <a:bodyPr/>
+                    <a:lstStyle/>
+                    <a:p>
+                      <a:r>
+                        <a:rPr lang="en-US" dirty="0"/>
+                        <a:t>Economic reports,</a:t>
+                      </a:r>
+                      <a:r>
+                        <a:rPr lang="en-US" baseline="0" dirty="0"/>
+                        <a:t> news, industry statics</a:t>
+                      </a:r>
+                      <a:endParaRPr lang="en-US" dirty="0"/>
+                    </a:p>
+                  </a:txBody>
+                  <a:tcPr/>
+                </a:tc>
+                <a:tc>
+                  <a:txBody>
+                    <a:bodyPr/>
+                    <a:lstStyle/>
+                    <a:p>
+                      <a:r>
+                        <a:rPr lang="en-US" altLang="zh-CN" dirty="0"/>
+                        <a:t>Share</a:t>
+                      </a:r>
+                      <a:r>
+                        <a:rPr lang="zh-CN" altLang="en-US" dirty="0"/>
+                        <a:t> </a:t>
+                      </a:r>
+                      <a:r>
+                        <a:rPr lang="en-US" altLang="zh-CN" dirty="0"/>
+                        <a:t>price</a:t>
+                      </a:r>
+                      <a:r>
+                        <a:rPr lang="zh-CN" altLang="en-US" dirty="0"/>
+                        <a:t>, </a:t>
+                      </a:r>
+                      <a:r>
+                        <a:rPr lang="en-US" altLang="zh-CN" dirty="0"/>
+                        <a:t>trading</a:t>
+                      </a:r>
+                      <a:r>
+                        <a:rPr lang="zh-CN" altLang="en-US" dirty="0"/>
+                        <a:t> </a:t>
+                      </a:r>
+                      <a:r>
+                        <a:rPr lang="en-US" altLang="zh-CN" dirty="0"/>
+                        <a:t>volume</a:t>
+                      </a:r>
+                      <a:endParaRPr lang="en-US" dirty="0"/>
+                    </a:p>
+                  </a:txBody>
+                  <a:tcPr/>
+                </a:tc>
+                <a:extLst>
+                  <a:ext uri="{0D108BD9-81ED-4DB2-BD59-A6C34878D82A}">
+                    <a16:rowId xmlns:a16="http://schemas.microsoft.com/office/drawing/2014/main" val="10002"/>
+                  </a:ext>
+                </a:extLst>
+              </a:tr>
+              <a:tr h="370840">
+                <a:tc>
+                  <a:txBody>
+                    <a:bodyPr/>
+                    <a:lstStyle/>
+                    <a:p>
+                      <a:r>
+                        <a:rPr lang="en-US" dirty="0"/>
+                        <a:t>Decision Making</a:t>
+                      </a:r>
+                    </a:p>
+                  </a:txBody>
+                  <a:tcPr/>
+                </a:tc>
+                <a:tc>
+                  <a:txBody>
+                    <a:bodyPr/>
+                    <a:lstStyle/>
+                    <a:p>
+                      <a:r>
+                        <a:rPr lang="en-US" dirty="0"/>
+                        <a:t>Buy:</a:t>
+                      </a:r>
+                      <a:r>
+                        <a:rPr lang="en-US" baseline="0" dirty="0"/>
+                        <a:t> p</a:t>
+                      </a:r>
+                      <a:r>
+                        <a:rPr lang="en-US" dirty="0"/>
+                        <a:t>rice &lt;</a:t>
+                      </a:r>
+                      <a:r>
+                        <a:rPr lang="en-US" baseline="0" dirty="0"/>
+                        <a:t> intrinsic value </a:t>
+                      </a:r>
+                    </a:p>
+                    <a:p>
+                      <a:r>
+                        <a:rPr lang="en-US" baseline="0" dirty="0"/>
+                        <a:t>Sell: price &gt; intrinsic value</a:t>
+                      </a:r>
+                      <a:endParaRPr lang="en-US" dirty="0"/>
+                    </a:p>
+                  </a:txBody>
+                  <a:tcPr/>
+                </a:tc>
+                <a:tc>
+                  <a:txBody>
+                    <a:bodyPr/>
+                    <a:lstStyle/>
+                    <a:p>
+                      <a:r>
+                        <a:rPr lang="en-US" dirty="0"/>
+                        <a:t>Buy:</a:t>
+                      </a:r>
+                      <a:r>
+                        <a:rPr lang="en-US" baseline="0" dirty="0"/>
+                        <a:t> predict a price has a high probability moving to profit</a:t>
+                      </a:r>
+                      <a:endParaRPr lang="en-US" dirty="0"/>
+                    </a:p>
+                  </a:txBody>
+                  <a:tcPr/>
+                </a:tc>
+                <a:extLst>
+                  <a:ext uri="{0D108BD9-81ED-4DB2-BD59-A6C34878D82A}">
+                    <a16:rowId xmlns:a16="http://schemas.microsoft.com/office/drawing/2014/main" val="10003"/>
+                  </a:ext>
+                </a:extLst>
+              </a:tr>
+              <a:tr h="370840">
+                <a:tc>
+                  <a:txBody>
+                    <a:bodyPr/>
+                    <a:lstStyle/>
+                    <a:p>
+                      <a:r>
+                        <a:rPr lang="en-US" dirty="0"/>
+                        <a:t>Trader</a:t>
+                      </a:r>
+                    </a:p>
+                  </a:txBody>
+                  <a:tcPr/>
+                </a:tc>
+                <a:tc>
+                  <a:txBody>
+                    <a:bodyPr/>
+                    <a:lstStyle/>
+                    <a:p>
+                      <a:r>
+                        <a:rPr lang="en-US" dirty="0"/>
+                        <a:t>Long term trading</a:t>
+                      </a:r>
+                    </a:p>
+                  </a:txBody>
+                  <a:tcPr/>
+                </a:tc>
+                <a:tc>
+                  <a:txBody>
+                    <a:bodyPr/>
+                    <a:lstStyle/>
+                    <a:p>
+                      <a:r>
+                        <a:rPr lang="en-US" dirty="0"/>
+                        <a:t>Swing trader and short term day traders</a:t>
+                      </a:r>
+                    </a:p>
+                  </a:txBody>
+                  <a:tcPr/>
+                </a:tc>
+                <a:extLst>
+                  <a:ext uri="{0D108BD9-81ED-4DB2-BD59-A6C34878D82A}">
+                    <a16:rowId xmlns:a16="http://schemas.microsoft.com/office/drawing/2014/main" val="10004"/>
+                  </a:ext>
+                </a:extLst>
+              </a:tr>
+              <a:tr h="370840">
+                <a:tc>
+                  <a:txBody>
+                    <a:bodyPr/>
+                    <a:lstStyle/>
+                    <a:p>
+                      <a:r>
+                        <a:rPr lang="en-US" dirty="0"/>
+                        <a:t>Time Horizon</a:t>
+                      </a:r>
+                    </a:p>
+                  </a:txBody>
+                  <a:tcPr/>
+                </a:tc>
+                <a:tc>
+                  <a:txBody>
+                    <a:bodyPr/>
+                    <a:lstStyle/>
+                    <a:p>
+                      <a:r>
+                        <a:rPr lang="en-US" dirty="0"/>
+                        <a:t>Days,</a:t>
+                      </a:r>
+                      <a:r>
+                        <a:rPr lang="en-US" baseline="0" dirty="0"/>
+                        <a:t> weeks or even months</a:t>
+                      </a:r>
+                      <a:endParaRPr lang="en-US" dirty="0"/>
+                    </a:p>
+                  </a:txBody>
+                  <a:tcPr/>
+                </a:tc>
+                <a:tc>
+                  <a:txBody>
+                    <a:bodyPr/>
+                    <a:lstStyle/>
+                    <a:p>
+                      <a:r>
+                        <a:rPr lang="en-US" dirty="0"/>
+                        <a:t>Days,</a:t>
+                      </a:r>
+                      <a:r>
+                        <a:rPr lang="en-US" baseline="0" dirty="0"/>
+                        <a:t> minutes. Can be long term</a:t>
+                      </a:r>
+                      <a:endParaRPr lang="en-US" dirty="0"/>
+                    </a:p>
+                  </a:txBody>
+                  <a:tcPr/>
+                </a:tc>
+                <a:extLst>
+                  <a:ext uri="{0D108BD9-81ED-4DB2-BD59-A6C34878D82A}">
+                    <a16:rowId xmlns:a16="http://schemas.microsoft.com/office/drawing/2014/main" val="10005"/>
+                  </a:ext>
+                </a:extLst>
+              </a:tr>
+              <a:tr h="370840">
+                <a:tc>
+                  <a:txBody>
+                    <a:bodyPr/>
+                    <a:lstStyle/>
+                    <a:p>
+                      <a:r>
+                        <a:rPr lang="en-US" dirty="0"/>
+                        <a:t>Concepts</a:t>
+                      </a:r>
+                    </a:p>
+                  </a:txBody>
+                  <a:tcPr/>
+                </a:tc>
+                <a:tc>
+                  <a:txBody>
+                    <a:bodyPr/>
+                    <a:lstStyle/>
+                    <a:p>
+                      <a:r>
+                        <a:rPr lang="en-US" dirty="0"/>
+                        <a:t>Report expectation</a:t>
+                      </a:r>
+                      <a:r>
+                        <a:rPr lang="en-US" baseline="0" dirty="0"/>
+                        <a:t> vs. actual outcome</a:t>
+                      </a:r>
+                    </a:p>
+                    <a:p>
+                      <a:r>
+                        <a:rPr lang="en-US" baseline="0" dirty="0"/>
+                        <a:t>Current news event vs. historical events</a:t>
+                      </a:r>
+                      <a:endParaRPr lang="en-US" dirty="0"/>
+                    </a:p>
+                  </a:txBody>
+                  <a:tcPr/>
+                </a:tc>
+                <a:tc>
+                  <a:txBody>
+                    <a:bodyPr/>
+                    <a:lstStyle/>
+                    <a:p>
+                      <a:r>
+                        <a:rPr lang="en-US" dirty="0"/>
+                        <a:t>Trend lines, support &amp; resistance, Dow</a:t>
+                      </a:r>
+                      <a:r>
+                        <a:rPr lang="en-US" baseline="0" dirty="0"/>
+                        <a:t> Theory, price pattern</a:t>
+                      </a:r>
+                      <a:endParaRPr lang="en-US" dirty="0"/>
+                    </a:p>
+                  </a:txBody>
+                  <a:tcPr/>
+                </a:tc>
+                <a:extLst>
+                  <a:ext uri="{0D108BD9-81ED-4DB2-BD59-A6C34878D82A}">
+                    <a16:rowId xmlns:a16="http://schemas.microsoft.com/office/drawing/2014/main" val="10006"/>
+                  </a:ext>
+                </a:extLst>
+              </a:tr>
+            </a:tbl>
+          </a:graphicData>
+        </a:graphic>
+      </p:graphicFrame>
+    </p:spTree>
+    <p:extLst>
+      <p:ext uri="{BB962C8B-B14F-4D97-AF65-F5344CB8AC3E}">
+        <p14:creationId xmlns:p14="http://schemas.microsoft.com/office/powerpoint/2010/main" val="1121040943"/>
+      </p:ext>
+    </p:extLst>
+  </p:cSld>
+  <p:clrMapOvr>
+    <a:masterClrMapping/>
+  </p:clrMapOvr>
+</p:sld>
+</file>
+
+<file path=ppt/slides/slide12.xml><?xml version="1.0" encoding="utf-8"?>
+<p:sld xmlns:a="http://schemas.openxmlformats.org/drawingml/2006/main" xmlns:r="http://schemas.openxmlformats.org/officeDocument/2006/relationships" xmlns:p="http://schemas.openxmlformats.org/presentationml/2006/main">
+  <p:cSld>
+    <p:spTree>
+      <p:nvGrpSpPr>
+        <p:cNvPr id="1" name=""/>
+        <p:cNvGrpSpPr/>
+        <p:nvPr/>
+      </p:nvGrpSpPr>
+      <p:grpSpPr>
+        <a:xfrm>
+          <a:off x="0" y="0"/>
+          <a:ext cx="0" cy="0"/>
+          <a:chOff x="0" y="0"/>
+          <a:chExt cx="0" cy="0"/>
+        </a:xfrm>
+      </p:grpSpPr>
+      <p:sp>
+        <p:nvSpPr>
+          <p:cNvPr id="2" name="Title 1"/>
+          <p:cNvSpPr>
+            <a:spLocks noGrp="1"/>
+          </p:cNvSpPr>
+          <p:nvPr>
+            <p:ph type="title"/>
+          </p:nvPr>
+        </p:nvSpPr>
+        <p:spPr/>
+        <p:txBody>
+          <a:bodyPr/>
+          <a:lstStyle/>
+          <a:p>
+            <a:r>
+              <a:rPr lang="en-US" dirty="0"/>
+              <a:t>Comparison with Fundamental Analysis </a:t>
+            </a:r>
+          </a:p>
+        </p:txBody>
+      </p:sp>
+      <p:sp>
+        <p:nvSpPr>
+          <p:cNvPr id="3" name="Content Placeholder 2"/>
+          <p:cNvSpPr>
+            <a:spLocks noGrp="1"/>
+          </p:cNvSpPr>
+          <p:nvPr>
+            <p:ph idx="1"/>
+          </p:nvPr>
+        </p:nvSpPr>
+        <p:spPr>
+          <a:xfrm>
+            <a:off x="728131" y="1872720"/>
+            <a:ext cx="8805336" cy="3880773"/>
+          </a:xfrm>
+        </p:spPr>
+        <p:txBody>
+          <a:bodyPr>
+            <a:noAutofit/>
+          </a:bodyPr>
+          <a:lstStyle/>
+          <a:p>
+            <a:pPr>
+              <a:lnSpc>
+                <a:spcPct val="90000"/>
+              </a:lnSpc>
+            </a:pPr>
+            <a:r>
+              <a:rPr lang="en-US" dirty="0"/>
+              <a:t>Technical</a:t>
+            </a:r>
+            <a:r>
+              <a:rPr lang="zh-CN" altLang="en-US" dirty="0"/>
+              <a:t> </a:t>
+            </a:r>
+            <a:r>
+              <a:rPr lang="en-US" altLang="zh-CN" dirty="0"/>
+              <a:t>Analysis</a:t>
+            </a:r>
+            <a:r>
+              <a:rPr lang="zh-CN" altLang="en-US" dirty="0"/>
+              <a:t> </a:t>
+            </a:r>
+            <a:r>
+              <a:rPr lang="en-US" altLang="zh-CN" dirty="0"/>
+              <a:t>only</a:t>
+            </a:r>
+            <a:r>
+              <a:rPr lang="zh-CN" altLang="en-US" dirty="0"/>
+              <a:t> </a:t>
+            </a:r>
+            <a:r>
+              <a:rPr lang="en-US" altLang="zh-CN" dirty="0"/>
+              <a:t>u</a:t>
+            </a:r>
+            <a:r>
+              <a:rPr lang="en-US" dirty="0"/>
+              <a:t>se</a:t>
+            </a:r>
+            <a:r>
+              <a:rPr lang="en-US" altLang="zh-CN" dirty="0"/>
+              <a:t>s</a:t>
+            </a:r>
+            <a:r>
+              <a:rPr lang="en-US" dirty="0"/>
+              <a:t> trading volume and share prices to project a target price</a:t>
+            </a:r>
+            <a:r>
+              <a:rPr lang="zh-CN" altLang="zh-CN" dirty="0"/>
+              <a:t>,</a:t>
+            </a:r>
+            <a:r>
+              <a:rPr lang="zh-CN" altLang="en-US" dirty="0"/>
+              <a:t> </a:t>
+            </a:r>
+            <a:r>
+              <a:rPr lang="en-US" altLang="zh-CN" dirty="0"/>
+              <a:t>not</a:t>
+            </a:r>
+            <a:r>
+              <a:rPr lang="zh-CN" altLang="en-US" dirty="0"/>
+              <a:t> </a:t>
+            </a:r>
+            <a:r>
+              <a:rPr lang="en-US" dirty="0"/>
+              <a:t>concerned with trader's reason for trading, but only that the trades have occurred. </a:t>
+            </a:r>
+          </a:p>
+          <a:p>
+            <a:pPr>
+              <a:lnSpc>
+                <a:spcPct val="90000"/>
+              </a:lnSpc>
+            </a:pPr>
+            <a:endParaRPr lang="en-US" dirty="0"/>
+          </a:p>
+          <a:p>
+            <a:pPr>
+              <a:lnSpc>
+                <a:spcPct val="90000"/>
+              </a:lnSpc>
+            </a:pPr>
+            <a:r>
+              <a:rPr lang="en-US" dirty="0"/>
+              <a:t>Advantage of technical:</a:t>
+            </a:r>
+          </a:p>
+          <a:p>
+            <a:pPr lvl="1">
+              <a:lnSpc>
+                <a:spcPct val="90000"/>
+              </a:lnSpc>
+            </a:pPr>
+            <a:r>
+              <a:rPr lang="en-US" altLang="zh-CN" dirty="0"/>
+              <a:t>A</a:t>
+            </a:r>
+            <a:r>
+              <a:rPr lang="en-US" dirty="0"/>
+              <a:t>ctual price and volume data is observable whereas fundamental is subject to assumptions or restatements, and may not be available for all assets (i.e.. currency &amp; commodities)- </a:t>
+            </a:r>
+          </a:p>
+          <a:p>
+            <a:pPr lvl="1">
+              <a:lnSpc>
+                <a:spcPct val="90000"/>
+              </a:lnSpc>
+            </a:pPr>
+            <a:r>
+              <a:rPr lang="en-US" altLang="zh-CN" dirty="0"/>
+              <a:t>A</a:t>
+            </a:r>
+            <a:r>
+              <a:rPr lang="en-US" dirty="0"/>
+              <a:t>pplied to asset prices w/o future cash flows (dividend and interest)</a:t>
+            </a:r>
+          </a:p>
+          <a:p>
+            <a:pPr lvl="1">
+              <a:lnSpc>
+                <a:spcPct val="90000"/>
+              </a:lnSpc>
+            </a:pPr>
+            <a:r>
+              <a:rPr lang="en-US" altLang="zh-CN" dirty="0"/>
+              <a:t>F</a:t>
+            </a:r>
+            <a:r>
+              <a:rPr lang="en-US" dirty="0"/>
+              <a:t>inancial statement fraud</a:t>
+            </a:r>
+            <a:r>
+              <a:rPr lang="en-US" altLang="zh-CN" dirty="0"/>
+              <a:t>:</a:t>
+            </a:r>
+            <a:r>
+              <a:rPr lang="zh-CN" altLang="en-US" dirty="0"/>
+              <a:t> </a:t>
+            </a:r>
+            <a:r>
+              <a:rPr lang="en-US" dirty="0"/>
+              <a:t>price &amp; volume reflect the true value of the company</a:t>
+            </a:r>
+          </a:p>
+          <a:p>
+            <a:pPr lvl="1">
+              <a:lnSpc>
+                <a:spcPct val="90000"/>
+              </a:lnSpc>
+            </a:pPr>
+            <a:endParaRPr lang="en-US" dirty="0"/>
+          </a:p>
+          <a:p>
+            <a:pPr>
+              <a:lnSpc>
+                <a:spcPct val="90000"/>
+              </a:lnSpc>
+            </a:pPr>
+            <a:r>
+              <a:rPr lang="en-US" dirty="0"/>
+              <a:t>Disadvantage</a:t>
+            </a:r>
+          </a:p>
+          <a:p>
+            <a:pPr lvl="1">
+              <a:lnSpc>
+                <a:spcPct val="90000"/>
+              </a:lnSpc>
+            </a:pPr>
+            <a:r>
+              <a:rPr lang="en-US" altLang="zh-CN" dirty="0"/>
+              <a:t>P</a:t>
+            </a:r>
+            <a:r>
+              <a:rPr lang="en-US" dirty="0"/>
+              <a:t>rice &amp; volume </a:t>
+            </a:r>
+            <a:r>
+              <a:rPr lang="en-US" altLang="zh-CN" dirty="0"/>
+              <a:t>probably</a:t>
+            </a:r>
+            <a:r>
+              <a:rPr lang="zh-CN" altLang="en-US" dirty="0"/>
+              <a:t> </a:t>
+            </a:r>
+            <a:r>
+              <a:rPr lang="en-US" altLang="zh-CN" dirty="0"/>
+              <a:t>doesn’t</a:t>
+            </a:r>
+            <a:r>
+              <a:rPr lang="zh-CN" altLang="en-US" dirty="0"/>
+              <a:t> </a:t>
+            </a:r>
+            <a:r>
+              <a:rPr lang="en-US" dirty="0"/>
+              <a:t>reflect the true supply &amp; demand (i.e. illiquid markets and markets subject to outside manipulation)</a:t>
+            </a:r>
+          </a:p>
+          <a:p>
+            <a:pPr>
+              <a:lnSpc>
+                <a:spcPct val="90000"/>
+              </a:lnSpc>
+            </a:pPr>
+            <a:endParaRPr lang="en-US" dirty="0"/>
+          </a:p>
+        </p:txBody>
+      </p:sp>
+    </p:spTree>
+    <p:extLst>
+      <p:ext uri="{BB962C8B-B14F-4D97-AF65-F5344CB8AC3E}">
+        <p14:creationId xmlns:p14="http://schemas.microsoft.com/office/powerpoint/2010/main" val="449396195"/>
+      </p:ext>
+    </p:extLst>
+  </p:cSld>
+  <p:clrMapOvr>
+    <a:masterClrMapping/>
+  </p:clrMapOvr>
+</p:sld>
+</file>
+
+<file path=ppt/slides/slide13.xml><?xml version="1.0" encoding="utf-8"?>
+<p:sld xmlns:a="http://schemas.openxmlformats.org/drawingml/2006/main" xmlns:r="http://schemas.openxmlformats.org/officeDocument/2006/relationships" xmlns:p="http://schemas.openxmlformats.org/presentationml/2006/main">
+  <p:cSld>
+    <p:spTree>
+      <p:nvGrpSpPr>
+        <p:cNvPr id="1" name=""/>
+        <p:cNvGrpSpPr/>
+        <p:nvPr/>
+      </p:nvGrpSpPr>
+      <p:grpSpPr>
+        <a:xfrm>
+          <a:off x="0" y="0"/>
+          <a:ext cx="0" cy="0"/>
+          <a:chOff x="0" y="0"/>
+          <a:chExt cx="0" cy="0"/>
+        </a:xfrm>
+      </p:grpSpPr>
+      <p:sp>
+        <p:nvSpPr>
+          <p:cNvPr id="2" name="Title 1"/>
+          <p:cNvSpPr>
+            <a:spLocks noGrp="1"/>
+          </p:cNvSpPr>
+          <p:nvPr>
+            <p:ph type="title"/>
+          </p:nvPr>
+        </p:nvSpPr>
+        <p:spPr/>
+        <p:txBody>
+          <a:bodyPr/>
+          <a:lstStyle/>
+          <a:p>
+            <a:r>
+              <a:rPr lang="en-US" dirty="0"/>
+              <a:t>Conclusion</a:t>
+            </a:r>
+          </a:p>
+        </p:txBody>
+      </p:sp>
+      <p:sp>
+        <p:nvSpPr>
+          <p:cNvPr id="5" name="Content Placeholder 4"/>
+          <p:cNvSpPr>
+            <a:spLocks noGrp="1"/>
+          </p:cNvSpPr>
+          <p:nvPr>
+            <p:ph idx="1"/>
+          </p:nvPr>
+        </p:nvSpPr>
+        <p:spPr/>
+        <p:txBody>
+          <a:bodyPr/>
+          <a:lstStyle/>
+          <a:p>
+            <a:r>
+              <a:rPr lang="en-US" dirty="0"/>
+              <a:t>We discussed technical analysis:</a:t>
+            </a:r>
+          </a:p>
+          <a:p>
+            <a:pPr lvl="1"/>
+            <a:r>
+              <a:rPr lang="en-US" dirty="0"/>
+              <a:t>Simple Moving Average</a:t>
+            </a:r>
+          </a:p>
+          <a:p>
+            <a:pPr lvl="1"/>
+            <a:r>
+              <a:rPr lang="en-US" dirty="0"/>
+              <a:t>Relative Strength Indicator</a:t>
+            </a:r>
+          </a:p>
+          <a:p>
+            <a:r>
+              <a:rPr lang="en-US" dirty="0"/>
+              <a:t>In depth look at RSI and portfolio optimization</a:t>
+            </a:r>
+          </a:p>
+          <a:p>
+            <a:r>
+              <a:rPr lang="en-US" dirty="0"/>
+              <a:t>Performance comparison between RSI balanced portfolio, equal weighted portfolio and SP500</a:t>
+            </a:r>
+          </a:p>
+          <a:p>
+            <a:r>
+              <a:rPr lang="en-US" dirty="0"/>
+              <a:t>Comparison of technical analysis and </a:t>
+            </a:r>
+            <a:r>
+              <a:rPr lang="en-US"/>
+              <a:t>fundamental analysis</a:t>
+            </a:r>
+            <a:endParaRPr lang="en-US" dirty="0"/>
+          </a:p>
+        </p:txBody>
+      </p:sp>
+    </p:spTree>
+    <p:extLst>
+      <p:ext uri="{BB962C8B-B14F-4D97-AF65-F5344CB8AC3E}">
+        <p14:creationId xmlns:p14="http://schemas.microsoft.com/office/powerpoint/2010/main" val="2067586806"/>
+      </p:ext>
+    </p:extLst>
+  </p:cSld>
+  <p:clrMapOvr>
+    <a:masterClrMapping/>
+  </p:clrMapOvr>
+</p:sld>
+</file>
+
+<file path=ppt/slides/slide14.xml><?xml version="1.0" encoding="utf-8"?>
+<p:sld xmlns:a="http://schemas.openxmlformats.org/drawingml/2006/main" xmlns:r="http://schemas.openxmlformats.org/officeDocument/2006/relationships" xmlns:p="http://schemas.openxmlformats.org/presentationml/2006/main">
+  <p:cSld>
+    <p:spTree>
+      <p:nvGrpSpPr>
+        <p:cNvPr id="1" name=""/>
+        <p:cNvGrpSpPr/>
+        <p:nvPr/>
+      </p:nvGrpSpPr>
+      <p:grpSpPr>
+        <a:xfrm>
+          <a:off x="0" y="0"/>
+          <a:ext cx="0" cy="0"/>
+          <a:chOff x="0" y="0"/>
+          <a:chExt cx="0" cy="0"/>
+        </a:xfrm>
+      </p:grpSpPr>
+      <p:sp>
+        <p:nvSpPr>
+          <p:cNvPr id="2" name="Title 1"/>
+          <p:cNvSpPr>
+            <a:spLocks noGrp="1"/>
+          </p:cNvSpPr>
+          <p:nvPr>
+            <p:ph type="title"/>
+          </p:nvPr>
+        </p:nvSpPr>
+        <p:spPr/>
+        <p:txBody>
+          <a:bodyPr/>
+          <a:lstStyle/>
+          <a:p>
+            <a:r>
+              <a:rPr lang="en-US" dirty="0"/>
+              <a:t>Q &amp; A </a:t>
+            </a:r>
+          </a:p>
+        </p:txBody>
+      </p:sp>
+      <p:sp>
+        <p:nvSpPr>
+          <p:cNvPr id="3" name="Content Placeholder 2"/>
+          <p:cNvSpPr>
+            <a:spLocks noGrp="1"/>
+          </p:cNvSpPr>
+          <p:nvPr>
+            <p:ph idx="1"/>
+          </p:nvPr>
+        </p:nvSpPr>
+        <p:spPr/>
+        <p:txBody>
+          <a:bodyPr/>
+          <a:lstStyle/>
+          <a:p>
+            <a:endParaRPr lang="en-US" dirty="0"/>
+          </a:p>
+        </p:txBody>
+      </p:sp>
+    </p:spTree>
+    <p:extLst>
+      <p:ext uri="{BB962C8B-B14F-4D97-AF65-F5344CB8AC3E}">
+        <p14:creationId xmlns:p14="http://schemas.microsoft.com/office/powerpoint/2010/main" val="847501702"/>
+      </p:ext>
+    </p:extLst>
+  </p:cSld>
+  <p:clrMapOvr>
+    <a:masterClrMapping/>
+  </p:clrMapOvr>
+</p:sld>
+</file>
+
+<file path=ppt/slides/slide15.xml><?xml version="1.0" encoding="utf-8"?>
+<p:sld xmlns:a="http://schemas.openxmlformats.org/drawingml/2006/main" xmlns:r="http://schemas.openxmlformats.org/officeDocument/2006/relationships" xmlns:p="http://schemas.openxmlformats.org/presentationml/2006/main">
+  <p:cSld>
+    <p:spTree>
+      <p:nvGrpSpPr>
+        <p:cNvPr id="1" name=""/>
+        <p:cNvGrpSpPr/>
+        <p:nvPr/>
+      </p:nvGrpSpPr>
+      <p:grpSpPr>
+        <a:xfrm>
+          <a:off x="0" y="0"/>
+          <a:ext cx="0" cy="0"/>
+          <a:chOff x="0" y="0"/>
+          <a:chExt cx="0" cy="0"/>
+        </a:xfrm>
+      </p:grpSpPr>
+      <p:sp>
+        <p:nvSpPr>
+          <p:cNvPr id="2" name="Title 1"/>
+          <p:cNvSpPr>
+            <a:spLocks noGrp="1"/>
+          </p:cNvSpPr>
+          <p:nvPr>
+            <p:ph type="title"/>
+          </p:nvPr>
+        </p:nvSpPr>
+        <p:spPr/>
+        <p:txBody>
+          <a:bodyPr/>
+          <a:lstStyle/>
+          <a:p>
+            <a:r>
+              <a:rPr lang="en-US" dirty="0"/>
+              <a:t>Thank you!</a:t>
+            </a:r>
+          </a:p>
+        </p:txBody>
+      </p:sp>
+      <p:sp>
+        <p:nvSpPr>
+          <p:cNvPr id="3" name="Content Placeholder 2"/>
+          <p:cNvSpPr>
+            <a:spLocks noGrp="1"/>
+          </p:cNvSpPr>
+          <p:nvPr>
+            <p:ph idx="1"/>
+          </p:nvPr>
+        </p:nvSpPr>
+        <p:spPr/>
+        <p:txBody>
+          <a:bodyPr/>
+          <a:lstStyle/>
+          <a:p>
+            <a:endParaRPr lang="en-US" dirty="0"/>
+          </a:p>
+        </p:txBody>
+      </p:sp>
+    </p:spTree>
+    <p:extLst>
+      <p:ext uri="{BB962C8B-B14F-4D97-AF65-F5344CB8AC3E}">
+        <p14:creationId xmlns:p14="http://schemas.microsoft.com/office/powerpoint/2010/main" val="2300661210"/>
+      </p:ext>
+    </p:extLst>
+  </p:cSld>
+  <p:clrMapOvr>
+    <a:masterClrMapping/>
+  </p:clrMapOvr>
+</p:sld>
+</file>
+
+<file path=ppt/slides/slide2.xml><?xml version="1.0" encoding="utf-8"?>
+<p:sld xmlns:a="http://schemas.openxmlformats.org/drawingml/2006/main" xmlns:r="http://schemas.openxmlformats.org/officeDocument/2006/relationships" xmlns:p="http://schemas.openxmlformats.org/presentationml/2006/main">
+  <p:cSld>
+    <p:spTree>
+      <p:nvGrpSpPr>
+        <p:cNvPr id="1" name=""/>
+        <p:cNvGrpSpPr/>
+        <p:nvPr/>
+      </p:nvGrpSpPr>
+      <p:grpSpPr>
+        <a:xfrm>
+          <a:off x="0" y="0"/>
+          <a:ext cx="0" cy="0"/>
+          <a:chOff x="0" y="0"/>
+          <a:chExt cx="0" cy="0"/>
+        </a:xfrm>
+      </p:grpSpPr>
+      <p:sp>
+        <p:nvSpPr>
+          <p:cNvPr id="2" name="Title 1"/>
+          <p:cNvSpPr>
+            <a:spLocks noGrp="1"/>
+          </p:cNvSpPr>
+          <p:nvPr>
+            <p:ph type="title"/>
+          </p:nvPr>
+        </p:nvSpPr>
+        <p:spPr/>
+        <p:txBody>
+          <a:bodyPr/>
+          <a:lstStyle/>
+          <a:p>
+            <a:r>
+              <a:rPr lang="en-US" dirty="0"/>
+              <a:t>Problem Statement</a:t>
+            </a:r>
+          </a:p>
+        </p:txBody>
+      </p:sp>
+      <p:sp>
+        <p:nvSpPr>
+          <p:cNvPr id="3" name="Content Placeholder 2"/>
+          <p:cNvSpPr>
+            <a:spLocks noGrp="1"/>
+          </p:cNvSpPr>
+          <p:nvPr>
+            <p:ph idx="1"/>
+          </p:nvPr>
+        </p:nvSpPr>
+        <p:spPr/>
+        <p:txBody>
+          <a:bodyPr/>
+          <a:lstStyle/>
+          <a:p>
+            <a:r>
+              <a:rPr lang="en-US" dirty="0"/>
+              <a:t>Technical analysis definition</a:t>
+            </a:r>
+          </a:p>
+          <a:p>
+            <a:r>
+              <a:rPr lang="en-US" dirty="0"/>
+              <a:t>Indicators</a:t>
+            </a:r>
+          </a:p>
+          <a:p>
+            <a:r>
+              <a:rPr lang="en-US" dirty="0"/>
+              <a:t>Portfolio Composition</a:t>
+            </a:r>
+          </a:p>
+          <a:p>
+            <a:r>
+              <a:rPr lang="en-US" dirty="0"/>
+              <a:t>Portfolio performance comparison</a:t>
+            </a:r>
+          </a:p>
+          <a:p>
+            <a:r>
+              <a:rPr lang="en-US" dirty="0"/>
+              <a:t>Technical analysis vs. Fundamental analysis</a:t>
+            </a:r>
+          </a:p>
+        </p:txBody>
+      </p:sp>
+    </p:spTree>
+    <p:extLst>
+      <p:ext uri="{BB962C8B-B14F-4D97-AF65-F5344CB8AC3E}">
+        <p14:creationId xmlns:p14="http://schemas.microsoft.com/office/powerpoint/2010/main" val="1629263917"/>
+      </p:ext>
+    </p:extLst>
+  </p:cSld>
+  <p:clrMapOvr>
+    <a:masterClrMapping/>
+  </p:clrMapOvr>
+</p:sld>
+</file>
+
+<file path=ppt/slides/slide3.xml><?xml version="1.0" encoding="utf-8"?>
+<p:sld xmlns:a="http://schemas.openxmlformats.org/drawingml/2006/main" xmlns:r="http://schemas.openxmlformats.org/officeDocument/2006/relationships" xmlns:p="http://schemas.openxmlformats.org/presentationml/2006/main">
+  <p:cSld>
+    <p:spTree>
+      <p:nvGrpSpPr>
+        <p:cNvPr id="1" name=""/>
+        <p:cNvGrpSpPr/>
+        <p:nvPr/>
+      </p:nvGrpSpPr>
+      <p:grpSpPr>
+        <a:xfrm>
+          <a:off x="0" y="0"/>
+          <a:ext cx="0" cy="0"/>
+          <a:chOff x="0" y="0"/>
+          <a:chExt cx="0" cy="0"/>
+        </a:xfrm>
+      </p:grpSpPr>
+      <p:sp>
+        <p:nvSpPr>
+          <p:cNvPr id="2" name="Title 1"/>
+          <p:cNvSpPr>
+            <a:spLocks noGrp="1"/>
+          </p:cNvSpPr>
+          <p:nvPr>
+            <p:ph type="title"/>
+          </p:nvPr>
+        </p:nvSpPr>
+        <p:spPr/>
+        <p:txBody>
+          <a:bodyPr/>
+          <a:lstStyle/>
+          <a:p>
+            <a:r>
+              <a:rPr lang="en-US" dirty="0"/>
+              <a:t>What is Technical Analysis</a:t>
+            </a:r>
+          </a:p>
+        </p:txBody>
+      </p:sp>
+      <p:sp>
+        <p:nvSpPr>
+          <p:cNvPr id="3" name="Content Placeholder 2"/>
+          <p:cNvSpPr>
+            <a:spLocks noGrp="1"/>
+          </p:cNvSpPr>
+          <p:nvPr>
+            <p:ph idx="1"/>
+          </p:nvPr>
+        </p:nvSpPr>
+        <p:spPr/>
+        <p:txBody>
+          <a:bodyPr/>
+          <a:lstStyle/>
+          <a:p>
+            <a:r>
+              <a:rPr lang="en-US" dirty="0"/>
+              <a:t>Equity analysis methodology for forecasting the direction of prices using historic data, mostly based on price and volume</a:t>
+            </a:r>
+          </a:p>
+          <a:p>
+            <a:r>
+              <a:rPr lang="en-US" dirty="0"/>
+              <a:t>Price and volume reflects the collective </a:t>
+            </a:r>
+            <a:r>
+              <a:rPr lang="en-US" dirty="0" err="1"/>
+              <a:t>behaviour</a:t>
+            </a:r>
+            <a:r>
+              <a:rPr lang="en-US" dirty="0"/>
+              <a:t> of buyers and sellers</a:t>
+            </a:r>
+          </a:p>
+          <a:p>
+            <a:r>
+              <a:rPr lang="en-US" dirty="0"/>
+              <a:t>Assumptions:</a:t>
+            </a:r>
+          </a:p>
+          <a:p>
+            <a:pPr lvl="1"/>
+            <a:r>
+              <a:rPr lang="en-US" dirty="0"/>
+              <a:t>market prices reflect both rational/irrational investor </a:t>
+            </a:r>
+            <a:r>
+              <a:rPr lang="en-US" dirty="0" err="1"/>
+              <a:t>behaviour</a:t>
+            </a:r>
+            <a:r>
+              <a:rPr lang="en-US" dirty="0"/>
+              <a:t> (efficient market hypothesis does not hold)</a:t>
+            </a:r>
+          </a:p>
+          <a:p>
+            <a:pPr lvl="1"/>
+            <a:r>
+              <a:rPr lang="en-US" dirty="0"/>
+              <a:t>investor </a:t>
+            </a:r>
+            <a:r>
+              <a:rPr lang="en-US" dirty="0" err="1"/>
+              <a:t>behaviour</a:t>
+            </a:r>
+            <a:r>
+              <a:rPr lang="en-US" dirty="0"/>
+              <a:t> is reflected in trends and patterns will repeat and can be used to forecast prices</a:t>
+            </a:r>
+          </a:p>
+          <a:p>
+            <a:endParaRPr lang="en-US" dirty="0"/>
+          </a:p>
+        </p:txBody>
+      </p:sp>
+    </p:spTree>
+    <p:extLst>
+      <p:ext uri="{BB962C8B-B14F-4D97-AF65-F5344CB8AC3E}">
+        <p14:creationId xmlns:p14="http://schemas.microsoft.com/office/powerpoint/2010/main" val="3483631097"/>
+      </p:ext>
+    </p:extLst>
+  </p:cSld>
+  <p:clrMapOvr>
+    <a:masterClrMapping/>
+  </p:clrMapOvr>
+</p:sld>
+</file>
+
+<file path=ppt/slides/slide4.xml><?xml version="1.0" encoding="utf-8"?>
+<p:sld xmlns:a="http://schemas.openxmlformats.org/drawingml/2006/main" xmlns:r="http://schemas.openxmlformats.org/officeDocument/2006/relationships" xmlns:p="http://schemas.openxmlformats.org/presentationml/2006/main">
+  <p:cSld>
+    <p:spTree>
+      <p:nvGrpSpPr>
+        <p:cNvPr id="1" name=""/>
+        <p:cNvGrpSpPr/>
+        <p:nvPr/>
+      </p:nvGrpSpPr>
+      <p:grpSpPr>
+        <a:xfrm>
+          <a:off x="0" y="0"/>
+          <a:ext cx="0" cy="0"/>
+          <a:chOff x="0" y="0"/>
+          <a:chExt cx="0" cy="0"/>
+        </a:xfrm>
+      </p:grpSpPr>
+      <p:sp>
+        <p:nvSpPr>
+          <p:cNvPr id="2" name="Title 1"/>
+          <p:cNvSpPr>
+            <a:spLocks noGrp="1"/>
+          </p:cNvSpPr>
+          <p:nvPr>
+            <p:ph type="title"/>
+          </p:nvPr>
+        </p:nvSpPr>
+        <p:spPr/>
+        <p:txBody>
+          <a:bodyPr/>
+          <a:lstStyle/>
+          <a:p>
+            <a:r>
+              <a:rPr lang="en-US" dirty="0" smtClean="0"/>
+              <a:t>Price Indicators – Moving Average</a:t>
+            </a:r>
+            <a:r>
+              <a:rPr lang="en-CA" altLang="en-US" dirty="0" smtClean="0"/>
+              <a:t>(MA)</a:t>
+            </a:r>
+          </a:p>
+        </p:txBody>
+      </p:sp>
+      <p:sp>
+        <p:nvSpPr>
+          <p:cNvPr id="3" name="Content Placeholder 2"/>
+          <p:cNvSpPr>
+            <a:spLocks noGrp="1"/>
+          </p:cNvSpPr>
+          <p:nvPr>
+            <p:ph idx="1"/>
+          </p:nvPr>
+        </p:nvSpPr>
+        <p:spPr>
+          <a:xfrm>
+            <a:off x="677333" y="1636805"/>
+            <a:ext cx="9051458" cy="5051074"/>
+          </a:xfrm>
+        </p:spPr>
+        <p:txBody>
+          <a:bodyPr>
+            <a:normAutofit fontScale="77500" lnSpcReduction="20000"/>
+          </a:bodyPr>
+          <a:lstStyle/>
+          <a:p>
+            <a:r>
+              <a:rPr lang="en-CA" altLang="en-US" sz="2300" b="1" dirty="0" smtClean="0"/>
+              <a:t>'Moving Average-MA‘</a:t>
+            </a:r>
+          </a:p>
+          <a:p>
+            <a:pPr lvl="1"/>
+            <a:r>
+              <a:rPr lang="en-US" sz="2300" dirty="0" smtClean="0"/>
+              <a:t>Average of closing price over a specified period</a:t>
+            </a:r>
+          </a:p>
+          <a:p>
+            <a:pPr lvl="1"/>
+            <a:r>
+              <a:rPr lang="en-US" sz="2300" dirty="0" smtClean="0"/>
+              <a:t>Smooth </a:t>
+            </a:r>
+            <a:r>
+              <a:rPr lang="en-US" sz="2300" dirty="0"/>
+              <a:t>out fluctuation </a:t>
+            </a:r>
+            <a:r>
+              <a:rPr lang="en-US" sz="2300" dirty="0" smtClean="0"/>
+              <a:t>of price data to form a trend following indicator</a:t>
+            </a:r>
+          </a:p>
+          <a:p>
+            <a:pPr lvl="1"/>
+            <a:r>
+              <a:rPr lang="en-US" sz="2300" dirty="0" smtClean="0"/>
+              <a:t>Define the current direction with a lag</a:t>
+            </a:r>
+          </a:p>
+          <a:p>
+            <a:pPr lvl="1"/>
+            <a:r>
+              <a:rPr lang="en-US" sz="2300" dirty="0" smtClean="0"/>
+              <a:t>Form the basis for many other indicators, such as Bollinger Bands, MACD</a:t>
+            </a:r>
+            <a:endParaRPr lang="en-US" altLang="en-US" sz="2300" b="1" dirty="0"/>
+          </a:p>
+          <a:p>
+            <a:r>
+              <a:rPr lang="en-CA" altLang="en-US" sz="2300" b="1" dirty="0" smtClean="0"/>
+              <a:t>Commonly Used MAs</a:t>
+            </a:r>
+          </a:p>
+          <a:p>
+            <a:pPr lvl="1"/>
+            <a:r>
+              <a:rPr lang="en-CA" altLang="en-US" sz="2300" dirty="0" smtClean="0"/>
+              <a:t>SMA</a:t>
+            </a:r>
+            <a:r>
+              <a:rPr lang="en-CA" altLang="en-US" sz="2300" dirty="0"/>
+              <a:t>( Simple Moving Average)</a:t>
+            </a:r>
+          </a:p>
+          <a:p>
+            <a:pPr lvl="1"/>
+            <a:r>
+              <a:rPr lang="en-CA" altLang="en-US" sz="2300" dirty="0" smtClean="0"/>
+              <a:t>EMA (Exponential Moving Average)</a:t>
+            </a:r>
+          </a:p>
+          <a:p>
+            <a:pPr lvl="2"/>
+            <a:r>
+              <a:rPr lang="en-CA" altLang="en-US" sz="2300" dirty="0" smtClean="0"/>
+              <a:t>gives bigger weight to more recent prices</a:t>
+            </a:r>
+            <a:endParaRPr lang="en-CA" altLang="en-US" sz="2300" dirty="0" smtClean="0"/>
+          </a:p>
+          <a:p>
+            <a:pPr lvl="0">
+              <a:buClr>
+                <a:srgbClr val="90C226"/>
+              </a:buClr>
+            </a:pPr>
+            <a:r>
+              <a:rPr lang="en-CA" altLang="en-US" sz="2300" b="1" dirty="0" smtClean="0">
+                <a:solidFill>
+                  <a:prstClr val="black">
+                    <a:lumMod val="75000"/>
+                    <a:lumOff val="25000"/>
+                  </a:prstClr>
+                </a:solidFill>
+              </a:rPr>
+              <a:t>Analytical </a:t>
+            </a:r>
+            <a:r>
+              <a:rPr lang="en-CA" altLang="en-US" sz="2300" b="1" dirty="0">
+                <a:solidFill>
+                  <a:prstClr val="black">
+                    <a:lumMod val="75000"/>
+                    <a:lumOff val="25000"/>
+                  </a:prstClr>
+                </a:solidFill>
+              </a:rPr>
+              <a:t>Significance</a:t>
+            </a:r>
+          </a:p>
+          <a:p>
+            <a:pPr lvl="1">
+              <a:buClr>
+                <a:srgbClr val="90C226"/>
+              </a:buClr>
+            </a:pPr>
+            <a:r>
+              <a:rPr lang="en-CA" altLang="en-US" sz="2300" dirty="0">
+                <a:solidFill>
+                  <a:prstClr val="black">
+                    <a:lumMod val="75000"/>
+                    <a:lumOff val="25000"/>
+                  </a:prstClr>
+                </a:solidFill>
+              </a:rPr>
+              <a:t>It is an important analytical tool used to identify current price trends and the potential for a change in an established trend</a:t>
+            </a:r>
+            <a:r>
+              <a:rPr lang="en-CA" altLang="en-US" sz="2300" dirty="0" smtClean="0">
+                <a:solidFill>
+                  <a:prstClr val="black">
+                    <a:lumMod val="75000"/>
+                    <a:lumOff val="25000"/>
+                  </a:prstClr>
+                </a:solidFill>
+              </a:rPr>
+              <a:t>.</a:t>
+            </a:r>
+          </a:p>
+          <a:p>
+            <a:pPr lvl="2">
+              <a:buClr>
+                <a:srgbClr val="90C226"/>
+              </a:buClr>
+            </a:pPr>
+            <a:r>
+              <a:rPr lang="en-CA" altLang="en-US" sz="2100" dirty="0" smtClean="0">
+                <a:solidFill>
+                  <a:prstClr val="black">
+                    <a:lumMod val="75000"/>
+                    <a:lumOff val="25000"/>
+                  </a:prstClr>
+                </a:solidFill>
+              </a:rPr>
+              <a:t>Single simple moving average compared to real price</a:t>
+            </a:r>
+          </a:p>
+          <a:p>
+            <a:pPr lvl="2">
+              <a:buClr>
+                <a:srgbClr val="90C226"/>
+              </a:buClr>
+            </a:pPr>
+            <a:r>
+              <a:rPr lang="en-CA" altLang="en-US" sz="2100" dirty="0">
+                <a:solidFill>
+                  <a:prstClr val="black">
+                    <a:lumMod val="75000"/>
+                    <a:lumOff val="25000"/>
+                  </a:prstClr>
+                </a:solidFill>
+              </a:rPr>
+              <a:t>C</a:t>
+            </a:r>
+            <a:r>
+              <a:rPr lang="en-CA" altLang="en-US" sz="2100" dirty="0" smtClean="0">
+                <a:solidFill>
+                  <a:prstClr val="black">
+                    <a:lumMod val="75000"/>
+                    <a:lumOff val="25000"/>
+                  </a:prstClr>
+                </a:solidFill>
+              </a:rPr>
+              <a:t>ompare a pair of simple moving averages with each covering different time frames. </a:t>
+            </a:r>
+          </a:p>
+          <a:p>
+            <a:endParaRPr lang="en-CA" altLang="en-US" dirty="0" smtClean="0"/>
+          </a:p>
+        </p:txBody>
+      </p:sp>
+      <p:pic>
+        <p:nvPicPr>
+          <p:cNvPr id="3074" name="Picture 2" descr="http://i.investopedia.com/inv/articles/site/Calculation1.gif"/>
+          <p:cNvPicPr>
+            <a:picLocks noChangeAspect="1" noChangeArrowheads="1"/>
+          </p:cNvPicPr>
+          <p:nvPr/>
+        </p:nvPicPr>
+        <p:blipFill>
+          <a:blip r:embed="rId3">
+            <a:extLst>
+              <a:ext uri="{28A0092B-C50C-407E-A947-70E740481C1C}">
+                <a14:useLocalDpi xmlns:a14="http://schemas.microsoft.com/office/drawing/2010/main" val="0"/>
+              </a:ext>
+            </a:extLst>
+          </a:blip>
+          <a:srcRect/>
+          <a:stretch>
+            <a:fillRect/>
+          </a:stretch>
+        </p:blipFill>
+        <p:spPr bwMode="auto">
+          <a:xfrm>
+            <a:off x="6587318" y="3375451"/>
+            <a:ext cx="2668243" cy="712054"/>
+          </a:xfrm>
+          <a:prstGeom prst="rect">
+            <a:avLst/>
+          </a:prstGeom>
+          <a:noFill/>
+          <a:extLst>
+            <a:ext uri="{909E8E84-426E-40DD-AFC4-6F175D3DCCD1}">
+              <a14:hiddenFill xmlns:a14="http://schemas.microsoft.com/office/drawing/2010/main">
+                <a:solidFill>
+                  <a:srgbClr val="FFFFFF"/>
+                </a:solidFill>
+              </a14:hiddenFill>
+            </a:ext>
+          </a:extLst>
+        </p:spPr>
+      </p:pic>
+      <p:pic>
+        <p:nvPicPr>
+          <p:cNvPr id="4" name="Picture 3"/>
+          <p:cNvPicPr>
+            <a:picLocks noChangeAspect="1"/>
+          </p:cNvPicPr>
+          <p:nvPr/>
+        </p:nvPicPr>
+        <p:blipFill>
+          <a:blip r:embed="rId4"/>
+          <a:stretch>
+            <a:fillRect/>
+          </a:stretch>
+        </p:blipFill>
+        <p:spPr>
+          <a:xfrm>
+            <a:off x="6587319" y="4190937"/>
+            <a:ext cx="2686683" cy="857289"/>
+          </a:xfrm>
+          <a:prstGeom prst="rect">
+            <a:avLst/>
+          </a:prstGeom>
+        </p:spPr>
+      </p:pic>
+    </p:spTree>
+    <p:extLst>
+      <p:ext uri="{BB962C8B-B14F-4D97-AF65-F5344CB8AC3E}">
+        <p14:creationId xmlns:p14="http://schemas.microsoft.com/office/powerpoint/2010/main" val="1967201516"/>
+      </p:ext>
+    </p:extLst>
+  </p:cSld>
+  <p:clrMapOvr>
+    <a:masterClrMapping/>
+  </p:clrMapOvr>
+  <p:timing>
+    <p:tnLst>
+      <p:par>
+        <p:cTn id="1" dur="indefinite" restart="never" nodeType="tmRoot">
+          <p:childTnLst>
+            <p:seq concurrent="1" nextAc="seek">
+              <p:cTn id="2" dur="indefinite" nodeType="mainSeq">
+                <p:childTnLst>
+                  <p:par>
+                    <p:cTn id="3" fill="hold">
+                      <p:stCondLst>
+                        <p:cond delay="indefinite"/>
+                      </p:stCondLst>
+                      <p:childTnLst>
+                        <p:par>
+                          <p:cTn id="4" fill="hold">
+                            <p:stCondLst>
+                              <p:cond delay="0"/>
+                            </p:stCondLst>
+                            <p:childTnLst>
+                              <p:par>
+                                <p:cTn id="5" presetID="1" presetClass="entr" presetSubtype="0" fill="hold" nodeType="clickEffect">
+                                  <p:stCondLst>
+                                    <p:cond delay="0"/>
+                                  </p:stCondLst>
+                                  <p:childTnLst>
+                                    <p:set>
+                                      <p:cBhvr>
+                                        <p:cTn id="6" dur="1" fill="hold">
+                                          <p:stCondLst>
+                                            <p:cond delay="0"/>
+                                          </p:stCondLst>
+                                        </p:cTn>
+                                        <p:tgtEl>
+                                          <p:spTgt spid="3">
+                                            <p:txEl>
+                                              <p:pRg st="0" end="0"/>
+                                            </p:txEl>
+                                          </p:spTgt>
+                                        </p:tgtEl>
+                                        <p:attrNameLst>
+                                          <p:attrName>style.visibility</p:attrName>
+                                        </p:attrNameLst>
+                                      </p:cBhvr>
+                                      <p:to>
+                                        <p:strVal val="visible"/>
+                                      </p:to>
+                                    </p:set>
+                                  </p:childTnLst>
+                                </p:cTn>
+                              </p:par>
+                              <p:par>
+                                <p:cTn id="7" presetID="1" presetClass="entr" presetSubtype="0" fill="hold" nodeType="withEffect">
+                                  <p:stCondLst>
+                                    <p:cond delay="0"/>
+                                  </p:stCondLst>
+                                  <p:childTnLst>
+                                    <p:set>
+                                      <p:cBhvr>
+                                        <p:cTn id="8" dur="1" fill="hold">
+                                          <p:stCondLst>
+                                            <p:cond delay="0"/>
+                                          </p:stCondLst>
+                                        </p:cTn>
+                                        <p:tgtEl>
+                                          <p:spTgt spid="3">
+                                            <p:txEl>
+                                              <p:pRg st="1" end="1"/>
+                                            </p:txEl>
+                                          </p:spTgt>
+                                        </p:tgtEl>
+                                        <p:attrNameLst>
+                                          <p:attrName>style.visibility</p:attrName>
+                                        </p:attrNameLst>
+                                      </p:cBhvr>
+                                      <p:to>
+                                        <p:strVal val="visible"/>
+                                      </p:to>
+                                    </p:set>
+                                  </p:childTnLst>
+                                </p:cTn>
+                              </p:par>
+                              <p:par>
+                                <p:cTn id="9" presetID="1" presetClass="entr" presetSubtype="0" fill="hold" nodeType="withEffect">
+                                  <p:stCondLst>
+                                    <p:cond delay="0"/>
+                                  </p:stCondLst>
+                                  <p:childTnLst>
+                                    <p:set>
+                                      <p:cBhvr>
+                                        <p:cTn id="10" dur="1" fill="hold">
+                                          <p:stCondLst>
+                                            <p:cond delay="0"/>
+                                          </p:stCondLst>
+                                        </p:cTn>
+                                        <p:tgtEl>
+                                          <p:spTgt spid="3">
+                                            <p:txEl>
+                                              <p:pRg st="2" end="2"/>
+                                            </p:txEl>
+                                          </p:spTgt>
+                                        </p:tgtEl>
+                                        <p:attrNameLst>
+                                          <p:attrName>style.visibility</p:attrName>
+                                        </p:attrNameLst>
+                                      </p:cBhvr>
+                                      <p:to>
+                                        <p:strVal val="visible"/>
+                                      </p:to>
+                                    </p:set>
+                                  </p:childTnLst>
+                                </p:cTn>
+                              </p:par>
+                              <p:par>
+                                <p:cTn id="11" presetID="1" presetClass="entr" presetSubtype="0" fill="hold" nodeType="withEffect">
+                                  <p:stCondLst>
+                                    <p:cond delay="0"/>
+                                  </p:stCondLst>
+                                  <p:childTnLst>
+                                    <p:set>
+                                      <p:cBhvr>
+                                        <p:cTn id="12" dur="1" fill="hold">
+                                          <p:stCondLst>
+                                            <p:cond delay="0"/>
+                                          </p:stCondLst>
+                                        </p:cTn>
+                                        <p:tgtEl>
+                                          <p:spTgt spid="3">
+                                            <p:txEl>
+                                              <p:pRg st="3" end="3"/>
+                                            </p:txEl>
+                                          </p:spTgt>
+                                        </p:tgtEl>
+                                        <p:attrNameLst>
+                                          <p:attrName>style.visibility</p:attrName>
+                                        </p:attrNameLst>
+                                      </p:cBhvr>
+                                      <p:to>
+                                        <p:strVal val="visible"/>
+                                      </p:to>
+                                    </p:set>
+                                  </p:childTnLst>
+                                </p:cTn>
+                              </p:par>
+                              <p:par>
+                                <p:cTn id="13" presetID="1" presetClass="entr" presetSubtype="0" fill="hold" nodeType="withEffect">
+                                  <p:stCondLst>
+                                    <p:cond delay="0"/>
+                                  </p:stCondLst>
+                                  <p:childTnLst>
+                                    <p:set>
+                                      <p:cBhvr>
+                                        <p:cTn id="14" dur="1" fill="hold">
+                                          <p:stCondLst>
+                                            <p:cond delay="0"/>
+                                          </p:stCondLst>
+                                        </p:cTn>
+                                        <p:tgtEl>
+                                          <p:spTgt spid="3">
+                                            <p:txEl>
+                                              <p:pRg st="4" end="4"/>
+                                            </p:txEl>
+                                          </p:spTgt>
+                                        </p:tgtEl>
+                                        <p:attrNameLst>
+                                          <p:attrName>style.visibility</p:attrName>
+                                        </p:attrNameLst>
+                                      </p:cBhvr>
+                                      <p:to>
+                                        <p:strVal val="visible"/>
+                                      </p:to>
+                                    </p:set>
+                                  </p:childTnLst>
+                                </p:cTn>
+                              </p:par>
+                            </p:childTnLst>
+                          </p:cTn>
+                        </p:par>
+                      </p:childTnLst>
+                    </p:cTn>
+                  </p:par>
+                  <p:par>
+                    <p:cTn id="15" fill="hold">
+                      <p:stCondLst>
+                        <p:cond delay="indefinite"/>
+                      </p:stCondLst>
+                      <p:childTnLst>
+                        <p:par>
+                          <p:cTn id="16" fill="hold">
+                            <p:stCondLst>
+                              <p:cond delay="0"/>
+                            </p:stCondLst>
+                            <p:childTnLst>
+                              <p:par>
+                                <p:cTn id="17" presetID="1" presetClass="entr" presetSubtype="0" fill="hold" nodeType="clickEffect">
+                                  <p:stCondLst>
+                                    <p:cond delay="0"/>
+                                  </p:stCondLst>
+                                  <p:childTnLst>
+                                    <p:set>
+                                      <p:cBhvr>
+                                        <p:cTn id="18" dur="1" fill="hold">
+                                          <p:stCondLst>
+                                            <p:cond delay="0"/>
+                                          </p:stCondLst>
+                                        </p:cTn>
+                                        <p:tgtEl>
+                                          <p:spTgt spid="3">
+                                            <p:txEl>
+                                              <p:pRg st="5" end="5"/>
+                                            </p:txEl>
+                                          </p:spTgt>
+                                        </p:tgtEl>
+                                        <p:attrNameLst>
+                                          <p:attrName>style.visibility</p:attrName>
+                                        </p:attrNameLst>
+                                      </p:cBhvr>
+                                      <p:to>
+                                        <p:strVal val="visible"/>
+                                      </p:to>
+                                    </p:set>
+                                  </p:childTnLst>
+                                </p:cTn>
+                              </p:par>
+                            </p:childTnLst>
+                          </p:cTn>
+                        </p:par>
+                      </p:childTnLst>
+                    </p:cTn>
+                  </p:par>
+                  <p:par>
+                    <p:cTn id="19" fill="hold">
+                      <p:stCondLst>
+                        <p:cond delay="indefinite"/>
+                      </p:stCondLst>
+                      <p:childTnLst>
+                        <p:par>
+                          <p:cTn id="20" fill="hold">
+                            <p:stCondLst>
+                              <p:cond delay="0"/>
+                            </p:stCondLst>
+                            <p:childTnLst>
+                              <p:par>
+                                <p:cTn id="21" presetID="1" presetClass="entr" presetSubtype="0" fill="hold" nodeType="clickEffect">
+                                  <p:stCondLst>
+                                    <p:cond delay="0"/>
+                                  </p:stCondLst>
+                                  <p:childTnLst>
+                                    <p:set>
+                                      <p:cBhvr>
+                                        <p:cTn id="22" dur="1" fill="hold">
+                                          <p:stCondLst>
+                                            <p:cond delay="0"/>
+                                          </p:stCondLst>
+                                        </p:cTn>
+                                        <p:tgtEl>
+                                          <p:spTgt spid="3">
+                                            <p:txEl>
+                                              <p:pRg st="6" end="6"/>
+                                            </p:txEl>
+                                          </p:spTgt>
+                                        </p:tgtEl>
+                                        <p:attrNameLst>
+                                          <p:attrName>style.visibility</p:attrName>
+                                        </p:attrNameLst>
+                                      </p:cBhvr>
+                                      <p:to>
+                                        <p:strVal val="visible"/>
+                                      </p:to>
+                                    </p:set>
+                                  </p:childTnLst>
+                                </p:cTn>
+                              </p:par>
+                              <p:par>
+                                <p:cTn id="23" presetID="1" presetClass="entr" presetSubtype="0" fill="hold" nodeType="withEffect">
+                                  <p:stCondLst>
+                                    <p:cond delay="0"/>
+                                  </p:stCondLst>
+                                  <p:childTnLst>
+                                    <p:set>
+                                      <p:cBhvr>
+                                        <p:cTn id="24" dur="1" fill="hold">
+                                          <p:stCondLst>
+                                            <p:cond delay="0"/>
+                                          </p:stCondLst>
+                                        </p:cTn>
+                                        <p:tgtEl>
+                                          <p:spTgt spid="3">
+                                            <p:txEl>
+                                              <p:pRg st="7" end="7"/>
+                                            </p:txEl>
+                                          </p:spTgt>
+                                        </p:tgtEl>
+                                        <p:attrNameLst>
+                                          <p:attrName>style.visibility</p:attrName>
+                                        </p:attrNameLst>
+                                      </p:cBhvr>
+                                      <p:to>
+                                        <p:strVal val="visible"/>
+                                      </p:to>
+                                    </p:set>
+                                  </p:childTnLst>
+                                </p:cTn>
+                              </p:par>
+                              <p:par>
+                                <p:cTn id="25" presetID="1" presetClass="entr" presetSubtype="0" fill="hold" nodeType="withEffect">
+                                  <p:stCondLst>
+                                    <p:cond delay="0"/>
+                                  </p:stCondLst>
+                                  <p:childTnLst>
+                                    <p:set>
+                                      <p:cBhvr>
+                                        <p:cTn id="26" dur="1" fill="hold">
+                                          <p:stCondLst>
+                                            <p:cond delay="0"/>
+                                          </p:stCondLst>
+                                        </p:cTn>
+                                        <p:tgtEl>
+                                          <p:spTgt spid="3">
+                                            <p:txEl>
+                                              <p:pRg st="8" end="8"/>
+                                            </p:txEl>
+                                          </p:spTgt>
+                                        </p:tgtEl>
+                                        <p:attrNameLst>
+                                          <p:attrName>style.visibility</p:attrName>
+                                        </p:attrNameLst>
+                                      </p:cBhvr>
+                                      <p:to>
+                                        <p:strVal val="visible"/>
+                                      </p:to>
+                                    </p:set>
+                                  </p:childTnLst>
+                                </p:cTn>
+                              </p:par>
+                            </p:childTnLst>
+                          </p:cTn>
+                        </p:par>
+                      </p:childTnLst>
+                    </p:cTn>
+                  </p:par>
+                  <p:par>
+                    <p:cTn id="27" fill="hold">
+                      <p:stCondLst>
+                        <p:cond delay="indefinite"/>
+                      </p:stCondLst>
+                      <p:childTnLst>
+                        <p:par>
+                          <p:cTn id="28" fill="hold">
+                            <p:stCondLst>
+                              <p:cond delay="0"/>
+                            </p:stCondLst>
+                            <p:childTnLst>
+                              <p:par>
+                                <p:cTn id="29" presetID="1" presetClass="entr" presetSubtype="0" fill="hold" nodeType="clickEffect">
+                                  <p:stCondLst>
+                                    <p:cond delay="0"/>
+                                  </p:stCondLst>
+                                  <p:childTnLst>
+                                    <p:set>
+                                      <p:cBhvr>
+                                        <p:cTn id="30" dur="1" fill="hold">
+                                          <p:stCondLst>
+                                            <p:cond delay="0"/>
+                                          </p:stCondLst>
+                                        </p:cTn>
+                                        <p:tgtEl>
+                                          <p:spTgt spid="3074"/>
+                                        </p:tgtEl>
+                                        <p:attrNameLst>
+                                          <p:attrName>style.visibility</p:attrName>
+                                        </p:attrNameLst>
+                                      </p:cBhvr>
+                                      <p:to>
+                                        <p:strVal val="visible"/>
+                                      </p:to>
+                                    </p:set>
+                                  </p:childTnLst>
+                                </p:cTn>
+                              </p:par>
+                            </p:childTnLst>
+                          </p:cTn>
+                        </p:par>
+                      </p:childTnLst>
+                    </p:cTn>
+                  </p:par>
+                  <p:par>
+                    <p:cTn id="31" fill="hold">
+                      <p:stCondLst>
+                        <p:cond delay="indefinite"/>
+                      </p:stCondLst>
+                      <p:childTnLst>
+                        <p:par>
+                          <p:cTn id="32" fill="hold">
+                            <p:stCondLst>
+                              <p:cond delay="0"/>
+                            </p:stCondLst>
+                            <p:childTnLst>
+                              <p:par>
+                                <p:cTn id="33" presetID="1" presetClass="entr" presetSubtype="0" fill="hold" nodeType="clickEffect">
+                                  <p:stCondLst>
+                                    <p:cond delay="0"/>
+                                  </p:stCondLst>
+                                  <p:childTnLst>
+                                    <p:set>
+                                      <p:cBhvr>
+                                        <p:cTn id="34" dur="1" fill="hold">
+                                          <p:stCondLst>
+                                            <p:cond delay="0"/>
+                                          </p:stCondLst>
+                                        </p:cTn>
+                                        <p:tgtEl>
+                                          <p:spTgt spid="4"/>
+                                        </p:tgtEl>
+                                        <p:attrNameLst>
+                                          <p:attrName>style.visibility</p:attrName>
+                                        </p:attrNameLst>
+                                      </p:cBhvr>
+                                      <p:to>
+                                        <p:strVal val="visible"/>
+                                      </p:to>
+                                    </p:set>
+                                  </p:childTnLst>
+                                </p:cTn>
+                              </p:par>
+                            </p:childTnLst>
+                          </p:cTn>
+                        </p:par>
+                      </p:childTnLst>
+                    </p:cTn>
+                  </p:par>
+                  <p:par>
+                    <p:cTn id="35" fill="hold">
+                      <p:stCondLst>
+                        <p:cond delay="indefinite"/>
+                      </p:stCondLst>
+                      <p:childTnLst>
+                        <p:par>
+                          <p:cTn id="36" fill="hold">
+                            <p:stCondLst>
+                              <p:cond delay="0"/>
+                            </p:stCondLst>
+                            <p:childTnLst>
+                              <p:par>
+                                <p:cTn id="37" presetID="1" presetClass="entr" presetSubtype="0" fill="hold" nodeType="clickEffect">
+                                  <p:stCondLst>
+                                    <p:cond delay="0"/>
+                                  </p:stCondLst>
+                                  <p:childTnLst>
+                                    <p:set>
+                                      <p:cBhvr>
+                                        <p:cTn id="38" dur="1" fill="hold">
+                                          <p:stCondLst>
+                                            <p:cond delay="0"/>
+                                          </p:stCondLst>
+                                        </p:cTn>
+                                        <p:tgtEl>
+                                          <p:spTgt spid="3">
+                                            <p:txEl>
+                                              <p:pRg st="9" end="9"/>
+                                            </p:txEl>
+                                          </p:spTgt>
+                                        </p:tgtEl>
+                                        <p:attrNameLst>
+                                          <p:attrName>style.visibility</p:attrName>
+                                        </p:attrNameLst>
+                                      </p:cBhvr>
+                                      <p:to>
+                                        <p:strVal val="visible"/>
+                                      </p:to>
+                                    </p:set>
+                                  </p:childTnLst>
+                                </p:cTn>
+                              </p:par>
+                              <p:par>
+                                <p:cTn id="39" presetID="1" presetClass="entr" presetSubtype="0" fill="hold" nodeType="withEffect">
+                                  <p:stCondLst>
+                                    <p:cond delay="0"/>
+                                  </p:stCondLst>
+                                  <p:childTnLst>
+                                    <p:set>
+                                      <p:cBhvr>
+                                        <p:cTn id="40" dur="1" fill="hold">
+                                          <p:stCondLst>
+                                            <p:cond delay="0"/>
+                                          </p:stCondLst>
+                                        </p:cTn>
+                                        <p:tgtEl>
+                                          <p:spTgt spid="3">
+                                            <p:txEl>
+                                              <p:pRg st="10" end="10"/>
+                                            </p:txEl>
+                                          </p:spTgt>
+                                        </p:tgtEl>
+                                        <p:attrNameLst>
+                                          <p:attrName>style.visibility</p:attrName>
+                                        </p:attrNameLst>
+                                      </p:cBhvr>
+                                      <p:to>
+                                        <p:strVal val="visible"/>
+                                      </p:to>
+                                    </p:set>
+                                  </p:childTnLst>
+                                </p:cTn>
+                              </p:par>
+                            </p:childTnLst>
+                          </p:cTn>
+                        </p:par>
+                      </p:childTnLst>
+                    </p:cTn>
+                  </p:par>
+                  <p:par>
+                    <p:cTn id="41" fill="hold">
+                      <p:stCondLst>
+                        <p:cond delay="indefinite"/>
+                      </p:stCondLst>
+                      <p:childTnLst>
+                        <p:par>
+                          <p:cTn id="42" fill="hold">
+                            <p:stCondLst>
+                              <p:cond delay="0"/>
+                            </p:stCondLst>
+                            <p:childTnLst>
+                              <p:par>
+                                <p:cTn id="43" presetID="1" presetClass="entr" presetSubtype="0" fill="hold" nodeType="clickEffect">
+                                  <p:stCondLst>
+                                    <p:cond delay="0"/>
+                                  </p:stCondLst>
+                                  <p:childTnLst>
+                                    <p:set>
+                                      <p:cBhvr>
+                                        <p:cTn id="44" dur="1" fill="hold">
+                                          <p:stCondLst>
+                                            <p:cond delay="0"/>
+                                          </p:stCondLst>
+                                        </p:cTn>
+                                        <p:tgtEl>
+                                          <p:spTgt spid="3">
+                                            <p:txEl>
+                                              <p:pRg st="11" end="11"/>
+                                            </p:txEl>
+                                          </p:spTgt>
+                                        </p:tgtEl>
+                                        <p:attrNameLst>
+                                          <p:attrName>style.visibility</p:attrName>
+                                        </p:attrNameLst>
+                                      </p:cBhvr>
+                                      <p:to>
+                                        <p:strVal val="visible"/>
+                                      </p:to>
+                                    </p:set>
+                                  </p:childTnLst>
+                                </p:cTn>
+                              </p:par>
+                              <p:par>
+                                <p:cTn id="45" presetID="1" presetClass="entr" presetSubtype="0" fill="hold" nodeType="withEffect">
+                                  <p:stCondLst>
+                                    <p:cond delay="0"/>
+                                  </p:stCondLst>
+                                  <p:childTnLst>
+                                    <p:set>
+                                      <p:cBhvr>
+                                        <p:cTn id="46" dur="1" fill="hold">
+                                          <p:stCondLst>
+                                            <p:cond delay="0"/>
+                                          </p:stCondLst>
+                                        </p:cTn>
+                                        <p:tgtEl>
+                                          <p:spTgt spid="3">
+                                            <p:txEl>
+                                              <p:pRg st="12" end="12"/>
+                                            </p:txEl>
+                                          </p:spTgt>
+                                        </p:tgtEl>
+                                        <p:attrNameLst>
+                                          <p:attrName>style.visibility</p:attrName>
+                                        </p:attrNameLst>
+                                      </p:cBhvr>
+                                      <p:to>
+                                        <p:strVal val="visible"/>
+                                      </p:to>
+                                    </p:set>
+                                  </p:childTnLst>
+                                </p:cTn>
+                              </p:par>
+                            </p:childTnLst>
+                          </p:cTn>
+                        </p:par>
+                      </p:childTnLst>
+                    </p:cTn>
+                  </p:par>
+                </p:childTnLst>
+              </p:cTn>
+              <p:prevCondLst>
+                <p:cond evt="onPrev" delay="0">
+                  <p:tgtEl>
+                    <p:sldTgt/>
+                  </p:tgtEl>
+                </p:cond>
+              </p:prevCondLst>
+              <p:nextCondLst>
+                <p:cond evt="onNext" delay="0">
+                  <p:tgtEl>
+                    <p:sldTgt/>
+                  </p:tgtEl>
+                </p:cond>
+              </p:nextCondLst>
+            </p:seq>
+          </p:childTnLst>
+        </p:cTn>
+      </p:par>
+    </p:tnLst>
+  </p:timing>
+</p:sld>
+</file>
+
+<file path=ppt/slides/slide5.xml><?xml version="1.0" encoding="utf-8"?>
+<p:sld xmlns:a="http://schemas.openxmlformats.org/drawingml/2006/main" xmlns:r="http://schemas.openxmlformats.org/officeDocument/2006/relationships" xmlns:p="http://schemas.openxmlformats.org/presentationml/2006/main">
+  <p:cSld>
+    <p:spTree>
+      <p:nvGrpSpPr>
+        <p:cNvPr id="1" name=""/>
+        <p:cNvGrpSpPr/>
+        <p:nvPr/>
+      </p:nvGrpSpPr>
+      <p:grpSpPr>
+        <a:xfrm>
+          <a:off x="0" y="0"/>
+          <a:ext cx="0" cy="0"/>
+          <a:chOff x="0" y="0"/>
+          <a:chExt cx="0" cy="0"/>
+        </a:xfrm>
+      </p:grpSpPr>
+      <p:sp>
+        <p:nvSpPr>
+          <p:cNvPr id="2" name="Title 1"/>
+          <p:cNvSpPr>
+            <a:spLocks noGrp="1"/>
+          </p:cNvSpPr>
+          <p:nvPr>
+            <p:ph type="title"/>
+          </p:nvPr>
+        </p:nvSpPr>
+        <p:spPr>
+          <a:xfrm>
+            <a:off x="677334" y="564515"/>
+            <a:ext cx="8596668" cy="1320800"/>
+          </a:xfrm>
+        </p:spPr>
+        <p:txBody>
+          <a:bodyPr/>
+          <a:lstStyle/>
+          <a:p>
+            <a:r>
+              <a:rPr lang="en-US" dirty="0" smtClean="0"/>
+              <a:t>Price Indicator – Simple Moving Average</a:t>
+            </a:r>
+            <a:r>
+              <a:rPr lang="zh-CN" altLang="en-US" dirty="0" smtClean="0"/>
+              <a:t>（</a:t>
+            </a:r>
+            <a:r>
+              <a:rPr lang="en-US" altLang="zh-CN" dirty="0" smtClean="0"/>
+              <a:t>SMA</a:t>
+            </a:r>
+            <a:r>
+              <a:rPr lang="zh-CN" altLang="en-US" dirty="0" smtClean="0"/>
+              <a:t>）</a:t>
+            </a:r>
+          </a:p>
+        </p:txBody>
+      </p:sp>
+      <p:sp>
+        <p:nvSpPr>
+          <p:cNvPr id="5" name="Content Placeholder 4"/>
+          <p:cNvSpPr>
+            <a:spLocks noGrp="1"/>
+          </p:cNvSpPr>
+          <p:nvPr>
+            <p:ph sz="half" idx="1"/>
+          </p:nvPr>
+        </p:nvSpPr>
+        <p:spPr>
+          <a:xfrm>
+            <a:off x="756285" y="1738630"/>
+            <a:ext cx="4149090" cy="808990"/>
+          </a:xfrm>
+        </p:spPr>
+        <p:txBody>
+          <a:bodyPr>
+            <a:normAutofit/>
+          </a:bodyPr>
+          <a:lstStyle/>
+          <a:p>
+            <a:r>
+              <a:rPr lang="en-CA" altLang="en-US" b="1" dirty="0"/>
+              <a:t>Trading Strategies </a:t>
+            </a:r>
+          </a:p>
+          <a:p>
+            <a:pPr lvl="1"/>
+            <a:r>
+              <a:rPr lang="en-CA" altLang="en-US" b="1" dirty="0" smtClean="0"/>
+              <a:t>Golden Cross</a:t>
+            </a:r>
+            <a:endParaRPr lang="en-CA" altLang="en-US" b="1" dirty="0"/>
+          </a:p>
+          <a:p>
+            <a:pPr lvl="1"/>
+            <a:endParaRPr lang="en-CA" altLang="en-US" b="1" dirty="0"/>
+          </a:p>
+          <a:p>
+            <a:pPr lvl="1"/>
+            <a:endParaRPr lang="en-CA" altLang="en-US" b="1" dirty="0"/>
+          </a:p>
+          <a:p>
+            <a:pPr lvl="1"/>
+            <a:endParaRPr lang="en-CA" altLang="en-US" b="1" dirty="0"/>
+          </a:p>
+          <a:p>
+            <a:pPr lvl="1"/>
+            <a:endParaRPr lang="en-CA" altLang="en-US" b="1" dirty="0"/>
+          </a:p>
+          <a:p>
+            <a:pPr marL="457200" lvl="1" indent="0">
+              <a:buNone/>
+            </a:pPr>
+            <a:endParaRPr lang="en-CA" altLang="en-US" b="1" dirty="0"/>
+          </a:p>
+          <a:p>
+            <a:pPr marL="457200" lvl="1" indent="0">
+              <a:buNone/>
+            </a:pPr>
+            <a:endParaRPr lang="en-CA" altLang="en-US" dirty="0"/>
+          </a:p>
+        </p:txBody>
+      </p:sp>
+      <p:sp>
+        <p:nvSpPr>
+          <p:cNvPr id="13" name="Content Placeholder 4"/>
+          <p:cNvSpPr>
+            <a:spLocks noGrp="1"/>
+          </p:cNvSpPr>
+          <p:nvPr/>
+        </p:nvSpPr>
+        <p:spPr>
+          <a:xfrm>
+            <a:off x="5271135" y="1738630"/>
+            <a:ext cx="4949825" cy="809625"/>
+          </a:xfrm>
+          <a:prstGeom prst="rect">
+            <a:avLst/>
+          </a:prstGeom>
+        </p:spPr>
+        <p:txBody>
+          <a:bodyPr vert="horz" lIns="91440" tIns="45720" rIns="91440" bIns="45720" rtlCol="0">
+            <a:normAutofit/>
+          </a:bodyPr>
+          <a:lstStyle>
+            <a:lvl1pPr marL="342900" indent="-342900" algn="l" defTabSz="457200" rtl="0" eaLnBrk="1" latinLnBrk="0" hangingPunct="1">
+              <a:spcBef>
+                <a:spcPts val="1000"/>
+              </a:spcBef>
+              <a:spcAft>
+                <a:spcPts val="0"/>
+              </a:spcAft>
+              <a:buClr>
+                <a:schemeClr val="accent1"/>
+              </a:buClr>
+              <a:buSzPct val="80000"/>
+              <a:buFont typeface="Wingdings 3" charset="2"/>
+              <a:buChar char=""/>
+              <a:defRPr sz="1800" kern="1200">
+                <a:solidFill>
+                  <a:schemeClr val="tx1">
+                    <a:lumMod val="75000"/>
+                    <a:lumOff val="25000"/>
+                  </a:schemeClr>
+                </a:solidFill>
+                <a:latin typeface="+mn-lt"/>
+                <a:ea typeface="+mn-ea"/>
+                <a:cs typeface="+mn-cs"/>
+              </a:defRPr>
+            </a:lvl1pPr>
+            <a:lvl2pPr marL="742950" indent="-285750" algn="l" defTabSz="457200" rtl="0" eaLnBrk="1" latinLnBrk="0" hangingPunct="1">
+              <a:spcBef>
+                <a:spcPts val="1000"/>
+              </a:spcBef>
+              <a:spcAft>
+                <a:spcPts val="0"/>
+              </a:spcAft>
+              <a:buClr>
+                <a:schemeClr val="accent1"/>
+              </a:buClr>
+              <a:buSzPct val="80000"/>
+              <a:buFont typeface="Wingdings 3" charset="2"/>
+              <a:buChar char=""/>
+              <a:defRPr sz="1600" kern="1200">
+                <a:solidFill>
+                  <a:schemeClr val="tx1">
+                    <a:lumMod val="75000"/>
+                    <a:lumOff val="25000"/>
+                  </a:schemeClr>
+                </a:solidFill>
+                <a:latin typeface="+mn-lt"/>
+                <a:ea typeface="+mn-ea"/>
+                <a:cs typeface="+mn-cs"/>
+              </a:defRPr>
+            </a:lvl2pPr>
+            <a:lvl3pPr marL="1143000" indent="-228600" algn="l" defTabSz="457200" rtl="0" eaLnBrk="1" latinLnBrk="0" hangingPunct="1">
+              <a:spcBef>
+                <a:spcPts val="1000"/>
+              </a:spcBef>
+              <a:spcAft>
+                <a:spcPts val="0"/>
+              </a:spcAft>
+              <a:buClr>
+                <a:schemeClr val="accent1"/>
+              </a:buClr>
+              <a:buSzPct val="80000"/>
+              <a:buFont typeface="Wingdings 3" charset="2"/>
+              <a:buChar char=""/>
+              <a:defRPr sz="1400" kern="1200">
+                <a:solidFill>
+                  <a:schemeClr val="tx1">
+                    <a:lumMod val="75000"/>
+                    <a:lumOff val="25000"/>
+                  </a:schemeClr>
+                </a:solidFill>
+                <a:latin typeface="+mn-lt"/>
+                <a:ea typeface="+mn-ea"/>
+                <a:cs typeface="+mn-cs"/>
+              </a:defRPr>
+            </a:lvl3pPr>
+            <a:lvl4pPr marL="1600200" indent="-228600" algn="l" defTabSz="457200" rtl="0" eaLnBrk="1" latinLnBrk="0" hangingPunct="1">
+              <a:spcBef>
+                <a:spcPts val="1000"/>
+              </a:spcBef>
+              <a:spcAft>
+                <a:spcPts val="0"/>
+              </a:spcAft>
+              <a:buClr>
+                <a:schemeClr val="accent1"/>
+              </a:buClr>
+              <a:buSzPct val="80000"/>
+              <a:buFont typeface="Wingdings 3" charset="2"/>
+              <a:buChar char=""/>
+              <a:defRPr sz="1200" kern="1200">
+                <a:solidFill>
+                  <a:schemeClr val="tx1">
+                    <a:lumMod val="75000"/>
+                    <a:lumOff val="25000"/>
+                  </a:schemeClr>
+                </a:solidFill>
+                <a:latin typeface="+mn-lt"/>
+                <a:ea typeface="+mn-ea"/>
+                <a:cs typeface="+mn-cs"/>
+              </a:defRPr>
+            </a:lvl4pPr>
+            <a:lvl5pPr marL="2057400" indent="-228600" algn="l" defTabSz="457200" rtl="0" eaLnBrk="1" latinLnBrk="0" hangingPunct="1">
+              <a:spcBef>
+                <a:spcPts val="1000"/>
+              </a:spcBef>
+              <a:spcAft>
+                <a:spcPts val="0"/>
+              </a:spcAft>
+              <a:buClr>
+                <a:schemeClr val="accent1"/>
+              </a:buClr>
+              <a:buSzPct val="80000"/>
+              <a:buFont typeface="Wingdings 3" charset="2"/>
+              <a:buChar char=""/>
+              <a:defRPr sz="1200" kern="1200">
+                <a:solidFill>
+                  <a:schemeClr val="tx1">
+                    <a:lumMod val="75000"/>
+                    <a:lumOff val="25000"/>
+                  </a:schemeClr>
+                </a:solidFill>
+                <a:latin typeface="+mn-lt"/>
+                <a:ea typeface="+mn-ea"/>
+                <a:cs typeface="+mn-cs"/>
+              </a:defRPr>
+            </a:lvl5pPr>
+            <a:lvl6pPr marL="2514600" indent="-228600" algn="l" defTabSz="457200" rtl="0" eaLnBrk="1" latinLnBrk="0" hangingPunct="1">
+              <a:spcBef>
+                <a:spcPts val="1000"/>
+              </a:spcBef>
+              <a:spcAft>
+                <a:spcPts val="0"/>
+              </a:spcAft>
+              <a:buClr>
+                <a:schemeClr val="accent1"/>
+              </a:buClr>
+              <a:buSzPct val="80000"/>
+              <a:buFont typeface="Wingdings 3" charset="2"/>
+              <a:buChar char=""/>
+              <a:defRPr sz="1200" kern="1200">
+                <a:solidFill>
+                  <a:schemeClr val="tx1">
+                    <a:lumMod val="75000"/>
+                    <a:lumOff val="25000"/>
+                  </a:schemeClr>
+                </a:solidFill>
+                <a:latin typeface="+mn-lt"/>
+                <a:ea typeface="+mn-ea"/>
+                <a:cs typeface="+mn-cs"/>
+              </a:defRPr>
+            </a:lvl6pPr>
+            <a:lvl7pPr marL="2971800" indent="-228600" algn="l" defTabSz="457200" rtl="0" eaLnBrk="1" latinLnBrk="0" hangingPunct="1">
+              <a:spcBef>
+                <a:spcPts val="1000"/>
+              </a:spcBef>
+              <a:spcAft>
+                <a:spcPts val="0"/>
+              </a:spcAft>
+              <a:buClr>
+                <a:schemeClr val="accent1"/>
+              </a:buClr>
+              <a:buSzPct val="80000"/>
+              <a:buFont typeface="Wingdings 3" charset="2"/>
+              <a:buChar char=""/>
+              <a:defRPr sz="1200" kern="1200">
+                <a:solidFill>
+                  <a:schemeClr val="tx1">
+                    <a:lumMod val="75000"/>
+                    <a:lumOff val="25000"/>
+                  </a:schemeClr>
+                </a:solidFill>
+                <a:latin typeface="+mn-lt"/>
+                <a:ea typeface="+mn-ea"/>
+                <a:cs typeface="+mn-cs"/>
+              </a:defRPr>
+            </a:lvl7pPr>
+            <a:lvl8pPr marL="3429000" indent="-228600" algn="l" defTabSz="457200" rtl="0" eaLnBrk="1" latinLnBrk="0" hangingPunct="1">
+              <a:spcBef>
+                <a:spcPts val="1000"/>
+              </a:spcBef>
+              <a:spcAft>
+                <a:spcPts val="0"/>
+              </a:spcAft>
+              <a:buClr>
+                <a:schemeClr val="accent1"/>
+              </a:buClr>
+              <a:buSzPct val="80000"/>
+              <a:buFont typeface="Wingdings 3" charset="2"/>
+              <a:buChar char=""/>
+              <a:defRPr sz="1200" kern="1200">
+                <a:solidFill>
+                  <a:schemeClr val="tx1">
+                    <a:lumMod val="75000"/>
+                    <a:lumOff val="25000"/>
+                  </a:schemeClr>
+                </a:solidFill>
+                <a:latin typeface="+mn-lt"/>
+                <a:ea typeface="+mn-ea"/>
+                <a:cs typeface="+mn-cs"/>
+              </a:defRPr>
+            </a:lvl8pPr>
+            <a:lvl9pPr marL="3886200" indent="-228600" algn="l" defTabSz="457200" rtl="0" eaLnBrk="1" latinLnBrk="0" hangingPunct="1">
+              <a:spcBef>
+                <a:spcPts val="1000"/>
+              </a:spcBef>
+              <a:spcAft>
+                <a:spcPts val="0"/>
+              </a:spcAft>
+              <a:buClr>
+                <a:schemeClr val="accent1"/>
+              </a:buClr>
+              <a:buSzPct val="80000"/>
+              <a:buFont typeface="Wingdings 3" charset="2"/>
+              <a:buChar char=""/>
+              <a:defRPr sz="1200" kern="1200">
+                <a:solidFill>
+                  <a:schemeClr val="tx1">
+                    <a:lumMod val="75000"/>
+                    <a:lumOff val="25000"/>
+                  </a:schemeClr>
+                </a:solidFill>
+                <a:latin typeface="+mn-lt"/>
+                <a:ea typeface="+mn-ea"/>
+                <a:cs typeface="+mn-cs"/>
+              </a:defRPr>
+            </a:lvl9pPr>
+          </a:lstStyle>
+          <a:p>
+            <a:pPr marL="0" indent="0">
+              <a:buNone/>
+            </a:pPr>
+            <a:r>
+              <a:rPr lang="en-CA" altLang="en-US" b="1" dirty="0"/>
+              <a:t> </a:t>
+            </a:r>
+          </a:p>
+          <a:p>
+            <a:pPr lvl="1"/>
+            <a:r>
+              <a:rPr lang="en-CA" altLang="en-US" b="1" dirty="0" smtClean="0"/>
+              <a:t>Death </a:t>
+            </a:r>
+            <a:r>
+              <a:rPr lang="en-CA" altLang="en-US" b="1" dirty="0"/>
+              <a:t>Cross</a:t>
+            </a:r>
+          </a:p>
+          <a:p>
+            <a:pPr lvl="1"/>
+            <a:endParaRPr lang="en-CA" altLang="en-US" b="1" dirty="0"/>
+          </a:p>
+          <a:p>
+            <a:pPr lvl="1"/>
+            <a:endParaRPr lang="en-CA" altLang="en-US" b="1" dirty="0"/>
+          </a:p>
+          <a:p>
+            <a:pPr lvl="1"/>
+            <a:endParaRPr lang="en-CA" altLang="en-US" b="1" dirty="0"/>
+          </a:p>
+          <a:p>
+            <a:pPr marL="457200" lvl="1" indent="0">
+              <a:buNone/>
+            </a:pPr>
+            <a:endParaRPr lang="en-CA" altLang="en-US" b="1" dirty="0"/>
+          </a:p>
+          <a:p>
+            <a:pPr marL="457200" lvl="1" indent="0">
+              <a:buNone/>
+            </a:pPr>
+            <a:endParaRPr lang="en-CA" altLang="en-US" dirty="0"/>
+          </a:p>
+        </p:txBody>
+      </p:sp>
+      <p:pic>
+        <p:nvPicPr>
+          <p:cNvPr id="2052" name="Picture 4" descr="Golden Cross"/>
+          <p:cNvPicPr>
+            <a:picLocks noChangeAspect="1" noChangeArrowheads="1"/>
+          </p:cNvPicPr>
+          <p:nvPr/>
+        </p:nvPicPr>
+        <p:blipFill>
+          <a:blip r:embed="rId3">
+            <a:extLst>
+              <a:ext uri="{28A0092B-C50C-407E-A947-70E740481C1C}">
+                <a14:useLocalDpi xmlns:a14="http://schemas.microsoft.com/office/drawing/2010/main" val="0"/>
+              </a:ext>
+            </a:extLst>
+          </a:blip>
+          <a:srcRect/>
+          <a:stretch>
+            <a:fillRect/>
+          </a:stretch>
+        </p:blipFill>
+        <p:spPr bwMode="auto">
+          <a:xfrm>
+            <a:off x="756285" y="2416992"/>
+            <a:ext cx="3762982" cy="3225414"/>
+          </a:xfrm>
+          <a:prstGeom prst="rect">
+            <a:avLst/>
+          </a:prstGeom>
+          <a:noFill/>
+          <a:extLst>
+            <a:ext uri="{909E8E84-426E-40DD-AFC4-6F175D3DCCD1}">
+              <a14:hiddenFill xmlns:a14="http://schemas.microsoft.com/office/drawing/2010/main">
+                <a:solidFill>
+                  <a:srgbClr val="FFFFFF"/>
+                </a:solidFill>
+              </a14:hiddenFill>
+            </a:ext>
+          </a:extLst>
+        </p:spPr>
+      </p:pic>
+      <p:pic>
+        <p:nvPicPr>
+          <p:cNvPr id="2054" name="Picture 6" descr="Death Cross"/>
+          <p:cNvPicPr>
+            <a:picLocks noChangeAspect="1" noChangeArrowheads="1"/>
+          </p:cNvPicPr>
+          <p:nvPr/>
+        </p:nvPicPr>
+        <p:blipFill>
+          <a:blip r:embed="rId4">
+            <a:extLst>
+              <a:ext uri="{28A0092B-C50C-407E-A947-70E740481C1C}">
+                <a14:useLocalDpi xmlns:a14="http://schemas.microsoft.com/office/drawing/2010/main" val="0"/>
+              </a:ext>
+            </a:extLst>
+          </a:blip>
+          <a:srcRect/>
+          <a:stretch>
+            <a:fillRect/>
+          </a:stretch>
+        </p:blipFill>
+        <p:spPr bwMode="auto">
+          <a:xfrm>
+            <a:off x="5403506" y="2416992"/>
+            <a:ext cx="3870496" cy="3225414"/>
+          </a:xfrm>
+          <a:prstGeom prst="rect">
+            <a:avLst/>
+          </a:prstGeom>
+          <a:noFill/>
+          <a:extLst>
+            <a:ext uri="{909E8E84-426E-40DD-AFC4-6F175D3DCCD1}">
+              <a14:hiddenFill xmlns:a14="http://schemas.microsoft.com/office/drawing/2010/main">
+                <a:solidFill>
+                  <a:srgbClr val="FFFFFF"/>
+                </a:solidFill>
+              </a14:hiddenFill>
+            </a:ext>
+          </a:extLst>
+        </p:spPr>
+      </p:pic>
+      <p:sp>
+        <p:nvSpPr>
+          <p:cNvPr id="3" name="TextBox 2"/>
+          <p:cNvSpPr txBox="1"/>
+          <p:nvPr/>
+        </p:nvSpPr>
+        <p:spPr>
+          <a:xfrm>
+            <a:off x="5271135" y="5804750"/>
+            <a:ext cx="3730822" cy="523220"/>
+          </a:xfrm>
+          <a:prstGeom prst="rect">
+            <a:avLst/>
+          </a:prstGeom>
+          <a:noFill/>
+        </p:spPr>
+        <p:txBody>
+          <a:bodyPr wrap="square" rtlCol="0">
+            <a:spAutoFit/>
+          </a:bodyPr>
+          <a:lstStyle/>
+          <a:p>
+            <a:r>
+              <a:rPr lang="en-CA" sz="1400" dirty="0" smtClean="0"/>
+              <a:t>A </a:t>
+            </a:r>
+            <a:r>
+              <a:rPr lang="en-CA" sz="1400" dirty="0"/>
+              <a:t>security's </a:t>
+            </a:r>
+            <a:r>
+              <a:rPr lang="en-CA" sz="1400" dirty="0" smtClean="0"/>
+              <a:t>long-term </a:t>
+            </a:r>
+            <a:r>
+              <a:rPr lang="en-CA" sz="1400" dirty="0"/>
+              <a:t>moving average </a:t>
+            </a:r>
+            <a:r>
+              <a:rPr lang="en-CA" sz="1400" dirty="0" smtClean="0"/>
+              <a:t>breaks </a:t>
+            </a:r>
+            <a:r>
+              <a:rPr lang="en-CA" sz="1400" dirty="0"/>
+              <a:t>above its short-term moving average</a:t>
+            </a:r>
+          </a:p>
+        </p:txBody>
+      </p:sp>
+      <p:sp>
+        <p:nvSpPr>
+          <p:cNvPr id="11" name="TextBox 10"/>
+          <p:cNvSpPr txBox="1"/>
+          <p:nvPr/>
+        </p:nvSpPr>
+        <p:spPr>
+          <a:xfrm>
+            <a:off x="788445" y="5804750"/>
+            <a:ext cx="3730822" cy="523220"/>
+          </a:xfrm>
+          <a:prstGeom prst="rect">
+            <a:avLst/>
+          </a:prstGeom>
+          <a:noFill/>
+        </p:spPr>
+        <p:txBody>
+          <a:bodyPr wrap="square" rtlCol="0">
+            <a:spAutoFit/>
+          </a:bodyPr>
+          <a:lstStyle/>
+          <a:p>
+            <a:r>
+              <a:rPr lang="en-CA" sz="1400" dirty="0" smtClean="0"/>
+              <a:t>A </a:t>
+            </a:r>
+            <a:r>
+              <a:rPr lang="en-CA" sz="1400" dirty="0"/>
+              <a:t>security's </a:t>
+            </a:r>
+            <a:r>
+              <a:rPr lang="en-CA" sz="1400" dirty="0" smtClean="0"/>
+              <a:t>short-term </a:t>
+            </a:r>
+            <a:r>
+              <a:rPr lang="en-CA" sz="1400" dirty="0"/>
+              <a:t>moving average </a:t>
+            </a:r>
+            <a:r>
+              <a:rPr lang="en-CA" sz="1400" dirty="0" smtClean="0"/>
+              <a:t>breaks </a:t>
+            </a:r>
+            <a:r>
+              <a:rPr lang="en-CA" sz="1400" dirty="0"/>
+              <a:t>above its </a:t>
+            </a:r>
+            <a:r>
+              <a:rPr lang="en-CA" sz="1400" dirty="0" smtClean="0"/>
+              <a:t>long-term </a:t>
+            </a:r>
+            <a:r>
+              <a:rPr lang="en-CA" sz="1400" dirty="0"/>
+              <a:t>moving average</a:t>
+            </a:r>
+          </a:p>
+        </p:txBody>
+      </p:sp>
+    </p:spTree>
+    <p:extLst>
+      <p:ext uri="{BB962C8B-B14F-4D97-AF65-F5344CB8AC3E}">
+        <p14:creationId xmlns:p14="http://schemas.microsoft.com/office/powerpoint/2010/main" val="1644027470"/>
+      </p:ext>
+    </p:extLst>
+  </p:cSld>
+  <p:clrMapOvr>
+    <a:masterClrMapping/>
+  </p:clrMapOvr>
+  <p:timing>
+    <p:tnLst>
+      <p:par>
+        <p:cTn id="1" dur="indefinite" restart="never" nodeType="tmRoot">
+          <p:childTnLst>
+            <p:seq concurrent="1" nextAc="seek">
+              <p:cTn id="2" dur="indefinite" nodeType="mainSeq">
+                <p:childTnLst>
+                  <p:par>
+                    <p:cTn id="3" fill="hold">
+                      <p:stCondLst>
+                        <p:cond delay="indefinite"/>
+                      </p:stCondLst>
+                      <p:childTnLst>
+                        <p:par>
+                          <p:cTn id="4" fill="hold">
+                            <p:stCondLst>
+                              <p:cond delay="0"/>
+                            </p:stCondLst>
+                            <p:childTnLst>
+                              <p:par>
+                                <p:cTn id="5" presetID="1" presetClass="entr" presetSubtype="0" fill="hold" nodeType="clickEffect">
+                                  <p:stCondLst>
+                                    <p:cond delay="0"/>
+                                  </p:stCondLst>
+                                  <p:childTnLst>
+                                    <p:set>
+                                      <p:cBhvr>
+                                        <p:cTn id="6" dur="1" fill="hold">
+                                          <p:stCondLst>
+                                            <p:cond delay="0"/>
+                                          </p:stCondLst>
+                                        </p:cTn>
+                                        <p:tgtEl>
+                                          <p:spTgt spid="5">
+                                            <p:txEl>
+                                              <p:pRg st="0" end="0"/>
+                                            </p:txEl>
+                                          </p:spTgt>
+                                        </p:tgtEl>
+                                        <p:attrNameLst>
+                                          <p:attrName>style.visibility</p:attrName>
+                                        </p:attrNameLst>
+                                      </p:cBhvr>
+                                      <p:to>
+                                        <p:strVal val="visible"/>
+                                      </p:to>
+                                    </p:set>
+                                  </p:childTnLst>
+                                </p:cTn>
+                              </p:par>
+                            </p:childTnLst>
+                          </p:cTn>
+                        </p:par>
+                      </p:childTnLst>
+                    </p:cTn>
+                  </p:par>
+                  <p:par>
+                    <p:cTn id="7" fill="hold">
+                      <p:stCondLst>
+                        <p:cond delay="indefinite"/>
+                      </p:stCondLst>
+                      <p:childTnLst>
+                        <p:par>
+                          <p:cTn id="8" fill="hold">
+                            <p:stCondLst>
+                              <p:cond delay="0"/>
+                            </p:stCondLst>
+                            <p:childTnLst>
+                              <p:par>
+                                <p:cTn id="9" presetID="1" presetClass="entr" presetSubtype="0" fill="hold" nodeType="clickEffect">
+                                  <p:stCondLst>
+                                    <p:cond delay="0"/>
+                                  </p:stCondLst>
+                                  <p:childTnLst>
+                                    <p:set>
+                                      <p:cBhvr>
+                                        <p:cTn id="10" dur="1" fill="hold">
+                                          <p:stCondLst>
+                                            <p:cond delay="0"/>
+                                          </p:stCondLst>
+                                        </p:cTn>
+                                        <p:tgtEl>
+                                          <p:spTgt spid="5">
+                                            <p:txEl>
+                                              <p:pRg st="1" end="1"/>
+                                            </p:txEl>
+                                          </p:spTgt>
+                                        </p:tgtEl>
+                                        <p:attrNameLst>
+                                          <p:attrName>style.visibility</p:attrName>
+                                        </p:attrNameLst>
+                                      </p:cBhvr>
+                                      <p:to>
+                                        <p:strVal val="visible"/>
+                                      </p:to>
+                                    </p:set>
+                                  </p:childTnLst>
+                                </p:cTn>
+                              </p:par>
+                            </p:childTnLst>
+                          </p:cTn>
+                        </p:par>
+                      </p:childTnLst>
+                    </p:cTn>
+                  </p:par>
+                  <p:par>
+                    <p:cTn id="11" fill="hold">
+                      <p:stCondLst>
+                        <p:cond delay="indefinite"/>
+                      </p:stCondLst>
+                      <p:childTnLst>
+                        <p:par>
+                          <p:cTn id="12" fill="hold">
+                            <p:stCondLst>
+                              <p:cond delay="0"/>
+                            </p:stCondLst>
+                            <p:childTnLst>
+                              <p:par>
+                                <p:cTn id="13" presetID="1" presetClass="entr" presetSubtype="0" fill="hold" nodeType="clickEffect">
+                                  <p:stCondLst>
+                                    <p:cond delay="0"/>
+                                  </p:stCondLst>
+                                  <p:childTnLst>
+                                    <p:set>
+                                      <p:cBhvr>
+                                        <p:cTn id="14" dur="1" fill="hold">
+                                          <p:stCondLst>
+                                            <p:cond delay="0"/>
+                                          </p:stCondLst>
+                                        </p:cTn>
+                                        <p:tgtEl>
+                                          <p:spTgt spid="2052"/>
+                                        </p:tgtEl>
+                                        <p:attrNameLst>
+                                          <p:attrName>style.visibility</p:attrName>
+                                        </p:attrNameLst>
+                                      </p:cBhvr>
+                                      <p:to>
+                                        <p:strVal val="visible"/>
+                                      </p:to>
+                                    </p:set>
+                                  </p:childTnLst>
+                                </p:cTn>
+                              </p:par>
+                            </p:childTnLst>
+                          </p:cTn>
+                        </p:par>
+                      </p:childTnLst>
+                    </p:cTn>
+                  </p:par>
+                  <p:par>
+                    <p:cTn id="15" fill="hold">
+                      <p:stCondLst>
+                        <p:cond delay="indefinite"/>
+                      </p:stCondLst>
+                      <p:childTnLst>
+                        <p:par>
+                          <p:cTn id="16" fill="hold">
+                            <p:stCondLst>
+                              <p:cond delay="0"/>
+                            </p:stCondLst>
+                            <p:childTnLst>
+                              <p:par>
+                                <p:cTn id="17" presetID="1" presetClass="entr" presetSubtype="0" fill="hold" nodeType="clickEffect">
+                                  <p:stCondLst>
+                                    <p:cond delay="0"/>
+                                  </p:stCondLst>
+                                  <p:childTnLst>
+                                    <p:set>
+                                      <p:cBhvr>
+                                        <p:cTn id="18" dur="1" fill="hold">
+                                          <p:stCondLst>
+                                            <p:cond delay="0"/>
+                                          </p:stCondLst>
+                                        </p:cTn>
+                                        <p:tgtEl>
+                                          <p:spTgt spid="11">
+                                            <p:txEl>
+                                              <p:pRg st="0" end="0"/>
+                                            </p:txEl>
+                                          </p:spTgt>
+                                        </p:tgtEl>
+                                        <p:attrNameLst>
+                                          <p:attrName>style.visibility</p:attrName>
+                                        </p:attrNameLst>
+                                      </p:cBhvr>
+                                      <p:to>
+                                        <p:strVal val="visible"/>
+                                      </p:to>
+                                    </p:set>
+                                  </p:childTnLst>
+                                </p:cTn>
+                              </p:par>
+                            </p:childTnLst>
+                          </p:cTn>
+                        </p:par>
+                      </p:childTnLst>
+                    </p:cTn>
+                  </p:par>
+                  <p:par>
+                    <p:cTn id="19" fill="hold">
+                      <p:stCondLst>
+                        <p:cond delay="indefinite"/>
+                      </p:stCondLst>
+                      <p:childTnLst>
+                        <p:par>
+                          <p:cTn id="20" fill="hold">
+                            <p:stCondLst>
+                              <p:cond delay="0"/>
+                            </p:stCondLst>
+                            <p:childTnLst>
+                              <p:par>
+                                <p:cTn id="21" presetID="1" presetClass="entr" presetSubtype="0" fill="hold" nodeType="clickEffect">
+                                  <p:stCondLst>
+                                    <p:cond delay="0"/>
+                                  </p:stCondLst>
+                                  <p:childTnLst>
+                                    <p:set>
+                                      <p:cBhvr>
+                                        <p:cTn id="22" dur="1" fill="hold">
+                                          <p:stCondLst>
+                                            <p:cond delay="0"/>
+                                          </p:stCondLst>
+                                        </p:cTn>
+                                        <p:tgtEl>
+                                          <p:spTgt spid="13">
+                                            <p:txEl>
+                                              <p:pRg st="1" end="1"/>
+                                            </p:txEl>
+                                          </p:spTgt>
+                                        </p:tgtEl>
+                                        <p:attrNameLst>
+                                          <p:attrName>style.visibility</p:attrName>
+                                        </p:attrNameLst>
+                                      </p:cBhvr>
+                                      <p:to>
+                                        <p:strVal val="visible"/>
+                                      </p:to>
+                                    </p:set>
+                                  </p:childTnLst>
+                                </p:cTn>
+                              </p:par>
+                            </p:childTnLst>
+                          </p:cTn>
+                        </p:par>
+                      </p:childTnLst>
+                    </p:cTn>
+                  </p:par>
+                  <p:par>
+                    <p:cTn id="23" fill="hold">
+                      <p:stCondLst>
+                        <p:cond delay="indefinite"/>
+                      </p:stCondLst>
+                      <p:childTnLst>
+                        <p:par>
+                          <p:cTn id="24" fill="hold">
+                            <p:stCondLst>
+                              <p:cond delay="0"/>
+                            </p:stCondLst>
+                            <p:childTnLst>
+                              <p:par>
+                                <p:cTn id="25" presetID="1" presetClass="entr" presetSubtype="0" fill="hold" nodeType="clickEffect">
+                                  <p:stCondLst>
+                                    <p:cond delay="0"/>
+                                  </p:stCondLst>
+                                  <p:childTnLst>
+                                    <p:set>
+                                      <p:cBhvr>
+                                        <p:cTn id="26" dur="1" fill="hold">
+                                          <p:stCondLst>
+                                            <p:cond delay="0"/>
+                                          </p:stCondLst>
+                                        </p:cTn>
+                                        <p:tgtEl>
+                                          <p:spTgt spid="2054"/>
+                                        </p:tgtEl>
+                                        <p:attrNameLst>
+                                          <p:attrName>style.visibility</p:attrName>
+                                        </p:attrNameLst>
+                                      </p:cBhvr>
+                                      <p:to>
+                                        <p:strVal val="visible"/>
+                                      </p:to>
+                                    </p:set>
+                                  </p:childTnLst>
+                                </p:cTn>
+                              </p:par>
+                            </p:childTnLst>
+                          </p:cTn>
+                        </p:par>
+                      </p:childTnLst>
+                    </p:cTn>
+                  </p:par>
+                  <p:par>
+                    <p:cTn id="27" fill="hold">
+                      <p:stCondLst>
+                        <p:cond delay="indefinite"/>
+                      </p:stCondLst>
+                      <p:childTnLst>
+                        <p:par>
+                          <p:cTn id="28" fill="hold">
+                            <p:stCondLst>
+                              <p:cond delay="0"/>
+                            </p:stCondLst>
+                            <p:childTnLst>
+                              <p:par>
+                                <p:cTn id="29" presetID="1" presetClass="entr" presetSubtype="0" fill="hold" nodeType="clickEffect">
+                                  <p:stCondLst>
+                                    <p:cond delay="0"/>
+                                  </p:stCondLst>
+                                  <p:childTnLst>
+                                    <p:set>
+                                      <p:cBhvr>
+                                        <p:cTn id="30" dur="1" fill="hold">
+                                          <p:stCondLst>
+                                            <p:cond delay="0"/>
+                                          </p:stCondLst>
+                                        </p:cTn>
+                                        <p:tgtEl>
+                                          <p:spTgt spid="3">
+                                            <p:txEl>
+                                              <p:pRg st="0" end="0"/>
+                                            </p:txEl>
+                                          </p:spTgt>
+                                        </p:tgtEl>
+                                        <p:attrNameLst>
+                                          <p:attrName>style.visibility</p:attrName>
+                                        </p:attrNameLst>
+                                      </p:cBhvr>
+                                      <p:to>
+                                        <p:strVal val="visible"/>
+                                      </p:to>
+                                    </p:set>
+                                  </p:childTnLst>
+                                </p:cTn>
+                              </p:par>
+                            </p:childTnLst>
+                          </p:cTn>
+                        </p:par>
+                      </p:childTnLst>
+                    </p:cTn>
+                  </p:par>
+                </p:childTnLst>
+              </p:cTn>
+              <p:prevCondLst>
+                <p:cond evt="onPrev" delay="0">
+                  <p:tgtEl>
+                    <p:sldTgt/>
+                  </p:tgtEl>
+                </p:cond>
+              </p:prevCondLst>
+              <p:nextCondLst>
+                <p:cond evt="onNext" delay="0">
+                  <p:tgtEl>
+                    <p:sldTgt/>
+                  </p:tgtEl>
+                </p:cond>
+              </p:nextCondLst>
+            </p:seq>
+          </p:childTnLst>
+        </p:cTn>
+      </p:par>
+    </p:tnLst>
+  </p:timing>
+</p:sld>
+</file>
+
+<file path=ppt/slides/slide6.xml><?xml version="1.0" encoding="utf-8"?>
+<p:sld xmlns:a="http://schemas.openxmlformats.org/drawingml/2006/main" xmlns:r="http://schemas.openxmlformats.org/officeDocument/2006/relationships" xmlns:p="http://schemas.openxmlformats.org/presentationml/2006/main">
+  <p:cSld>
+    <p:spTree>
+      <p:nvGrpSpPr>
+        <p:cNvPr id="1" name=""/>
+        <p:cNvGrpSpPr/>
+        <p:nvPr/>
+      </p:nvGrpSpPr>
+      <p:grpSpPr>
+        <a:xfrm>
+          <a:off x="0" y="0"/>
+          <a:ext cx="0" cy="0"/>
+          <a:chOff x="0" y="0"/>
+          <a:chExt cx="0" cy="0"/>
+        </a:xfrm>
+      </p:grpSpPr>
+      <p:sp>
+        <p:nvSpPr>
+          <p:cNvPr id="2" name="Title 1"/>
+          <p:cNvSpPr>
+            <a:spLocks noGrp="1"/>
+          </p:cNvSpPr>
+          <p:nvPr>
+            <p:ph type="title"/>
+          </p:nvPr>
+        </p:nvSpPr>
+        <p:spPr/>
+        <p:txBody>
+          <a:bodyPr/>
+          <a:lstStyle/>
+          <a:p>
+            <a:r>
+              <a:rPr lang="en-US" dirty="0" smtClean="0"/>
+              <a:t>Price Indicator – Simple Moving Average</a:t>
+            </a:r>
+            <a:r>
+              <a:rPr lang="zh-CN" altLang="en-US" dirty="0" smtClean="0"/>
+              <a:t>（</a:t>
+            </a:r>
+            <a:r>
+              <a:rPr lang="en-US" altLang="zh-CN" dirty="0" smtClean="0"/>
+              <a:t>SMA</a:t>
+            </a:r>
+            <a:r>
+              <a:rPr lang="zh-CN" altLang="en-US" dirty="0" smtClean="0"/>
+              <a:t>）</a:t>
+            </a:r>
+          </a:p>
+        </p:txBody>
+      </p:sp>
+      <p:sp>
+        <p:nvSpPr>
+          <p:cNvPr id="4" name="Content Placeholder 4"/>
+          <p:cNvSpPr>
+            <a:spLocks noGrp="1"/>
+          </p:cNvSpPr>
+          <p:nvPr>
+            <p:ph sz="half" idx="1"/>
+          </p:nvPr>
+        </p:nvSpPr>
+        <p:spPr>
+          <a:xfrm>
+            <a:off x="955982" y="2238360"/>
+            <a:ext cx="8039372" cy="3869690"/>
+          </a:xfrm>
+        </p:spPr>
+        <p:txBody>
+          <a:bodyPr>
+            <a:normAutofit/>
+          </a:bodyPr>
+          <a:lstStyle/>
+          <a:p>
+            <a:r>
+              <a:rPr lang="en-CA" altLang="en-US" b="1" dirty="0" err="1" smtClean="0"/>
+              <a:t>Matlab</a:t>
+            </a:r>
+            <a:r>
+              <a:rPr lang="en-CA" altLang="en-US" b="1" dirty="0" smtClean="0"/>
+              <a:t> Demo</a:t>
+            </a:r>
+          </a:p>
+          <a:p>
+            <a:pPr lvl="1"/>
+            <a:r>
+              <a:rPr lang="en-CA" altLang="en-US" sz="1800" b="1" dirty="0" smtClean="0"/>
+              <a:t>IBM 2015</a:t>
+            </a:r>
+          </a:p>
+          <a:p>
+            <a:r>
+              <a:rPr lang="en-CA" altLang="en-US" b="1" dirty="0" smtClean="0"/>
+              <a:t>Conclusion</a:t>
+            </a:r>
+          </a:p>
+          <a:p>
+            <a:pPr lvl="1"/>
+            <a:r>
+              <a:rPr lang="en-CA" altLang="en-US" sz="1800" dirty="0" smtClean="0"/>
+              <a:t>Simple Moving </a:t>
+            </a:r>
+            <a:r>
+              <a:rPr lang="en-CA" altLang="en-US" sz="1800" dirty="0"/>
+              <a:t>averages are trend following, </a:t>
+            </a:r>
+            <a:r>
+              <a:rPr lang="en-CA" altLang="en-US" sz="1800" dirty="0" smtClean="0"/>
+              <a:t>lagging</a:t>
+            </a:r>
+            <a:endParaRPr lang="en-CA" altLang="en-US" sz="1800" dirty="0"/>
+          </a:p>
+          <a:p>
+            <a:pPr lvl="1"/>
+            <a:r>
+              <a:rPr lang="en-CA" altLang="en-US" sz="1800" dirty="0" smtClean="0"/>
+              <a:t>Chartists </a:t>
+            </a:r>
+            <a:r>
+              <a:rPr lang="en-CA" altLang="en-US" sz="1800" dirty="0"/>
+              <a:t>can </a:t>
+            </a:r>
+            <a:r>
+              <a:rPr lang="en-CA" altLang="en-US" sz="1800" dirty="0" smtClean="0"/>
+              <a:t>use </a:t>
+            </a:r>
+            <a:r>
+              <a:rPr lang="en-CA" altLang="en-US" sz="1800" dirty="0"/>
+              <a:t>moving averages to define the overall trend and then use RSI to define overbought or oversold levels.</a:t>
+            </a:r>
+            <a:endParaRPr lang="en-CA" altLang="en-US" sz="1800" dirty="0"/>
+          </a:p>
+          <a:p>
+            <a:pPr lvl="1"/>
+            <a:endParaRPr lang="en-CA" altLang="en-US" b="1" dirty="0"/>
+          </a:p>
+          <a:p>
+            <a:pPr lvl="1"/>
+            <a:endParaRPr lang="en-CA" altLang="en-US" b="1" dirty="0"/>
+          </a:p>
+          <a:p>
+            <a:pPr marL="457200" lvl="1" indent="0">
+              <a:buNone/>
+            </a:pPr>
+            <a:endParaRPr lang="en-CA" altLang="en-US" b="1" dirty="0"/>
+          </a:p>
+          <a:p>
+            <a:pPr marL="457200" lvl="1" indent="0">
+              <a:buNone/>
+            </a:pPr>
+            <a:endParaRPr lang="en-CA" altLang="en-US" dirty="0"/>
+          </a:p>
+        </p:txBody>
+      </p:sp>
+    </p:spTree>
+    <p:extLst>
+      <p:ext uri="{BB962C8B-B14F-4D97-AF65-F5344CB8AC3E}">
+        <p14:creationId xmlns:p14="http://schemas.microsoft.com/office/powerpoint/2010/main" val="4052693942"/>
+      </p:ext>
+    </p:extLst>
+  </p:cSld>
+  <p:clrMapOvr>
+    <a:masterClrMapping/>
+  </p:clrMapOvr>
+  <p:timing>
+    <p:tnLst>
+      <p:par>
+        <p:cTn id="1" dur="indefinite" restart="never" nodeType="tmRoot">
+          <p:childTnLst>
+            <p:seq concurrent="1" nextAc="seek">
+              <p:cTn id="2" dur="indefinite" nodeType="mainSeq">
+                <p:childTnLst>
+                  <p:par>
+                    <p:cTn id="3" fill="hold">
+                      <p:stCondLst>
+                        <p:cond delay="indefinite"/>
+                      </p:stCondLst>
+                      <p:childTnLst>
+                        <p:par>
+                          <p:cTn id="4" fill="hold">
+                            <p:stCondLst>
+                              <p:cond delay="0"/>
+                            </p:stCondLst>
+                            <p:childTnLst>
+                              <p:par>
+                                <p:cTn id="5" presetID="1" presetClass="entr" presetSubtype="0" fill="hold" nodeType="clickEffect">
+                                  <p:stCondLst>
+                                    <p:cond delay="0"/>
+                                  </p:stCondLst>
+                                  <p:childTnLst>
+                                    <p:set>
+                                      <p:cBhvr>
+                                        <p:cTn id="6" dur="1" fill="hold">
+                                          <p:stCondLst>
+                                            <p:cond delay="0"/>
+                                          </p:stCondLst>
+                                        </p:cTn>
+                                        <p:tgtEl>
+                                          <p:spTgt spid="4">
+                                            <p:txEl>
+                                              <p:pRg st="0" end="0"/>
+                                            </p:txEl>
+                                          </p:spTgt>
+                                        </p:tgtEl>
+                                        <p:attrNameLst>
+                                          <p:attrName>style.visibility</p:attrName>
+                                        </p:attrNameLst>
+                                      </p:cBhvr>
+                                      <p:to>
+                                        <p:strVal val="visible"/>
+                                      </p:to>
+                                    </p:set>
+                                  </p:childTnLst>
+                                </p:cTn>
+                              </p:par>
+                              <p:par>
+                                <p:cTn id="7" presetID="1" presetClass="entr" presetSubtype="0" fill="hold" nodeType="withEffect">
+                                  <p:stCondLst>
+                                    <p:cond delay="0"/>
+                                  </p:stCondLst>
+                                  <p:childTnLst>
+                                    <p:set>
+                                      <p:cBhvr>
+                                        <p:cTn id="8" dur="1" fill="hold">
+                                          <p:stCondLst>
+                                            <p:cond delay="0"/>
+                                          </p:stCondLst>
+                                        </p:cTn>
+                                        <p:tgtEl>
+                                          <p:spTgt spid="4">
+                                            <p:txEl>
+                                              <p:pRg st="1" end="1"/>
+                                            </p:txEl>
+                                          </p:spTgt>
+                                        </p:tgtEl>
+                                        <p:attrNameLst>
+                                          <p:attrName>style.visibility</p:attrName>
+                                        </p:attrNameLst>
+                                      </p:cBhvr>
+                                      <p:to>
+                                        <p:strVal val="visible"/>
+                                      </p:to>
+                                    </p:set>
+                                  </p:childTnLst>
+                                </p:cTn>
+                              </p:par>
+                            </p:childTnLst>
+                          </p:cTn>
+                        </p:par>
+                      </p:childTnLst>
+                    </p:cTn>
+                  </p:par>
+                  <p:par>
+                    <p:cTn id="9" fill="hold">
+                      <p:stCondLst>
+                        <p:cond delay="indefinite"/>
+                      </p:stCondLst>
+                      <p:childTnLst>
+                        <p:par>
+                          <p:cTn id="10" fill="hold">
+                            <p:stCondLst>
+                              <p:cond delay="0"/>
+                            </p:stCondLst>
+                            <p:childTnLst>
+                              <p:par>
+                                <p:cTn id="11" presetID="1" presetClass="entr" presetSubtype="0" fill="hold" nodeType="clickEffect">
+                                  <p:stCondLst>
+                                    <p:cond delay="0"/>
+                                  </p:stCondLst>
+                                  <p:childTnLst>
+                                    <p:set>
+                                      <p:cBhvr>
+                                        <p:cTn id="12" dur="1" fill="hold">
+                                          <p:stCondLst>
+                                            <p:cond delay="0"/>
+                                          </p:stCondLst>
+                                        </p:cTn>
+                                        <p:tgtEl>
+                                          <p:spTgt spid="4">
+                                            <p:txEl>
+                                              <p:pRg st="2" end="2"/>
+                                            </p:txEl>
+                                          </p:spTgt>
+                                        </p:tgtEl>
+                                        <p:attrNameLst>
+                                          <p:attrName>style.visibility</p:attrName>
+                                        </p:attrNameLst>
+                                      </p:cBhvr>
+                                      <p:to>
+                                        <p:strVal val="visible"/>
+                                      </p:to>
+                                    </p:set>
+                                  </p:childTnLst>
+                                </p:cTn>
+                              </p:par>
+                            </p:childTnLst>
+                          </p:cTn>
+                        </p:par>
+                      </p:childTnLst>
+                    </p:cTn>
+                  </p:par>
+                  <p:par>
+                    <p:cTn id="13" fill="hold">
+                      <p:stCondLst>
+                        <p:cond delay="indefinite"/>
+                      </p:stCondLst>
+                      <p:childTnLst>
+                        <p:par>
+                          <p:cTn id="14" fill="hold">
+                            <p:stCondLst>
+                              <p:cond delay="0"/>
+                            </p:stCondLst>
+                            <p:childTnLst>
+                              <p:par>
+                                <p:cTn id="15" presetID="1" presetClass="entr" presetSubtype="0" fill="hold" nodeType="clickEffect">
+                                  <p:stCondLst>
+                                    <p:cond delay="0"/>
+                                  </p:stCondLst>
+                                  <p:childTnLst>
+                                    <p:set>
+                                      <p:cBhvr>
+                                        <p:cTn id="16" dur="1" fill="hold">
+                                          <p:stCondLst>
+                                            <p:cond delay="0"/>
+                                          </p:stCondLst>
+                                        </p:cTn>
+                                        <p:tgtEl>
+                                          <p:spTgt spid="4">
+                                            <p:txEl>
+                                              <p:pRg st="3" end="3"/>
+                                            </p:txEl>
+                                          </p:spTgt>
+                                        </p:tgtEl>
+                                        <p:attrNameLst>
+                                          <p:attrName>style.visibility</p:attrName>
+                                        </p:attrNameLst>
+                                      </p:cBhvr>
+                                      <p:to>
+                                        <p:strVal val="visible"/>
+                                      </p:to>
+                                    </p:set>
+                                  </p:childTnLst>
+                                </p:cTn>
+                              </p:par>
+                            </p:childTnLst>
+                          </p:cTn>
+                        </p:par>
+                      </p:childTnLst>
+                    </p:cTn>
+                  </p:par>
+                  <p:par>
+                    <p:cTn id="17" fill="hold">
+                      <p:stCondLst>
+                        <p:cond delay="indefinite"/>
+                      </p:stCondLst>
+                      <p:childTnLst>
+                        <p:par>
+                          <p:cTn id="18" fill="hold">
+                            <p:stCondLst>
+                              <p:cond delay="0"/>
+                            </p:stCondLst>
+                            <p:childTnLst>
+                              <p:par>
+                                <p:cTn id="19" presetID="1" presetClass="entr" presetSubtype="0" fill="hold" nodeType="clickEffect">
+                                  <p:stCondLst>
+                                    <p:cond delay="0"/>
+                                  </p:stCondLst>
+                                  <p:childTnLst>
+                                    <p:set>
+                                      <p:cBhvr>
+                                        <p:cTn id="20" dur="1" fill="hold">
+                                          <p:stCondLst>
+                                            <p:cond delay="0"/>
+                                          </p:stCondLst>
+                                        </p:cTn>
+                                        <p:tgtEl>
+                                          <p:spTgt spid="4">
+                                            <p:txEl>
+                                              <p:pRg st="4" end="4"/>
+                                            </p:txEl>
+                                          </p:spTgt>
+                                        </p:tgtEl>
+                                        <p:attrNameLst>
+                                          <p:attrName>style.visibility</p:attrName>
+                                        </p:attrNameLst>
+                                      </p:cBhvr>
+                                      <p:to>
+                                        <p:strVal val="visible"/>
+                                      </p:to>
+                                    </p:set>
+                                  </p:childTnLst>
+                                </p:cTn>
+                              </p:par>
+                            </p:childTnLst>
+                          </p:cTn>
+                        </p:par>
+                      </p:childTnLst>
+                    </p:cTn>
+                  </p:par>
+                </p:childTnLst>
+              </p:cTn>
+              <p:prevCondLst>
+                <p:cond evt="onPrev" delay="0">
+                  <p:tgtEl>
+                    <p:sldTgt/>
+                  </p:tgtEl>
+                </p:cond>
+              </p:prevCondLst>
+              <p:nextCondLst>
+                <p:cond evt="onNext" delay="0">
+                  <p:tgtEl>
+                    <p:sldTgt/>
+                  </p:tgtEl>
+                </p:cond>
+              </p:nextCondLst>
+            </p:seq>
+          </p:childTnLst>
+        </p:cTn>
+      </p:par>
+    </p:tnLst>
+  </p:timing>
+</p:sld>
+</file>
+
+<file path=ppt/slides/slide7.xml><?xml version="1.0" encoding="utf-8"?>
+<p:sld xmlns:a="http://schemas.openxmlformats.org/drawingml/2006/main" xmlns:r="http://schemas.openxmlformats.org/officeDocument/2006/relationships" xmlns:p="http://schemas.openxmlformats.org/presentationml/2006/main">
+  <p:cSld>
+    <p:spTree>
+      <p:nvGrpSpPr>
+        <p:cNvPr id="1" name=""/>
+        <p:cNvGrpSpPr/>
+        <p:nvPr/>
+      </p:nvGrpSpPr>
+      <p:grpSpPr>
+        <a:xfrm>
+          <a:off x="0" y="0"/>
+          <a:ext cx="0" cy="0"/>
+          <a:chOff x="0" y="0"/>
+          <a:chExt cx="0" cy="0"/>
+        </a:xfrm>
+      </p:grpSpPr>
+      <p:sp>
+        <p:nvSpPr>
+          <p:cNvPr id="2" name="Title 1"/>
+          <p:cNvSpPr>
+            <a:spLocks noGrp="1"/>
+          </p:cNvSpPr>
+          <p:nvPr>
+            <p:ph type="title"/>
+          </p:nvPr>
+        </p:nvSpPr>
+        <p:spPr/>
+        <p:txBody>
+          <a:bodyPr/>
+          <a:lstStyle/>
+          <a:p>
+            <a:r>
+              <a:rPr lang="en-US" dirty="0"/>
+              <a:t>Momentum Oscillators </a:t>
+            </a:r>
+            <a:r>
+              <a:rPr lang="mr-IN" dirty="0"/>
+              <a:t>–</a:t>
+            </a:r>
+            <a:r>
+              <a:rPr lang="en-US" dirty="0"/>
+              <a:t> Relative Strength Index </a:t>
+            </a:r>
+          </a:p>
+        </p:txBody>
+      </p:sp>
+      <p:sp>
+        <p:nvSpPr>
+          <p:cNvPr id="3" name="Content Placeholder 2"/>
+          <p:cNvSpPr>
+            <a:spLocks noGrp="1"/>
+          </p:cNvSpPr>
+          <p:nvPr>
+            <p:ph idx="1"/>
+          </p:nvPr>
+        </p:nvSpPr>
+        <p:spPr/>
+        <p:txBody>
+          <a:bodyPr/>
+          <a:lstStyle/>
+          <a:p>
+            <a:r>
+              <a:rPr lang="en-US" dirty="0"/>
+              <a:t>Ratio of total price increase to total price decrease over a selected number of periods</a:t>
+            </a:r>
+          </a:p>
+          <a:p>
+            <a:r>
+              <a:rPr lang="en-US" dirty="0"/>
+              <a:t>Oscillate from 0 ~ 100</a:t>
+            </a:r>
+          </a:p>
+          <a:p>
+            <a:r>
+              <a:rPr lang="en-US" dirty="0"/>
+              <a:t>&gt;70 : Overbought </a:t>
+            </a:r>
+            <a:r>
+              <a:rPr lang="mr-IN" dirty="0"/>
+              <a:t>–</a:t>
+            </a:r>
+            <a:r>
+              <a:rPr lang="en-US" dirty="0"/>
+              <a:t> price is too high, and it is likely to decrease </a:t>
+            </a:r>
+          </a:p>
+          <a:p>
+            <a:r>
+              <a:rPr lang="en-US" dirty="0"/>
+              <a:t>&lt;30: Oversold </a:t>
+            </a:r>
+            <a:r>
+              <a:rPr lang="mr-IN" dirty="0"/>
+              <a:t>–</a:t>
+            </a:r>
+            <a:r>
+              <a:rPr lang="en-US" dirty="0"/>
+              <a:t> price is too low, and it is likely to increase</a:t>
+            </a:r>
+          </a:p>
+          <a:p>
+            <a:endParaRPr lang="en-US" dirty="0"/>
+          </a:p>
+          <a:p>
+            <a:endParaRPr lang="en-US" dirty="0"/>
+          </a:p>
+        </p:txBody>
+      </p:sp>
+      <p:graphicFrame>
+        <p:nvGraphicFramePr>
+          <p:cNvPr id="4" name="Object 3"/>
+          <p:cNvGraphicFramePr>
+            <a:graphicFrameLocks noChangeAspect="1"/>
+          </p:cNvGraphicFramePr>
+          <p:nvPr>
+            <p:extLst>
+              <p:ext uri="{D42A27DB-BD31-4B8C-83A1-F6EECF244321}">
+                <p14:modId xmlns:p14="http://schemas.microsoft.com/office/powerpoint/2010/main" val="1078162832"/>
+              </p:ext>
+            </p:extLst>
+          </p:nvPr>
+        </p:nvGraphicFramePr>
+        <p:xfrm>
+          <a:off x="2174524" y="4222442"/>
+          <a:ext cx="5602288" cy="1411288"/>
+        </p:xfrm>
+        <a:graphic>
+          <a:graphicData uri="http://schemas.openxmlformats.org/presentationml/2006/ole">
+            <mc:AlternateContent xmlns:mc="http://schemas.openxmlformats.org/markup-compatibility/2006">
+              <mc:Choice xmlns:v="urn:schemas-microsoft-com:vml" Requires="v">
+                <p:oleObj spid="_x0000_s1050" name="Equation" r:id="rId4" imgW="3708360" imgH="914400" progId="">
+                  <p:embed/>
+                </p:oleObj>
+              </mc:Choice>
+              <mc:Fallback>
+                <p:oleObj name="Equation" r:id="rId4" imgW="3708360" imgH="914400" progId="">
+                  <p:embed/>
+                  <p:pic>
+                    <p:nvPicPr>
+                      <p:cNvPr id="0" name=""/>
+                      <p:cNvPicPr>
+                        <a:picLocks noChangeAspect="1" noChangeArrowheads="1"/>
+                      </p:cNvPicPr>
+                      <p:nvPr/>
+                    </p:nvPicPr>
+                    <p:blipFill>
+                      <a:blip r:embed="rId5">
+                        <a:extLst>
+                          <a:ext uri="{28A0092B-C50C-407E-A947-70E740481C1C}">
+                            <a14:useLocalDpi xmlns:a14="http://schemas.microsoft.com/office/drawing/2010/main" val="0"/>
+                          </a:ext>
+                        </a:extLst>
+                      </a:blip>
+                      <a:srcRect/>
+                      <a:stretch>
+                        <a:fillRect/>
+                      </a:stretch>
+                    </p:blipFill>
+                    <p:spPr bwMode="auto">
+                      <a:xfrm>
+                        <a:off x="2174524" y="4222442"/>
+                        <a:ext cx="5602288" cy="1411288"/>
+                      </a:xfrm>
+                      <a:prstGeom prst="rect">
+                        <a:avLst/>
+                      </a:prstGeom>
+                      <a:noFill/>
+                      <a:extLst>
+                        <a:ext uri="{909E8E84-426E-40dd-AFC4-6F175D3DCCD1}">
+                          <a14:hiddenFill xmlns="" xmlns:a14="http://schemas.microsoft.com/office/drawing/2010/main">
+                            <a:solidFill>
+                              <a:srgbClr val="FFFFFF"/>
+                            </a:solidFill>
+                          </a14:hiddenFill>
+                        </a:ext>
+                      </a:extLst>
+                    </p:spPr>
+                  </p:pic>
+                </p:oleObj>
+              </mc:Fallback>
+            </mc:AlternateContent>
+          </a:graphicData>
+        </a:graphic>
+      </p:graphicFrame>
+    </p:spTree>
+    <p:extLst>
+      <p:ext uri="{BB962C8B-B14F-4D97-AF65-F5344CB8AC3E}">
+        <p14:creationId xmlns:p14="http://schemas.microsoft.com/office/powerpoint/2010/main" val="1247168513"/>
+      </p:ext>
+    </p:extLst>
+  </p:cSld>
+  <p:clrMapOvr>
+    <a:masterClrMapping/>
+  </p:clrMapOvr>
+</p:sld>
+</file>
+
+<file path=ppt/slides/slide8.xml><?xml version="1.0" encoding="utf-8"?>
+<p:sld xmlns:a="http://schemas.openxmlformats.org/drawingml/2006/main" xmlns:r="http://schemas.openxmlformats.org/officeDocument/2006/relationships" xmlns:p="http://schemas.openxmlformats.org/presentationml/2006/main">
+  <p:cSld>
+    <p:spTree>
+      <p:nvGrpSpPr>
+        <p:cNvPr id="1" name=""/>
+        <p:cNvGrpSpPr/>
+        <p:nvPr/>
+      </p:nvGrpSpPr>
+      <p:grpSpPr>
+        <a:xfrm>
+          <a:off x="0" y="0"/>
+          <a:ext cx="0" cy="0"/>
+          <a:chOff x="0" y="0"/>
+          <a:chExt cx="0" cy="0"/>
+        </a:xfrm>
+      </p:grpSpPr>
+      <p:sp>
+        <p:nvSpPr>
+          <p:cNvPr id="2" name="Title 1"/>
+          <p:cNvSpPr>
+            <a:spLocks noGrp="1"/>
+          </p:cNvSpPr>
+          <p:nvPr>
+            <p:ph type="title"/>
+          </p:nvPr>
+        </p:nvSpPr>
+        <p:spPr/>
+        <p:txBody>
+          <a:bodyPr/>
+          <a:lstStyle/>
+          <a:p>
+            <a:r>
+              <a:rPr lang="en-US" dirty="0"/>
+              <a:t>Momentum Oscillators </a:t>
+            </a:r>
+            <a:r>
+              <a:rPr lang="mr-IN" dirty="0"/>
+              <a:t>–</a:t>
+            </a:r>
+            <a:r>
+              <a:rPr lang="en-US" dirty="0"/>
+              <a:t> Relative Strength Index </a:t>
+            </a:r>
+          </a:p>
+        </p:txBody>
+      </p:sp>
+      <p:pic>
+        <p:nvPicPr>
+          <p:cNvPr id="8" name="Content Placeholder 7"/>
+          <p:cNvPicPr>
+            <a:picLocks noGrp="1" noChangeAspect="1"/>
+          </p:cNvPicPr>
+          <p:nvPr>
+            <p:ph idx="1"/>
+          </p:nvPr>
+        </p:nvPicPr>
+        <p:blipFill>
+          <a:blip r:embed="rId2"/>
+          <a:stretch>
+            <a:fillRect/>
+          </a:stretch>
+        </p:blipFill>
+        <p:spPr>
+          <a:xfrm>
+            <a:off x="2108110" y="1930400"/>
+            <a:ext cx="7165892" cy="4818445"/>
+          </a:xfrm>
+        </p:spPr>
+      </p:pic>
+    </p:spTree>
+    <p:extLst>
+      <p:ext uri="{BB962C8B-B14F-4D97-AF65-F5344CB8AC3E}">
+        <p14:creationId xmlns:p14="http://schemas.microsoft.com/office/powerpoint/2010/main" val="631143382"/>
+      </p:ext>
+    </p:extLst>
+  </p:cSld>
+  <p:clrMapOvr>
+    <a:masterClrMapping/>
+  </p:clrMapOvr>
+</p:sld>
+</file>
+
+<file path=ppt/slides/slide9.xml><?xml version="1.0" encoding="utf-8"?>
+<p:sld xmlns:a="http://schemas.openxmlformats.org/drawingml/2006/main" xmlns:r="http://schemas.openxmlformats.org/officeDocument/2006/relationships" xmlns:p="http://schemas.openxmlformats.org/presentationml/2006/main">
+  <p:cSld>
+    <p:spTree>
+      <p:nvGrpSpPr>
+        <p:cNvPr id="1" name=""/>
+        <p:cNvGrpSpPr/>
+        <p:nvPr/>
+      </p:nvGrpSpPr>
+      <p:grpSpPr>
+        <a:xfrm>
+          <a:off x="0" y="0"/>
+          <a:ext cx="0" cy="0"/>
+          <a:chOff x="0" y="0"/>
+          <a:chExt cx="0" cy="0"/>
+        </a:xfrm>
+      </p:grpSpPr>
+      <p:sp>
+        <p:nvSpPr>
+          <p:cNvPr id="2" name="Title 1"/>
+          <p:cNvSpPr>
+            <a:spLocks noGrp="1"/>
+          </p:cNvSpPr>
+          <p:nvPr>
+            <p:ph type="title"/>
+          </p:nvPr>
+        </p:nvSpPr>
+        <p:spPr/>
+        <p:txBody>
+          <a:bodyPr/>
+          <a:lstStyle/>
+          <a:p>
+            <a:r>
+              <a:rPr lang="en-US" dirty="0"/>
+              <a:t>Single Stock Technical Analysis</a:t>
+            </a:r>
+            <a:endParaRPr lang="en-US" dirty="0">
+              <a:solidFill>
+                <a:srgbClr val="90C226"/>
+              </a:solidFill>
+              <a:latin typeface="Trebuchet MS"/>
+            </a:endParaRPr>
+          </a:p>
+        </p:txBody>
+      </p:sp>
+      <p:pic>
+        <p:nvPicPr>
+          <p:cNvPr id="7" name="Content Placeholder 6"/>
+          <p:cNvPicPr>
+            <a:picLocks noGrp="1" noChangeAspect="1"/>
+          </p:cNvPicPr>
+          <p:nvPr>
+            <p:ph idx="1"/>
+          </p:nvPr>
+        </p:nvPicPr>
+        <p:blipFill>
+          <a:blip r:embed="rId3"/>
+          <a:stretch>
+            <a:fillRect/>
+          </a:stretch>
+        </p:blipFill>
+        <p:spPr>
+          <a:xfrm>
+            <a:off x="1806503" y="1270000"/>
+            <a:ext cx="7038239" cy="5278680"/>
+          </a:xfrm>
+        </p:spPr>
+      </p:pic>
+    </p:spTree>
+    <p:extLst>
+      <p:ext uri="{BB962C8B-B14F-4D97-AF65-F5344CB8AC3E}">
+        <p14:creationId xmlns:p14="http://schemas.microsoft.com/office/powerpoint/2010/main" val="2414492735"/>
       </p:ext>
     </p:extLst>
   </p:cSld>

--- a/Technical Analysis-comparison.pptx
+++ b/Technical Analysis-comparison.pptx
@@ -123,7 +123,7 @@
   </p:defaultTextStyle>
   <p:extLst>
     <p:ext uri="{EFAFB233-063F-42B5-8137-9DF3F51BA10A}">
-      <p15:sldGuideLst xmlns:p15="http://schemas.microsoft.com/office/powerpoint/2012/main">
+      <p15:sldGuideLst xmlns:p15="http://schemas.microsoft.com/office/powerpoint/2012/main" xmlns="">
         <p15:guide id="1" orient="horz" pos="2160">
           <p15:clr>
             <a:srgbClr val="A4A3A4"/>
@@ -222,7 +222,7 @@
           <a:p>
             <a:fld id="{F4C5F61B-2629-4711-AA38-264E458EB4B6}" type="datetimeFigureOut">
               <a:rPr lang="en-US"/>
-              <a:t>2/7/2017</a:t>
+              <a:t>17-02-07</a:t>
             </a:fld>
             <a:endParaRPr lang="en-US" dirty="0"/>
           </a:p>
@@ -2051,7 +2051,7 @@
             <a:fld id="{B61BEF0D-F0BB-DE4B-95CE-6DB70DBA9567}" type="datetimeFigureOut">
               <a:rPr lang="en-US"/>
               <a:pPr/>
-              <a:t>2/7/2017</a:t>
+              <a:t>17-02-07</a:t>
             </a:fld>
             <a:endParaRPr lang="en-US" dirty="0"/>
           </a:p>
@@ -2298,7 +2298,7 @@
             <a:fld id="{B61BEF0D-F0BB-DE4B-95CE-6DB70DBA9567}" type="datetimeFigureOut">
               <a:rPr lang="en-US"/>
               <a:pPr/>
-              <a:t>2/7/2017</a:t>
+              <a:t>17-02-07</a:t>
             </a:fld>
             <a:endParaRPr lang="en-US" dirty="0"/>
           </a:p>
@@ -2608,7 +2608,7 @@
             <a:fld id="{B61BEF0D-F0BB-DE4B-95CE-6DB70DBA9567}" type="datetimeFigureOut">
               <a:rPr lang="en-US"/>
               <a:pPr/>
-              <a:t>2/7/2017</a:t>
+              <a:t>17-02-07</a:t>
             </a:fld>
             <a:endParaRPr lang="en-US" dirty="0"/>
           </a:p>
@@ -2945,7 +2945,7 @@
             <a:fld id="{B61BEF0D-F0BB-DE4B-95CE-6DB70DBA9567}" type="datetimeFigureOut">
               <a:rPr lang="en-US"/>
               <a:pPr/>
-              <a:t>2/7/2017</a:t>
+              <a:t>17-02-07</a:t>
             </a:fld>
             <a:endParaRPr lang="en-US" dirty="0"/>
           </a:p>
@@ -3255,7 +3255,7 @@
             <a:fld id="{B61BEF0D-F0BB-DE4B-95CE-6DB70DBA9567}" type="datetimeFigureOut">
               <a:rPr lang="en-US"/>
               <a:pPr/>
-              <a:t>2/7/2017</a:t>
+              <a:t>17-02-07</a:t>
             </a:fld>
             <a:endParaRPr lang="en-US" dirty="0"/>
           </a:p>
@@ -3644,7 +3644,7 @@
             <a:fld id="{B61BEF0D-F0BB-DE4B-95CE-6DB70DBA9567}" type="datetimeFigureOut">
               <a:rPr lang="en-US"/>
               <a:pPr/>
-              <a:t>2/7/2017</a:t>
+              <a:t>17-02-07</a:t>
             </a:fld>
             <a:endParaRPr lang="en-US" dirty="0"/>
           </a:p>
@@ -3808,7 +3808,7 @@
           <a:p>
             <a:fld id="{55C6B4A9-1611-4792-9094-5F34BCA07E0B}" type="datetimeFigureOut">
               <a:rPr lang="en-US"/>
-              <a:t>2/7/2017</a:t>
+              <a:t>17-02-07</a:t>
             </a:fld>
             <a:endParaRPr lang="en-US" dirty="0"/>
           </a:p>
@@ -3982,7 +3982,7 @@
             <a:fld id="{B61BEF0D-F0BB-DE4B-95CE-6DB70DBA9567}" type="datetimeFigureOut">
               <a:rPr lang="en-US"/>
               <a:pPr/>
-              <a:t>2/7/2017</a:t>
+              <a:t>17-02-07</a:t>
             </a:fld>
             <a:endParaRPr lang="en-US" dirty="0"/>
           </a:p>
@@ -4153,7 +4153,7 @@
             <a:fld id="{B61BEF0D-F0BB-DE4B-95CE-6DB70DBA9567}" type="datetimeFigureOut">
               <a:rPr lang="en-US"/>
               <a:pPr/>
-              <a:t>2/7/2017</a:t>
+              <a:t>17-02-07</a:t>
             </a:fld>
             <a:endParaRPr lang="en-US" dirty="0"/>
           </a:p>
@@ -4396,7 +4396,7 @@
             <a:fld id="{B61BEF0D-F0BB-DE4B-95CE-6DB70DBA9567}" type="datetimeFigureOut">
               <a:rPr lang="en-US"/>
               <a:pPr/>
-              <a:t>2/7/2017</a:t>
+              <a:t>17-02-07</a:t>
             </a:fld>
             <a:endParaRPr lang="en-US" dirty="0"/>
           </a:p>
@@ -4621,7 +4621,7 @@
           <a:p>
             <a:fld id="{EB712588-04B1-427B-82EE-E8DB90309F08}" type="datetimeFigureOut">
               <a:rPr lang="en-US"/>
-              <a:t>2/7/2017</a:t>
+              <a:t>17-02-07</a:t>
             </a:fld>
             <a:endParaRPr lang="en-US" dirty="0"/>
           </a:p>
@@ -4988,7 +4988,7 @@
             <a:fld id="{B61BEF0D-F0BB-DE4B-95CE-6DB70DBA9567}" type="datetimeFigureOut">
               <a:rPr lang="en-US"/>
               <a:pPr/>
-              <a:t>2/7/2017</a:t>
+              <a:t>17-02-07</a:t>
             </a:fld>
             <a:endParaRPr lang="en-US" dirty="0"/>
           </a:p>
@@ -5107,7 +5107,7 @@
             <a:fld id="{B61BEF0D-F0BB-DE4B-95CE-6DB70DBA9567}" type="datetimeFigureOut">
               <a:rPr lang="en-US"/>
               <a:pPr/>
-              <a:t>2/7/2017</a:t>
+              <a:t>17-02-07</a:t>
             </a:fld>
             <a:endParaRPr lang="en-US" dirty="0"/>
           </a:p>
@@ -5199,7 +5199,7 @@
             <a:fld id="{B61BEF0D-F0BB-DE4B-95CE-6DB70DBA9567}" type="datetimeFigureOut">
               <a:rPr lang="en-US"/>
               <a:pPr/>
-              <a:t>2/7/2017</a:t>
+              <a:t>17-02-07</a:t>
             </a:fld>
             <a:endParaRPr lang="en-US" dirty="0"/>
           </a:p>
@@ -5448,7 +5448,7 @@
           <a:p>
             <a:fld id="{42A54C80-263E-416B-A8E0-580EDEADCBDC}" type="datetimeFigureOut">
               <a:rPr lang="en-US"/>
-              <a:t>2/7/2017</a:t>
+              <a:t>17-02-07</a:t>
             </a:fld>
             <a:endParaRPr lang="en-US" dirty="0"/>
           </a:p>
@@ -5705,7 +5705,7 @@
             <a:fld id="{B61BEF0D-F0BB-DE4B-95CE-6DB70DBA9567}" type="datetimeFigureOut">
               <a:rPr lang="en-US"/>
               <a:pPr/>
-              <a:t>2/7/2017</a:t>
+              <a:t>17-02-07</a:t>
             </a:fld>
             <a:endParaRPr lang="en-US" dirty="0"/>
           </a:p>
@@ -6443,7 +6443,7 @@
             <a:fld id="{B61BEF0D-F0BB-DE4B-95CE-6DB70DBA9567}" type="datetimeFigureOut">
               <a:rPr lang="en-US"/>
               <a:pPr/>
-              <a:t>2/7/2017</a:t>
+              <a:t>17-02-07</a:t>
             </a:fld>
             <a:endParaRPr lang="en-US" dirty="0"/>
           </a:p>
@@ -7082,7 +7082,7 @@
                   <a:buNone/>
                 </a:pPr>
                 <a14:m>
-                  <m:oMathPara xmlns:m="http://schemas.openxmlformats.org/officeDocument/2006/math">
+                  <m:oMathPara xmlns:m="http://schemas.openxmlformats.org/officeDocument/2006/math" xmlns="">
                     <m:oMathParaPr>
                       <m:jc m:val="centerGroup"/>
                     </m:oMathParaPr>
@@ -7148,7 +7148,7 @@
                   <a:t> 	</a:t>
                 </a:r>
                 <a14:m>
-                  <m:oMath xmlns:m="http://schemas.openxmlformats.org/officeDocument/2006/math">
+                  <m:oMath xmlns:m="http://schemas.openxmlformats.org/officeDocument/2006/math" xmlns="">
                     <m:sSup>
                       <m:sSupPr>
                         <m:ctrlPr>
@@ -7199,7 +7199,7 @@
                   <a:t>	</a:t>
                 </a:r>
                 <a14:m>
-                  <m:oMath xmlns:m="http://schemas.openxmlformats.org/officeDocument/2006/math">
+                  <m:oMath xmlns:m="http://schemas.openxmlformats.org/officeDocument/2006/math" xmlns="">
                     <m:r>
                       <a:rPr lang="en-CA" sz="3600" b="0" i="1" smtClean="0">
                         <a:latin typeface="Cambria Math" panose="02040503050406030204" pitchFamily="18" charset="0"/>
@@ -7344,14 +7344,35 @@
             <p:ph type="title"/>
           </p:nvPr>
         </p:nvSpPr>
-        <p:spPr/>
+        <p:spPr>
+          <a:xfrm>
+            <a:off x="619608" y="609600"/>
+            <a:ext cx="9932940" cy="1320800"/>
+          </a:xfrm>
+        </p:spPr>
         <p:txBody>
           <a:bodyPr/>
           <a:lstStyle/>
           <a:p>
             <a:r>
+              <a:rPr lang="en-US" altLang="zh-CN" dirty="0" smtClean="0"/>
+              <a:t>Fundamental Analysis VS</a:t>
+            </a:r>
+            <a:r>
+              <a:rPr lang="en-US" dirty="0" smtClean="0"/>
+              <a:t> </a:t>
+            </a:r>
+            <a:r>
+              <a:rPr lang="en-US" altLang="zh-CN" dirty="0" smtClean="0"/>
+              <a:t>Technical </a:t>
+            </a:r>
+            <a:r>
+              <a:rPr lang="en-US" dirty="0" smtClean="0"/>
+              <a:t> </a:t>
+            </a:r>
+            <a:r>
               <a:rPr lang="en-US" dirty="0"/>
-              <a:t>Comparison with Fundamental Analysis </a:t>
+              <a:t>Analysis </a:t>
             </a:r>
           </a:p>
         </p:txBody>
@@ -7366,14 +7387,14 @@
             <p:ph idx="1"/>
             <p:extLst>
               <p:ext uri="{D42A27DB-BD31-4B8C-83A1-F6EECF244321}">
-                <p14:modId xmlns:p14="http://schemas.microsoft.com/office/powerpoint/2010/main" val="280881277"/>
+                <p14:modId xmlns:p14="http://schemas.microsoft.com/office/powerpoint/2010/main" val="4074706501"/>
               </p:ext>
             </p:extLst>
           </p:nvPr>
         </p:nvGraphicFramePr>
         <p:xfrm>
           <a:off x="723549" y="1563688"/>
-          <a:ext cx="8504238" cy="5034280"/>
+          <a:ext cx="8504238" cy="5034279"/>
         </p:xfrm>
         <a:graphic>
           <a:graphicData uri="http://schemas.openxmlformats.org/drawingml/2006/table">
@@ -7385,21 +7406,21 @@
                 <a:gridCol w="1473551">
                   <a:extLst>
                     <a:ext uri="{9D8B030D-6E8A-4147-A177-3AD203B41FA5}">
-                      <a16:colId xmlns:a16="http://schemas.microsoft.com/office/drawing/2014/main" val="20000"/>
+                      <a16:colId xmlns:a16="http://schemas.microsoft.com/office/drawing/2014/main" xmlns="" val="20000"/>
                     </a:ext>
                   </a:extLst>
                 </a:gridCol>
                 <a:gridCol w="3614386">
                   <a:extLst>
                     <a:ext uri="{9D8B030D-6E8A-4147-A177-3AD203B41FA5}">
-                      <a16:colId xmlns:a16="http://schemas.microsoft.com/office/drawing/2014/main" val="20001"/>
+                      <a16:colId xmlns:a16="http://schemas.microsoft.com/office/drawing/2014/main" xmlns="" val="20001"/>
                     </a:ext>
                   </a:extLst>
                 </a:gridCol>
                 <a:gridCol w="3416301">
                   <a:extLst>
                     <a:ext uri="{9D8B030D-6E8A-4147-A177-3AD203B41FA5}">
-                      <a16:colId xmlns:a16="http://schemas.microsoft.com/office/drawing/2014/main" val="20002"/>
+                      <a16:colId xmlns:a16="http://schemas.microsoft.com/office/drawing/2014/main" xmlns="" val="20002"/>
                     </a:ext>
                   </a:extLst>
                 </a:gridCol>
@@ -7443,7 +7464,7 @@
                 </a:tc>
                 <a:extLst>
                   <a:ext uri="{0D108BD9-81ED-4DB2-BD59-A6C34878D82A}">
-                    <a16:rowId xmlns:a16="http://schemas.microsoft.com/office/drawing/2014/main" val="10000"/>
+                    <a16:rowId xmlns:a16="http://schemas.microsoft.com/office/drawing/2014/main" xmlns="" val="10000"/>
                   </a:ext>
                 </a:extLst>
               </a:tr>
@@ -7467,12 +7488,20 @@
                     <a:lstStyle/>
                     <a:p>
                       <a:r>
-                        <a:rPr lang="en-US" dirty="0"/>
-                        <a:t>Intrinsic</a:t>
+                        <a:rPr lang="en-US" dirty="0" smtClean="0"/>
+                        <a:t>Intrinsic </a:t>
+                      </a:r>
+                      <a:r>
+                        <a:rPr lang="en-US" dirty="0" smtClean="0"/>
+                        <a:t>(long-term)</a:t>
+                      </a:r>
+                      <a:r>
+                        <a:rPr lang="en-US" baseline="0" dirty="0" smtClean="0"/>
+                        <a:t> </a:t>
                       </a:r>
                       <a:r>
                         <a:rPr lang="en-US" baseline="0" dirty="0"/>
-                        <a:t> value of an asset</a:t>
+                        <a:t>value of an asset</a:t>
                       </a:r>
                       <a:endParaRPr lang="en-US" dirty="0"/>
                     </a:p>
@@ -7499,7 +7528,7 @@
                 </a:tc>
                 <a:extLst>
                   <a:ext uri="{0D108BD9-81ED-4DB2-BD59-A6C34878D82A}">
-                    <a16:rowId xmlns:a16="http://schemas.microsoft.com/office/drawing/2014/main" val="10001"/>
+                    <a16:rowId xmlns:a16="http://schemas.microsoft.com/office/drawing/2014/main" xmlns="" val="10001"/>
                   </a:ext>
                 </a:extLst>
               </a:tr>
@@ -7523,8 +7552,20 @@
                     <a:lstStyle/>
                     <a:p>
                       <a:r>
+                        <a:rPr lang="en-US" dirty="0" smtClean="0"/>
+                        <a:t>Financial</a:t>
+                      </a:r>
+                      <a:r>
+                        <a:rPr lang="en-US" baseline="0" dirty="0" smtClean="0"/>
+                        <a:t> </a:t>
+                      </a:r>
+                      <a:r>
+                        <a:rPr lang="en-US" dirty="0" smtClean="0"/>
+                        <a:t>reports</a:t>
+                      </a:r>
+                      <a:r>
                         <a:rPr lang="en-US" dirty="0"/>
-                        <a:t>Economic reports,</a:t>
+                        <a:t>,</a:t>
                       </a:r>
                       <a:r>
                         <a:rPr lang="en-US" baseline="0" dirty="0"/>
@@ -7549,12 +7590,20 @@
                         <a:t> </a:t>
                       </a:r>
                       <a:r>
-                        <a:rPr lang="en-US" altLang="zh-CN" dirty="0"/>
+                        <a:rPr lang="en-US" altLang="zh-CN" dirty="0" smtClean="0"/>
                         <a:t>price</a:t>
                       </a:r>
                       <a:r>
-                        <a:rPr lang="zh-CN" altLang="en-US" dirty="0"/>
-                        <a:t>, </a:t>
+                        <a:rPr lang="en-US" altLang="zh-CN" baseline="0" dirty="0"/>
+                        <a:t> </a:t>
+                      </a:r>
+                      <a:r>
+                        <a:rPr lang="en-US" altLang="zh-CN" baseline="0" dirty="0" smtClean="0"/>
+                        <a:t>&amp;</a:t>
+                      </a:r>
+                      <a:r>
+                        <a:rPr lang="zh-CN" altLang="en-US" dirty="0" smtClean="0"/>
+                        <a:t> </a:t>
                       </a:r>
                       <a:r>
                         <a:rPr lang="en-US" altLang="zh-CN" dirty="0"/>
@@ -7575,7 +7624,7 @@
                 </a:tc>
                 <a:extLst>
                   <a:ext uri="{0D108BD9-81ED-4DB2-BD59-A6C34878D82A}">
-                    <a16:rowId xmlns:a16="http://schemas.microsoft.com/office/drawing/2014/main" val="10002"/>
+                    <a16:rowId xmlns:a16="http://schemas.microsoft.com/office/drawing/2014/main" xmlns="" val="10002"/>
                   </a:ext>
                 </a:extLst>
               </a:tr>
@@ -7645,7 +7694,7 @@
                 </a:tc>
                 <a:extLst>
                   <a:ext uri="{0D108BD9-81ED-4DB2-BD59-A6C34878D82A}">
-                    <a16:rowId xmlns:a16="http://schemas.microsoft.com/office/drawing/2014/main" val="10003"/>
+                    <a16:rowId xmlns:a16="http://schemas.microsoft.com/office/drawing/2014/main" xmlns="" val="10003"/>
                   </a:ext>
                 </a:extLst>
               </a:tr>
@@ -7691,7 +7740,7 @@
                 </a:tc>
                 <a:extLst>
                   <a:ext uri="{0D108BD9-81ED-4DB2-BD59-A6C34878D82A}">
-                    <a16:rowId xmlns:a16="http://schemas.microsoft.com/office/drawing/2014/main" val="10004"/>
+                    <a16:rowId xmlns:a16="http://schemas.microsoft.com/office/drawing/2014/main" xmlns="" val="10004"/>
                   </a:ext>
                 </a:extLst>
               </a:tr>
@@ -7747,7 +7796,7 @@
                 </a:tc>
                 <a:extLst>
                   <a:ext uri="{0D108BD9-81ED-4DB2-BD59-A6C34878D82A}">
-                    <a16:rowId xmlns:a16="http://schemas.microsoft.com/office/drawing/2014/main" val="10005"/>
+                    <a16:rowId xmlns:a16="http://schemas.microsoft.com/office/drawing/2014/main" xmlns="" val="10005"/>
                   </a:ext>
                 </a:extLst>
               </a:tr>
@@ -7809,7 +7858,7 @@
                 </a:tc>
                 <a:extLst>
                   <a:ext uri="{0D108BD9-81ED-4DB2-BD59-A6C34878D82A}">
-                    <a16:rowId xmlns:a16="http://schemas.microsoft.com/office/drawing/2014/main" val="10006"/>
+                    <a16:rowId xmlns:a16="http://schemas.microsoft.com/office/drawing/2014/main" xmlns="" val="10006"/>
                   </a:ext>
                 </a:extLst>
               </a:tr>
@@ -7881,7 +7930,7 @@
         </p:nvSpPr>
         <p:spPr>
           <a:xfrm>
-            <a:off x="728131" y="1872720"/>
+            <a:off x="728131" y="1688000"/>
             <a:ext cx="8805336" cy="3880773"/>
           </a:xfrm>
         </p:spPr>
@@ -7893,207 +7942,457 @@
           <a:p>
             <a:pPr>
               <a:lnSpc>
-                <a:spcPct val="90000"/>
+                <a:spcPct val="80000"/>
               </a:lnSpc>
             </a:pPr>
             <a:r>
-              <a:rPr lang="en-US" dirty="0"/>
+              <a:rPr lang="en-US" sz="2000" dirty="0"/>
               <a:t>Technical</a:t>
             </a:r>
             <a:r>
-              <a:rPr lang="zh-CN" altLang="en-US" dirty="0"/>
+              <a:rPr lang="zh-CN" altLang="en-US" sz="2000" dirty="0"/>
               <a:t> </a:t>
             </a:r>
             <a:r>
-              <a:rPr lang="en-US" altLang="zh-CN" dirty="0"/>
+              <a:rPr lang="en-US" altLang="zh-CN" sz="2000" dirty="0"/>
               <a:t>Analysis</a:t>
             </a:r>
             <a:r>
-              <a:rPr lang="zh-CN" altLang="en-US" dirty="0"/>
+              <a:rPr lang="zh-CN" altLang="en-US" sz="2000" dirty="0"/>
               <a:t> </a:t>
             </a:r>
             <a:r>
-              <a:rPr lang="en-US" altLang="zh-CN" dirty="0"/>
+              <a:rPr lang="en-US" altLang="zh-CN" sz="1600" dirty="0"/>
               <a:t>only</a:t>
             </a:r>
             <a:r>
-              <a:rPr lang="zh-CN" altLang="en-US" dirty="0"/>
+              <a:rPr lang="zh-CN" altLang="en-US" sz="1600" dirty="0"/>
               <a:t> </a:t>
             </a:r>
             <a:r>
-              <a:rPr lang="en-US" altLang="zh-CN" dirty="0"/>
+              <a:rPr lang="en-US" altLang="zh-CN" sz="1600" dirty="0"/>
               <a:t>u</a:t>
             </a:r>
             <a:r>
-              <a:rPr lang="en-US" dirty="0"/>
+              <a:rPr lang="en-US" sz="1600" dirty="0"/>
               <a:t>se</a:t>
             </a:r>
             <a:r>
-              <a:rPr lang="en-US" altLang="zh-CN" dirty="0"/>
+              <a:rPr lang="en-US" altLang="zh-CN" sz="1600" dirty="0"/>
               <a:t>s</a:t>
             </a:r>
             <a:r>
-              <a:rPr lang="en-US" dirty="0"/>
-              <a:t> trading volume and share prices to project a target price</a:t>
-            </a:r>
-            <a:r>
-              <a:rPr lang="zh-CN" altLang="zh-CN" dirty="0"/>
-              <a:t>,</a:t>
-            </a:r>
-            <a:r>
-              <a:rPr lang="zh-CN" altLang="en-US" dirty="0"/>
+              <a:rPr lang="en-US" sz="1600" dirty="0"/>
               <a:t> </a:t>
             </a:r>
             <a:r>
-              <a:rPr lang="en-US" altLang="zh-CN" dirty="0"/>
-              <a:t>not</a:t>
-            </a:r>
-            <a:r>
-              <a:rPr lang="zh-CN" altLang="en-US" dirty="0"/>
+              <a:rPr lang="en-US" sz="1600" u="sng" dirty="0"/>
+              <a:t>trading volume</a:t>
+            </a:r>
+            <a:r>
+              <a:rPr lang="en-US" sz="1600" dirty="0"/>
+              <a:t> and </a:t>
+            </a:r>
+            <a:r>
+              <a:rPr lang="en-US" sz="1600" u="sng" dirty="0"/>
+              <a:t>share </a:t>
+            </a:r>
+            <a:r>
+              <a:rPr lang="en-US" sz="1600" u="sng" dirty="0" smtClean="0"/>
+              <a:t>prices</a:t>
+            </a:r>
+            <a:r>
+              <a:rPr lang="zh-CN" altLang="en-US" sz="1600" dirty="0" smtClean="0"/>
               <a:t> </a:t>
             </a:r>
-            <a:r>
-              <a:rPr lang="en-US" dirty="0"/>
-              <a:t>concerned with trader's reason for trading, but only that the trades have occurred. </a:t>
-            </a:r>
+            <a:endParaRPr lang="en-US" altLang="zh-CN" sz="1600" dirty="0" smtClean="0"/>
           </a:p>
           <a:p>
             <a:pPr>
               <a:lnSpc>
-                <a:spcPct val="90000"/>
+                <a:spcPct val="80000"/>
+              </a:lnSpc>
+              <a:buFont typeface="Wingdings" charset="0"/>
+              <a:buChar char=" "/>
+            </a:pPr>
+            <a:r>
+              <a:rPr lang="zh-CN" altLang="en-US" sz="1600" dirty="0" smtClean="0">
+                <a:latin typeface="Wingdings"/>
+                <a:ea typeface="Wingdings"/>
+                <a:cs typeface="Wingdings"/>
+                <a:sym typeface="Wingdings"/>
+              </a:rPr>
+              <a:t></a:t>
+            </a:r>
+            <a:r>
+              <a:rPr lang="en-US" altLang="zh-CN" sz="1600" dirty="0" smtClean="0">
+                <a:sym typeface="Wingdings"/>
+              </a:rPr>
+              <a:t> </a:t>
+            </a:r>
+            <a:r>
+              <a:rPr lang="en-US" altLang="zh-CN" sz="1400" dirty="0" smtClean="0"/>
+              <a:t>not</a:t>
+            </a:r>
+            <a:r>
+              <a:rPr lang="zh-CN" altLang="en-US" sz="1400" dirty="0" smtClean="0"/>
+              <a:t> </a:t>
+            </a:r>
+            <a:r>
+              <a:rPr lang="en-US" sz="1400" dirty="0"/>
+              <a:t>concerned with trader's reason for trading</a:t>
+            </a:r>
+            <a:r>
+              <a:rPr lang="en-US" sz="1400" dirty="0" smtClean="0"/>
+              <a:t>,</a:t>
+            </a:r>
+          </a:p>
+          <a:p>
+            <a:pPr>
+              <a:lnSpc>
+                <a:spcPct val="80000"/>
+              </a:lnSpc>
+              <a:buFont typeface="Wingdings" charset="0"/>
+              <a:buChar char=" "/>
+            </a:pPr>
+            <a:r>
+              <a:rPr lang="en-US" sz="1400" dirty="0"/>
+              <a:t> </a:t>
+            </a:r>
+            <a:r>
+              <a:rPr lang="en-US" sz="1400" dirty="0" smtClean="0"/>
+              <a:t>  </a:t>
+            </a:r>
+            <a:r>
+              <a:rPr lang="en-US" sz="1400" dirty="0" smtClean="0"/>
+              <a:t>  but </a:t>
+            </a:r>
+            <a:r>
+              <a:rPr lang="en-US" sz="1400" dirty="0"/>
+              <a:t>only </a:t>
+            </a:r>
+            <a:r>
+              <a:rPr lang="en-US" sz="1400" dirty="0" smtClean="0"/>
+              <a:t>the trades that have </a:t>
+            </a:r>
+            <a:r>
+              <a:rPr lang="en-US" sz="1400" dirty="0"/>
+              <a:t>occurred</a:t>
+            </a:r>
+            <a:r>
+              <a:rPr lang="en-US" sz="1600" dirty="0"/>
+              <a:t>. </a:t>
+            </a:r>
+          </a:p>
+          <a:p>
+            <a:pPr>
+              <a:lnSpc>
+                <a:spcPct val="80000"/>
               </a:lnSpc>
             </a:pPr>
-            <a:endParaRPr lang="en-US" dirty="0"/>
+            <a:endParaRPr lang="en-US" sz="1600" dirty="0"/>
           </a:p>
           <a:p>
             <a:pPr>
               <a:lnSpc>
-                <a:spcPct val="90000"/>
+                <a:spcPct val="80000"/>
               </a:lnSpc>
             </a:pPr>
             <a:r>
-              <a:rPr lang="en-US" dirty="0"/>
-              <a:t>Advantage of technical:</a:t>
-            </a:r>
+              <a:rPr lang="en-US" sz="1600" dirty="0" smtClean="0"/>
+              <a:t>Advantage:</a:t>
+            </a:r>
+            <a:endParaRPr lang="en-US" sz="1600" dirty="0"/>
           </a:p>
           <a:p>
             <a:pPr lvl="1">
               <a:lnSpc>
-                <a:spcPct val="90000"/>
+                <a:spcPct val="80000"/>
               </a:lnSpc>
             </a:pPr>
             <a:r>
-              <a:rPr lang="en-US" altLang="zh-CN" dirty="0"/>
-              <a:t>A</a:t>
-            </a:r>
-            <a:r>
-              <a:rPr lang="en-US" dirty="0"/>
-              <a:t>ctual price and volume data is observable whereas fundamental is subject to assumptions or restatements, and may not be available for all assets (i.e.. currency &amp; commodities)- </a:t>
-            </a:r>
+              <a:rPr lang="en-US" altLang="zh-CN" sz="1400" dirty="0" smtClean="0"/>
+              <a:t>The data used (a</a:t>
+            </a:r>
+            <a:r>
+              <a:rPr lang="en-US" sz="1400" dirty="0" smtClean="0"/>
+              <a:t>ctual </a:t>
+            </a:r>
+            <a:r>
+              <a:rPr lang="en-US" sz="1400" dirty="0"/>
+              <a:t>price </a:t>
+            </a:r>
+            <a:r>
+              <a:rPr lang="en-US" sz="1400" dirty="0" smtClean="0"/>
+              <a:t>&amp; volume) is </a:t>
+            </a:r>
+            <a:r>
+              <a:rPr lang="en-US" sz="1400" u="sng" dirty="0" smtClean="0"/>
+              <a:t>observable</a:t>
+            </a:r>
+            <a:r>
+              <a:rPr lang="en-US" sz="1400" dirty="0" smtClean="0"/>
+              <a:t>, </a:t>
+            </a:r>
+          </a:p>
+          <a:p>
+            <a:pPr marL="457200" lvl="1" indent="0">
+              <a:lnSpc>
+                <a:spcPct val="80000"/>
+              </a:lnSpc>
+              <a:buNone/>
+            </a:pPr>
+            <a:r>
+              <a:rPr lang="en-US" sz="1400" dirty="0" smtClean="0"/>
+              <a:t>     whereas </a:t>
+            </a:r>
+            <a:r>
+              <a:rPr lang="en-US" sz="1400" dirty="0"/>
+              <a:t>fundamental is subject to </a:t>
+            </a:r>
+            <a:r>
+              <a:rPr lang="en-US" sz="1400" dirty="0" smtClean="0"/>
+              <a:t>estimates, assumptions and restatements</a:t>
+            </a:r>
+            <a:r>
+              <a:rPr lang="en-US" sz="1400" dirty="0"/>
+              <a:t>, </a:t>
+            </a:r>
+            <a:endParaRPr lang="en-US" sz="1400" dirty="0" smtClean="0"/>
+          </a:p>
+          <a:p>
+            <a:pPr marL="457200" lvl="1" indent="0">
+              <a:lnSpc>
+                <a:spcPct val="80000"/>
+              </a:lnSpc>
+              <a:buNone/>
+            </a:pPr>
+            <a:r>
+              <a:rPr lang="en-US" sz="1400" dirty="0"/>
+              <a:t> </a:t>
+            </a:r>
+            <a:r>
+              <a:rPr lang="en-US" sz="1400" dirty="0" smtClean="0"/>
+              <a:t>                                     </a:t>
+            </a:r>
+            <a:r>
+              <a:rPr lang="en-US" sz="1400" dirty="0" smtClean="0"/>
+              <a:t>and </a:t>
+            </a:r>
+            <a:r>
+              <a:rPr lang="en-US" sz="1400" dirty="0"/>
+              <a:t>may not be </a:t>
+            </a:r>
+            <a:r>
+              <a:rPr lang="en-US" sz="1400" dirty="0" smtClean="0"/>
+              <a:t>available </a:t>
+            </a:r>
+            <a:r>
+              <a:rPr lang="en-US" sz="1400" dirty="0"/>
+              <a:t>(i.e</a:t>
+            </a:r>
+            <a:r>
+              <a:rPr lang="en-US" sz="1400" dirty="0" smtClean="0"/>
+              <a:t>. </a:t>
+            </a:r>
+            <a:r>
+              <a:rPr lang="en-US" sz="1400" dirty="0"/>
+              <a:t>currency &amp; </a:t>
+            </a:r>
+            <a:r>
+              <a:rPr lang="en-US" sz="1400" dirty="0" smtClean="0"/>
+              <a:t>commodities</a:t>
+            </a:r>
+            <a:r>
+              <a:rPr lang="en-US" sz="1400" dirty="0"/>
+              <a:t>)</a:t>
+            </a:r>
+            <a:endParaRPr lang="en-US" sz="1400" dirty="0"/>
           </a:p>
           <a:p>
             <a:pPr lvl="1">
               <a:lnSpc>
-                <a:spcPct val="90000"/>
+                <a:spcPct val="80000"/>
               </a:lnSpc>
             </a:pPr>
             <a:r>
-              <a:rPr lang="en-US" altLang="zh-CN" dirty="0"/>
+              <a:rPr lang="en-US" altLang="zh-CN" sz="1400" dirty="0"/>
               <a:t>A</a:t>
             </a:r>
             <a:r>
-              <a:rPr lang="en-US" dirty="0"/>
-              <a:t>pplied to asset prices w/o future cash flows (dividend and interest)</a:t>
+              <a:rPr lang="en-US" sz="1400" dirty="0"/>
+              <a:t>pplied to </a:t>
+            </a:r>
+            <a:r>
+              <a:rPr lang="en-US" sz="1400" dirty="0" smtClean="0"/>
+              <a:t>the assets that don’t produce </a:t>
+            </a:r>
+            <a:r>
+              <a:rPr lang="en-US" sz="1400" u="sng" dirty="0"/>
+              <a:t>future cash </a:t>
+            </a:r>
+            <a:r>
+              <a:rPr lang="en-US" sz="1400" u="sng" dirty="0" smtClean="0"/>
+              <a:t>flows</a:t>
+            </a:r>
+            <a:r>
+              <a:rPr lang="en-US" sz="1400" dirty="0" smtClean="0"/>
+              <a:t> (</a:t>
+            </a:r>
+            <a:r>
+              <a:rPr lang="en-US" sz="1400" dirty="0"/>
+              <a:t>dividend and interest)</a:t>
             </a:r>
           </a:p>
           <a:p>
             <a:pPr lvl="1">
               <a:lnSpc>
-                <a:spcPct val="90000"/>
+                <a:spcPct val="80000"/>
               </a:lnSpc>
             </a:pPr>
             <a:r>
-              <a:rPr lang="en-US" altLang="zh-CN" dirty="0"/>
+              <a:rPr lang="en-US" altLang="zh-CN" sz="1400" u="sng" dirty="0"/>
               <a:t>F</a:t>
             </a:r>
             <a:r>
-              <a:rPr lang="en-US" dirty="0"/>
+              <a:rPr lang="en-US" sz="1400" u="sng" dirty="0"/>
               <a:t>inancial statement fraud</a:t>
             </a:r>
             <a:r>
-              <a:rPr lang="en-US" altLang="zh-CN" dirty="0"/>
+              <a:rPr lang="en-US" altLang="zh-CN" sz="1400" dirty="0"/>
               <a:t>:</a:t>
             </a:r>
             <a:r>
-              <a:rPr lang="zh-CN" altLang="en-US" dirty="0"/>
+              <a:rPr lang="zh-CN" altLang="en-US" sz="1400" dirty="0"/>
               <a:t> </a:t>
             </a:r>
             <a:r>
-              <a:rPr lang="en-US" dirty="0"/>
+              <a:rPr lang="en-US" sz="1400" dirty="0"/>
               <a:t>price &amp; volume reflect the true value of the company</a:t>
             </a:r>
           </a:p>
           <a:p>
             <a:pPr lvl="1">
               <a:lnSpc>
-                <a:spcPct val="90000"/>
+                <a:spcPct val="80000"/>
               </a:lnSpc>
             </a:pPr>
-            <a:endParaRPr lang="en-US" dirty="0"/>
+            <a:endParaRPr lang="en-US" sz="1400" dirty="0"/>
           </a:p>
           <a:p>
             <a:pPr>
               <a:lnSpc>
-                <a:spcPct val="90000"/>
+                <a:spcPct val="80000"/>
               </a:lnSpc>
             </a:pPr>
             <a:r>
-              <a:rPr lang="en-US" dirty="0"/>
-              <a:t>Disadvantage</a:t>
-            </a:r>
+              <a:rPr lang="en-US" sz="1600" dirty="0" smtClean="0"/>
+              <a:t>Disadvantage:</a:t>
+            </a:r>
+            <a:endParaRPr lang="en-US" sz="1600" dirty="0"/>
           </a:p>
           <a:p>
             <a:pPr lvl="1">
               <a:lnSpc>
-                <a:spcPct val="90000"/>
+                <a:spcPct val="80000"/>
               </a:lnSpc>
             </a:pPr>
             <a:r>
-              <a:rPr lang="en-US" altLang="zh-CN" dirty="0"/>
-              <a:t>P</a:t>
-            </a:r>
-            <a:r>
-              <a:rPr lang="en-US" dirty="0"/>
-              <a:t>rice &amp; volume </a:t>
-            </a:r>
-            <a:r>
-              <a:rPr lang="en-US" altLang="zh-CN" dirty="0"/>
-              <a:t>probably</a:t>
-            </a:r>
-            <a:r>
-              <a:rPr lang="zh-CN" altLang="en-US" dirty="0"/>
+              <a:rPr lang="en-US" altLang="zh-CN" sz="1400" dirty="0" smtClean="0"/>
+              <a:t>Trading </a:t>
+            </a:r>
+            <a:r>
+              <a:rPr lang="en-US" altLang="zh-CN" sz="1400" dirty="0" smtClean="0"/>
+              <a:t>activity may be irrational</a:t>
+            </a:r>
+          </a:p>
+          <a:p>
+            <a:pPr marL="457200" lvl="1" indent="0">
+              <a:lnSpc>
+                <a:spcPct val="80000"/>
+              </a:lnSpc>
+              <a:buNone/>
+            </a:pPr>
+            <a:r>
+              <a:rPr lang="en-US" altLang="zh-CN" sz="1400" dirty="0" smtClean="0">
+                <a:latin typeface="Wingdings"/>
+                <a:ea typeface="Wingdings"/>
+                <a:cs typeface="Wingdings"/>
+                <a:sym typeface="Wingdings"/>
+              </a:rPr>
+              <a:t>  </a:t>
+            </a:r>
+            <a:r>
+              <a:rPr lang="zh-CN" altLang="en-US" sz="1400" dirty="0" smtClean="0">
+                <a:latin typeface="Wingdings"/>
+                <a:ea typeface="Wingdings"/>
+                <a:cs typeface="Wingdings"/>
+                <a:sym typeface="Wingdings"/>
+              </a:rPr>
+              <a:t></a:t>
+            </a:r>
+            <a:r>
+              <a:rPr lang="en-US" altLang="zh-CN" sz="1400" dirty="0" smtClean="0">
+                <a:sym typeface="Wingdings"/>
+              </a:rPr>
               <a:t> </a:t>
             </a:r>
             <a:r>
-              <a:rPr lang="en-US" altLang="zh-CN" dirty="0"/>
-              <a:t>doesn’t</a:t>
-            </a:r>
-            <a:r>
-              <a:rPr lang="zh-CN" altLang="en-US" dirty="0"/>
+              <a:rPr lang="en-US" altLang="zh-CN" sz="1400" dirty="0" smtClean="0"/>
+              <a:t>can’</a:t>
+            </a:r>
+            <a:r>
+              <a:rPr lang="en-US" altLang="zh-CN" sz="1400" dirty="0" smtClean="0"/>
+              <a:t>t</a:t>
+            </a:r>
+            <a:r>
+              <a:rPr lang="zh-CN" altLang="en-US" sz="1400" dirty="0" smtClean="0"/>
               <a:t> </a:t>
             </a:r>
             <a:r>
-              <a:rPr lang="en-US" dirty="0"/>
-              <a:t>reflect the true supply &amp; demand (i.e. illiquid markets and markets subject to outside manipulation)</a:t>
+              <a:rPr lang="en-US" sz="1400" dirty="0"/>
+              <a:t>reflect </a:t>
+            </a:r>
+            <a:r>
+              <a:rPr lang="en-US" sz="1400" u="sng" dirty="0"/>
+              <a:t>the true supply &amp; demand </a:t>
+            </a:r>
+            <a:r>
+              <a:rPr lang="en-US" sz="1400" u="sng" dirty="0" smtClean="0"/>
+              <a:t>relationship</a:t>
+            </a:r>
+          </a:p>
+          <a:p>
+            <a:pPr marL="457200" lvl="1" indent="0">
+              <a:lnSpc>
+                <a:spcPct val="80000"/>
+              </a:lnSpc>
+              <a:buNone/>
+            </a:pPr>
+            <a:r>
+              <a:rPr lang="en-US" sz="1400" dirty="0"/>
+              <a:t> </a:t>
+            </a:r>
+            <a:r>
+              <a:rPr lang="en-US" sz="1400" dirty="0" smtClean="0"/>
+              <a:t>          </a:t>
+            </a:r>
+            <a:r>
+              <a:rPr lang="en-US" sz="1400" dirty="0" smtClean="0"/>
+              <a:t>(</a:t>
+            </a:r>
+            <a:r>
+              <a:rPr lang="en-US" sz="1400" dirty="0"/>
+              <a:t>i.e. illiquid markets and markets subject to outside manipulation)</a:t>
             </a:r>
           </a:p>
           <a:p>
             <a:pPr>
               <a:lnSpc>
-                <a:spcPct val="90000"/>
+                <a:spcPct val="80000"/>
               </a:lnSpc>
             </a:pPr>
-            <a:endParaRPr lang="en-US" dirty="0"/>
+            <a:endParaRPr lang="en-US" sz="1600" dirty="0"/>
           </a:p>
         </p:txBody>
       </p:sp>
@@ -8725,7 +9024,6 @@
               <a:rPr lang="en-CA" altLang="en-US" sz="2300" dirty="0" smtClean="0"/>
               <a:t>gives bigger weight to more recent prices</a:t>
             </a:r>
-            <a:endParaRPr lang="en-CA" altLang="en-US" sz="2300" dirty="0" smtClean="0"/>
           </a:p>
           <a:p>
             <a:pPr lvl="0">
@@ -8868,7 +9166,7 @@
           </a:prstGeom>
           <a:noFill/>
           <a:extLst>
-            <a:ext uri="{909E8E84-426E-40DD-AFC4-6F175D3DCCD1}">
+            <a:ext uri="{909E8E84-426E-40dd-AFC4-6F175D3DCCD1}">
               <a14:hiddenFill xmlns:a14="http://schemas.microsoft.com/office/drawing/2010/main">
                 <a:solidFill>
                   <a:srgbClr val="FFFFFF"/>
@@ -8915,7 +9213,7 @@
   <p:timing>
     <p:tnLst>
       <p:par>
-        <p:cTn id="1" dur="indefinite" restart="never" nodeType="tmRoot">
+        <p:cTn xmlns:p14="http://schemas.microsoft.com/office/powerpoint/2010/main" id="1" dur="indefinite" restart="never" nodeType="tmRoot">
           <p:childTnLst>
             <p:seq concurrent="1" nextAc="seek">
               <p:cTn id="2" dur="indefinite" nodeType="mainSeq">
@@ -9974,7 +10272,7 @@
           </a:prstGeom>
           <a:noFill/>
           <a:extLst>
-            <a:ext uri="{909E8E84-426E-40DD-AFC4-6F175D3DCCD1}">
+            <a:ext uri="{909E8E84-426E-40dd-AFC4-6F175D3DCCD1}">
               <a14:hiddenFill xmlns:a14="http://schemas.microsoft.com/office/drawing/2010/main">
                 <a:solidFill>
                   <a:srgbClr val="FFFFFF"/>
@@ -10015,7 +10313,7 @@
           </a:prstGeom>
           <a:noFill/>
           <a:extLst>
-            <a:ext uri="{909E8E84-426E-40DD-AFC4-6F175D3DCCD1}">
+            <a:ext uri="{909E8E84-426E-40dd-AFC4-6F175D3DCCD1}">
               <a14:hiddenFill xmlns:a14="http://schemas.microsoft.com/office/drawing/2010/main">
                 <a:solidFill>
                   <a:srgbClr val="FFFFFF"/>
@@ -10144,7 +10442,7 @@
   <p:timing>
     <p:tnLst>
       <p:par>
-        <p:cTn id="1" dur="indefinite" restart="never" nodeType="tmRoot">
+        <p:cTn xmlns:p14="http://schemas.microsoft.com/office/powerpoint/2010/main" id="1" dur="indefinite" restart="never" nodeType="tmRoot">
           <p:childTnLst>
             <p:seq concurrent="1" nextAc="seek">
               <p:cTn id="2" dur="indefinite" nodeType="mainSeq">
@@ -10638,7 +10936,6 @@
               <a:rPr lang="en-CA" altLang="en-US" sz="1800" dirty="0"/>
               <a:t>moving averages to define the overall trend and then use RSI to define overbought or oversold levels.</a:t>
             </a:r>
-            <a:endParaRPr lang="en-CA" altLang="en-US" sz="1800" dirty="0"/>
           </a:p>
           <a:p>
             <a:pPr lvl="1"/>
@@ -10675,7 +10972,7 @@
   <p:timing>
     <p:tnLst>
       <p:par>
-        <p:cTn id="1" dur="indefinite" restart="never" nodeType="tmRoot">
+        <p:cTn xmlns:p14="http://schemas.microsoft.com/office/powerpoint/2010/main" id="1" dur="indefinite" restart="never" nodeType="tmRoot">
           <p:childTnLst>
             <p:seq concurrent="1" nextAc="seek">
               <p:cTn id="2" dur="indefinite" nodeType="mainSeq">
@@ -11063,7 +11360,7 @@
           <a:graphicData uri="http://schemas.openxmlformats.org/presentationml/2006/ole">
             <mc:AlternateContent xmlns:mc="http://schemas.openxmlformats.org/markup-compatibility/2006">
               <mc:Choice xmlns:v="urn:schemas-microsoft-com:vml" Requires="v">
-                <p:oleObj spid="_x0000_s1050" name="Equation" r:id="rId4" imgW="3708360" imgH="914400" progId="">
+                <p:oleObj spid="_x0000_s1055" name="Equation" r:id="rId4" imgW="3708360" imgH="914400" progId="">
                   <p:embed/>
                 </p:oleObj>
               </mc:Choice>
@@ -11102,7 +11399,7 @@
                       <a:noFill/>
                       <a:extLst>
                         <a:ext uri="{909E8E84-426E-40dd-AFC4-6F175D3DCCD1}">
-                          <a14:hiddenFill xmlns="" xmlns:a14="http://schemas.microsoft.com/office/drawing/2010/main">
+                          <a14:hiddenFill xmlns:a14="http://schemas.microsoft.com/office/drawing/2010/main">
                             <a:solidFill>
                               <a:srgbClr val="FFFFFF"/>
                             </a:solidFill>
@@ -11545,7 +11842,7 @@
   <a:extraClrSchemeLst/>
   <a:extLst>
     <a:ext uri="{05A4C25C-085E-4340-85A3-A5531E510DB2}">
-      <thm15:themeFamily xmlns:thm15="http://schemas.microsoft.com/office/thememl/2012/main" name="Facet" id="{C0C680CD-088A-49FC-A102-D699147F32B2}" vid="{CFBC31BA-B70F-4F30-BCAA-4F3011E16C4D}"/>
+      <thm15:themeFamily xmlns:thm15="http://schemas.microsoft.com/office/thememl/2012/main" xmlns="" name="Facet" id="{C0C680CD-088A-49FC-A102-D699147F32B2}" vid="{CFBC31BA-B70F-4F30-BCAA-4F3011E16C4D}"/>
     </a:ext>
   </a:extLst>
 </a:theme>
@@ -11840,7 +12137,7 @@
   <a:extraClrSchemeLst/>
   <a:extLst>
     <a:ext uri="{05A4C25C-085E-4340-85A3-A5531E510DB2}">
-      <thm15:themeFamily xmlns:thm15="http://schemas.microsoft.com/office/thememl/2012/main" name="Office Theme" id="{62F939B6-93AF-4DB8-9C6B-D6C7DFDC589F}" vid="{4A3C46E8-61CC-4603-A589-7422A47A8E4A}"/>
+      <thm15:themeFamily xmlns:thm15="http://schemas.microsoft.com/office/thememl/2012/main" xmlns="" name="Office Theme" id="{62F939B6-93AF-4DB8-9C6B-D6C7DFDC589F}" vid="{4A3C46E8-61CC-4603-A589-7422A47A8E4A}"/>
     </a:ext>
   </a:extLst>
 </a:theme>

--- a/Technical Analysis-comparison.pptx
+++ b/Technical Analysis-comparison.pptx
@@ -123,7 +123,7 @@
   </p:defaultTextStyle>
   <p:extLst>
     <p:ext uri="{EFAFB233-063F-42B5-8137-9DF3F51BA10A}">
-      <p15:sldGuideLst xmlns:p15="http://schemas.microsoft.com/office/powerpoint/2012/main" xmlns="">
+      <p15:sldGuideLst xmlns:p15="http://schemas.microsoft.com/office/powerpoint/2012/main">
         <p15:guide id="1" orient="horz" pos="2160">
           <p15:clr>
             <a:srgbClr val="A4A3A4"/>
@@ -222,7 +222,7 @@
           <a:p>
             <a:fld id="{F4C5F61B-2629-4711-AA38-264E458EB4B6}" type="datetimeFigureOut">
               <a:rPr lang="en-US"/>
-              <a:t>17-02-07</a:t>
+              <a:t>2/7/2017</a:t>
             </a:fld>
             <a:endParaRPr lang="en-US" dirty="0"/>
           </a:p>
@@ -791,7 +791,36 @@
           <a:bodyPr/>
           <a:lstStyle/>
           <a:p>
-            <a:endParaRPr lang="en-US"/>
+            <a:pPr marL="0" marR="0" indent="0" algn="l" defTabSz="914400" rtl="0" eaLnBrk="1" fontAlgn="auto" latinLnBrk="0" hangingPunct="1">
+              <a:lnSpc>
+                <a:spcPct val="100000"/>
+              </a:lnSpc>
+              <a:spcBef>
+                <a:spcPts val="0"/>
+              </a:spcBef>
+              <a:spcAft>
+                <a:spcPts val="0"/>
+              </a:spcAft>
+              <a:buClrTx/>
+              <a:buSzTx/>
+              <a:buFontTx/>
+              <a:buNone/>
+              <a:tabLst/>
+              <a:defRPr/>
+            </a:pPr>
+            <a:r>
+              <a:rPr lang="en-CA" sz="1200" b="0" i="0" kern="1200" dirty="0" smtClean="0">
+                <a:solidFill>
+                  <a:schemeClr val="tx1"/>
+                </a:solidFill>
+                <a:effectLst/>
+                <a:latin typeface="+mn-lt"/>
+                <a:ea typeface="+mn-ea"/>
+                <a:cs typeface="+mn-cs"/>
+              </a:rPr>
+              <a:t>Indicators are used in two main ways: to confirm price movement and the quality of chart patterns, and to form buy and sell signals. </a:t>
+            </a:r>
+            <a:endParaRPr lang="en-CA" dirty="0" smtClean="0"/>
           </a:p>
         </p:txBody>
       </p:sp>
@@ -2051,7 +2080,7 @@
             <a:fld id="{B61BEF0D-F0BB-DE4B-95CE-6DB70DBA9567}" type="datetimeFigureOut">
               <a:rPr lang="en-US"/>
               <a:pPr/>
-              <a:t>17-02-07</a:t>
+              <a:t>2/7/2017</a:t>
             </a:fld>
             <a:endParaRPr lang="en-US" dirty="0"/>
           </a:p>
@@ -2298,7 +2327,7 @@
             <a:fld id="{B61BEF0D-F0BB-DE4B-95CE-6DB70DBA9567}" type="datetimeFigureOut">
               <a:rPr lang="en-US"/>
               <a:pPr/>
-              <a:t>17-02-07</a:t>
+              <a:t>2/7/2017</a:t>
             </a:fld>
             <a:endParaRPr lang="en-US" dirty="0"/>
           </a:p>
@@ -2608,7 +2637,7 @@
             <a:fld id="{B61BEF0D-F0BB-DE4B-95CE-6DB70DBA9567}" type="datetimeFigureOut">
               <a:rPr lang="en-US"/>
               <a:pPr/>
-              <a:t>17-02-07</a:t>
+              <a:t>2/7/2017</a:t>
             </a:fld>
             <a:endParaRPr lang="en-US" dirty="0"/>
           </a:p>
@@ -2945,7 +2974,7 @@
             <a:fld id="{B61BEF0D-F0BB-DE4B-95CE-6DB70DBA9567}" type="datetimeFigureOut">
               <a:rPr lang="en-US"/>
               <a:pPr/>
-              <a:t>17-02-07</a:t>
+              <a:t>2/7/2017</a:t>
             </a:fld>
             <a:endParaRPr lang="en-US" dirty="0"/>
           </a:p>
@@ -3255,7 +3284,7 @@
             <a:fld id="{B61BEF0D-F0BB-DE4B-95CE-6DB70DBA9567}" type="datetimeFigureOut">
               <a:rPr lang="en-US"/>
               <a:pPr/>
-              <a:t>17-02-07</a:t>
+              <a:t>2/7/2017</a:t>
             </a:fld>
             <a:endParaRPr lang="en-US" dirty="0"/>
           </a:p>
@@ -3644,7 +3673,7 @@
             <a:fld id="{B61BEF0D-F0BB-DE4B-95CE-6DB70DBA9567}" type="datetimeFigureOut">
               <a:rPr lang="en-US"/>
               <a:pPr/>
-              <a:t>17-02-07</a:t>
+              <a:t>2/7/2017</a:t>
             </a:fld>
             <a:endParaRPr lang="en-US" dirty="0"/>
           </a:p>
@@ -3808,7 +3837,7 @@
           <a:p>
             <a:fld id="{55C6B4A9-1611-4792-9094-5F34BCA07E0B}" type="datetimeFigureOut">
               <a:rPr lang="en-US"/>
-              <a:t>17-02-07</a:t>
+              <a:t>2/7/2017</a:t>
             </a:fld>
             <a:endParaRPr lang="en-US" dirty="0"/>
           </a:p>
@@ -3982,7 +4011,7 @@
             <a:fld id="{B61BEF0D-F0BB-DE4B-95CE-6DB70DBA9567}" type="datetimeFigureOut">
               <a:rPr lang="en-US"/>
               <a:pPr/>
-              <a:t>17-02-07</a:t>
+              <a:t>2/7/2017</a:t>
             </a:fld>
             <a:endParaRPr lang="en-US" dirty="0"/>
           </a:p>
@@ -4153,7 +4182,7 @@
             <a:fld id="{B61BEF0D-F0BB-DE4B-95CE-6DB70DBA9567}" type="datetimeFigureOut">
               <a:rPr lang="en-US"/>
               <a:pPr/>
-              <a:t>17-02-07</a:t>
+              <a:t>2/7/2017</a:t>
             </a:fld>
             <a:endParaRPr lang="en-US" dirty="0"/>
           </a:p>
@@ -4396,7 +4425,7 @@
             <a:fld id="{B61BEF0D-F0BB-DE4B-95CE-6DB70DBA9567}" type="datetimeFigureOut">
               <a:rPr lang="en-US"/>
               <a:pPr/>
-              <a:t>17-02-07</a:t>
+              <a:t>2/7/2017</a:t>
             </a:fld>
             <a:endParaRPr lang="en-US" dirty="0"/>
           </a:p>
@@ -4621,7 +4650,7 @@
           <a:p>
             <a:fld id="{EB712588-04B1-427B-82EE-E8DB90309F08}" type="datetimeFigureOut">
               <a:rPr lang="en-US"/>
-              <a:t>17-02-07</a:t>
+              <a:t>2/7/2017</a:t>
             </a:fld>
             <a:endParaRPr lang="en-US" dirty="0"/>
           </a:p>
@@ -4988,7 +5017,7 @@
             <a:fld id="{B61BEF0D-F0BB-DE4B-95CE-6DB70DBA9567}" type="datetimeFigureOut">
               <a:rPr lang="en-US"/>
               <a:pPr/>
-              <a:t>17-02-07</a:t>
+              <a:t>2/7/2017</a:t>
             </a:fld>
             <a:endParaRPr lang="en-US" dirty="0"/>
           </a:p>
@@ -5107,7 +5136,7 @@
             <a:fld id="{B61BEF0D-F0BB-DE4B-95CE-6DB70DBA9567}" type="datetimeFigureOut">
               <a:rPr lang="en-US"/>
               <a:pPr/>
-              <a:t>17-02-07</a:t>
+              <a:t>2/7/2017</a:t>
             </a:fld>
             <a:endParaRPr lang="en-US" dirty="0"/>
           </a:p>
@@ -5199,7 +5228,7 @@
             <a:fld id="{B61BEF0D-F0BB-DE4B-95CE-6DB70DBA9567}" type="datetimeFigureOut">
               <a:rPr lang="en-US"/>
               <a:pPr/>
-              <a:t>17-02-07</a:t>
+              <a:t>2/7/2017</a:t>
             </a:fld>
             <a:endParaRPr lang="en-US" dirty="0"/>
           </a:p>
@@ -5448,7 +5477,7 @@
           <a:p>
             <a:fld id="{42A54C80-263E-416B-A8E0-580EDEADCBDC}" type="datetimeFigureOut">
               <a:rPr lang="en-US"/>
-              <a:t>17-02-07</a:t>
+              <a:t>2/7/2017</a:t>
             </a:fld>
             <a:endParaRPr lang="en-US" dirty="0"/>
           </a:p>
@@ -5705,7 +5734,7 @@
             <a:fld id="{B61BEF0D-F0BB-DE4B-95CE-6DB70DBA9567}" type="datetimeFigureOut">
               <a:rPr lang="en-US"/>
               <a:pPr/>
-              <a:t>17-02-07</a:t>
+              <a:t>2/7/2017</a:t>
             </a:fld>
             <a:endParaRPr lang="en-US" dirty="0"/>
           </a:p>
@@ -6443,7 +6472,7 @@
             <a:fld id="{B61BEF0D-F0BB-DE4B-95CE-6DB70DBA9567}" type="datetimeFigureOut">
               <a:rPr lang="en-US"/>
               <a:pPr/>
-              <a:t>17-02-07</a:t>
+              <a:t>2/7/2017</a:t>
             </a:fld>
             <a:endParaRPr lang="en-US" dirty="0"/>
           </a:p>
@@ -7002,8 +7031,45 @@
           <a:p>
             <a:r>
               <a:rPr lang="en-US" dirty="0"/>
-              <a:t>Feb. 07, 2017</a:t>
-            </a:r>
+              <a:t>Feb. 07, </a:t>
+            </a:r>
+            <a:r>
+              <a:rPr lang="en-US" dirty="0" smtClean="0"/>
+              <a:t>2017</a:t>
+            </a:r>
+          </a:p>
+          <a:p>
+            <a:r>
+              <a:rPr lang="en-US" dirty="0"/>
+              <a:t>Tian Run Yang, Cheng Zhou, </a:t>
+            </a:r>
+            <a:r>
+              <a:rPr lang="en-US" dirty="0" err="1"/>
+              <a:t>Shiyuan</a:t>
+            </a:r>
+            <a:r>
+              <a:rPr lang="en-US" dirty="0"/>
+              <a:t> Wu, </a:t>
+            </a:r>
+            <a:r>
+              <a:rPr lang="en-US" dirty="0" err="1"/>
+              <a:t>Yida</a:t>
+            </a:r>
+            <a:r>
+              <a:rPr lang="en-US" dirty="0"/>
+              <a:t> Wang, and </a:t>
+            </a:r>
+            <a:r>
+              <a:rPr lang="en-US" dirty="0" err="1"/>
+              <a:t>Mengtian</a:t>
+            </a:r>
+            <a:r>
+              <a:rPr lang="en-US" dirty="0"/>
+              <a:t> Ni</a:t>
+            </a:r>
+          </a:p>
+          <a:p>
+            <a:endParaRPr lang="en-US" dirty="0"/>
           </a:p>
         </p:txBody>
       </p:sp>
@@ -7082,7 +7148,7 @@
                   <a:buNone/>
                 </a:pPr>
                 <a14:m>
-                  <m:oMathPara xmlns:m="http://schemas.openxmlformats.org/officeDocument/2006/math" xmlns="">
+                  <m:oMathPara xmlns:m="http://schemas.openxmlformats.org/officeDocument/2006/math">
                     <m:oMathParaPr>
                       <m:jc m:val="centerGroup"/>
                     </m:oMathParaPr>
@@ -7148,7 +7214,7 @@
                   <a:t> 	</a:t>
                 </a:r>
                 <a14:m>
-                  <m:oMath xmlns:m="http://schemas.openxmlformats.org/officeDocument/2006/math" xmlns="">
+                  <m:oMath xmlns:m="http://schemas.openxmlformats.org/officeDocument/2006/math">
                     <m:sSup>
                       <m:sSupPr>
                         <m:ctrlPr>
@@ -7199,7 +7265,7 @@
                   <a:t>	</a:t>
                 </a:r>
                 <a14:m>
-                  <m:oMath xmlns:m="http://schemas.openxmlformats.org/officeDocument/2006/math" xmlns="">
+                  <m:oMath xmlns:m="http://schemas.openxmlformats.org/officeDocument/2006/math">
                     <m:r>
                       <a:rPr lang="en-CA" sz="3600" b="0" i="1" smtClean="0">
                         <a:latin typeface="Cambria Math" panose="02040503050406030204" pitchFamily="18" charset="0"/>
@@ -7394,7 +7460,7 @@
         </p:nvGraphicFramePr>
         <p:xfrm>
           <a:off x="723549" y="1563688"/>
-          <a:ext cx="8504238" cy="5034279"/>
+          <a:ext cx="8504238" cy="5034280"/>
         </p:xfrm>
         <a:graphic>
           <a:graphicData uri="http://schemas.openxmlformats.org/drawingml/2006/table">
@@ -7406,21 +7472,21 @@
                 <a:gridCol w="1473551">
                   <a:extLst>
                     <a:ext uri="{9D8B030D-6E8A-4147-A177-3AD203B41FA5}">
-                      <a16:colId xmlns:a16="http://schemas.microsoft.com/office/drawing/2014/main" xmlns="" val="20000"/>
+                      <a16:colId xmlns="" xmlns:a16="http://schemas.microsoft.com/office/drawing/2014/main" val="20000"/>
                     </a:ext>
                   </a:extLst>
                 </a:gridCol>
                 <a:gridCol w="3614386">
                   <a:extLst>
                     <a:ext uri="{9D8B030D-6E8A-4147-A177-3AD203B41FA5}">
-                      <a16:colId xmlns:a16="http://schemas.microsoft.com/office/drawing/2014/main" xmlns="" val="20001"/>
+                      <a16:colId xmlns="" xmlns:a16="http://schemas.microsoft.com/office/drawing/2014/main" val="20001"/>
                     </a:ext>
                   </a:extLst>
                 </a:gridCol>
                 <a:gridCol w="3416301">
                   <a:extLst>
                     <a:ext uri="{9D8B030D-6E8A-4147-A177-3AD203B41FA5}">
-                      <a16:colId xmlns:a16="http://schemas.microsoft.com/office/drawing/2014/main" xmlns="" val="20002"/>
+                      <a16:colId xmlns="" xmlns:a16="http://schemas.microsoft.com/office/drawing/2014/main" val="20002"/>
                     </a:ext>
                   </a:extLst>
                 </a:gridCol>
@@ -7464,7 +7530,7 @@
                 </a:tc>
                 <a:extLst>
                   <a:ext uri="{0D108BD9-81ED-4DB2-BD59-A6C34878D82A}">
-                    <a16:rowId xmlns:a16="http://schemas.microsoft.com/office/drawing/2014/main" xmlns="" val="10000"/>
+                    <a16:rowId xmlns="" xmlns:a16="http://schemas.microsoft.com/office/drawing/2014/main" val="10000"/>
                   </a:ext>
                 </a:extLst>
               </a:tr>
@@ -7489,11 +7555,7 @@
                     <a:p>
                       <a:r>
                         <a:rPr lang="en-US" dirty="0" smtClean="0"/>
-                        <a:t>Intrinsic </a:t>
-                      </a:r>
-                      <a:r>
-                        <a:rPr lang="en-US" dirty="0" smtClean="0"/>
-                        <a:t>(long-term)</a:t>
+                        <a:t>Intrinsic (long-term)</a:t>
                       </a:r>
                       <a:r>
                         <a:rPr lang="en-US" baseline="0" dirty="0" smtClean="0"/>
@@ -7528,7 +7590,7 @@
                 </a:tc>
                 <a:extLst>
                   <a:ext uri="{0D108BD9-81ED-4DB2-BD59-A6C34878D82A}">
-                    <a16:rowId xmlns:a16="http://schemas.microsoft.com/office/drawing/2014/main" xmlns="" val="10001"/>
+                    <a16:rowId xmlns="" xmlns:a16="http://schemas.microsoft.com/office/drawing/2014/main" val="10001"/>
                   </a:ext>
                 </a:extLst>
               </a:tr>
@@ -7624,7 +7686,7 @@
                 </a:tc>
                 <a:extLst>
                   <a:ext uri="{0D108BD9-81ED-4DB2-BD59-A6C34878D82A}">
-                    <a16:rowId xmlns:a16="http://schemas.microsoft.com/office/drawing/2014/main" xmlns="" val="10002"/>
+                    <a16:rowId xmlns="" xmlns:a16="http://schemas.microsoft.com/office/drawing/2014/main" val="10002"/>
                   </a:ext>
                 </a:extLst>
               </a:tr>
@@ -7694,7 +7756,7 @@
                 </a:tc>
                 <a:extLst>
                   <a:ext uri="{0D108BD9-81ED-4DB2-BD59-A6C34878D82A}">
-                    <a16:rowId xmlns:a16="http://schemas.microsoft.com/office/drawing/2014/main" xmlns="" val="10003"/>
+                    <a16:rowId xmlns="" xmlns:a16="http://schemas.microsoft.com/office/drawing/2014/main" val="10003"/>
                   </a:ext>
                 </a:extLst>
               </a:tr>
@@ -7740,7 +7802,7 @@
                 </a:tc>
                 <a:extLst>
                   <a:ext uri="{0D108BD9-81ED-4DB2-BD59-A6C34878D82A}">
-                    <a16:rowId xmlns:a16="http://schemas.microsoft.com/office/drawing/2014/main" xmlns="" val="10004"/>
+                    <a16:rowId xmlns="" xmlns:a16="http://schemas.microsoft.com/office/drawing/2014/main" val="10004"/>
                   </a:ext>
                 </a:extLst>
               </a:tr>
@@ -7796,7 +7858,7 @@
                 </a:tc>
                 <a:extLst>
                   <a:ext uri="{0D108BD9-81ED-4DB2-BD59-A6C34878D82A}">
-                    <a16:rowId xmlns:a16="http://schemas.microsoft.com/office/drawing/2014/main" xmlns="" val="10005"/>
+                    <a16:rowId xmlns="" xmlns:a16="http://schemas.microsoft.com/office/drawing/2014/main" val="10005"/>
                   </a:ext>
                 </a:extLst>
               </a:tr>
@@ -7858,7 +7920,7 @@
                 </a:tc>
                 <a:extLst>
                   <a:ext uri="{0D108BD9-81ED-4DB2-BD59-A6C34878D82A}">
-                    <a16:rowId xmlns:a16="http://schemas.microsoft.com/office/drawing/2014/main" xmlns="" val="10006"/>
+                    <a16:rowId xmlns="" xmlns:a16="http://schemas.microsoft.com/office/drawing/2014/main" val="10006"/>
                   </a:ext>
                 </a:extLst>
               </a:tr>
@@ -8061,11 +8123,7 @@
             </a:r>
             <a:r>
               <a:rPr lang="en-US" sz="1400" dirty="0" smtClean="0"/>
-              <a:t>  </a:t>
-            </a:r>
-            <a:r>
-              <a:rPr lang="en-US" sz="1400" dirty="0" smtClean="0"/>
-              <a:t>  but </a:t>
+              <a:t>    but </a:t>
             </a:r>
             <a:r>
               <a:rPr lang="en-US" sz="1400" dirty="0"/>
@@ -8173,11 +8231,7 @@
             </a:r>
             <a:r>
               <a:rPr lang="en-US" sz="1400" dirty="0" smtClean="0"/>
-              <a:t>                                     </a:t>
-            </a:r>
-            <a:r>
-              <a:rPr lang="en-US" sz="1400" dirty="0" smtClean="0"/>
-              <a:t>and </a:t>
+              <a:t>                                     and </a:t>
             </a:r>
             <a:r>
               <a:rPr lang="en-US" sz="1400" dirty="0"/>
@@ -8207,7 +8261,6 @@
               <a:rPr lang="en-US" sz="1400" dirty="0"/>
               <a:t>)</a:t>
             </a:r>
-            <a:endParaRPr lang="en-US" sz="1400" dirty="0"/>
           </a:p>
           <a:p>
             <a:pPr lvl="1">
@@ -8299,11 +8352,7 @@
             </a:pPr>
             <a:r>
               <a:rPr lang="en-US" altLang="zh-CN" sz="1400" dirty="0" smtClean="0"/>
-              <a:t>Trading </a:t>
-            </a:r>
-            <a:r>
-              <a:rPr lang="en-US" altLang="zh-CN" sz="1400" dirty="0" smtClean="0"/>
-              <a:t>activity may be irrational</a:t>
+              <a:t>Trading activity may be irrational</a:t>
             </a:r>
           </a:p>
           <a:p>
@@ -8339,11 +8388,7 @@
             </a:r>
             <a:r>
               <a:rPr lang="en-US" altLang="zh-CN" sz="1400" dirty="0" smtClean="0"/>
-              <a:t>can’</a:t>
-            </a:r>
-            <a:r>
-              <a:rPr lang="en-US" altLang="zh-CN" sz="1400" dirty="0" smtClean="0"/>
-              <a:t>t</a:t>
+              <a:t>can’t</a:t>
             </a:r>
             <a:r>
               <a:rPr lang="zh-CN" altLang="en-US" sz="1400" dirty="0" smtClean="0"/>
@@ -8375,11 +8420,7 @@
             </a:r>
             <a:r>
               <a:rPr lang="en-US" sz="1400" dirty="0" smtClean="0"/>
-              <a:t>          </a:t>
-            </a:r>
-            <a:r>
-              <a:rPr lang="en-US" sz="1400" dirty="0" smtClean="0"/>
-              <a:t>(</a:t>
+              <a:t>          (</a:t>
             </a:r>
             <a:r>
               <a:rPr lang="en-US" sz="1400" dirty="0"/>
@@ -8559,25 +8600,49 @@
           </a:p>
         </p:txBody>
       </p:sp>
-      <p:sp>
-        <p:nvSpPr>
-          <p:cNvPr id="3" name="Content Placeholder 2"/>
-          <p:cNvSpPr>
-            <a:spLocks noGrp="1"/>
-          </p:cNvSpPr>
+      <p:pic>
+        <p:nvPicPr>
+          <p:cNvPr id="4" name="Picture 2" descr="Image result for questions and answers"/>
+          <p:cNvPicPr>
+            <a:picLocks noGrp="1" noChangeAspect="1" noChangeArrowheads="1"/>
+          </p:cNvPicPr>
           <p:nvPr>
             <p:ph idx="1"/>
           </p:nvPr>
-        </p:nvSpPr>
-        <p:spPr/>
-        <p:txBody>
-          <a:bodyPr/>
-          <a:lstStyle/>
-          <a:p>
-            <a:endParaRPr lang="en-US" dirty="0"/>
-          </a:p>
-        </p:txBody>
-      </p:sp>
+        </p:nvPicPr>
+        <p:blipFill>
+          <a:blip r:embed="rId3">
+            <a:extLst>
+              <a:ext uri="{28A0092B-C50C-407E-A947-70E740481C1C}">
+                <a14:useLocalDpi xmlns:a14="http://schemas.microsoft.com/office/drawing/2010/main" val="0"/>
+              </a:ext>
+            </a:extLst>
+          </a:blip>
+          <a:srcRect/>
+          <a:stretch>
+            <a:fillRect/>
+          </a:stretch>
+        </p:blipFill>
+        <p:spPr bwMode="auto">
+          <a:xfrm>
+            <a:off x="1872088" y="2467975"/>
+            <a:ext cx="6207160" cy="2864843"/>
+          </a:xfrm>
+          <a:prstGeom prst="rect">
+            <a:avLst/>
+          </a:prstGeom>
+          <a:noFill/>
+          <a:extLst>
+            <a:ext uri="{909E8E84-426E-40DD-AFC4-6F175D3DCCD1}">
+              <a14:hiddenFill xmlns:a14="http://schemas.microsoft.com/office/drawing/2010/main">
+                <a:solidFill>
+                  <a:srgbClr val="FFFFFF"/>
+                </a:solidFill>
+              </a14:hiddenFill>
+            </a:ext>
+          </a:extLst>
+        </p:spPr>
+      </p:pic>
     </p:spTree>
     <p:extLst>
       <p:ext uri="{BB962C8B-B14F-4D97-AF65-F5344CB8AC3E}">
@@ -8630,25 +8695,49 @@
           </a:p>
         </p:txBody>
       </p:sp>
-      <p:sp>
-        <p:nvSpPr>
-          <p:cNvPr id="3" name="Content Placeholder 2"/>
-          <p:cNvSpPr>
-            <a:spLocks noGrp="1"/>
-          </p:cNvSpPr>
+      <p:pic>
+        <p:nvPicPr>
+          <p:cNvPr id="4" name="Picture 2" descr="Image result for thank you presentation"/>
+          <p:cNvPicPr>
+            <a:picLocks noGrp="1" noChangeAspect="1" noChangeArrowheads="1"/>
+          </p:cNvPicPr>
           <p:nvPr>
             <p:ph idx="1"/>
           </p:nvPr>
-        </p:nvSpPr>
-        <p:spPr/>
-        <p:txBody>
-          <a:bodyPr/>
-          <a:lstStyle/>
-          <a:p>
-            <a:endParaRPr lang="en-US" dirty="0"/>
-          </a:p>
-        </p:txBody>
-      </p:sp>
+        </p:nvPicPr>
+        <p:blipFill>
+          <a:blip r:embed="rId3">
+            <a:extLst>
+              <a:ext uri="{28A0092B-C50C-407E-A947-70E740481C1C}">
+                <a14:useLocalDpi xmlns:a14="http://schemas.microsoft.com/office/drawing/2010/main" val="0"/>
+              </a:ext>
+            </a:extLst>
+          </a:blip>
+          <a:srcRect/>
+          <a:stretch>
+            <a:fillRect/>
+          </a:stretch>
+        </p:blipFill>
+        <p:spPr bwMode="auto">
+          <a:xfrm>
+            <a:off x="677863" y="3287434"/>
+            <a:ext cx="8596312" cy="1627744"/>
+          </a:xfrm>
+          <a:prstGeom prst="rect">
+            <a:avLst/>
+          </a:prstGeom>
+          <a:noFill/>
+          <a:extLst>
+            <a:ext uri="{909E8E84-426E-40DD-AFC4-6F175D3DCCD1}">
+              <a14:hiddenFill xmlns:a14="http://schemas.microsoft.com/office/drawing/2010/main">
+                <a:solidFill>
+                  <a:srgbClr val="FFFFFF"/>
+                </a:solidFill>
+              </a14:hiddenFill>
+            </a:ext>
+          </a:extLst>
+        </p:spPr>
+      </p:pic>
     </p:spTree>
     <p:extLst>
       <p:ext uri="{BB962C8B-B14F-4D97-AF65-F5344CB8AC3E}">
@@ -8695,9 +8784,10 @@
           <a:lstStyle/>
           <a:p>
             <a:r>
-              <a:rPr lang="en-US" dirty="0"/>
-              <a:t>Problem Statement</a:t>
-            </a:r>
+              <a:rPr lang="en-US" dirty="0" smtClean="0"/>
+              <a:t>Presentation Outline</a:t>
+            </a:r>
+            <a:endParaRPr lang="en-US" dirty="0"/>
           </a:p>
         </p:txBody>
       </p:sp>
@@ -8718,13 +8808,13 @@
           <a:p>
             <a:r>
               <a:rPr lang="en-US" dirty="0"/>
-              <a:t>Technical analysis definition</a:t>
+              <a:t>Technical Analysis definition</a:t>
             </a:r>
           </a:p>
           <a:p>
             <a:r>
               <a:rPr lang="en-US" dirty="0"/>
-              <a:t>Indicators</a:t>
+              <a:t>Indicators &amp; Oscillators</a:t>
             </a:r>
           </a:p>
           <a:p>
@@ -8744,6 +8834,7 @@
               <a:rPr lang="en-US" dirty="0"/>
               <a:t>Technical analysis vs. Fundamental analysis</a:t>
             </a:r>
+            <a:endParaRPr lang="en-US" dirty="0"/>
           </a:p>
         </p:txBody>
       </p:sp>
@@ -8816,7 +8907,27 @@
           <a:p>
             <a:r>
               <a:rPr lang="en-US" dirty="0"/>
-              <a:t>Equity analysis methodology for forecasting the direction of prices using historic data, mostly based on price and volume</a:t>
+              <a:t>Equity analysis methodology for forecasting the direction of prices using historic data, mostly based on </a:t>
+            </a:r>
+            <a:r>
+              <a:rPr lang="en-US" b="1" dirty="0">
+                <a:solidFill>
+                  <a:srgbClr val="0070C0"/>
+                </a:solidFill>
+              </a:rPr>
+              <a:t>price</a:t>
+            </a:r>
+            <a:r>
+              <a:rPr lang="en-US" dirty="0"/>
+              <a:t> and </a:t>
+            </a:r>
+            <a:r>
+              <a:rPr lang="en-US" b="1" dirty="0">
+                <a:solidFill>
+                  <a:srgbClr val="0070C0"/>
+                </a:solidFill>
+              </a:rPr>
+              <a:t>volume</a:t>
             </a:r>
           </a:p>
           <a:p>
@@ -9167,7 +9278,7 @@
           <a:noFill/>
           <a:extLst>
             <a:ext uri="{909E8E84-426E-40dd-AFC4-6F175D3DCCD1}">
-              <a14:hiddenFill xmlns:a14="http://schemas.microsoft.com/office/drawing/2010/main">
+              <a14:hiddenFill xmlns:a14="http://schemas.microsoft.com/office/drawing/2010/main" xmlns="">
                 <a:solidFill>
                   <a:srgbClr val="FFFFFF"/>
                 </a:solidFill>
@@ -9213,7 +9324,7 @@
   <p:timing>
     <p:tnLst>
       <p:par>
-        <p:cTn xmlns:p14="http://schemas.microsoft.com/office/powerpoint/2010/main" id="1" dur="indefinite" restart="never" nodeType="tmRoot">
+        <p:cTn id="1" dur="indefinite" restart="never" nodeType="tmRoot">
           <p:childTnLst>
             <p:seq concurrent="1" nextAc="seek">
               <p:cTn id="2" dur="indefinite" nodeType="mainSeq">
@@ -10273,7 +10384,7 @@
           <a:noFill/>
           <a:extLst>
             <a:ext uri="{909E8E84-426E-40dd-AFC4-6F175D3DCCD1}">
-              <a14:hiddenFill xmlns:a14="http://schemas.microsoft.com/office/drawing/2010/main">
+              <a14:hiddenFill xmlns:a14="http://schemas.microsoft.com/office/drawing/2010/main" xmlns="">
                 <a:solidFill>
                   <a:srgbClr val="FFFFFF"/>
                 </a:solidFill>
@@ -10314,7 +10425,7 @@
           <a:noFill/>
           <a:extLst>
             <a:ext uri="{909E8E84-426E-40dd-AFC4-6F175D3DCCD1}">
-              <a14:hiddenFill xmlns:a14="http://schemas.microsoft.com/office/drawing/2010/main">
+              <a14:hiddenFill xmlns:a14="http://schemas.microsoft.com/office/drawing/2010/main" xmlns="">
                 <a:solidFill>
                   <a:srgbClr val="FFFFFF"/>
                 </a:solidFill>
@@ -10442,7 +10553,7 @@
   <p:timing>
     <p:tnLst>
       <p:par>
-        <p:cTn xmlns:p14="http://schemas.microsoft.com/office/powerpoint/2010/main" id="1" dur="indefinite" restart="never" nodeType="tmRoot">
+        <p:cTn id="1" dur="indefinite" restart="never" nodeType="tmRoot">
           <p:childTnLst>
             <p:seq concurrent="1" nextAc="seek">
               <p:cTn id="2" dur="indefinite" nodeType="mainSeq">
@@ -10972,7 +11083,7 @@
   <p:timing>
     <p:tnLst>
       <p:par>
-        <p:cTn xmlns:p14="http://schemas.microsoft.com/office/powerpoint/2010/main" id="1" dur="indefinite" restart="never" nodeType="tmRoot">
+        <p:cTn id="1" dur="indefinite" restart="never" nodeType="tmRoot">
           <p:childTnLst>
             <p:seq concurrent="1" nextAc="seek">
               <p:cTn id="2" dur="indefinite" nodeType="mainSeq">
@@ -11360,7 +11471,7 @@
           <a:graphicData uri="http://schemas.openxmlformats.org/presentationml/2006/ole">
             <mc:AlternateContent xmlns:mc="http://schemas.openxmlformats.org/markup-compatibility/2006">
               <mc:Choice xmlns:v="urn:schemas-microsoft-com:vml" Requires="v">
-                <p:oleObj spid="_x0000_s1055" name="Equation" r:id="rId4" imgW="3708360" imgH="914400" progId="">
+                <p:oleObj spid="_x0000_s1061" name="Equation" r:id="rId4" imgW="3708360" imgH="914400" progId="">
                   <p:embed/>
                 </p:oleObj>
               </mc:Choice>
@@ -11399,7 +11510,7 @@
                       <a:noFill/>
                       <a:extLst>
                         <a:ext uri="{909E8E84-426E-40dd-AFC4-6F175D3DCCD1}">
-                          <a14:hiddenFill xmlns:a14="http://schemas.microsoft.com/office/drawing/2010/main">
+                          <a14:hiddenFill xmlns:a14="http://schemas.microsoft.com/office/drawing/2010/main" xmlns="">
                             <a:solidFill>
                               <a:srgbClr val="FFFFFF"/>
                             </a:solidFill>
@@ -11842,7 +11953,7 @@
   <a:extraClrSchemeLst/>
   <a:extLst>
     <a:ext uri="{05A4C25C-085E-4340-85A3-A5531E510DB2}">
-      <thm15:themeFamily xmlns:thm15="http://schemas.microsoft.com/office/thememl/2012/main" xmlns="" name="Facet" id="{C0C680CD-088A-49FC-A102-D699147F32B2}" vid="{CFBC31BA-B70F-4F30-BCAA-4F3011E16C4D}"/>
+      <thm15:themeFamily xmlns:thm15="http://schemas.microsoft.com/office/thememl/2012/main" name="Facet" id="{C0C680CD-088A-49FC-A102-D699147F32B2}" vid="{CFBC31BA-B70F-4F30-BCAA-4F3011E16C4D}"/>
     </a:ext>
   </a:extLst>
 </a:theme>
@@ -12137,7 +12248,7 @@
   <a:extraClrSchemeLst/>
   <a:extLst>
     <a:ext uri="{05A4C25C-085E-4340-85A3-A5531E510DB2}">
-      <thm15:themeFamily xmlns:thm15="http://schemas.microsoft.com/office/thememl/2012/main" xmlns="" name="Office Theme" id="{62F939B6-93AF-4DB8-9C6B-D6C7DFDC589F}" vid="{4A3C46E8-61CC-4603-A589-7422A47A8E4A}"/>
+      <thm15:themeFamily xmlns:thm15="http://schemas.microsoft.com/office/thememl/2012/main" name="Office Theme" id="{62F939B6-93AF-4DB8-9C6B-D6C7DFDC589F}" vid="{4A3C46E8-61CC-4603-A589-7422A47A8E4A}"/>
     </a:ext>
   </a:extLst>
 </a:theme>
